--- a/Named-Data-Net/PPT/MEC에서-정보-중심-네트워크-컨텐츠-캐싱-최적화-방안.pptx
+++ b/Named-Data-Net/PPT/MEC에서-정보-중심-네트워크-컨텐츠-캐싱-최적화-방안.pptx
@@ -5,30 +5,33 @@
     <p:sldMasterId id="2147483648" r:id="rId4"/>
   </p:sldMasterIdLst>
   <p:notesMasterIdLst>
-    <p:notesMasterId r:id="rId9"/>
+    <p:notesMasterId r:id="rId12"/>
   </p:notesMasterIdLst>
   <p:sldIdLst>
     <p:sldId id="272" r:id="rId5"/>
     <p:sldId id="273" r:id="rId6"/>
     <p:sldId id="330" r:id="rId7"/>
     <p:sldId id="266" r:id="rId8"/>
+    <p:sldId id="331" r:id="rId9"/>
+    <p:sldId id="332" r:id="rId10"/>
+    <p:sldId id="333" r:id="rId11"/>
   </p:sldIdLst>
   <p:sldSz cx="12192000" cy="6858000"/>
   <p:notesSz cx="6858000" cy="9144000"/>
   <p:embeddedFontLst>
     <p:embeddedFont>
       <p:font typeface="맑은 고딕" panose="020B0503020000020004" pitchFamily="50" charset="-127"/>
-      <p:regular r:id="rId10"/>
-      <p:bold r:id="rId11"/>
+      <p:regular r:id="rId13"/>
+      <p:bold r:id="rId14"/>
     </p:embeddedFont>
     <p:embeddedFont>
       <p:font typeface="배달의민족 도현" panose="020B0600000101010101" pitchFamily="50" charset="-127"/>
-      <p:regular r:id="rId12"/>
+      <p:regular r:id="rId15"/>
     </p:embeddedFont>
     <p:embeddedFont>
       <p:font typeface="한컴 고딕" panose="02000500000000000000" pitchFamily="2" charset="-127"/>
-      <p:regular r:id="rId13"/>
-      <p:bold r:id="rId14"/>
+      <p:regular r:id="rId16"/>
+      <p:bold r:id="rId17"/>
     </p:embeddedFont>
   </p:embeddedFontLst>
   <p:defaultTextStyle>
@@ -5105,7 +5108,7 @@
         <p:spPr>
           <a:xfrm>
             <a:off x="206187" y="715619"/>
-            <a:ext cx="11842378" cy="971292"/>
+            <a:ext cx="11842378" cy="6049605"/>
           </a:xfrm>
           <a:prstGeom prst="rect">
             <a:avLst/>
@@ -5124,22 +5127,35 @@
               </a:lnSpc>
             </a:pPr>
             <a:r>
-              <a:rPr lang="en-US" altLang="ko-KR" sz="2000" b="1">
+              <a:rPr lang="en-US" altLang="ko-KR" sz="2000" b="1" dirty="0">
                 <a:solidFill>
                   <a:schemeClr val="accent1"/>
                 </a:solidFill>
                 <a:latin typeface="한컴 고딕" panose="02000500000000000000" pitchFamily="2" charset="-127"/>
                 <a:ea typeface="한컴 고딕" panose="02000500000000000000" pitchFamily="2" charset="-127"/>
               </a:rPr>
-              <a:t>C</a:t>
-            </a:r>
-            <a:endParaRPr lang="en-US" altLang="ko-KR" sz="2000" b="1" dirty="0">
-              <a:solidFill>
-                <a:schemeClr val="accent1"/>
-              </a:solidFill>
-              <a:latin typeface="한컴 고딕" panose="02000500000000000000" pitchFamily="2" charset="-127"/>
-              <a:ea typeface="한컴 고딕" panose="02000500000000000000" pitchFamily="2" charset="-127"/>
-            </a:endParaRPr>
+              <a:t>MEC</a:t>
+            </a:r>
+            <a:r>
+              <a:rPr lang="ko-KR" altLang="en-US" sz="2000" b="1" dirty="0">
+                <a:solidFill>
+                  <a:schemeClr val="accent1"/>
+                </a:solidFill>
+                <a:latin typeface="한컴 고딕" panose="02000500000000000000" pitchFamily="2" charset="-127"/>
+                <a:ea typeface="한컴 고딕" panose="02000500000000000000" pitchFamily="2" charset="-127"/>
+              </a:rPr>
+              <a:t>란</a:t>
+            </a:r>
+            <a:r>
+              <a:rPr lang="en-US" altLang="ko-KR" sz="2000" b="1" dirty="0">
+                <a:solidFill>
+                  <a:schemeClr val="accent1"/>
+                </a:solidFill>
+                <a:latin typeface="한컴 고딕" panose="02000500000000000000" pitchFamily="2" charset="-127"/>
+                <a:ea typeface="한컴 고딕" panose="02000500000000000000" pitchFamily="2" charset="-127"/>
+              </a:rPr>
+              <a:t>?</a:t>
+            </a:r>
           </a:p>
           <a:p>
             <a:pPr marL="342900" indent="-342900">
@@ -5150,7 +5166,7 @@
               <a:buChar char="•"/>
             </a:pPr>
             <a:r>
-              <a:rPr lang="ko-KR" altLang="en-US" sz="2000" b="1" dirty="0">
+              <a:rPr lang="en-US" altLang="ko-KR" sz="2000" b="1" dirty="0">
                 <a:solidFill>
                   <a:schemeClr val="tx1">
                     <a:lumMod val="50000"/>
@@ -5160,7 +5176,72 @@
                 <a:latin typeface="한컴 고딕" panose="02000500000000000000" pitchFamily="2" charset="-127"/>
                 <a:ea typeface="한컴 고딕" panose="02000500000000000000" pitchFamily="2" charset="-127"/>
               </a:rPr>
-              <a:t>현</a:t>
+              <a:t>Multi-access Edge Computing</a:t>
+            </a:r>
+            <a:r>
+              <a:rPr lang="ko-KR" altLang="en-US" sz="2000" b="1" dirty="0">
+                <a:solidFill>
+                  <a:schemeClr val="tx1">
+                    <a:lumMod val="50000"/>
+                    <a:lumOff val="50000"/>
+                  </a:schemeClr>
+                </a:solidFill>
+                <a:latin typeface="한컴 고딕" panose="02000500000000000000" pitchFamily="2" charset="-127"/>
+                <a:ea typeface="한컴 고딕" panose="02000500000000000000" pitchFamily="2" charset="-127"/>
+              </a:rPr>
+              <a:t>의 약자로 </a:t>
+            </a:r>
+            <a:r>
+              <a:rPr lang="en-US" altLang="ko-KR" sz="2000" b="1" dirty="0">
+                <a:solidFill>
+                  <a:schemeClr val="tx1">
+                    <a:lumMod val="50000"/>
+                    <a:lumOff val="50000"/>
+                  </a:schemeClr>
+                </a:solidFill>
+                <a:latin typeface="한컴 고딕" panose="02000500000000000000" pitchFamily="2" charset="-127"/>
+                <a:ea typeface="한컴 고딕" panose="02000500000000000000" pitchFamily="2" charset="-127"/>
+              </a:rPr>
+              <a:t>5G </a:t>
+            </a:r>
+            <a:r>
+              <a:rPr lang="ko-KR" altLang="en-US" sz="2000" b="1" dirty="0">
+                <a:solidFill>
+                  <a:schemeClr val="tx1">
+                    <a:lumMod val="50000"/>
+                    <a:lumOff val="50000"/>
+                  </a:schemeClr>
+                </a:solidFill>
+                <a:latin typeface="한컴 고딕" panose="02000500000000000000" pitchFamily="2" charset="-127"/>
+                <a:ea typeface="한컴 고딕" panose="02000500000000000000" pitchFamily="2" charset="-127"/>
+              </a:rPr>
+              <a:t>서비스를 효과적으로 제공하기 위해 </a:t>
+            </a:r>
+            <a:r>
+              <a:rPr lang="ko-KR" altLang="en-US" sz="2000" b="1" dirty="0" err="1">
+                <a:solidFill>
+                  <a:schemeClr val="tx1">
+                    <a:lumMod val="50000"/>
+                    <a:lumOff val="50000"/>
+                  </a:schemeClr>
+                </a:solidFill>
+                <a:latin typeface="한컴 고딕" panose="02000500000000000000" pitchFamily="2" charset="-127"/>
+                <a:ea typeface="한컴 고딕" panose="02000500000000000000" pitchFamily="2" charset="-127"/>
+              </a:rPr>
+              <a:t>활동되는</a:t>
+            </a:r>
+            <a:r>
+              <a:rPr lang="ko-KR" altLang="en-US" sz="2000" b="1" dirty="0">
+                <a:solidFill>
+                  <a:schemeClr val="tx1">
+                    <a:lumMod val="50000"/>
+                    <a:lumOff val="50000"/>
+                  </a:schemeClr>
+                </a:solidFill>
+                <a:latin typeface="한컴 고딕" panose="02000500000000000000" pitchFamily="2" charset="-127"/>
+                <a:ea typeface="한컴 고딕" panose="02000500000000000000" pitchFamily="2" charset="-127"/>
+              </a:rPr>
+              <a:t> 기술</a:t>
             </a:r>
             <a:endParaRPr lang="en-US" altLang="ko-KR" sz="2000" b="1" dirty="0">
               <a:solidFill>
@@ -5173,6 +5254,701 @@
               <a:ea typeface="한컴 고딕" panose="02000500000000000000" pitchFamily="2" charset="-127"/>
             </a:endParaRPr>
           </a:p>
+          <a:p>
+            <a:pPr marL="342900" indent="-342900">
+              <a:lnSpc>
+                <a:spcPct val="150000"/>
+              </a:lnSpc>
+              <a:buFont typeface="Arial" panose="020B0604020202020204" pitchFamily="34" charset="0"/>
+              <a:buChar char="•"/>
+            </a:pPr>
+            <a:r>
+              <a:rPr lang="en-US" altLang="ko-KR" sz="2000" b="1" dirty="0">
+                <a:solidFill>
+                  <a:schemeClr val="tx1">
+                    <a:lumMod val="50000"/>
+                    <a:lumOff val="50000"/>
+                  </a:schemeClr>
+                </a:solidFill>
+                <a:latin typeface="한컴 고딕" panose="02000500000000000000" pitchFamily="2" charset="-127"/>
+                <a:ea typeface="한컴 고딕" panose="02000500000000000000" pitchFamily="2" charset="-127"/>
+              </a:rPr>
+              <a:t>5G </a:t>
+            </a:r>
+            <a:r>
+              <a:rPr lang="ko-KR" altLang="en-US" sz="2000" b="1" dirty="0">
+                <a:solidFill>
+                  <a:schemeClr val="tx1">
+                    <a:lumMod val="50000"/>
+                    <a:lumOff val="50000"/>
+                  </a:schemeClr>
+                </a:solidFill>
+                <a:latin typeface="한컴 고딕" panose="02000500000000000000" pitchFamily="2" charset="-127"/>
+                <a:ea typeface="한컴 고딕" panose="02000500000000000000" pitchFamily="2" charset="-127"/>
+              </a:rPr>
+              <a:t>서비스의 예시</a:t>
+            </a:r>
+            <a:endParaRPr lang="en-US" altLang="ko-KR" sz="2000" b="1" dirty="0">
+              <a:solidFill>
+                <a:schemeClr val="tx1">
+                  <a:lumMod val="50000"/>
+                  <a:lumOff val="50000"/>
+                </a:schemeClr>
+              </a:solidFill>
+              <a:latin typeface="한컴 고딕" panose="02000500000000000000" pitchFamily="2" charset="-127"/>
+              <a:ea typeface="한컴 고딕" panose="02000500000000000000" pitchFamily="2" charset="-127"/>
+            </a:endParaRPr>
+          </a:p>
+          <a:p>
+            <a:pPr marL="800100" lvl="1" indent="-342900">
+              <a:lnSpc>
+                <a:spcPct val="150000"/>
+              </a:lnSpc>
+              <a:buFont typeface="Arial" panose="020B0604020202020204" pitchFamily="34" charset="0"/>
+              <a:buChar char="•"/>
+            </a:pPr>
+            <a:r>
+              <a:rPr lang="en-US" altLang="ko-KR" sz="2000" b="1" dirty="0" err="1">
+                <a:solidFill>
+                  <a:schemeClr val="tx1">
+                    <a:lumMod val="50000"/>
+                    <a:lumOff val="50000"/>
+                  </a:schemeClr>
+                </a:solidFill>
+                <a:latin typeface="한컴 고딕" panose="02000500000000000000" pitchFamily="2" charset="-127"/>
+                <a:ea typeface="한컴 고딕" panose="02000500000000000000" pitchFamily="2" charset="-127"/>
+              </a:rPr>
+              <a:t>eMBB</a:t>
+            </a:r>
+            <a:r>
+              <a:rPr lang="en-US" altLang="ko-KR" sz="2000" b="1" dirty="0">
+                <a:solidFill>
+                  <a:schemeClr val="tx1">
+                    <a:lumMod val="50000"/>
+                    <a:lumOff val="50000"/>
+                  </a:schemeClr>
+                </a:solidFill>
+                <a:latin typeface="한컴 고딕" panose="02000500000000000000" pitchFamily="2" charset="-127"/>
+                <a:ea typeface="한컴 고딕" panose="02000500000000000000" pitchFamily="2" charset="-127"/>
+              </a:rPr>
+              <a:t>(enhanced </a:t>
+            </a:r>
+            <a:r>
+              <a:rPr lang="en-US" altLang="ko-KR" sz="2000" b="1" dirty="0" err="1">
+                <a:solidFill>
+                  <a:schemeClr val="tx1">
+                    <a:lumMod val="50000"/>
+                    <a:lumOff val="50000"/>
+                  </a:schemeClr>
+                </a:solidFill>
+                <a:latin typeface="한컴 고딕" panose="02000500000000000000" pitchFamily="2" charset="-127"/>
+                <a:ea typeface="한컴 고딕" panose="02000500000000000000" pitchFamily="2" charset="-127"/>
+              </a:rPr>
+              <a:t>Moblie</a:t>
+            </a:r>
+            <a:r>
+              <a:rPr lang="en-US" altLang="ko-KR" sz="2000" b="1" dirty="0">
+                <a:solidFill>
+                  <a:schemeClr val="tx1">
+                    <a:lumMod val="50000"/>
+                    <a:lumOff val="50000"/>
+                  </a:schemeClr>
+                </a:solidFill>
+                <a:latin typeface="한컴 고딕" panose="02000500000000000000" pitchFamily="2" charset="-127"/>
+                <a:ea typeface="한컴 고딕" panose="02000500000000000000" pitchFamily="2" charset="-127"/>
+              </a:rPr>
+              <a:t> </a:t>
+            </a:r>
+            <a:r>
+              <a:rPr lang="en-US" altLang="ko-KR" sz="2000" b="1" dirty="0" err="1">
+                <a:solidFill>
+                  <a:schemeClr val="tx1">
+                    <a:lumMod val="50000"/>
+                    <a:lumOff val="50000"/>
+                  </a:schemeClr>
+                </a:solidFill>
+                <a:latin typeface="한컴 고딕" panose="02000500000000000000" pitchFamily="2" charset="-127"/>
+                <a:ea typeface="한컴 고딕" panose="02000500000000000000" pitchFamily="2" charset="-127"/>
+              </a:rPr>
+              <a:t>BroadBand</a:t>
+            </a:r>
+            <a:r>
+              <a:rPr lang="en-US" altLang="ko-KR" sz="2000" b="1" dirty="0">
+                <a:solidFill>
+                  <a:schemeClr val="tx1">
+                    <a:lumMod val="50000"/>
+                    <a:lumOff val="50000"/>
+                  </a:schemeClr>
+                </a:solidFill>
+                <a:latin typeface="한컴 고딕" panose="02000500000000000000" pitchFamily="2" charset="-127"/>
+                <a:ea typeface="한컴 고딕" panose="02000500000000000000" pitchFamily="2" charset="-127"/>
+              </a:rPr>
+              <a:t>)</a:t>
+            </a:r>
+          </a:p>
+          <a:p>
+            <a:pPr marL="1257300" lvl="2" indent="-342900">
+              <a:lnSpc>
+                <a:spcPct val="150000"/>
+              </a:lnSpc>
+              <a:buFont typeface="Arial" panose="020B0604020202020204" pitchFamily="34" charset="0"/>
+              <a:buChar char="•"/>
+            </a:pPr>
+            <a:r>
+              <a:rPr lang="ko-KR" altLang="en-US" sz="2000" b="1" dirty="0">
+                <a:solidFill>
+                  <a:schemeClr val="tx1">
+                    <a:lumMod val="50000"/>
+                    <a:lumOff val="50000"/>
+                  </a:schemeClr>
+                </a:solidFill>
+                <a:latin typeface="한컴 고딕" panose="02000500000000000000" pitchFamily="2" charset="-127"/>
+                <a:ea typeface="한컴 고딕" panose="02000500000000000000" pitchFamily="2" charset="-127"/>
+              </a:rPr>
+              <a:t>모바일 광대역 서비스의 발전된 형태</a:t>
+            </a:r>
+            <a:endParaRPr lang="en-US" altLang="ko-KR" sz="2000" b="1" dirty="0">
+              <a:solidFill>
+                <a:schemeClr val="tx1">
+                  <a:lumMod val="50000"/>
+                  <a:lumOff val="50000"/>
+                </a:schemeClr>
+              </a:solidFill>
+              <a:latin typeface="한컴 고딕" panose="02000500000000000000" pitchFamily="2" charset="-127"/>
+              <a:ea typeface="한컴 고딕" panose="02000500000000000000" pitchFamily="2" charset="-127"/>
+            </a:endParaRPr>
+          </a:p>
+          <a:p>
+            <a:pPr marL="1257300" lvl="2" indent="-342900">
+              <a:lnSpc>
+                <a:spcPct val="150000"/>
+              </a:lnSpc>
+              <a:buFont typeface="Arial" panose="020B0604020202020204" pitchFamily="34" charset="0"/>
+              <a:buChar char="•"/>
+            </a:pPr>
+            <a:r>
+              <a:rPr lang="en-US" altLang="ko-KR" sz="2000" b="1" dirty="0">
+                <a:solidFill>
+                  <a:schemeClr val="tx1">
+                    <a:lumMod val="50000"/>
+                    <a:lumOff val="50000"/>
+                  </a:schemeClr>
+                </a:solidFill>
+                <a:latin typeface="한컴 고딕" panose="02000500000000000000" pitchFamily="2" charset="-127"/>
+                <a:ea typeface="한컴 고딕" panose="02000500000000000000" pitchFamily="2" charset="-127"/>
+              </a:rPr>
+              <a:t>4G </a:t>
+            </a:r>
+            <a:r>
+              <a:rPr lang="ko-KR" altLang="en-US" sz="2000" b="1" dirty="0">
+                <a:solidFill>
+                  <a:schemeClr val="tx1">
+                    <a:lumMod val="50000"/>
+                    <a:lumOff val="50000"/>
+                  </a:schemeClr>
+                </a:solidFill>
+                <a:latin typeface="한컴 고딕" panose="02000500000000000000" pitchFamily="2" charset="-127"/>
+                <a:ea typeface="한컴 고딕" panose="02000500000000000000" pitchFamily="2" charset="-127"/>
+              </a:rPr>
+              <a:t>이동통신보다 전송 속도 향상</a:t>
+            </a:r>
+            <a:r>
+              <a:rPr lang="en-US" altLang="ko-KR" sz="2000" b="1" dirty="0">
+                <a:solidFill>
+                  <a:schemeClr val="tx1">
+                    <a:lumMod val="50000"/>
+                    <a:lumOff val="50000"/>
+                  </a:schemeClr>
+                </a:solidFill>
+                <a:latin typeface="한컴 고딕" panose="02000500000000000000" pitchFamily="2" charset="-127"/>
+                <a:ea typeface="한컴 고딕" panose="02000500000000000000" pitchFamily="2" charset="-127"/>
+              </a:rPr>
+              <a:t>, </a:t>
+            </a:r>
+            <a:r>
+              <a:rPr lang="ko-KR" altLang="en-US" sz="2000" b="1" dirty="0">
+                <a:solidFill>
+                  <a:schemeClr val="tx1">
+                    <a:lumMod val="50000"/>
+                    <a:lumOff val="50000"/>
+                  </a:schemeClr>
+                </a:solidFill>
+                <a:latin typeface="한컴 고딕" panose="02000500000000000000" pitchFamily="2" charset="-127"/>
+                <a:ea typeface="한컴 고딕" panose="02000500000000000000" pitchFamily="2" charset="-127"/>
+              </a:rPr>
+              <a:t>및 이동성 지원</a:t>
+            </a:r>
+            <a:endParaRPr lang="en-US" altLang="ko-KR" sz="2000" b="1" dirty="0">
+              <a:solidFill>
+                <a:schemeClr val="tx1">
+                  <a:lumMod val="50000"/>
+                  <a:lumOff val="50000"/>
+                </a:schemeClr>
+              </a:solidFill>
+              <a:latin typeface="한컴 고딕" panose="02000500000000000000" pitchFamily="2" charset="-127"/>
+              <a:ea typeface="한컴 고딕" panose="02000500000000000000" pitchFamily="2" charset="-127"/>
+            </a:endParaRPr>
+          </a:p>
+          <a:p>
+            <a:pPr marL="1257300" lvl="2" indent="-342900">
+              <a:lnSpc>
+                <a:spcPct val="150000"/>
+              </a:lnSpc>
+              <a:buFont typeface="Arial" panose="020B0604020202020204" pitchFamily="34" charset="0"/>
+              <a:buChar char="•"/>
+            </a:pPr>
+            <a:r>
+              <a:rPr lang="en-US" altLang="ko-KR" sz="2000" b="1" dirty="0">
+                <a:solidFill>
+                  <a:schemeClr val="tx1">
+                    <a:lumMod val="50000"/>
+                    <a:lumOff val="50000"/>
+                  </a:schemeClr>
+                </a:solidFill>
+                <a:latin typeface="한컴 고딕" panose="02000500000000000000" pitchFamily="2" charset="-127"/>
+                <a:ea typeface="한컴 고딕" panose="02000500000000000000" pitchFamily="2" charset="-127"/>
+              </a:rPr>
+              <a:t>Gbps</a:t>
+            </a:r>
+            <a:r>
+              <a:rPr lang="ko-KR" altLang="en-US" sz="2000" b="1" dirty="0">
+                <a:solidFill>
+                  <a:schemeClr val="tx1">
+                    <a:lumMod val="50000"/>
+                    <a:lumOff val="50000"/>
+                  </a:schemeClr>
+                </a:solidFill>
+                <a:latin typeface="한컴 고딕" panose="02000500000000000000" pitchFamily="2" charset="-127"/>
+                <a:ea typeface="한컴 고딕" panose="02000500000000000000" pitchFamily="2" charset="-127"/>
+              </a:rPr>
+              <a:t>급 전송이 가능하고 고화질 비디오 스트리밍에 효과가 좋다</a:t>
+            </a:r>
+            <a:r>
+              <a:rPr lang="en-US" altLang="ko-KR" sz="2000" b="1" dirty="0">
+                <a:solidFill>
+                  <a:schemeClr val="tx1">
+                    <a:lumMod val="50000"/>
+                    <a:lumOff val="50000"/>
+                  </a:schemeClr>
+                </a:solidFill>
+                <a:latin typeface="한컴 고딕" panose="02000500000000000000" pitchFamily="2" charset="-127"/>
+                <a:ea typeface="한컴 고딕" panose="02000500000000000000" pitchFamily="2" charset="-127"/>
+              </a:rPr>
+              <a:t>. (</a:t>
+            </a:r>
+            <a:r>
+              <a:rPr lang="ko-KR" altLang="en-US" sz="2000" b="1" dirty="0">
+                <a:solidFill>
+                  <a:schemeClr val="tx1">
+                    <a:lumMod val="50000"/>
+                    <a:lumOff val="50000"/>
+                  </a:schemeClr>
+                </a:solidFill>
+                <a:latin typeface="한컴 고딕" panose="02000500000000000000" pitchFamily="2" charset="-127"/>
+                <a:ea typeface="한컴 고딕" panose="02000500000000000000" pitchFamily="2" charset="-127"/>
+              </a:rPr>
+              <a:t>인간중심</a:t>
+            </a:r>
+            <a:r>
+              <a:rPr lang="en-US" altLang="ko-KR" sz="2000" b="1" dirty="0">
+                <a:solidFill>
+                  <a:schemeClr val="tx1">
+                    <a:lumMod val="50000"/>
+                    <a:lumOff val="50000"/>
+                  </a:schemeClr>
+                </a:solidFill>
+                <a:latin typeface="한컴 고딕" panose="02000500000000000000" pitchFamily="2" charset="-127"/>
+                <a:ea typeface="한컴 고딕" panose="02000500000000000000" pitchFamily="2" charset="-127"/>
+              </a:rPr>
+              <a:t>)</a:t>
+            </a:r>
+          </a:p>
+          <a:p>
+            <a:pPr marL="800100" lvl="1" indent="-342900">
+              <a:lnSpc>
+                <a:spcPct val="150000"/>
+              </a:lnSpc>
+              <a:buFont typeface="Arial" panose="020B0604020202020204" pitchFamily="34" charset="0"/>
+              <a:buChar char="•"/>
+            </a:pPr>
+            <a:r>
+              <a:rPr lang="en-US" altLang="ko-KR" sz="2000" b="1" dirty="0" err="1">
+                <a:solidFill>
+                  <a:schemeClr val="tx1">
+                    <a:lumMod val="50000"/>
+                    <a:lumOff val="50000"/>
+                  </a:schemeClr>
+                </a:solidFill>
+                <a:latin typeface="한컴 고딕" panose="02000500000000000000" pitchFamily="2" charset="-127"/>
+                <a:ea typeface="한컴 고딕" panose="02000500000000000000" pitchFamily="2" charset="-127"/>
+              </a:rPr>
+              <a:t>mMTC</a:t>
+            </a:r>
+            <a:r>
+              <a:rPr lang="en-US" altLang="ko-KR" sz="2000" b="1" dirty="0">
+                <a:solidFill>
+                  <a:schemeClr val="tx1">
+                    <a:lumMod val="50000"/>
+                    <a:lumOff val="50000"/>
+                  </a:schemeClr>
+                </a:solidFill>
+                <a:latin typeface="한컴 고딕" panose="02000500000000000000" pitchFamily="2" charset="-127"/>
+                <a:ea typeface="한컴 고딕" panose="02000500000000000000" pitchFamily="2" charset="-127"/>
+              </a:rPr>
+              <a:t>(Massive Machine Type Communications)</a:t>
+            </a:r>
+          </a:p>
+          <a:p>
+            <a:pPr marL="1257300" lvl="2" indent="-342900">
+              <a:lnSpc>
+                <a:spcPct val="150000"/>
+              </a:lnSpc>
+              <a:buFont typeface="Arial" panose="020B0604020202020204" pitchFamily="34" charset="0"/>
+              <a:buChar char="•"/>
+            </a:pPr>
+            <a:r>
+              <a:rPr lang="en-US" altLang="ko-KR" sz="2000" b="1" dirty="0">
+                <a:solidFill>
+                  <a:schemeClr val="tx1">
+                    <a:lumMod val="50000"/>
+                    <a:lumOff val="50000"/>
+                  </a:schemeClr>
+                </a:solidFill>
+                <a:latin typeface="한컴 고딕" panose="02000500000000000000" pitchFamily="2" charset="-127"/>
+                <a:ea typeface="한컴 고딕" panose="02000500000000000000" pitchFamily="2" charset="-127"/>
+              </a:rPr>
+              <a:t>IoT </a:t>
+            </a:r>
+            <a:r>
+              <a:rPr lang="ko-KR" altLang="en-US" sz="2000" b="1" dirty="0">
+                <a:solidFill>
+                  <a:schemeClr val="tx1">
+                    <a:lumMod val="50000"/>
+                    <a:lumOff val="50000"/>
+                  </a:schemeClr>
+                </a:solidFill>
+                <a:latin typeface="한컴 고딕" panose="02000500000000000000" pitchFamily="2" charset="-127"/>
+                <a:ea typeface="한컴 고딕" panose="02000500000000000000" pitchFamily="2" charset="-127"/>
+              </a:rPr>
+              <a:t>기기와 같은 기기 형태 단말과의 통신을 위한 시나리오 </a:t>
+            </a:r>
+            <a:r>
+              <a:rPr lang="en-US" altLang="ko-KR" sz="2000" b="1" dirty="0">
+                <a:solidFill>
+                  <a:schemeClr val="tx1">
+                    <a:lumMod val="50000"/>
+                    <a:lumOff val="50000"/>
+                  </a:schemeClr>
+                </a:solidFill>
+                <a:latin typeface="한컴 고딕" panose="02000500000000000000" pitchFamily="2" charset="-127"/>
+                <a:ea typeface="한컴 고딕" panose="02000500000000000000" pitchFamily="2" charset="-127"/>
+              </a:rPr>
+              <a:t>(</a:t>
+            </a:r>
+            <a:r>
+              <a:rPr lang="ko-KR" altLang="en-US" sz="2000" b="1" dirty="0">
+                <a:solidFill>
+                  <a:schemeClr val="tx1">
+                    <a:lumMod val="50000"/>
+                    <a:lumOff val="50000"/>
+                  </a:schemeClr>
+                </a:solidFill>
+                <a:latin typeface="한컴 고딕" panose="02000500000000000000" pitchFamily="2" charset="-127"/>
+                <a:ea typeface="한컴 고딕" panose="02000500000000000000" pitchFamily="2" charset="-127"/>
+              </a:rPr>
+              <a:t>기계중심</a:t>
+            </a:r>
+            <a:r>
+              <a:rPr lang="en-US" altLang="ko-KR" sz="2000" b="1" dirty="0">
+                <a:solidFill>
+                  <a:schemeClr val="tx1">
+                    <a:lumMod val="50000"/>
+                    <a:lumOff val="50000"/>
+                  </a:schemeClr>
+                </a:solidFill>
+                <a:latin typeface="한컴 고딕" panose="02000500000000000000" pitchFamily="2" charset="-127"/>
+                <a:ea typeface="한컴 고딕" panose="02000500000000000000" pitchFamily="2" charset="-127"/>
+              </a:rPr>
+              <a:t>)</a:t>
+            </a:r>
+          </a:p>
+          <a:p>
+            <a:pPr marL="1257300" lvl="2" indent="-342900">
+              <a:lnSpc>
+                <a:spcPct val="150000"/>
+              </a:lnSpc>
+              <a:buFont typeface="Arial" panose="020B0604020202020204" pitchFamily="34" charset="0"/>
+              <a:buChar char="•"/>
+            </a:pPr>
+            <a:r>
+              <a:rPr lang="ko-KR" altLang="en-US" sz="2000" b="1" dirty="0">
+                <a:solidFill>
+                  <a:schemeClr val="tx1">
+                    <a:lumMod val="50000"/>
+                    <a:lumOff val="50000"/>
+                  </a:schemeClr>
+                </a:solidFill>
+                <a:latin typeface="한컴 고딕" panose="02000500000000000000" pitchFamily="2" charset="-127"/>
+                <a:ea typeface="한컴 고딕" panose="02000500000000000000" pitchFamily="2" charset="-127"/>
+              </a:rPr>
+              <a:t>전송속도</a:t>
+            </a:r>
+            <a:r>
+              <a:rPr lang="en-US" altLang="ko-KR" sz="2000" b="1" dirty="0">
+                <a:solidFill>
+                  <a:schemeClr val="tx1">
+                    <a:lumMod val="50000"/>
+                    <a:lumOff val="50000"/>
+                  </a:schemeClr>
+                </a:solidFill>
+                <a:latin typeface="한컴 고딕" panose="02000500000000000000" pitchFamily="2" charset="-127"/>
+                <a:ea typeface="한컴 고딕" panose="02000500000000000000" pitchFamily="2" charset="-127"/>
+              </a:rPr>
+              <a:t>, </a:t>
+            </a:r>
+            <a:r>
+              <a:rPr lang="ko-KR" altLang="en-US" sz="2000" b="1" dirty="0">
+                <a:solidFill>
+                  <a:schemeClr val="tx1">
+                    <a:lumMod val="50000"/>
+                    <a:lumOff val="50000"/>
+                  </a:schemeClr>
+                </a:solidFill>
+                <a:latin typeface="한컴 고딕" panose="02000500000000000000" pitchFamily="2" charset="-127"/>
+                <a:ea typeface="한컴 고딕" panose="02000500000000000000" pitchFamily="2" charset="-127"/>
+              </a:rPr>
+              <a:t>지연시간보다는 연결밀도</a:t>
+            </a:r>
+            <a:r>
+              <a:rPr lang="en-US" altLang="ko-KR" sz="2000" b="1" dirty="0">
+                <a:solidFill>
+                  <a:schemeClr val="tx1">
+                    <a:lumMod val="50000"/>
+                    <a:lumOff val="50000"/>
+                  </a:schemeClr>
+                </a:solidFill>
+                <a:latin typeface="한컴 고딕" panose="02000500000000000000" pitchFamily="2" charset="-127"/>
+                <a:ea typeface="한컴 고딕" panose="02000500000000000000" pitchFamily="2" charset="-127"/>
+              </a:rPr>
+              <a:t>(</a:t>
+            </a:r>
+            <a:r>
+              <a:rPr lang="ko-KR" altLang="en-US" sz="2000" b="1" dirty="0">
+                <a:solidFill>
+                  <a:schemeClr val="tx1">
+                    <a:lumMod val="50000"/>
+                    <a:lumOff val="50000"/>
+                  </a:schemeClr>
+                </a:solidFill>
+                <a:latin typeface="한컴 고딕" panose="02000500000000000000" pitchFamily="2" charset="-127"/>
+                <a:ea typeface="한컴 고딕" panose="02000500000000000000" pitchFamily="2" charset="-127"/>
+              </a:rPr>
+              <a:t>초연결성</a:t>
+            </a:r>
+            <a:r>
+              <a:rPr lang="en-US" altLang="ko-KR" sz="2000" b="1" dirty="0">
+                <a:solidFill>
+                  <a:schemeClr val="tx1">
+                    <a:lumMod val="50000"/>
+                    <a:lumOff val="50000"/>
+                  </a:schemeClr>
+                </a:solidFill>
+                <a:latin typeface="한컴 고딕" panose="02000500000000000000" pitchFamily="2" charset="-127"/>
+                <a:ea typeface="한컴 고딕" panose="02000500000000000000" pitchFamily="2" charset="-127"/>
+              </a:rPr>
+              <a:t>)</a:t>
+            </a:r>
+            <a:r>
+              <a:rPr lang="ko-KR" altLang="en-US" sz="2000" b="1" dirty="0">
+                <a:solidFill>
+                  <a:schemeClr val="tx1">
+                    <a:lumMod val="50000"/>
+                    <a:lumOff val="50000"/>
+                  </a:schemeClr>
+                </a:solidFill>
+                <a:latin typeface="한컴 고딕" panose="02000500000000000000" pitchFamily="2" charset="-127"/>
+                <a:ea typeface="한컴 고딕" panose="02000500000000000000" pitchFamily="2" charset="-127"/>
+              </a:rPr>
+              <a:t>을 높이는 것이 중요</a:t>
+            </a:r>
+            <a:endParaRPr lang="en-US" altLang="ko-KR" sz="2000" b="1" dirty="0">
+              <a:solidFill>
+                <a:schemeClr val="tx1">
+                  <a:lumMod val="50000"/>
+                  <a:lumOff val="50000"/>
+                </a:schemeClr>
+              </a:solidFill>
+              <a:latin typeface="한컴 고딕" panose="02000500000000000000" pitchFamily="2" charset="-127"/>
+              <a:ea typeface="한컴 고딕" panose="02000500000000000000" pitchFamily="2" charset="-127"/>
+            </a:endParaRPr>
+          </a:p>
+          <a:p>
+            <a:pPr marL="800100" lvl="1" indent="-342900">
+              <a:lnSpc>
+                <a:spcPct val="150000"/>
+              </a:lnSpc>
+              <a:buFont typeface="Arial" panose="020B0604020202020204" pitchFamily="34" charset="0"/>
+              <a:buChar char="•"/>
+            </a:pPr>
+            <a:r>
+              <a:rPr lang="en-US" altLang="ko-KR" sz="2000" b="1" dirty="0">
+                <a:solidFill>
+                  <a:schemeClr val="tx1">
+                    <a:lumMod val="50000"/>
+                    <a:lumOff val="50000"/>
+                  </a:schemeClr>
+                </a:solidFill>
+                <a:latin typeface="한컴 고딕" panose="02000500000000000000" pitchFamily="2" charset="-127"/>
+                <a:ea typeface="한컴 고딕" panose="02000500000000000000" pitchFamily="2" charset="-127"/>
+              </a:rPr>
+              <a:t>URLLC(Ultra-Reliable and Low Latency Communications)</a:t>
+            </a:r>
+          </a:p>
+          <a:p>
+            <a:pPr marL="1257300" lvl="2" indent="-342900">
+              <a:lnSpc>
+                <a:spcPct val="150000"/>
+              </a:lnSpc>
+              <a:buFont typeface="Arial" panose="020B0604020202020204" pitchFamily="34" charset="0"/>
+              <a:buChar char="•"/>
+            </a:pPr>
+            <a:r>
+              <a:rPr lang="ko-KR" altLang="en-US" sz="2000" b="1" dirty="0">
+                <a:solidFill>
+                  <a:schemeClr val="tx1">
+                    <a:lumMod val="50000"/>
+                    <a:lumOff val="50000"/>
+                  </a:schemeClr>
+                </a:solidFill>
+                <a:latin typeface="한컴 고딕" panose="02000500000000000000" pitchFamily="2" charset="-127"/>
+                <a:ea typeface="한컴 고딕" panose="02000500000000000000" pitchFamily="2" charset="-127"/>
+              </a:rPr>
+              <a:t>매우 낮은 지연시간</a:t>
+            </a:r>
+            <a:r>
+              <a:rPr lang="en-US" altLang="ko-KR" sz="2000" b="1" dirty="0">
+                <a:solidFill>
+                  <a:schemeClr val="tx1">
+                    <a:lumMod val="50000"/>
+                    <a:lumOff val="50000"/>
+                  </a:schemeClr>
+                </a:solidFill>
+                <a:latin typeface="한컴 고딕" panose="02000500000000000000" pitchFamily="2" charset="-127"/>
+                <a:ea typeface="한컴 고딕" panose="02000500000000000000" pitchFamily="2" charset="-127"/>
+              </a:rPr>
+              <a:t>, </a:t>
+            </a:r>
+            <a:r>
+              <a:rPr lang="ko-KR" altLang="en-US" sz="2000" b="1" dirty="0">
+                <a:solidFill>
+                  <a:schemeClr val="tx1">
+                    <a:lumMod val="50000"/>
+                    <a:lumOff val="50000"/>
+                  </a:schemeClr>
+                </a:solidFill>
+                <a:latin typeface="한컴 고딕" panose="02000500000000000000" pitchFamily="2" charset="-127"/>
+                <a:ea typeface="한컴 고딕" panose="02000500000000000000" pitchFamily="2" charset="-127"/>
+              </a:rPr>
+              <a:t>높은 신뢰성을 가짐 </a:t>
+            </a:r>
+            <a:r>
+              <a:rPr lang="en-US" altLang="ko-KR" sz="2000" b="1" dirty="0">
+                <a:solidFill>
+                  <a:schemeClr val="tx1">
+                    <a:lumMod val="50000"/>
+                    <a:lumOff val="50000"/>
+                  </a:schemeClr>
+                </a:solidFill>
+                <a:latin typeface="한컴 고딕" panose="02000500000000000000" pitchFamily="2" charset="-127"/>
+                <a:ea typeface="한컴 고딕" panose="02000500000000000000" pitchFamily="2" charset="-127"/>
+              </a:rPr>
+              <a:t>(</a:t>
+            </a:r>
+            <a:r>
+              <a:rPr lang="ko-KR" altLang="en-US" sz="2000" b="1" dirty="0">
+                <a:solidFill>
+                  <a:schemeClr val="tx1">
+                    <a:lumMod val="50000"/>
+                    <a:lumOff val="50000"/>
+                  </a:schemeClr>
+                </a:solidFill>
+                <a:latin typeface="한컴 고딕" panose="02000500000000000000" pitchFamily="2" charset="-127"/>
+                <a:ea typeface="한컴 고딕" panose="02000500000000000000" pitchFamily="2" charset="-127"/>
+              </a:rPr>
+              <a:t>인간</a:t>
+            </a:r>
+            <a:r>
+              <a:rPr lang="en-US" altLang="ko-KR" sz="2000" b="1" dirty="0">
+                <a:solidFill>
+                  <a:schemeClr val="tx1">
+                    <a:lumMod val="50000"/>
+                    <a:lumOff val="50000"/>
+                  </a:schemeClr>
+                </a:solidFill>
+                <a:latin typeface="한컴 고딕" panose="02000500000000000000" pitchFamily="2" charset="-127"/>
+                <a:ea typeface="한컴 고딕" panose="02000500000000000000" pitchFamily="2" charset="-127"/>
+              </a:rPr>
+              <a:t>, </a:t>
+            </a:r>
+            <a:r>
+              <a:rPr lang="ko-KR" altLang="en-US" sz="2000" b="1" dirty="0">
+                <a:solidFill>
+                  <a:schemeClr val="tx1">
+                    <a:lumMod val="50000"/>
+                    <a:lumOff val="50000"/>
+                  </a:schemeClr>
+                </a:solidFill>
+                <a:latin typeface="한컴 고딕" panose="02000500000000000000" pitchFamily="2" charset="-127"/>
+                <a:ea typeface="한컴 고딕" panose="02000500000000000000" pitchFamily="2" charset="-127"/>
+              </a:rPr>
+              <a:t>기계 중심</a:t>
+            </a:r>
+            <a:r>
+              <a:rPr lang="en-US" altLang="ko-KR" sz="2000" b="1" dirty="0">
+                <a:solidFill>
+                  <a:schemeClr val="tx1">
+                    <a:lumMod val="50000"/>
+                    <a:lumOff val="50000"/>
+                  </a:schemeClr>
+                </a:solidFill>
+                <a:latin typeface="한컴 고딕" panose="02000500000000000000" pitchFamily="2" charset="-127"/>
+                <a:ea typeface="한컴 고딕" panose="02000500000000000000" pitchFamily="2" charset="-127"/>
+              </a:rPr>
+              <a:t>)</a:t>
+            </a:r>
+          </a:p>
+          <a:p>
+            <a:pPr marL="1257300" lvl="2" indent="-342900">
+              <a:lnSpc>
+                <a:spcPct val="150000"/>
+              </a:lnSpc>
+              <a:buFont typeface="Arial" panose="020B0604020202020204" pitchFamily="34" charset="0"/>
+              <a:buChar char="•"/>
+            </a:pPr>
+            <a:r>
+              <a:rPr lang="ko-KR" altLang="en-US" sz="2000" b="1" dirty="0">
+                <a:solidFill>
+                  <a:schemeClr val="tx1">
+                    <a:lumMod val="50000"/>
+                    <a:lumOff val="50000"/>
+                  </a:schemeClr>
+                </a:solidFill>
+                <a:latin typeface="한컴 고딕" panose="02000500000000000000" pitchFamily="2" charset="-127"/>
+                <a:ea typeface="한컴 고딕" panose="02000500000000000000" pitchFamily="2" charset="-127"/>
+              </a:rPr>
+              <a:t>지연시간과 신뢰성에 대해 엄격함</a:t>
+            </a:r>
+            <a:endParaRPr lang="en-US" altLang="ko-KR" sz="2000" b="1" dirty="0">
+              <a:solidFill>
+                <a:schemeClr val="tx1">
+                  <a:lumMod val="50000"/>
+                  <a:lumOff val="50000"/>
+                </a:schemeClr>
+              </a:solidFill>
+              <a:latin typeface="한컴 고딕" panose="02000500000000000000" pitchFamily="2" charset="-127"/>
+              <a:ea typeface="한컴 고딕" panose="02000500000000000000" pitchFamily="2" charset="-127"/>
+            </a:endParaRPr>
+          </a:p>
         </p:txBody>
       </p:sp>
       <p:sp>
@@ -5208,6 +5984,845 @@
     <p:extLst>
       <p:ext uri="{BB962C8B-B14F-4D97-AF65-F5344CB8AC3E}">
         <p14:creationId xmlns:p14="http://schemas.microsoft.com/office/powerpoint/2010/main" val="87625335"/>
+      </p:ext>
+    </p:extLst>
+  </p:cSld>
+  <p:clrMapOvr>
+    <a:masterClrMapping/>
+  </p:clrMapOvr>
+</p:sld>
+</file>
+
+<file path=ppt/slides/slide5.xml><?xml version="1.0" encoding="utf-8"?>
+<p:sld xmlns:a="http://schemas.openxmlformats.org/drawingml/2006/main" xmlns:r="http://schemas.openxmlformats.org/officeDocument/2006/relationships" xmlns:p="http://schemas.openxmlformats.org/presentationml/2006/main">
+  <p:cSld>
+    <p:spTree>
+      <p:nvGrpSpPr>
+        <p:cNvPr id="1" name=""/>
+        <p:cNvGrpSpPr/>
+        <p:nvPr/>
+      </p:nvGrpSpPr>
+      <p:grpSpPr>
+        <a:xfrm>
+          <a:off x="0" y="0"/>
+          <a:ext cx="0" cy="0"/>
+          <a:chOff x="0" y="0"/>
+          <a:chExt cx="0" cy="0"/>
+        </a:xfrm>
+      </p:grpSpPr>
+      <p:sp>
+        <p:nvSpPr>
+          <p:cNvPr id="2" name="TextBox 1">
+            <a:extLst>
+              <a:ext uri="{FF2B5EF4-FFF2-40B4-BE49-F238E27FC236}">
+                <a16:creationId xmlns:a16="http://schemas.microsoft.com/office/drawing/2014/main" id="{21A7DBE9-2DE9-F0B6-F5C5-7DB6C44D8D28}"/>
+              </a:ext>
+            </a:extLst>
+          </p:cNvPr>
+          <p:cNvSpPr txBox="1"/>
+          <p:nvPr/>
+        </p:nvSpPr>
+        <p:spPr>
+          <a:xfrm>
+            <a:off x="570947" y="1859340"/>
+            <a:ext cx="11190418" cy="1569660"/>
+          </a:xfrm>
+          <a:prstGeom prst="rect">
+            <a:avLst/>
+          </a:prstGeom>
+          <a:noFill/>
+        </p:spPr>
+        <p:txBody>
+          <a:bodyPr wrap="square" rtlCol="0">
+            <a:spAutoFit/>
+          </a:bodyPr>
+          <a:lstStyle/>
+          <a:p>
+            <a:r>
+              <a:rPr lang="en-US" altLang="ko-KR" sz="4800" dirty="0">
+                <a:solidFill>
+                  <a:schemeClr val="tx1">
+                    <a:lumMod val="65000"/>
+                    <a:lumOff val="35000"/>
+                  </a:schemeClr>
+                </a:solidFill>
+                <a:latin typeface="배달의민족 도현" panose="020B0600000101010101" pitchFamily="50" charset="-127"/>
+                <a:ea typeface="배달의민족 도현" panose="020B0600000101010101" pitchFamily="50" charset="-127"/>
+              </a:rPr>
+              <a:t>ICN</a:t>
+            </a:r>
+          </a:p>
+          <a:p>
+            <a:r>
+              <a:rPr lang="en-US" altLang="ko-KR" sz="4800" dirty="0">
+                <a:solidFill>
+                  <a:schemeClr val="tx1">
+                    <a:lumMod val="65000"/>
+                    <a:lumOff val="35000"/>
+                  </a:schemeClr>
+                </a:solidFill>
+                <a:latin typeface="배달의민족 도현" panose="020B0600000101010101" pitchFamily="50" charset="-127"/>
+                <a:ea typeface="배달의민족 도현" panose="020B0600000101010101" pitchFamily="50" charset="-127"/>
+              </a:rPr>
+              <a:t>(Information Centric Networking)</a:t>
+            </a:r>
+          </a:p>
+        </p:txBody>
+      </p:sp>
+      <p:sp>
+        <p:nvSpPr>
+          <p:cNvPr id="3" name="슬라이드 번호 개체 틀 2">
+            <a:extLst>
+              <a:ext uri="{FF2B5EF4-FFF2-40B4-BE49-F238E27FC236}">
+                <a16:creationId xmlns:a16="http://schemas.microsoft.com/office/drawing/2014/main" id="{CE2C3055-3767-2EC3-17AD-3FDE29F361B0}"/>
+              </a:ext>
+            </a:extLst>
+          </p:cNvPr>
+          <p:cNvSpPr>
+            <a:spLocks noGrp="1"/>
+          </p:cNvSpPr>
+          <p:nvPr>
+            <p:ph type="sldNum" sz="quarter" idx="12"/>
+          </p:nvPr>
+        </p:nvSpPr>
+        <p:spPr/>
+        <p:txBody>
+          <a:bodyPr/>
+          <a:lstStyle/>
+          <a:p>
+            <a:fld id="{4503EA79-8FE5-4AB7-9144-49D69278BFF0}" type="slidenum">
+              <a:rPr lang="ko-KR" altLang="en-US" smtClean="0"/>
+              <a:t>5</a:t>
+            </a:fld>
+            <a:endParaRPr lang="ko-KR" altLang="en-US"/>
+          </a:p>
+        </p:txBody>
+      </p:sp>
+      <p:cxnSp>
+        <p:nvCxnSpPr>
+          <p:cNvPr id="4" name="직선 연결선 3">
+            <a:extLst>
+              <a:ext uri="{FF2B5EF4-FFF2-40B4-BE49-F238E27FC236}">
+                <a16:creationId xmlns:a16="http://schemas.microsoft.com/office/drawing/2014/main" id="{00650591-D617-465F-DFD1-82178FC4CBF0}"/>
+              </a:ext>
+            </a:extLst>
+          </p:cNvPr>
+          <p:cNvCxnSpPr>
+            <a:cxnSpLocks/>
+          </p:cNvCxnSpPr>
+          <p:nvPr/>
+        </p:nvCxnSpPr>
+        <p:spPr>
+          <a:xfrm>
+            <a:off x="570947" y="3429000"/>
+            <a:ext cx="10880025" cy="0"/>
+          </a:xfrm>
+          <a:prstGeom prst="line">
+            <a:avLst/>
+          </a:prstGeom>
+          <a:ln w="57150">
+            <a:solidFill>
+              <a:schemeClr val="accent1">
+                <a:lumMod val="75000"/>
+              </a:schemeClr>
+            </a:solidFill>
+          </a:ln>
+        </p:spPr>
+        <p:style>
+          <a:lnRef idx="1">
+            <a:schemeClr val="accent1"/>
+          </a:lnRef>
+          <a:fillRef idx="0">
+            <a:schemeClr val="accent1"/>
+          </a:fillRef>
+          <a:effectRef idx="0">
+            <a:schemeClr val="accent1"/>
+          </a:effectRef>
+          <a:fontRef idx="minor">
+            <a:schemeClr val="tx1"/>
+          </a:fontRef>
+        </p:style>
+      </p:cxnSp>
+      <p:sp>
+        <p:nvSpPr>
+          <p:cNvPr id="7" name="직사각형 6">
+            <a:extLst>
+              <a:ext uri="{FF2B5EF4-FFF2-40B4-BE49-F238E27FC236}">
+                <a16:creationId xmlns:a16="http://schemas.microsoft.com/office/drawing/2014/main" id="{A2519E08-BC8B-64F6-779D-97498F7134AE}"/>
+              </a:ext>
+            </a:extLst>
+          </p:cNvPr>
+          <p:cNvSpPr/>
+          <p:nvPr/>
+        </p:nvSpPr>
+        <p:spPr>
+          <a:xfrm>
+            <a:off x="0" y="0"/>
+            <a:ext cx="12192000" cy="6858000"/>
+          </a:xfrm>
+          <a:prstGeom prst="rect">
+            <a:avLst/>
+          </a:prstGeom>
+          <a:noFill/>
+          <a:ln w="190500">
+            <a:solidFill>
+              <a:schemeClr val="accent1">
+                <a:lumMod val="75000"/>
+              </a:schemeClr>
+            </a:solidFill>
+          </a:ln>
+        </p:spPr>
+        <p:style>
+          <a:lnRef idx="2">
+            <a:schemeClr val="accent1">
+              <a:shade val="50000"/>
+            </a:schemeClr>
+          </a:lnRef>
+          <a:fillRef idx="1">
+            <a:schemeClr val="accent1"/>
+          </a:fillRef>
+          <a:effectRef idx="0">
+            <a:schemeClr val="accent1"/>
+          </a:effectRef>
+          <a:fontRef idx="minor">
+            <a:schemeClr val="lt1"/>
+          </a:fontRef>
+        </p:style>
+        <p:txBody>
+          <a:bodyPr rtlCol="0" anchor="ctr"/>
+          <a:lstStyle/>
+          <a:p>
+            <a:pPr algn="ctr"/>
+            <a:endParaRPr lang="ko-KR" altLang="en-US" dirty="0"/>
+          </a:p>
+        </p:txBody>
+      </p:sp>
+    </p:spTree>
+    <p:extLst>
+      <p:ext uri="{BB962C8B-B14F-4D97-AF65-F5344CB8AC3E}">
+        <p14:creationId xmlns:p14="http://schemas.microsoft.com/office/powerpoint/2010/main" val="3933516612"/>
+      </p:ext>
+    </p:extLst>
+  </p:cSld>
+  <p:clrMapOvr>
+    <a:masterClrMapping/>
+  </p:clrMapOvr>
+</p:sld>
+</file>
+
+<file path=ppt/slides/slide6.xml><?xml version="1.0" encoding="utf-8"?>
+<p:sld xmlns:a="http://schemas.openxmlformats.org/drawingml/2006/main" xmlns:r="http://schemas.openxmlformats.org/officeDocument/2006/relationships" xmlns:p="http://schemas.openxmlformats.org/presentationml/2006/main">
+  <p:cSld>
+    <p:spTree>
+      <p:nvGrpSpPr>
+        <p:cNvPr id="1" name=""/>
+        <p:cNvGrpSpPr/>
+        <p:nvPr/>
+      </p:nvGrpSpPr>
+      <p:grpSpPr>
+        <a:xfrm>
+          <a:off x="0" y="0"/>
+          <a:ext cx="0" cy="0"/>
+          <a:chOff x="0" y="0"/>
+          <a:chExt cx="0" cy="0"/>
+        </a:xfrm>
+      </p:grpSpPr>
+      <p:sp>
+        <p:nvSpPr>
+          <p:cNvPr id="2" name="TextBox 1">
+            <a:extLst>
+              <a:ext uri="{FF2B5EF4-FFF2-40B4-BE49-F238E27FC236}">
+                <a16:creationId xmlns:a16="http://schemas.microsoft.com/office/drawing/2014/main" id="{21A7DBE9-2DE9-F0B6-F5C5-7DB6C44D8D28}"/>
+              </a:ext>
+            </a:extLst>
+          </p:cNvPr>
+          <p:cNvSpPr txBox="1"/>
+          <p:nvPr/>
+        </p:nvSpPr>
+        <p:spPr>
+          <a:xfrm>
+            <a:off x="143435" y="130844"/>
+            <a:ext cx="9744635" cy="584775"/>
+          </a:xfrm>
+          <a:prstGeom prst="rect">
+            <a:avLst/>
+          </a:prstGeom>
+          <a:noFill/>
+        </p:spPr>
+        <p:txBody>
+          <a:bodyPr wrap="square" rtlCol="0">
+            <a:spAutoFit/>
+          </a:bodyPr>
+          <a:lstStyle/>
+          <a:p>
+            <a:r>
+              <a:rPr lang="en-US" altLang="ko-KR" sz="3200" dirty="0">
+                <a:solidFill>
+                  <a:schemeClr val="tx1">
+                    <a:lumMod val="65000"/>
+                    <a:lumOff val="35000"/>
+                  </a:schemeClr>
+                </a:solidFill>
+                <a:latin typeface="배달의민족 도현" panose="020B0600000101010101" pitchFamily="50" charset="-127"/>
+                <a:ea typeface="배달의민족 도현" panose="020B0600000101010101" pitchFamily="50" charset="-127"/>
+              </a:rPr>
+              <a:t>ICN(Information Centric Networking)</a:t>
+            </a:r>
+          </a:p>
+        </p:txBody>
+      </p:sp>
+      <p:cxnSp>
+        <p:nvCxnSpPr>
+          <p:cNvPr id="6" name="직선 연결선 5">
+            <a:extLst>
+              <a:ext uri="{FF2B5EF4-FFF2-40B4-BE49-F238E27FC236}">
+                <a16:creationId xmlns:a16="http://schemas.microsoft.com/office/drawing/2014/main" id="{3CAFC98D-1DA6-5CE0-43FD-6D3D9C8D3B4F}"/>
+              </a:ext>
+            </a:extLst>
+          </p:cNvPr>
+          <p:cNvCxnSpPr>
+            <a:cxnSpLocks/>
+          </p:cNvCxnSpPr>
+          <p:nvPr/>
+        </p:nvCxnSpPr>
+        <p:spPr>
+          <a:xfrm>
+            <a:off x="206188" y="724225"/>
+            <a:ext cx="7622579" cy="0"/>
+          </a:xfrm>
+          <a:prstGeom prst="line">
+            <a:avLst/>
+          </a:prstGeom>
+          <a:ln w="57150">
+            <a:solidFill>
+              <a:schemeClr val="accent1">
+                <a:lumMod val="75000"/>
+              </a:schemeClr>
+            </a:solidFill>
+          </a:ln>
+        </p:spPr>
+        <p:style>
+          <a:lnRef idx="1">
+            <a:schemeClr val="accent1"/>
+          </a:lnRef>
+          <a:fillRef idx="0">
+            <a:schemeClr val="accent1"/>
+          </a:fillRef>
+          <a:effectRef idx="0">
+            <a:schemeClr val="accent1"/>
+          </a:effectRef>
+          <a:fontRef idx="minor">
+            <a:schemeClr val="tx1"/>
+          </a:fontRef>
+        </p:style>
+      </p:cxnSp>
+      <p:sp>
+        <p:nvSpPr>
+          <p:cNvPr id="10" name="TextBox 9">
+            <a:extLst>
+              <a:ext uri="{FF2B5EF4-FFF2-40B4-BE49-F238E27FC236}">
+                <a16:creationId xmlns:a16="http://schemas.microsoft.com/office/drawing/2014/main" id="{266829A7-D0F8-7CDF-D9BC-CA16B9A4C881}"/>
+              </a:ext>
+            </a:extLst>
+          </p:cNvPr>
+          <p:cNvSpPr txBox="1"/>
+          <p:nvPr/>
+        </p:nvSpPr>
+        <p:spPr>
+          <a:xfrm>
+            <a:off x="206187" y="715619"/>
+            <a:ext cx="11842378" cy="1432956"/>
+          </a:xfrm>
+          <a:prstGeom prst="rect">
+            <a:avLst/>
+          </a:prstGeom>
+          <a:noFill/>
+        </p:spPr>
+        <p:txBody>
+          <a:bodyPr wrap="square" rtlCol="0">
+            <a:spAutoFit/>
+          </a:bodyPr>
+          <a:lstStyle/>
+          <a:p>
+            <a:pPr>
+              <a:lnSpc>
+                <a:spcPct val="150000"/>
+              </a:lnSpc>
+            </a:pPr>
+            <a:r>
+              <a:rPr lang="en-US" altLang="ko-KR" sz="2000" b="1" dirty="0">
+                <a:solidFill>
+                  <a:schemeClr val="accent1"/>
+                </a:solidFill>
+                <a:latin typeface="한컴 고딕" panose="02000500000000000000" pitchFamily="2" charset="-127"/>
+                <a:ea typeface="한컴 고딕" panose="02000500000000000000" pitchFamily="2" charset="-127"/>
+              </a:rPr>
+              <a:t>ICN </a:t>
+            </a:r>
+            <a:r>
+              <a:rPr lang="ko-KR" altLang="en-US" sz="2000" b="1" dirty="0">
+                <a:solidFill>
+                  <a:schemeClr val="accent1"/>
+                </a:solidFill>
+                <a:latin typeface="한컴 고딕" panose="02000500000000000000" pitchFamily="2" charset="-127"/>
+                <a:ea typeface="한컴 고딕" panose="02000500000000000000" pitchFamily="2" charset="-127"/>
+              </a:rPr>
+              <a:t>이란</a:t>
+            </a:r>
+            <a:r>
+              <a:rPr lang="en-US" altLang="ko-KR" sz="2000" b="1" dirty="0">
+                <a:solidFill>
+                  <a:schemeClr val="accent1"/>
+                </a:solidFill>
+                <a:latin typeface="한컴 고딕" panose="02000500000000000000" pitchFamily="2" charset="-127"/>
+                <a:ea typeface="한컴 고딕" panose="02000500000000000000" pitchFamily="2" charset="-127"/>
+              </a:rPr>
+              <a:t>?</a:t>
+            </a:r>
+          </a:p>
+          <a:p>
+            <a:pPr marL="342900" indent="-342900">
+              <a:lnSpc>
+                <a:spcPct val="150000"/>
+              </a:lnSpc>
+              <a:buFont typeface="Arial" panose="020B0604020202020204" pitchFamily="34" charset="0"/>
+              <a:buChar char="•"/>
+            </a:pPr>
+            <a:r>
+              <a:rPr lang="ko-KR" altLang="en-US" sz="2000" b="1" dirty="0">
+                <a:solidFill>
+                  <a:schemeClr val="tx1">
+                    <a:lumMod val="50000"/>
+                    <a:lumOff val="50000"/>
+                  </a:schemeClr>
+                </a:solidFill>
+                <a:latin typeface="한컴 고딕" panose="02000500000000000000" pitchFamily="2" charset="-127"/>
+                <a:ea typeface="한컴 고딕" panose="02000500000000000000" pitchFamily="2" charset="-127"/>
+              </a:rPr>
+              <a:t>컨텐츠 이름을 기반으로 라우팅을 수행하는 네트워크 기술</a:t>
+            </a:r>
+            <a:endParaRPr lang="en-US" altLang="ko-KR" sz="2000" b="1" dirty="0">
+              <a:solidFill>
+                <a:schemeClr val="tx1">
+                  <a:lumMod val="50000"/>
+                  <a:lumOff val="50000"/>
+                </a:schemeClr>
+              </a:solidFill>
+              <a:latin typeface="한컴 고딕" panose="02000500000000000000" pitchFamily="2" charset="-127"/>
+              <a:ea typeface="한컴 고딕" panose="02000500000000000000" pitchFamily="2" charset="-127"/>
+            </a:endParaRPr>
+          </a:p>
+          <a:p>
+            <a:pPr marL="800100" lvl="1" indent="-342900">
+              <a:lnSpc>
+                <a:spcPct val="150000"/>
+              </a:lnSpc>
+              <a:buFont typeface="Arial" panose="020B0604020202020204" pitchFamily="34" charset="0"/>
+              <a:buChar char="•"/>
+            </a:pPr>
+            <a:r>
+              <a:rPr lang="ko-KR" altLang="en-US" sz="2000" b="1" dirty="0">
+                <a:solidFill>
+                  <a:schemeClr val="tx1">
+                    <a:lumMod val="50000"/>
+                    <a:lumOff val="50000"/>
+                  </a:schemeClr>
+                </a:solidFill>
+                <a:latin typeface="한컴 고딕" panose="02000500000000000000" pitchFamily="2" charset="-127"/>
+                <a:ea typeface="한컴 고딕" panose="02000500000000000000" pitchFamily="2" charset="-127"/>
+              </a:rPr>
+              <a:t>해당 기술을 통해 컨텐츠 다운로드 시</a:t>
+            </a:r>
+            <a:r>
+              <a:rPr lang="en-US" altLang="ko-KR" sz="2000" b="1" dirty="0">
+                <a:solidFill>
+                  <a:schemeClr val="tx1">
+                    <a:lumMod val="50000"/>
+                    <a:lumOff val="50000"/>
+                  </a:schemeClr>
+                </a:solidFill>
+                <a:latin typeface="한컴 고딕" panose="02000500000000000000" pitchFamily="2" charset="-127"/>
+                <a:ea typeface="한컴 고딕" panose="02000500000000000000" pitchFamily="2" charset="-127"/>
+              </a:rPr>
+              <a:t>, </a:t>
+            </a:r>
+            <a:r>
+              <a:rPr lang="ko-KR" altLang="en-US" sz="2000" b="1" dirty="0">
+                <a:solidFill>
+                  <a:schemeClr val="tx1">
+                    <a:lumMod val="50000"/>
+                    <a:lumOff val="50000"/>
+                  </a:schemeClr>
+                </a:solidFill>
+                <a:latin typeface="한컴 고딕" panose="02000500000000000000" pitchFamily="2" charset="-127"/>
+                <a:ea typeface="한컴 고딕" panose="02000500000000000000" pitchFamily="2" charset="-127"/>
+              </a:rPr>
+              <a:t>네트워크의 부하를 효과적으로 줄일 수 있음</a:t>
+            </a:r>
+            <a:endParaRPr lang="en-US" altLang="ko-KR" sz="2000" b="1" dirty="0">
+              <a:solidFill>
+                <a:schemeClr val="tx1">
+                  <a:lumMod val="50000"/>
+                  <a:lumOff val="50000"/>
+                </a:schemeClr>
+              </a:solidFill>
+              <a:latin typeface="한컴 고딕" panose="02000500000000000000" pitchFamily="2" charset="-127"/>
+              <a:ea typeface="한컴 고딕" panose="02000500000000000000" pitchFamily="2" charset="-127"/>
+            </a:endParaRPr>
+          </a:p>
+        </p:txBody>
+      </p:sp>
+      <p:sp>
+        <p:nvSpPr>
+          <p:cNvPr id="3" name="슬라이드 번호 개체 틀 2">
+            <a:extLst>
+              <a:ext uri="{FF2B5EF4-FFF2-40B4-BE49-F238E27FC236}">
+                <a16:creationId xmlns:a16="http://schemas.microsoft.com/office/drawing/2014/main" id="{4EC25071-CFFA-8C9C-CB7A-29C2F016666E}"/>
+              </a:ext>
+            </a:extLst>
+          </p:cNvPr>
+          <p:cNvSpPr>
+            <a:spLocks noGrp="1"/>
+          </p:cNvSpPr>
+          <p:nvPr>
+            <p:ph type="sldNum" sz="quarter" idx="12"/>
+          </p:nvPr>
+        </p:nvSpPr>
+        <p:spPr/>
+        <p:txBody>
+          <a:bodyPr/>
+          <a:lstStyle/>
+          <a:p>
+            <a:fld id="{4503EA79-8FE5-4AB7-9144-49D69278BFF0}" type="slidenum">
+              <a:rPr lang="ko-KR" altLang="en-US" smtClean="0"/>
+              <a:t>6</a:t>
+            </a:fld>
+            <a:endParaRPr lang="ko-KR" altLang="en-US"/>
+          </a:p>
+        </p:txBody>
+      </p:sp>
+      <p:pic>
+        <p:nvPicPr>
+          <p:cNvPr id="1026" name="Picture 2" descr="PDF] Information-centric network function virtualization over 5g mobile  wireless networks | Semantic Scholar">
+            <a:extLst>
+              <a:ext uri="{FF2B5EF4-FFF2-40B4-BE49-F238E27FC236}">
+                <a16:creationId xmlns:a16="http://schemas.microsoft.com/office/drawing/2014/main" id="{A85C5116-EEE3-DE91-91F4-6F816630FBDB}"/>
+              </a:ext>
+            </a:extLst>
+          </p:cNvPr>
+          <p:cNvPicPr>
+            <a:picLocks noChangeAspect="1" noChangeArrowheads="1"/>
+          </p:cNvPicPr>
+          <p:nvPr/>
+        </p:nvPicPr>
+        <p:blipFill rotWithShape="1">
+          <a:blip r:embed="rId2">
+            <a:extLst>
+              <a:ext uri="{28A0092B-C50C-407E-A947-70E740481C1C}">
+                <a14:useLocalDpi xmlns:a14="http://schemas.microsoft.com/office/drawing/2010/main" val="0"/>
+              </a:ext>
+            </a:extLst>
+          </a:blip>
+          <a:srcRect r="501" b="6177"/>
+          <a:stretch/>
+        </p:blipFill>
+        <p:spPr bwMode="auto">
+          <a:xfrm>
+            <a:off x="3596211" y="2183459"/>
+            <a:ext cx="4999577" cy="3958922"/>
+          </a:xfrm>
+          <a:prstGeom prst="rect">
+            <a:avLst/>
+          </a:prstGeom>
+          <a:noFill/>
+          <a:extLst>
+            <a:ext uri="{909E8E84-426E-40DD-AFC4-6F175D3DCCD1}">
+              <a14:hiddenFill xmlns:a14="http://schemas.microsoft.com/office/drawing/2010/main">
+                <a:solidFill>
+                  <a:srgbClr val="FFFFFF"/>
+                </a:solidFill>
+              </a14:hiddenFill>
+            </a:ext>
+          </a:extLst>
+        </p:spPr>
+      </p:pic>
+      <p:sp>
+        <p:nvSpPr>
+          <p:cNvPr id="7" name="TextBox 6">
+            <a:extLst>
+              <a:ext uri="{FF2B5EF4-FFF2-40B4-BE49-F238E27FC236}">
+                <a16:creationId xmlns:a16="http://schemas.microsoft.com/office/drawing/2014/main" id="{466F99A7-FC82-59A3-6381-2A72267546ED}"/>
+              </a:ext>
+            </a:extLst>
+          </p:cNvPr>
+          <p:cNvSpPr txBox="1"/>
+          <p:nvPr/>
+        </p:nvSpPr>
+        <p:spPr>
+          <a:xfrm>
+            <a:off x="4874331" y="6142381"/>
+            <a:ext cx="2443336" cy="307515"/>
+          </a:xfrm>
+          <a:prstGeom prst="rect">
+            <a:avLst/>
+          </a:prstGeom>
+          <a:noFill/>
+        </p:spPr>
+        <p:txBody>
+          <a:bodyPr wrap="square" rtlCol="0" anchor="ctr">
+            <a:spAutoFit/>
+          </a:bodyPr>
+          <a:lstStyle/>
+          <a:p>
+            <a:pPr algn="ctr">
+              <a:lnSpc>
+                <a:spcPct val="150000"/>
+              </a:lnSpc>
+            </a:pPr>
+            <a:r>
+              <a:rPr lang="ko-KR" altLang="en-US" sz="1000" b="1" dirty="0">
+                <a:latin typeface="한컴 고딕" panose="02000500000000000000" pitchFamily="2" charset="-127"/>
+                <a:ea typeface="한컴 고딕" panose="02000500000000000000" pitchFamily="2" charset="-127"/>
+              </a:rPr>
+              <a:t>그림 </a:t>
+            </a:r>
+            <a:r>
+              <a:rPr lang="en-US" altLang="ko-KR" sz="1000" b="1" dirty="0">
+                <a:latin typeface="한컴 고딕" panose="02000500000000000000" pitchFamily="2" charset="-127"/>
+                <a:ea typeface="한컴 고딕" panose="02000500000000000000" pitchFamily="2" charset="-127"/>
+              </a:rPr>
+              <a:t>1. ICN</a:t>
+            </a:r>
+            <a:r>
+              <a:rPr lang="ko-KR" altLang="en-US" sz="1000" b="1" dirty="0">
+                <a:latin typeface="한컴 고딕" panose="02000500000000000000" pitchFamily="2" charset="-127"/>
+                <a:ea typeface="한컴 고딕" panose="02000500000000000000" pitchFamily="2" charset="-127"/>
+              </a:rPr>
+              <a:t> 개념도</a:t>
+            </a:r>
+            <a:endParaRPr lang="en-US" altLang="ko-KR" sz="1000" b="1" dirty="0">
+              <a:latin typeface="한컴 고딕" panose="02000500000000000000" pitchFamily="2" charset="-127"/>
+              <a:ea typeface="한컴 고딕" panose="02000500000000000000" pitchFamily="2" charset="-127"/>
+            </a:endParaRPr>
+          </a:p>
+        </p:txBody>
+      </p:sp>
+    </p:spTree>
+    <p:extLst>
+      <p:ext uri="{BB962C8B-B14F-4D97-AF65-F5344CB8AC3E}">
+        <p14:creationId xmlns:p14="http://schemas.microsoft.com/office/powerpoint/2010/main" val="346970728"/>
+      </p:ext>
+    </p:extLst>
+  </p:cSld>
+  <p:clrMapOvr>
+    <a:masterClrMapping/>
+  </p:clrMapOvr>
+</p:sld>
+</file>
+
+<file path=ppt/slides/slide7.xml><?xml version="1.0" encoding="utf-8"?>
+<p:sld xmlns:a="http://schemas.openxmlformats.org/drawingml/2006/main" xmlns:r="http://schemas.openxmlformats.org/officeDocument/2006/relationships" xmlns:p="http://schemas.openxmlformats.org/presentationml/2006/main">
+  <p:cSld>
+    <p:spTree>
+      <p:nvGrpSpPr>
+        <p:cNvPr id="1" name=""/>
+        <p:cNvGrpSpPr/>
+        <p:nvPr/>
+      </p:nvGrpSpPr>
+      <p:grpSpPr>
+        <a:xfrm>
+          <a:off x="0" y="0"/>
+          <a:ext cx="0" cy="0"/>
+          <a:chOff x="0" y="0"/>
+          <a:chExt cx="0" cy="0"/>
+        </a:xfrm>
+      </p:grpSpPr>
+      <p:sp>
+        <p:nvSpPr>
+          <p:cNvPr id="2" name="TextBox 1">
+            <a:extLst>
+              <a:ext uri="{FF2B5EF4-FFF2-40B4-BE49-F238E27FC236}">
+                <a16:creationId xmlns:a16="http://schemas.microsoft.com/office/drawing/2014/main" id="{21A7DBE9-2DE9-F0B6-F5C5-7DB6C44D8D28}"/>
+              </a:ext>
+            </a:extLst>
+          </p:cNvPr>
+          <p:cNvSpPr txBox="1"/>
+          <p:nvPr/>
+        </p:nvSpPr>
+        <p:spPr>
+          <a:xfrm>
+            <a:off x="570947" y="2598003"/>
+            <a:ext cx="11190418" cy="830997"/>
+          </a:xfrm>
+          <a:prstGeom prst="rect">
+            <a:avLst/>
+          </a:prstGeom>
+          <a:noFill/>
+        </p:spPr>
+        <p:txBody>
+          <a:bodyPr wrap="square" rtlCol="0">
+            <a:spAutoFit/>
+          </a:bodyPr>
+          <a:lstStyle/>
+          <a:p>
+            <a:r>
+              <a:rPr lang="ko-KR" altLang="en-US" sz="4800" dirty="0">
+                <a:solidFill>
+                  <a:schemeClr val="tx1">
+                    <a:lumMod val="65000"/>
+                    <a:lumOff val="35000"/>
+                  </a:schemeClr>
+                </a:solidFill>
+                <a:latin typeface="배달의민족 도현" panose="020B0600000101010101" pitchFamily="50" charset="-127"/>
+                <a:ea typeface="배달의민족 도현" panose="020B0600000101010101" pitchFamily="50" charset="-127"/>
+              </a:rPr>
+              <a:t>기존 연구</a:t>
+            </a:r>
+            <a:endParaRPr lang="en-US" altLang="ko-KR" sz="4800" dirty="0">
+              <a:solidFill>
+                <a:schemeClr val="tx1">
+                  <a:lumMod val="65000"/>
+                  <a:lumOff val="35000"/>
+                </a:schemeClr>
+              </a:solidFill>
+              <a:latin typeface="배달의민족 도현" panose="020B0600000101010101" pitchFamily="50" charset="-127"/>
+              <a:ea typeface="배달의민족 도현" panose="020B0600000101010101" pitchFamily="50" charset="-127"/>
+            </a:endParaRPr>
+          </a:p>
+        </p:txBody>
+      </p:sp>
+      <p:sp>
+        <p:nvSpPr>
+          <p:cNvPr id="3" name="슬라이드 번호 개체 틀 2">
+            <a:extLst>
+              <a:ext uri="{FF2B5EF4-FFF2-40B4-BE49-F238E27FC236}">
+                <a16:creationId xmlns:a16="http://schemas.microsoft.com/office/drawing/2014/main" id="{CE2C3055-3767-2EC3-17AD-3FDE29F361B0}"/>
+              </a:ext>
+            </a:extLst>
+          </p:cNvPr>
+          <p:cNvSpPr>
+            <a:spLocks noGrp="1"/>
+          </p:cNvSpPr>
+          <p:nvPr>
+            <p:ph type="sldNum" sz="quarter" idx="12"/>
+          </p:nvPr>
+        </p:nvSpPr>
+        <p:spPr/>
+        <p:txBody>
+          <a:bodyPr/>
+          <a:lstStyle/>
+          <a:p>
+            <a:fld id="{4503EA79-8FE5-4AB7-9144-49D69278BFF0}" type="slidenum">
+              <a:rPr lang="ko-KR" altLang="en-US" smtClean="0"/>
+              <a:t>7</a:t>
+            </a:fld>
+            <a:endParaRPr lang="ko-KR" altLang="en-US"/>
+          </a:p>
+        </p:txBody>
+      </p:sp>
+      <p:cxnSp>
+        <p:nvCxnSpPr>
+          <p:cNvPr id="4" name="직선 연결선 3">
+            <a:extLst>
+              <a:ext uri="{FF2B5EF4-FFF2-40B4-BE49-F238E27FC236}">
+                <a16:creationId xmlns:a16="http://schemas.microsoft.com/office/drawing/2014/main" id="{00650591-D617-465F-DFD1-82178FC4CBF0}"/>
+              </a:ext>
+            </a:extLst>
+          </p:cNvPr>
+          <p:cNvCxnSpPr>
+            <a:cxnSpLocks/>
+          </p:cNvCxnSpPr>
+          <p:nvPr/>
+        </p:nvCxnSpPr>
+        <p:spPr>
+          <a:xfrm>
+            <a:off x="570947" y="3429000"/>
+            <a:ext cx="2658814" cy="0"/>
+          </a:xfrm>
+          <a:prstGeom prst="line">
+            <a:avLst/>
+          </a:prstGeom>
+          <a:ln w="57150">
+            <a:solidFill>
+              <a:schemeClr val="accent1">
+                <a:lumMod val="75000"/>
+              </a:schemeClr>
+            </a:solidFill>
+          </a:ln>
+        </p:spPr>
+        <p:style>
+          <a:lnRef idx="1">
+            <a:schemeClr val="accent1"/>
+          </a:lnRef>
+          <a:fillRef idx="0">
+            <a:schemeClr val="accent1"/>
+          </a:fillRef>
+          <a:effectRef idx="0">
+            <a:schemeClr val="accent1"/>
+          </a:effectRef>
+          <a:fontRef idx="minor">
+            <a:schemeClr val="tx1"/>
+          </a:fontRef>
+        </p:style>
+      </p:cxnSp>
+      <p:sp>
+        <p:nvSpPr>
+          <p:cNvPr id="7" name="직사각형 6">
+            <a:extLst>
+              <a:ext uri="{FF2B5EF4-FFF2-40B4-BE49-F238E27FC236}">
+                <a16:creationId xmlns:a16="http://schemas.microsoft.com/office/drawing/2014/main" id="{A2519E08-BC8B-64F6-779D-97498F7134AE}"/>
+              </a:ext>
+            </a:extLst>
+          </p:cNvPr>
+          <p:cNvSpPr/>
+          <p:nvPr/>
+        </p:nvSpPr>
+        <p:spPr>
+          <a:xfrm>
+            <a:off x="0" y="0"/>
+            <a:ext cx="12192000" cy="6858000"/>
+          </a:xfrm>
+          <a:prstGeom prst="rect">
+            <a:avLst/>
+          </a:prstGeom>
+          <a:noFill/>
+          <a:ln w="190500">
+            <a:solidFill>
+              <a:schemeClr val="accent1">
+                <a:lumMod val="75000"/>
+              </a:schemeClr>
+            </a:solidFill>
+          </a:ln>
+        </p:spPr>
+        <p:style>
+          <a:lnRef idx="2">
+            <a:schemeClr val="accent1">
+              <a:shade val="50000"/>
+            </a:schemeClr>
+          </a:lnRef>
+          <a:fillRef idx="1">
+            <a:schemeClr val="accent1"/>
+          </a:fillRef>
+          <a:effectRef idx="0">
+            <a:schemeClr val="accent1"/>
+          </a:effectRef>
+          <a:fontRef idx="minor">
+            <a:schemeClr val="lt1"/>
+          </a:fontRef>
+        </p:style>
+        <p:txBody>
+          <a:bodyPr rtlCol="0" anchor="ctr"/>
+          <a:lstStyle/>
+          <a:p>
+            <a:pPr algn="ctr"/>
+            <a:endParaRPr lang="ko-KR" altLang="en-US" dirty="0"/>
+          </a:p>
+        </p:txBody>
+      </p:sp>
+    </p:spTree>
+    <p:extLst>
+      <p:ext uri="{BB962C8B-B14F-4D97-AF65-F5344CB8AC3E}">
+        <p14:creationId xmlns:p14="http://schemas.microsoft.com/office/powerpoint/2010/main" val="776988445"/>
       </p:ext>
     </p:extLst>
   </p:cSld>
@@ -5808,12 +7423,6 @@
 </file>
 
 <file path=customXml/item1.xml><?xml version="1.0" encoding="utf-8"?>
-<p:properties xmlns:p="http://schemas.microsoft.com/office/2006/metadata/properties" xmlns:xsi="http://www.w3.org/2001/XMLSchema-instance" xmlns:pc="http://schemas.microsoft.com/office/infopath/2007/PartnerControls">
-  <documentManagement/>
-</p:properties>
-</file>
-
-<file path=customXml/item2.xml><?xml version="1.0" encoding="utf-8"?>
 <ct:contentTypeSchema xmlns:ct="http://schemas.microsoft.com/office/2006/metadata/contentType" xmlns:ma="http://schemas.microsoft.com/office/2006/metadata/properties/metaAttributes" ct:_="" ma:_="" ma:contentTypeName="문서" ma:contentTypeID="0x010100E4927A4037DBD641A85992FBC73A8B40" ma:contentTypeVersion="2" ma:contentTypeDescription="새 문서를 만듭니다." ma:contentTypeScope="" ma:versionID="785516272148627df98f01afb93c3ec0">
   <xsd:schema xmlns:xsd="http://www.w3.org/2001/XMLSchema" xmlns:xs="http://www.w3.org/2001/XMLSchema" xmlns:p="http://schemas.microsoft.com/office/2006/metadata/properties" xmlns:ns3="8163f15b-5006-406c-85c3-8b9bf000eef1" targetNamespace="http://schemas.microsoft.com/office/2006/metadata/properties" ma:root="true" ma:fieldsID="3387be2b6cc6ac182b5d48e801aa7a71" ns3:_="">
     <xsd:import namespace="8163f15b-5006-406c-85c3-8b9bf000eef1"/>
@@ -5945,6 +7554,12 @@
 </ct:contentTypeSchema>
 </file>
 
+<file path=customXml/item2.xml><?xml version="1.0" encoding="utf-8"?>
+<p:properties xmlns:p="http://schemas.microsoft.com/office/2006/metadata/properties" xmlns:xsi="http://www.w3.org/2001/XMLSchema-instance" xmlns:pc="http://schemas.microsoft.com/office/infopath/2007/PartnerControls">
+  <documentManagement/>
+</p:properties>
+</file>
+
 <file path=customXml/item3.xml><?xml version="1.0" encoding="utf-8"?>
 <?mso-contentType ?>
 <FormTemplates xmlns="http://schemas.microsoft.com/sharepoint/v3/contenttype/forms">
@@ -5955,22 +7570,6 @@
 </file>
 
 <file path=customXml/itemProps1.xml><?xml version="1.0" encoding="utf-8"?>
-<ds:datastoreItem xmlns:ds="http://schemas.openxmlformats.org/officeDocument/2006/customXml" ds:itemID="{77F7A99E-4399-4A80-972F-A96848332908}">
-  <ds:schemaRefs>
-    <ds:schemaRef ds:uri="http://purl.org/dc/terms/"/>
-    <ds:schemaRef ds:uri="http://www.w3.org/XML/1998/namespace"/>
-    <ds:schemaRef ds:uri="http://purl.org/dc/elements/1.1/"/>
-    <ds:schemaRef ds:uri="http://purl.org/dc/dcmitype/"/>
-    <ds:schemaRef ds:uri="http://schemas.microsoft.com/office/infopath/2007/PartnerControls"/>
-    <ds:schemaRef ds:uri="http://schemas.microsoft.com/office/2006/metadata/properties"/>
-    <ds:schemaRef ds:uri="http://schemas.microsoft.com/office/2006/documentManagement/types"/>
-    <ds:schemaRef ds:uri="http://schemas.openxmlformats.org/package/2006/metadata/core-properties"/>
-    <ds:schemaRef ds:uri="8163f15b-5006-406c-85c3-8b9bf000eef1"/>
-  </ds:schemaRefs>
-</ds:datastoreItem>
-</file>
-
-<file path=customXml/itemProps2.xml><?xml version="1.0" encoding="utf-8"?>
 <ds:datastoreItem xmlns:ds="http://schemas.openxmlformats.org/officeDocument/2006/customXml" ds:itemID="{B23CD78E-FDBA-45D3-A74E-F9DB3B758C5E}">
   <ds:schemaRefs>
     <ds:schemaRef ds:uri="http://schemas.microsoft.com/office/2006/metadata/contentType"/>
@@ -5988,6 +7587,22 @@
 </ds:datastoreItem>
 </file>
 
+<file path=customXml/itemProps2.xml><?xml version="1.0" encoding="utf-8"?>
+<ds:datastoreItem xmlns:ds="http://schemas.openxmlformats.org/officeDocument/2006/customXml" ds:itemID="{77F7A99E-4399-4A80-972F-A96848332908}">
+  <ds:schemaRefs>
+    <ds:schemaRef ds:uri="http://purl.org/dc/terms/"/>
+    <ds:schemaRef ds:uri="http://www.w3.org/XML/1998/namespace"/>
+    <ds:schemaRef ds:uri="http://purl.org/dc/elements/1.1/"/>
+    <ds:schemaRef ds:uri="http://purl.org/dc/dcmitype/"/>
+    <ds:schemaRef ds:uri="http://schemas.microsoft.com/office/infopath/2007/PartnerControls"/>
+    <ds:schemaRef ds:uri="http://schemas.microsoft.com/office/2006/metadata/properties"/>
+    <ds:schemaRef ds:uri="http://schemas.microsoft.com/office/2006/documentManagement/types"/>
+    <ds:schemaRef ds:uri="http://schemas.openxmlformats.org/package/2006/metadata/core-properties"/>
+    <ds:schemaRef ds:uri="8163f15b-5006-406c-85c3-8b9bf000eef1"/>
+  </ds:schemaRefs>
+</ds:datastoreItem>
+</file>
+
 <file path=customXml/itemProps3.xml><?xml version="1.0" encoding="utf-8"?>
 <ds:datastoreItem xmlns:ds="http://schemas.openxmlformats.org/officeDocument/2006/customXml" ds:itemID="{4F4AD1C9-2958-46E3-9F6B-F7BA68A8F8FC}">
   <ds:schemaRefs>

--- a/Named-Data-Net/PPT/MEC에서-정보-중심-네트워크-컨텐츠-캐싱-최적화-방안.pptx
+++ b/Named-Data-Net/PPT/MEC에서-정보-중심-네트워크-컨텐츠-캐싱-최적화-방안.pptx
@@ -5,7 +5,7 @@
     <p:sldMasterId id="2147483648" r:id="rId4"/>
   </p:sldMasterIdLst>
   <p:notesMasterIdLst>
-    <p:notesMasterId r:id="rId12"/>
+    <p:notesMasterId r:id="rId19"/>
   </p:notesMasterIdLst>
   <p:sldIdLst>
     <p:sldId id="272" r:id="rId5"/>
@@ -15,23 +15,30 @@
     <p:sldId id="331" r:id="rId9"/>
     <p:sldId id="332" r:id="rId10"/>
     <p:sldId id="333" r:id="rId11"/>
+    <p:sldId id="334" r:id="rId12"/>
+    <p:sldId id="335" r:id="rId13"/>
+    <p:sldId id="336" r:id="rId14"/>
+    <p:sldId id="337" r:id="rId15"/>
+    <p:sldId id="338" r:id="rId16"/>
+    <p:sldId id="339" r:id="rId17"/>
+    <p:sldId id="340" r:id="rId18"/>
   </p:sldIdLst>
   <p:sldSz cx="12192000" cy="6858000"/>
   <p:notesSz cx="6858000" cy="9144000"/>
   <p:embeddedFontLst>
     <p:embeddedFont>
       <p:font typeface="맑은 고딕" panose="020B0503020000020004" pitchFamily="50" charset="-127"/>
-      <p:regular r:id="rId13"/>
-      <p:bold r:id="rId14"/>
+      <p:regular r:id="rId20"/>
+      <p:bold r:id="rId21"/>
     </p:embeddedFont>
     <p:embeddedFont>
       <p:font typeface="배달의민족 도현" panose="020B0600000101010101" pitchFamily="50" charset="-127"/>
-      <p:regular r:id="rId15"/>
+      <p:regular r:id="rId22"/>
     </p:embeddedFont>
     <p:embeddedFont>
       <p:font typeface="한컴 고딕" panose="02000500000000000000" pitchFamily="2" charset="-127"/>
-      <p:regular r:id="rId16"/>
-      <p:bold r:id="rId17"/>
+      <p:regular r:id="rId23"/>
+      <p:bold r:id="rId24"/>
     </p:embeddedFont>
   </p:embeddedFontLst>
   <p:defaultTextStyle>
@@ -230,7 +237,7 @@
           <a:p>
             <a:fld id="{BAB97E51-E427-4ACE-A482-015806134BAA}" type="datetimeFigureOut">
               <a:rPr lang="ko-KR" altLang="en-US" smtClean="0"/>
-              <a:t>2023-07-04</a:t>
+              <a:t>2023-07-07</a:t>
             </a:fld>
             <a:endParaRPr lang="ko-KR" altLang="en-US"/>
           </a:p>
@@ -644,7 +651,7 @@
           <a:p>
             <a:fld id="{2449B460-6749-4E70-B13D-B84D895949FF}" type="datetime1">
               <a:rPr lang="ko-KR" altLang="en-US" smtClean="0"/>
-              <a:t>2023-07-04</a:t>
+              <a:t>2023-07-07</a:t>
             </a:fld>
             <a:endParaRPr lang="ko-KR" altLang="en-US"/>
           </a:p>
@@ -863,7 +870,7 @@
           <a:p>
             <a:fld id="{92B4B20E-652B-4F60-BE07-24F8AD924D62}" type="datetime1">
               <a:rPr lang="ko-KR" altLang="en-US" smtClean="0"/>
-              <a:t>2023-07-04</a:t>
+              <a:t>2023-07-07</a:t>
             </a:fld>
             <a:endParaRPr lang="ko-KR" altLang="en-US"/>
           </a:p>
@@ -1071,7 +1078,7 @@
           <a:p>
             <a:fld id="{59EDC7B4-1AE1-427E-B7FE-391206F48BE0}" type="datetime1">
               <a:rPr lang="ko-KR" altLang="en-US" smtClean="0"/>
-              <a:t>2023-07-04</a:t>
+              <a:t>2023-07-07</a:t>
             </a:fld>
             <a:endParaRPr lang="ko-KR" altLang="en-US"/>
           </a:p>
@@ -1269,7 +1276,7 @@
           <a:p>
             <a:fld id="{2AE3C021-F84F-4F2C-9D30-1509F357F51F}" type="datetime1">
               <a:rPr lang="ko-KR" altLang="en-US" smtClean="0"/>
-              <a:t>2023-07-04</a:t>
+              <a:t>2023-07-07</a:t>
             </a:fld>
             <a:endParaRPr lang="ko-KR" altLang="en-US"/>
           </a:p>
@@ -1544,7 +1551,7 @@
           <a:p>
             <a:fld id="{484B05B9-04AE-4972-B50A-E9891E1494A6}" type="datetime1">
               <a:rPr lang="ko-KR" altLang="en-US" smtClean="0"/>
-              <a:t>2023-07-04</a:t>
+              <a:t>2023-07-07</a:t>
             </a:fld>
             <a:endParaRPr lang="ko-KR" altLang="en-US"/>
           </a:p>
@@ -1809,7 +1816,7 @@
           <a:p>
             <a:fld id="{402727CD-92C4-465C-9DBA-E5CD3A35887D}" type="datetime1">
               <a:rPr lang="ko-KR" altLang="en-US" smtClean="0"/>
-              <a:t>2023-07-04</a:t>
+              <a:t>2023-07-07</a:t>
             </a:fld>
             <a:endParaRPr lang="ko-KR" altLang="en-US"/>
           </a:p>
@@ -2221,7 +2228,7 @@
           <a:p>
             <a:fld id="{05B3B641-2E79-439A-8F79-68EA085D9053}" type="datetime1">
               <a:rPr lang="ko-KR" altLang="en-US" smtClean="0"/>
-              <a:t>2023-07-04</a:t>
+              <a:t>2023-07-07</a:t>
             </a:fld>
             <a:endParaRPr lang="ko-KR" altLang="en-US"/>
           </a:p>
@@ -2362,7 +2369,7 @@
           <a:p>
             <a:fld id="{A7F04D54-8E43-4E7E-B8A1-C218E338CD28}" type="datetime1">
               <a:rPr lang="ko-KR" altLang="en-US" smtClean="0"/>
-              <a:t>2023-07-04</a:t>
+              <a:t>2023-07-07</a:t>
             </a:fld>
             <a:endParaRPr lang="ko-KR" altLang="en-US"/>
           </a:p>
@@ -2475,7 +2482,7 @@
           <a:p>
             <a:fld id="{B34C2BE8-3549-4F19-A18C-BF32B5B77313}" type="datetime1">
               <a:rPr lang="ko-KR" altLang="en-US" smtClean="0"/>
-              <a:t>2023-07-04</a:t>
+              <a:t>2023-07-07</a:t>
             </a:fld>
             <a:endParaRPr lang="ko-KR" altLang="en-US"/>
           </a:p>
@@ -2786,7 +2793,7 @@
           <a:p>
             <a:fld id="{664FB09C-A850-4101-96C2-327BB8EA9EB0}" type="datetime1">
               <a:rPr lang="ko-KR" altLang="en-US" smtClean="0"/>
-              <a:t>2023-07-04</a:t>
+              <a:t>2023-07-07</a:t>
             </a:fld>
             <a:endParaRPr lang="ko-KR" altLang="en-US"/>
           </a:p>
@@ -3074,7 +3081,7 @@
           <a:p>
             <a:fld id="{E33D87E4-B1AE-484B-83F2-C827A5C91BDD}" type="datetime1">
               <a:rPr lang="ko-KR" altLang="en-US" smtClean="0"/>
-              <a:t>2023-07-04</a:t>
+              <a:t>2023-07-07</a:t>
             </a:fld>
             <a:endParaRPr lang="ko-KR" altLang="en-US"/>
           </a:p>
@@ -3315,7 +3322,7 @@
           <a:p>
             <a:fld id="{B8003EF2-14D2-49D7-9E2B-0A9A451D6AE1}" type="datetime1">
               <a:rPr lang="ko-KR" altLang="en-US" smtClean="0"/>
-              <a:t>2023-07-04</a:t>
+              <a:t>2023-07-07</a:t>
             </a:fld>
             <a:endParaRPr lang="ko-KR" altLang="en-US"/>
           </a:p>
@@ -4364,6 +4371,4004 @@
 </p:sld>
 </file>
 
+<file path=ppt/slides/slide10.xml><?xml version="1.0" encoding="utf-8"?>
+<p:sld xmlns:a="http://schemas.openxmlformats.org/drawingml/2006/main" xmlns:r="http://schemas.openxmlformats.org/officeDocument/2006/relationships" xmlns:p="http://schemas.openxmlformats.org/presentationml/2006/main">
+  <p:cSld>
+    <p:spTree>
+      <p:nvGrpSpPr>
+        <p:cNvPr id="1" name=""/>
+        <p:cNvGrpSpPr/>
+        <p:nvPr/>
+      </p:nvGrpSpPr>
+      <p:grpSpPr>
+        <a:xfrm>
+          <a:off x="0" y="0"/>
+          <a:ext cx="0" cy="0"/>
+          <a:chOff x="0" y="0"/>
+          <a:chExt cx="0" cy="0"/>
+        </a:xfrm>
+      </p:grpSpPr>
+      <p:sp>
+        <p:nvSpPr>
+          <p:cNvPr id="2" name="TextBox 1">
+            <a:extLst>
+              <a:ext uri="{FF2B5EF4-FFF2-40B4-BE49-F238E27FC236}">
+                <a16:creationId xmlns:a16="http://schemas.microsoft.com/office/drawing/2014/main" id="{21A7DBE9-2DE9-F0B6-F5C5-7DB6C44D8D28}"/>
+              </a:ext>
+            </a:extLst>
+          </p:cNvPr>
+          <p:cNvSpPr txBox="1"/>
+          <p:nvPr/>
+        </p:nvSpPr>
+        <p:spPr>
+          <a:xfrm>
+            <a:off x="143435" y="130844"/>
+            <a:ext cx="9744635" cy="584775"/>
+          </a:xfrm>
+          <a:prstGeom prst="rect">
+            <a:avLst/>
+          </a:prstGeom>
+          <a:noFill/>
+        </p:spPr>
+        <p:txBody>
+          <a:bodyPr wrap="square" rtlCol="0">
+            <a:spAutoFit/>
+          </a:bodyPr>
+          <a:lstStyle/>
+          <a:p>
+            <a:r>
+              <a:rPr lang="ko-KR" altLang="en-US" sz="3200" dirty="0">
+                <a:solidFill>
+                  <a:schemeClr val="tx1">
+                    <a:lumMod val="65000"/>
+                    <a:lumOff val="35000"/>
+                  </a:schemeClr>
+                </a:solidFill>
+                <a:latin typeface="배달의민족 도현" panose="020B0600000101010101" pitchFamily="50" charset="-127"/>
+                <a:ea typeface="배달의민족 도현" panose="020B0600000101010101" pitchFamily="50" charset="-127"/>
+              </a:rPr>
+              <a:t>제안 기법</a:t>
+            </a:r>
+            <a:endParaRPr lang="en-US" altLang="ko-KR" sz="3200" dirty="0">
+              <a:solidFill>
+                <a:schemeClr val="tx1">
+                  <a:lumMod val="65000"/>
+                  <a:lumOff val="35000"/>
+                </a:schemeClr>
+              </a:solidFill>
+              <a:latin typeface="배달의민족 도현" panose="020B0600000101010101" pitchFamily="50" charset="-127"/>
+              <a:ea typeface="배달의민족 도현" panose="020B0600000101010101" pitchFamily="50" charset="-127"/>
+            </a:endParaRPr>
+          </a:p>
+        </p:txBody>
+      </p:sp>
+      <p:cxnSp>
+        <p:nvCxnSpPr>
+          <p:cNvPr id="6" name="직선 연결선 5">
+            <a:extLst>
+              <a:ext uri="{FF2B5EF4-FFF2-40B4-BE49-F238E27FC236}">
+                <a16:creationId xmlns:a16="http://schemas.microsoft.com/office/drawing/2014/main" id="{3CAFC98D-1DA6-5CE0-43FD-6D3D9C8D3B4F}"/>
+              </a:ext>
+            </a:extLst>
+          </p:cNvPr>
+          <p:cNvCxnSpPr>
+            <a:cxnSpLocks/>
+          </p:cNvCxnSpPr>
+          <p:nvPr/>
+        </p:nvCxnSpPr>
+        <p:spPr>
+          <a:xfrm>
+            <a:off x="206188" y="724225"/>
+            <a:ext cx="1756836" cy="0"/>
+          </a:xfrm>
+          <a:prstGeom prst="line">
+            <a:avLst/>
+          </a:prstGeom>
+          <a:ln w="57150">
+            <a:solidFill>
+              <a:schemeClr val="accent1">
+                <a:lumMod val="75000"/>
+              </a:schemeClr>
+            </a:solidFill>
+          </a:ln>
+        </p:spPr>
+        <p:style>
+          <a:lnRef idx="1">
+            <a:schemeClr val="accent1"/>
+          </a:lnRef>
+          <a:fillRef idx="0">
+            <a:schemeClr val="accent1"/>
+          </a:fillRef>
+          <a:effectRef idx="0">
+            <a:schemeClr val="accent1"/>
+          </a:effectRef>
+          <a:fontRef idx="minor">
+            <a:schemeClr val="tx1"/>
+          </a:fontRef>
+        </p:style>
+      </p:cxnSp>
+      <p:sp>
+        <p:nvSpPr>
+          <p:cNvPr id="10" name="TextBox 9">
+            <a:extLst>
+              <a:ext uri="{FF2B5EF4-FFF2-40B4-BE49-F238E27FC236}">
+                <a16:creationId xmlns:a16="http://schemas.microsoft.com/office/drawing/2014/main" id="{266829A7-D0F8-7CDF-D9BC-CA16B9A4C881}"/>
+              </a:ext>
+            </a:extLst>
+          </p:cNvPr>
+          <p:cNvSpPr txBox="1"/>
+          <p:nvPr/>
+        </p:nvSpPr>
+        <p:spPr>
+          <a:xfrm>
+            <a:off x="206187" y="715619"/>
+            <a:ext cx="5889813" cy="2356286"/>
+          </a:xfrm>
+          <a:prstGeom prst="rect">
+            <a:avLst/>
+          </a:prstGeom>
+          <a:noFill/>
+        </p:spPr>
+        <p:txBody>
+          <a:bodyPr wrap="square" rtlCol="0">
+            <a:spAutoFit/>
+          </a:bodyPr>
+          <a:lstStyle/>
+          <a:p>
+            <a:pPr>
+              <a:lnSpc>
+                <a:spcPct val="150000"/>
+              </a:lnSpc>
+            </a:pPr>
+            <a:r>
+              <a:rPr lang="ko-KR" altLang="en-US" sz="2000" b="1" dirty="0">
+                <a:solidFill>
+                  <a:schemeClr val="accent1"/>
+                </a:solidFill>
+                <a:latin typeface="한컴 고딕" panose="02000500000000000000" pitchFamily="2" charset="-127"/>
+                <a:ea typeface="한컴 고딕" panose="02000500000000000000" pitchFamily="2" charset="-127"/>
+              </a:rPr>
+              <a:t>연구에서 제안하는 네트워크 환경</a:t>
+            </a:r>
+            <a:endParaRPr lang="en-US" altLang="ko-KR" sz="2000" b="1" dirty="0">
+              <a:solidFill>
+                <a:schemeClr val="accent1"/>
+              </a:solidFill>
+              <a:latin typeface="한컴 고딕" panose="02000500000000000000" pitchFamily="2" charset="-127"/>
+              <a:ea typeface="한컴 고딕" panose="02000500000000000000" pitchFamily="2" charset="-127"/>
+            </a:endParaRPr>
+          </a:p>
+          <a:p>
+            <a:pPr marL="342900" indent="-342900">
+              <a:lnSpc>
+                <a:spcPct val="150000"/>
+              </a:lnSpc>
+              <a:buFont typeface="Arial" panose="020B0604020202020204" pitchFamily="34" charset="0"/>
+              <a:buChar char="•"/>
+            </a:pPr>
+            <a:r>
+              <a:rPr lang="en-US" altLang="ko-KR" sz="2000" b="1" dirty="0">
+                <a:solidFill>
+                  <a:schemeClr val="tx1">
+                    <a:lumMod val="50000"/>
+                    <a:lumOff val="50000"/>
+                  </a:schemeClr>
+                </a:solidFill>
+                <a:latin typeface="한컴 고딕" panose="02000500000000000000" pitchFamily="2" charset="-127"/>
+                <a:ea typeface="한컴 고딕" panose="02000500000000000000" pitchFamily="2" charset="-127"/>
+              </a:rPr>
+              <a:t>ICN </a:t>
+            </a:r>
+            <a:r>
+              <a:rPr lang="ko-KR" altLang="en-US" sz="2000" b="1" dirty="0">
+                <a:solidFill>
+                  <a:schemeClr val="tx1">
+                    <a:lumMod val="50000"/>
+                    <a:lumOff val="50000"/>
+                  </a:schemeClr>
+                </a:solidFill>
+                <a:latin typeface="한컴 고딕" panose="02000500000000000000" pitchFamily="2" charset="-127"/>
+                <a:ea typeface="한컴 고딕" panose="02000500000000000000" pitchFamily="2" charset="-127"/>
+              </a:rPr>
+              <a:t>노드 </a:t>
+            </a:r>
+            <a:r>
+              <a:rPr lang="en-US" altLang="ko-KR" sz="2000" b="1" dirty="0">
+                <a:solidFill>
+                  <a:schemeClr val="tx1">
+                    <a:lumMod val="50000"/>
+                    <a:lumOff val="50000"/>
+                  </a:schemeClr>
+                </a:solidFill>
+                <a:latin typeface="한컴 고딕" panose="02000500000000000000" pitchFamily="2" charset="-127"/>
+                <a:ea typeface="한컴 고딕" panose="02000500000000000000" pitchFamily="2" charset="-127"/>
+              </a:rPr>
+              <a:t>= r</a:t>
+            </a:r>
+          </a:p>
+          <a:p>
+            <a:pPr marL="342900" indent="-342900">
+              <a:lnSpc>
+                <a:spcPct val="150000"/>
+              </a:lnSpc>
+              <a:buFont typeface="Arial" panose="020B0604020202020204" pitchFamily="34" charset="0"/>
+              <a:buChar char="•"/>
+            </a:pPr>
+            <a:r>
+              <a:rPr lang="en-US" altLang="ko-KR" sz="2000" b="1" dirty="0">
+                <a:solidFill>
+                  <a:schemeClr val="tx1">
+                    <a:lumMod val="50000"/>
+                    <a:lumOff val="50000"/>
+                  </a:schemeClr>
+                </a:solidFill>
+                <a:latin typeface="한컴 고딕" panose="02000500000000000000" pitchFamily="2" charset="-127"/>
+                <a:ea typeface="한컴 고딕" panose="02000500000000000000" pitchFamily="2" charset="-127"/>
+              </a:rPr>
+              <a:t>MEC </a:t>
+            </a:r>
+            <a:r>
+              <a:rPr lang="ko-KR" altLang="en-US" sz="2000" b="1" dirty="0">
+                <a:solidFill>
+                  <a:schemeClr val="tx1">
+                    <a:lumMod val="50000"/>
+                    <a:lumOff val="50000"/>
+                  </a:schemeClr>
+                </a:solidFill>
+                <a:latin typeface="한컴 고딕" panose="02000500000000000000" pitchFamily="2" charset="-127"/>
+                <a:ea typeface="한컴 고딕" panose="02000500000000000000" pitchFamily="2" charset="-127"/>
+              </a:rPr>
+              <a:t>노드 </a:t>
+            </a:r>
+            <a:r>
+              <a:rPr lang="en-US" altLang="ko-KR" sz="2000" b="1" dirty="0">
+                <a:solidFill>
+                  <a:schemeClr val="tx1">
+                    <a:lumMod val="50000"/>
+                    <a:lumOff val="50000"/>
+                  </a:schemeClr>
+                </a:solidFill>
+                <a:latin typeface="한컴 고딕" panose="02000500000000000000" pitchFamily="2" charset="-127"/>
+                <a:ea typeface="한컴 고딕" panose="02000500000000000000" pitchFamily="2" charset="-127"/>
+              </a:rPr>
+              <a:t>= m</a:t>
+            </a:r>
+          </a:p>
+          <a:p>
+            <a:pPr marL="342900" indent="-342900">
+              <a:lnSpc>
+                <a:spcPct val="150000"/>
+              </a:lnSpc>
+              <a:buFont typeface="Arial" panose="020B0604020202020204" pitchFamily="34" charset="0"/>
+              <a:buChar char="•"/>
+            </a:pPr>
+            <a:r>
+              <a:rPr lang="ko-KR" altLang="en-US" sz="2000" b="1" dirty="0">
+                <a:solidFill>
+                  <a:schemeClr val="tx1">
+                    <a:lumMod val="50000"/>
+                    <a:lumOff val="50000"/>
+                  </a:schemeClr>
+                </a:solidFill>
+                <a:latin typeface="한컴 고딕" panose="02000500000000000000" pitchFamily="2" charset="-127"/>
+                <a:ea typeface="한컴 고딕" panose="02000500000000000000" pitchFamily="2" charset="-127"/>
+              </a:rPr>
+              <a:t>컨텐츠 요청 노드 </a:t>
+            </a:r>
+            <a:r>
+              <a:rPr lang="en-US" altLang="ko-KR" sz="2000" b="1" dirty="0">
+                <a:solidFill>
+                  <a:schemeClr val="tx1">
+                    <a:lumMod val="50000"/>
+                    <a:lumOff val="50000"/>
+                  </a:schemeClr>
+                </a:solidFill>
+                <a:latin typeface="한컴 고딕" panose="02000500000000000000" pitchFamily="2" charset="-127"/>
+                <a:ea typeface="한컴 고딕" panose="02000500000000000000" pitchFamily="2" charset="-127"/>
+              </a:rPr>
+              <a:t>= u</a:t>
+            </a:r>
+          </a:p>
+          <a:p>
+            <a:pPr marL="342900" indent="-342900">
+              <a:lnSpc>
+                <a:spcPct val="150000"/>
+              </a:lnSpc>
+              <a:buFont typeface="Arial" panose="020B0604020202020204" pitchFamily="34" charset="0"/>
+              <a:buChar char="•"/>
+            </a:pPr>
+            <a:r>
+              <a:rPr lang="en-US" altLang="ko-KR" sz="2000" b="1" dirty="0">
+                <a:solidFill>
+                  <a:schemeClr val="tx1">
+                    <a:lumMod val="50000"/>
+                    <a:lumOff val="50000"/>
+                  </a:schemeClr>
+                </a:solidFill>
+                <a:latin typeface="한컴 고딕" panose="02000500000000000000" pitchFamily="2" charset="-127"/>
+                <a:ea typeface="한컴 고딕" panose="02000500000000000000" pitchFamily="2" charset="-127"/>
+              </a:rPr>
+              <a:t>u</a:t>
+            </a:r>
+            <a:r>
+              <a:rPr lang="ko-KR" altLang="en-US" sz="2000" b="1" dirty="0">
+                <a:solidFill>
+                  <a:schemeClr val="tx1">
+                    <a:lumMod val="50000"/>
+                    <a:lumOff val="50000"/>
+                  </a:schemeClr>
+                </a:solidFill>
+                <a:latin typeface="한컴 고딕" panose="02000500000000000000" pitchFamily="2" charset="-127"/>
+                <a:ea typeface="한컴 고딕" panose="02000500000000000000" pitchFamily="2" charset="-127"/>
+              </a:rPr>
+              <a:t>로 구성된 </a:t>
+            </a:r>
+            <a:r>
+              <a:rPr lang="ko-KR" altLang="en-US" sz="2000" b="1" dirty="0" err="1">
+                <a:solidFill>
+                  <a:schemeClr val="tx1">
+                    <a:lumMod val="50000"/>
+                    <a:lumOff val="50000"/>
+                  </a:schemeClr>
+                </a:solidFill>
+                <a:latin typeface="한컴 고딕" panose="02000500000000000000" pitchFamily="2" charset="-127"/>
+                <a:ea typeface="한컴 고딕" panose="02000500000000000000" pitchFamily="2" charset="-127"/>
+              </a:rPr>
+              <a:t>엣지</a:t>
+            </a:r>
+            <a:r>
+              <a:rPr lang="ko-KR" altLang="en-US" sz="2000" b="1" dirty="0">
+                <a:solidFill>
+                  <a:schemeClr val="tx1">
+                    <a:lumMod val="50000"/>
+                    <a:lumOff val="50000"/>
+                  </a:schemeClr>
+                </a:solidFill>
+                <a:latin typeface="한컴 고딕" panose="02000500000000000000" pitchFamily="2" charset="-127"/>
+                <a:ea typeface="한컴 고딕" panose="02000500000000000000" pitchFamily="2" charset="-127"/>
+              </a:rPr>
+              <a:t> 네트워크 </a:t>
+            </a:r>
+            <a:r>
+              <a:rPr lang="en-US" altLang="ko-KR" sz="2000" b="1" dirty="0">
+                <a:solidFill>
+                  <a:schemeClr val="tx1">
+                    <a:lumMod val="50000"/>
+                    <a:lumOff val="50000"/>
+                  </a:schemeClr>
+                </a:solidFill>
+                <a:latin typeface="한컴 고딕" panose="02000500000000000000" pitchFamily="2" charset="-127"/>
+                <a:ea typeface="한컴 고딕" panose="02000500000000000000" pitchFamily="2" charset="-127"/>
+              </a:rPr>
+              <a:t>= e</a:t>
+            </a:r>
+          </a:p>
+        </p:txBody>
+      </p:sp>
+      <p:sp>
+        <p:nvSpPr>
+          <p:cNvPr id="3" name="슬라이드 번호 개체 틀 2">
+            <a:extLst>
+              <a:ext uri="{FF2B5EF4-FFF2-40B4-BE49-F238E27FC236}">
+                <a16:creationId xmlns:a16="http://schemas.microsoft.com/office/drawing/2014/main" id="{4EC25071-CFFA-8C9C-CB7A-29C2F016666E}"/>
+              </a:ext>
+            </a:extLst>
+          </p:cNvPr>
+          <p:cNvSpPr>
+            <a:spLocks noGrp="1"/>
+          </p:cNvSpPr>
+          <p:nvPr>
+            <p:ph type="sldNum" sz="quarter" idx="12"/>
+          </p:nvPr>
+        </p:nvSpPr>
+        <p:spPr/>
+        <p:txBody>
+          <a:bodyPr/>
+          <a:lstStyle/>
+          <a:p>
+            <a:fld id="{4503EA79-8FE5-4AB7-9144-49D69278BFF0}" type="slidenum">
+              <a:rPr lang="ko-KR" altLang="en-US" smtClean="0"/>
+              <a:t>10</a:t>
+            </a:fld>
+            <a:endParaRPr lang="ko-KR" altLang="en-US"/>
+          </a:p>
+        </p:txBody>
+      </p:sp>
+      <p:grpSp>
+        <p:nvGrpSpPr>
+          <p:cNvPr id="7" name="그룹 6">
+            <a:extLst>
+              <a:ext uri="{FF2B5EF4-FFF2-40B4-BE49-F238E27FC236}">
+                <a16:creationId xmlns:a16="http://schemas.microsoft.com/office/drawing/2014/main" id="{7C41CC54-E111-BBF7-7BEA-DBED4E1E73AD}"/>
+              </a:ext>
+            </a:extLst>
+          </p:cNvPr>
+          <p:cNvGrpSpPr/>
+          <p:nvPr/>
+        </p:nvGrpSpPr>
+        <p:grpSpPr>
+          <a:xfrm>
+            <a:off x="6878739" y="724225"/>
+            <a:ext cx="4835322" cy="5202003"/>
+            <a:chOff x="7909005" y="394208"/>
+            <a:chExt cx="2774789" cy="2985212"/>
+          </a:xfrm>
+        </p:grpSpPr>
+        <p:pic>
+          <p:nvPicPr>
+            <p:cNvPr id="1026" name="Picture 2" descr="image">
+              <a:extLst>
+                <a:ext uri="{FF2B5EF4-FFF2-40B4-BE49-F238E27FC236}">
+                  <a16:creationId xmlns:a16="http://schemas.microsoft.com/office/drawing/2014/main" id="{3AFA7C6A-0FDF-F6B7-62E6-2D39EEC96930}"/>
+                </a:ext>
+              </a:extLst>
+            </p:cNvPr>
+            <p:cNvPicPr>
+              <a:picLocks noChangeAspect="1" noChangeArrowheads="1"/>
+            </p:cNvPicPr>
+            <p:nvPr/>
+          </p:nvPicPr>
+          <p:blipFill>
+            <a:blip r:embed="rId2">
+              <a:extLst>
+                <a:ext uri="{28A0092B-C50C-407E-A947-70E740481C1C}">
+                  <a14:useLocalDpi xmlns:a14="http://schemas.microsoft.com/office/drawing/2010/main" val="0"/>
+                </a:ext>
+              </a:extLst>
+            </a:blip>
+            <a:srcRect/>
+            <a:stretch>
+              <a:fillRect/>
+            </a:stretch>
+          </p:blipFill>
+          <p:spPr bwMode="auto">
+            <a:xfrm>
+              <a:off x="7909005" y="394208"/>
+              <a:ext cx="2774789" cy="2677697"/>
+            </a:xfrm>
+            <a:prstGeom prst="rect">
+              <a:avLst/>
+            </a:prstGeom>
+            <a:noFill/>
+            <a:extLst>
+              <a:ext uri="{909E8E84-426E-40DD-AFC4-6F175D3DCCD1}">
+                <a14:hiddenFill xmlns:a14="http://schemas.microsoft.com/office/drawing/2010/main">
+                  <a:solidFill>
+                    <a:srgbClr val="FFFFFF"/>
+                  </a:solidFill>
+                </a14:hiddenFill>
+              </a:ext>
+            </a:extLst>
+          </p:spPr>
+        </p:pic>
+        <p:sp>
+          <p:nvSpPr>
+            <p:cNvPr id="4" name="TextBox 3">
+              <a:extLst>
+                <a:ext uri="{FF2B5EF4-FFF2-40B4-BE49-F238E27FC236}">
+                  <a16:creationId xmlns:a16="http://schemas.microsoft.com/office/drawing/2014/main" id="{85B0ECEA-1C20-3B3E-FF4D-25AD9E908DC6}"/>
+                </a:ext>
+              </a:extLst>
+            </p:cNvPr>
+            <p:cNvSpPr txBox="1"/>
+            <p:nvPr/>
+          </p:nvSpPr>
+          <p:spPr>
+            <a:xfrm>
+              <a:off x="8074731" y="3071905"/>
+              <a:ext cx="2443336" cy="307515"/>
+            </a:xfrm>
+            <a:prstGeom prst="rect">
+              <a:avLst/>
+            </a:prstGeom>
+            <a:noFill/>
+          </p:spPr>
+          <p:txBody>
+            <a:bodyPr wrap="square" rtlCol="0" anchor="ctr">
+              <a:spAutoFit/>
+            </a:bodyPr>
+            <a:lstStyle/>
+            <a:p>
+              <a:pPr algn="ctr">
+                <a:lnSpc>
+                  <a:spcPct val="150000"/>
+                </a:lnSpc>
+              </a:pPr>
+              <a:r>
+                <a:rPr lang="ko-KR" altLang="en-US" sz="1000" b="1" dirty="0">
+                  <a:latin typeface="한컴 고딕" panose="02000500000000000000" pitchFamily="2" charset="-127"/>
+                  <a:ea typeface="한컴 고딕" panose="02000500000000000000" pitchFamily="2" charset="-127"/>
+                </a:rPr>
+                <a:t>그림 </a:t>
+              </a:r>
+              <a:r>
+                <a:rPr lang="en-US" altLang="ko-KR" sz="1000" b="1" dirty="0">
+                  <a:latin typeface="한컴 고딕" panose="02000500000000000000" pitchFamily="2" charset="-127"/>
+                  <a:ea typeface="한컴 고딕" panose="02000500000000000000" pitchFamily="2" charset="-127"/>
+                </a:rPr>
+                <a:t>2. </a:t>
+              </a:r>
+              <a:r>
+                <a:rPr lang="ko-KR" altLang="en-US" sz="1000" b="1" dirty="0">
+                  <a:latin typeface="한컴 고딕" panose="02000500000000000000" pitchFamily="2" charset="-127"/>
+                  <a:ea typeface="한컴 고딕" panose="02000500000000000000" pitchFamily="2" charset="-127"/>
+                </a:rPr>
+                <a:t>제안 네트워크 환경</a:t>
+              </a:r>
+              <a:endParaRPr lang="en-US" altLang="ko-KR" sz="1000" b="1" dirty="0">
+                <a:latin typeface="한컴 고딕" panose="02000500000000000000" pitchFamily="2" charset="-127"/>
+                <a:ea typeface="한컴 고딕" panose="02000500000000000000" pitchFamily="2" charset="-127"/>
+              </a:endParaRPr>
+            </a:p>
+          </p:txBody>
+        </p:sp>
+      </p:grpSp>
+    </p:spTree>
+    <p:extLst>
+      <p:ext uri="{BB962C8B-B14F-4D97-AF65-F5344CB8AC3E}">
+        <p14:creationId xmlns:p14="http://schemas.microsoft.com/office/powerpoint/2010/main" val="744644954"/>
+      </p:ext>
+    </p:extLst>
+  </p:cSld>
+  <p:clrMapOvr>
+    <a:masterClrMapping/>
+  </p:clrMapOvr>
+</p:sld>
+</file>
+
+<file path=ppt/slides/slide11.xml><?xml version="1.0" encoding="utf-8"?>
+<p:sld xmlns:a="http://schemas.openxmlformats.org/drawingml/2006/main" xmlns:r="http://schemas.openxmlformats.org/officeDocument/2006/relationships" xmlns:p="http://schemas.openxmlformats.org/presentationml/2006/main">
+  <p:cSld>
+    <p:spTree>
+      <p:nvGrpSpPr>
+        <p:cNvPr id="1" name=""/>
+        <p:cNvGrpSpPr/>
+        <p:nvPr/>
+      </p:nvGrpSpPr>
+      <p:grpSpPr>
+        <a:xfrm>
+          <a:off x="0" y="0"/>
+          <a:ext cx="0" cy="0"/>
+          <a:chOff x="0" y="0"/>
+          <a:chExt cx="0" cy="0"/>
+        </a:xfrm>
+      </p:grpSpPr>
+      <p:sp>
+        <p:nvSpPr>
+          <p:cNvPr id="2" name="TextBox 1">
+            <a:extLst>
+              <a:ext uri="{FF2B5EF4-FFF2-40B4-BE49-F238E27FC236}">
+                <a16:creationId xmlns:a16="http://schemas.microsoft.com/office/drawing/2014/main" id="{21A7DBE9-2DE9-F0B6-F5C5-7DB6C44D8D28}"/>
+              </a:ext>
+            </a:extLst>
+          </p:cNvPr>
+          <p:cNvSpPr txBox="1"/>
+          <p:nvPr/>
+        </p:nvSpPr>
+        <p:spPr>
+          <a:xfrm>
+            <a:off x="143435" y="130844"/>
+            <a:ext cx="9744635" cy="584775"/>
+          </a:xfrm>
+          <a:prstGeom prst="rect">
+            <a:avLst/>
+          </a:prstGeom>
+          <a:noFill/>
+        </p:spPr>
+        <p:txBody>
+          <a:bodyPr wrap="square" rtlCol="0">
+            <a:spAutoFit/>
+          </a:bodyPr>
+          <a:lstStyle/>
+          <a:p>
+            <a:r>
+              <a:rPr lang="ko-KR" altLang="en-US" sz="3200" dirty="0">
+                <a:solidFill>
+                  <a:schemeClr val="tx1">
+                    <a:lumMod val="65000"/>
+                    <a:lumOff val="35000"/>
+                  </a:schemeClr>
+                </a:solidFill>
+                <a:latin typeface="배달의민족 도현" panose="020B0600000101010101" pitchFamily="50" charset="-127"/>
+                <a:ea typeface="배달의민족 도현" panose="020B0600000101010101" pitchFamily="50" charset="-127"/>
+              </a:rPr>
+              <a:t>제안 기법</a:t>
+            </a:r>
+            <a:endParaRPr lang="en-US" altLang="ko-KR" sz="3200" dirty="0">
+              <a:solidFill>
+                <a:schemeClr val="tx1">
+                  <a:lumMod val="65000"/>
+                  <a:lumOff val="35000"/>
+                </a:schemeClr>
+              </a:solidFill>
+              <a:latin typeface="배달의민족 도현" panose="020B0600000101010101" pitchFamily="50" charset="-127"/>
+              <a:ea typeface="배달의민족 도현" panose="020B0600000101010101" pitchFamily="50" charset="-127"/>
+            </a:endParaRPr>
+          </a:p>
+        </p:txBody>
+      </p:sp>
+      <p:cxnSp>
+        <p:nvCxnSpPr>
+          <p:cNvPr id="6" name="직선 연결선 5">
+            <a:extLst>
+              <a:ext uri="{FF2B5EF4-FFF2-40B4-BE49-F238E27FC236}">
+                <a16:creationId xmlns:a16="http://schemas.microsoft.com/office/drawing/2014/main" id="{3CAFC98D-1DA6-5CE0-43FD-6D3D9C8D3B4F}"/>
+              </a:ext>
+            </a:extLst>
+          </p:cNvPr>
+          <p:cNvCxnSpPr>
+            <a:cxnSpLocks/>
+          </p:cNvCxnSpPr>
+          <p:nvPr/>
+        </p:nvCxnSpPr>
+        <p:spPr>
+          <a:xfrm>
+            <a:off x="206188" y="724225"/>
+            <a:ext cx="1756836" cy="0"/>
+          </a:xfrm>
+          <a:prstGeom prst="line">
+            <a:avLst/>
+          </a:prstGeom>
+          <a:ln w="57150">
+            <a:solidFill>
+              <a:schemeClr val="accent1">
+                <a:lumMod val="75000"/>
+              </a:schemeClr>
+            </a:solidFill>
+          </a:ln>
+        </p:spPr>
+        <p:style>
+          <a:lnRef idx="1">
+            <a:schemeClr val="accent1"/>
+          </a:lnRef>
+          <a:fillRef idx="0">
+            <a:schemeClr val="accent1"/>
+          </a:fillRef>
+          <a:effectRef idx="0">
+            <a:schemeClr val="accent1"/>
+          </a:effectRef>
+          <a:fontRef idx="minor">
+            <a:schemeClr val="tx1"/>
+          </a:fontRef>
+        </p:style>
+      </p:cxnSp>
+      <p:sp>
+        <p:nvSpPr>
+          <p:cNvPr id="10" name="TextBox 9">
+            <a:extLst>
+              <a:ext uri="{FF2B5EF4-FFF2-40B4-BE49-F238E27FC236}">
+                <a16:creationId xmlns:a16="http://schemas.microsoft.com/office/drawing/2014/main" id="{266829A7-D0F8-7CDF-D9BC-CA16B9A4C881}"/>
+              </a:ext>
+            </a:extLst>
+          </p:cNvPr>
+          <p:cNvSpPr txBox="1"/>
+          <p:nvPr/>
+        </p:nvSpPr>
+        <p:spPr>
+          <a:xfrm>
+            <a:off x="206187" y="715619"/>
+            <a:ext cx="5889813" cy="5596789"/>
+          </a:xfrm>
+          <a:prstGeom prst="rect">
+            <a:avLst/>
+          </a:prstGeom>
+          <a:noFill/>
+        </p:spPr>
+        <p:txBody>
+          <a:bodyPr wrap="square" rtlCol="0">
+            <a:spAutoFit/>
+          </a:bodyPr>
+          <a:lstStyle/>
+          <a:p>
+            <a:pPr>
+              <a:lnSpc>
+                <a:spcPct val="150000"/>
+              </a:lnSpc>
+            </a:pPr>
+            <a:r>
+              <a:rPr lang="ko-KR" altLang="en-US" sz="1600" b="1" dirty="0">
+                <a:solidFill>
+                  <a:schemeClr val="accent1"/>
+                </a:solidFill>
+                <a:latin typeface="한컴 고딕" panose="02000500000000000000" pitchFamily="2" charset="-127"/>
+                <a:ea typeface="한컴 고딕" panose="02000500000000000000" pitchFamily="2" charset="-127"/>
+              </a:rPr>
+              <a:t>관련 수식</a:t>
+            </a:r>
+            <a:endParaRPr lang="en-US" altLang="ko-KR" sz="1600" b="1" dirty="0">
+              <a:solidFill>
+                <a:schemeClr val="accent1"/>
+              </a:solidFill>
+              <a:latin typeface="한컴 고딕" panose="02000500000000000000" pitchFamily="2" charset="-127"/>
+              <a:ea typeface="한컴 고딕" panose="02000500000000000000" pitchFamily="2" charset="-127"/>
+            </a:endParaRPr>
+          </a:p>
+          <a:p>
+            <a:pPr marL="342900" indent="-342900">
+              <a:lnSpc>
+                <a:spcPct val="150000"/>
+              </a:lnSpc>
+              <a:buFont typeface="Arial" panose="020B0604020202020204" pitchFamily="34" charset="0"/>
+              <a:buChar char="•"/>
+            </a:pPr>
+            <a:r>
+              <a:rPr lang="ko-KR" altLang="en-US" sz="1600" b="1" dirty="0">
+                <a:solidFill>
+                  <a:schemeClr val="tx1">
+                    <a:lumMod val="50000"/>
+                    <a:lumOff val="50000"/>
+                  </a:schemeClr>
+                </a:solidFill>
+                <a:latin typeface="한컴 고딕" panose="02000500000000000000" pitchFamily="2" charset="-127"/>
+                <a:ea typeface="한컴 고딕" panose="02000500000000000000" pitchFamily="2" charset="-127"/>
+              </a:rPr>
+              <a:t>식 </a:t>
+            </a:r>
+            <a:r>
+              <a:rPr lang="en-US" altLang="ko-KR" sz="1600" b="1" dirty="0">
+                <a:solidFill>
+                  <a:schemeClr val="tx1">
+                    <a:lumMod val="50000"/>
+                    <a:lumOff val="50000"/>
+                  </a:schemeClr>
+                </a:solidFill>
+                <a:latin typeface="한컴 고딕" panose="02000500000000000000" pitchFamily="2" charset="-127"/>
+                <a:ea typeface="한컴 고딕" panose="02000500000000000000" pitchFamily="2" charset="-127"/>
+              </a:rPr>
+              <a:t>1,2</a:t>
+            </a:r>
+            <a:r>
+              <a:rPr lang="ko-KR" altLang="en-US" sz="1600" b="1" dirty="0">
+                <a:solidFill>
+                  <a:schemeClr val="tx1">
+                    <a:lumMod val="50000"/>
+                    <a:lumOff val="50000"/>
+                  </a:schemeClr>
+                </a:solidFill>
+                <a:latin typeface="한컴 고딕" panose="02000500000000000000" pitchFamily="2" charset="-127"/>
+                <a:ea typeface="한컴 고딕" panose="02000500000000000000" pitchFamily="2" charset="-127"/>
+              </a:rPr>
+              <a:t>를 통해 주기적으로 컨텐츠 예상 요청 빈도수를 측정한다</a:t>
+            </a:r>
+            <a:r>
+              <a:rPr lang="en-US" altLang="ko-KR" sz="1600" b="1" dirty="0">
+                <a:solidFill>
+                  <a:schemeClr val="tx1">
+                    <a:lumMod val="50000"/>
+                    <a:lumOff val="50000"/>
+                  </a:schemeClr>
+                </a:solidFill>
+                <a:latin typeface="한컴 고딕" panose="02000500000000000000" pitchFamily="2" charset="-127"/>
+                <a:ea typeface="한컴 고딕" panose="02000500000000000000" pitchFamily="2" charset="-127"/>
+              </a:rPr>
+              <a:t>.</a:t>
+            </a:r>
+          </a:p>
+          <a:p>
+            <a:pPr marL="342900" indent="-342900">
+              <a:lnSpc>
+                <a:spcPct val="150000"/>
+              </a:lnSpc>
+              <a:buFont typeface="Arial" panose="020B0604020202020204" pitchFamily="34" charset="0"/>
+              <a:buChar char="•"/>
+            </a:pPr>
+            <a:r>
+              <a:rPr lang="ko-KR" altLang="en-US" sz="1600" b="1" dirty="0">
+                <a:solidFill>
+                  <a:schemeClr val="tx1">
+                    <a:lumMod val="50000"/>
+                    <a:lumOff val="50000"/>
+                  </a:schemeClr>
+                </a:solidFill>
+                <a:latin typeface="한컴 고딕" panose="02000500000000000000" pitchFamily="2" charset="-127"/>
+                <a:ea typeface="한컴 고딕" panose="02000500000000000000" pitchFamily="2" charset="-127"/>
+              </a:rPr>
+              <a:t>식 </a:t>
+            </a:r>
+            <a:r>
+              <a:rPr lang="en-US" altLang="ko-KR" sz="1600" b="1" dirty="0">
+                <a:solidFill>
+                  <a:schemeClr val="tx1">
+                    <a:lumMod val="50000"/>
+                    <a:lumOff val="50000"/>
+                  </a:schemeClr>
+                </a:solidFill>
+                <a:latin typeface="한컴 고딕" panose="02000500000000000000" pitchFamily="2" charset="-127"/>
+                <a:ea typeface="한컴 고딕" panose="02000500000000000000" pitchFamily="2" charset="-127"/>
+              </a:rPr>
+              <a:t>3</a:t>
+            </a:r>
+            <a:r>
+              <a:rPr lang="ko-KR" altLang="en-US" sz="1600" b="1" dirty="0">
+                <a:solidFill>
+                  <a:schemeClr val="tx1">
+                    <a:lumMod val="50000"/>
+                    <a:lumOff val="50000"/>
+                  </a:schemeClr>
+                </a:solidFill>
+                <a:latin typeface="한컴 고딕" panose="02000500000000000000" pitchFamily="2" charset="-127"/>
+                <a:ea typeface="한컴 고딕" panose="02000500000000000000" pitchFamily="2" charset="-127"/>
+              </a:rPr>
+              <a:t>은 컨텐츠 전달에 필요한 소비 비용을 계산하는 식이다</a:t>
+            </a:r>
+            <a:r>
+              <a:rPr lang="en-US" altLang="ko-KR" sz="1600" b="1" dirty="0">
+                <a:solidFill>
+                  <a:schemeClr val="tx1">
+                    <a:lumMod val="50000"/>
+                    <a:lumOff val="50000"/>
+                  </a:schemeClr>
+                </a:solidFill>
+                <a:latin typeface="한컴 고딕" panose="02000500000000000000" pitchFamily="2" charset="-127"/>
+                <a:ea typeface="한컴 고딕" panose="02000500000000000000" pitchFamily="2" charset="-127"/>
+              </a:rPr>
+              <a:t>.</a:t>
+            </a:r>
+          </a:p>
+          <a:p>
+            <a:pPr marL="342900" indent="-342900">
+              <a:lnSpc>
+                <a:spcPct val="150000"/>
+              </a:lnSpc>
+              <a:buFont typeface="Arial" panose="020B0604020202020204" pitchFamily="34" charset="0"/>
+              <a:buChar char="•"/>
+            </a:pPr>
+            <a:r>
+              <a:rPr lang="ko-KR" altLang="en-US" sz="1600" b="1" dirty="0">
+                <a:solidFill>
+                  <a:schemeClr val="tx1">
+                    <a:lumMod val="50000"/>
+                    <a:lumOff val="50000"/>
+                  </a:schemeClr>
+                </a:solidFill>
+                <a:latin typeface="한컴 고딕" panose="02000500000000000000" pitchFamily="2" charset="-127"/>
+                <a:ea typeface="한컴 고딕" panose="02000500000000000000" pitchFamily="2" charset="-127"/>
+              </a:rPr>
+              <a:t>식 </a:t>
+            </a:r>
+            <a:r>
+              <a:rPr lang="en-US" altLang="ko-KR" sz="1600" b="1" dirty="0">
+                <a:solidFill>
+                  <a:schemeClr val="tx1">
+                    <a:lumMod val="50000"/>
+                    <a:lumOff val="50000"/>
+                  </a:schemeClr>
+                </a:solidFill>
+                <a:latin typeface="한컴 고딕" panose="02000500000000000000" pitchFamily="2" charset="-127"/>
+                <a:ea typeface="한컴 고딕" panose="02000500000000000000" pitchFamily="2" charset="-127"/>
+              </a:rPr>
+              <a:t>4</a:t>
+            </a:r>
+            <a:r>
+              <a:rPr lang="ko-KR" altLang="en-US" sz="1600" b="1" dirty="0">
+                <a:solidFill>
+                  <a:schemeClr val="tx1">
+                    <a:lumMod val="50000"/>
+                    <a:lumOff val="50000"/>
+                  </a:schemeClr>
+                </a:solidFill>
+                <a:latin typeface="한컴 고딕" panose="02000500000000000000" pitchFamily="2" charset="-127"/>
+                <a:ea typeface="한컴 고딕" panose="02000500000000000000" pitchFamily="2" charset="-127"/>
+              </a:rPr>
+              <a:t>는 식 </a:t>
+            </a:r>
+            <a:r>
+              <a:rPr lang="en-US" altLang="ko-KR" sz="1600" b="1" dirty="0">
+                <a:solidFill>
+                  <a:schemeClr val="tx1">
+                    <a:lumMod val="50000"/>
+                    <a:lumOff val="50000"/>
+                  </a:schemeClr>
+                </a:solidFill>
+                <a:latin typeface="한컴 고딕" panose="02000500000000000000" pitchFamily="2" charset="-127"/>
+                <a:ea typeface="한컴 고딕" panose="02000500000000000000" pitchFamily="2" charset="-127"/>
+              </a:rPr>
+              <a:t>3</a:t>
+            </a:r>
+            <a:r>
+              <a:rPr lang="ko-KR" altLang="en-US" sz="1600" b="1" dirty="0">
+                <a:solidFill>
+                  <a:schemeClr val="tx1">
+                    <a:lumMod val="50000"/>
+                    <a:lumOff val="50000"/>
+                  </a:schemeClr>
+                </a:solidFill>
+                <a:latin typeface="한컴 고딕" panose="02000500000000000000" pitchFamily="2" charset="-127"/>
+                <a:ea typeface="한컴 고딕" panose="02000500000000000000" pitchFamily="2" charset="-127"/>
+              </a:rPr>
+              <a:t>에 사용되는 소비 비용을 최소화하기 위해 정의된 목적함수이다</a:t>
+            </a:r>
+            <a:r>
+              <a:rPr lang="en-US" altLang="ko-KR" sz="1600" b="1" dirty="0">
+                <a:solidFill>
+                  <a:schemeClr val="tx1">
+                    <a:lumMod val="50000"/>
+                    <a:lumOff val="50000"/>
+                  </a:schemeClr>
+                </a:solidFill>
+                <a:latin typeface="한컴 고딕" panose="02000500000000000000" pitchFamily="2" charset="-127"/>
+                <a:ea typeface="한컴 고딕" panose="02000500000000000000" pitchFamily="2" charset="-127"/>
+              </a:rPr>
+              <a:t>.</a:t>
+            </a:r>
+          </a:p>
+          <a:p>
+            <a:pPr marL="342900" indent="-342900">
+              <a:lnSpc>
+                <a:spcPct val="150000"/>
+              </a:lnSpc>
+              <a:buFont typeface="Arial" panose="020B0604020202020204" pitchFamily="34" charset="0"/>
+              <a:buChar char="•"/>
+            </a:pPr>
+            <a:r>
+              <a:rPr lang="ko-KR" altLang="en-US" sz="1600" b="1" dirty="0">
+                <a:solidFill>
+                  <a:schemeClr val="tx1">
+                    <a:lumMod val="50000"/>
+                    <a:lumOff val="50000"/>
+                  </a:schemeClr>
+                </a:solidFill>
+                <a:latin typeface="한컴 고딕" panose="02000500000000000000" pitchFamily="2" charset="-127"/>
+                <a:ea typeface="한컴 고딕" panose="02000500000000000000" pitchFamily="2" charset="-127"/>
+              </a:rPr>
+              <a:t>식 </a:t>
+            </a:r>
+            <a:r>
+              <a:rPr lang="en-US" altLang="ko-KR" sz="1600" b="1" dirty="0">
+                <a:solidFill>
+                  <a:schemeClr val="tx1">
+                    <a:lumMod val="50000"/>
+                    <a:lumOff val="50000"/>
+                  </a:schemeClr>
+                </a:solidFill>
+                <a:latin typeface="한컴 고딕" panose="02000500000000000000" pitchFamily="2" charset="-127"/>
+                <a:ea typeface="한컴 고딕" panose="02000500000000000000" pitchFamily="2" charset="-127"/>
+              </a:rPr>
+              <a:t>5, 6</a:t>
+            </a:r>
+            <a:r>
+              <a:rPr lang="ko-KR" altLang="en-US" sz="1600" b="1" dirty="0">
+                <a:solidFill>
+                  <a:schemeClr val="tx1">
+                    <a:lumMod val="50000"/>
+                    <a:lumOff val="50000"/>
+                  </a:schemeClr>
+                </a:solidFill>
+                <a:latin typeface="한컴 고딕" panose="02000500000000000000" pitchFamily="2" charset="-127"/>
+                <a:ea typeface="한컴 고딕" panose="02000500000000000000" pitchFamily="2" charset="-127"/>
+              </a:rPr>
+              <a:t>은 식 </a:t>
+            </a:r>
+            <a:r>
+              <a:rPr lang="en-US" altLang="ko-KR" sz="1600" b="1" dirty="0">
+                <a:solidFill>
+                  <a:schemeClr val="tx1">
+                    <a:lumMod val="50000"/>
+                    <a:lumOff val="50000"/>
+                  </a:schemeClr>
+                </a:solidFill>
+                <a:latin typeface="한컴 고딕" panose="02000500000000000000" pitchFamily="2" charset="-127"/>
+                <a:ea typeface="한컴 고딕" panose="02000500000000000000" pitchFamily="2" charset="-127"/>
+              </a:rPr>
+              <a:t>4</a:t>
+            </a:r>
+            <a:r>
+              <a:rPr lang="ko-KR" altLang="en-US" sz="1600" b="1" dirty="0">
+                <a:solidFill>
+                  <a:schemeClr val="tx1">
+                    <a:lumMod val="50000"/>
+                    <a:lumOff val="50000"/>
+                  </a:schemeClr>
+                </a:solidFill>
+                <a:latin typeface="한컴 고딕" panose="02000500000000000000" pitchFamily="2" charset="-127"/>
+                <a:ea typeface="한컴 고딕" panose="02000500000000000000" pitchFamily="2" charset="-127"/>
+              </a:rPr>
+              <a:t>의 제약 조건이다</a:t>
+            </a:r>
+            <a:endParaRPr lang="en-US" altLang="ko-KR" sz="1600" b="1" dirty="0">
+              <a:solidFill>
+                <a:schemeClr val="tx1">
+                  <a:lumMod val="50000"/>
+                  <a:lumOff val="50000"/>
+                </a:schemeClr>
+              </a:solidFill>
+              <a:latin typeface="한컴 고딕" panose="02000500000000000000" pitchFamily="2" charset="-127"/>
+              <a:ea typeface="한컴 고딕" panose="02000500000000000000" pitchFamily="2" charset="-127"/>
+            </a:endParaRPr>
+          </a:p>
+          <a:p>
+            <a:pPr marL="800100" lvl="1" indent="-342900">
+              <a:lnSpc>
+                <a:spcPct val="150000"/>
+              </a:lnSpc>
+              <a:buFont typeface="Arial" panose="020B0604020202020204" pitchFamily="34" charset="0"/>
+              <a:buChar char="•"/>
+            </a:pPr>
+            <a:r>
+              <a:rPr lang="ko-KR" altLang="en-US" sz="1600" b="1" dirty="0">
+                <a:solidFill>
+                  <a:schemeClr val="tx1">
+                    <a:lumMod val="50000"/>
+                    <a:lumOff val="50000"/>
+                  </a:schemeClr>
+                </a:solidFill>
+                <a:latin typeface="한컴 고딕" panose="02000500000000000000" pitchFamily="2" charset="-127"/>
+                <a:ea typeface="한컴 고딕" panose="02000500000000000000" pitchFamily="2" charset="-127"/>
+              </a:rPr>
+              <a:t>식 </a:t>
+            </a:r>
+            <a:r>
+              <a:rPr lang="en-US" altLang="ko-KR" sz="1600" b="1" dirty="0">
+                <a:solidFill>
+                  <a:schemeClr val="tx1">
+                    <a:lumMod val="50000"/>
+                    <a:lumOff val="50000"/>
+                  </a:schemeClr>
+                </a:solidFill>
+                <a:latin typeface="한컴 고딕" panose="02000500000000000000" pitchFamily="2" charset="-127"/>
+                <a:ea typeface="한컴 고딕" panose="02000500000000000000" pitchFamily="2" charset="-127"/>
+              </a:rPr>
+              <a:t>5 : </a:t>
+            </a:r>
+            <a:r>
+              <a:rPr lang="ko-KR" altLang="en-US" sz="1600" b="1" dirty="0">
+                <a:solidFill>
+                  <a:schemeClr val="tx1">
+                    <a:lumMod val="50000"/>
+                    <a:lumOff val="50000"/>
+                  </a:schemeClr>
+                </a:solidFill>
+                <a:latin typeface="한컴 고딕" panose="02000500000000000000" pitchFamily="2" charset="-127"/>
+                <a:ea typeface="한컴 고딕" panose="02000500000000000000" pitchFamily="2" charset="-127"/>
+              </a:rPr>
+              <a:t>컨텐츠는 </a:t>
+            </a:r>
+            <a:r>
+              <a:rPr lang="en-US" altLang="ko-KR" sz="1600" b="1" dirty="0">
+                <a:solidFill>
+                  <a:schemeClr val="tx1">
+                    <a:lumMod val="50000"/>
+                    <a:lumOff val="50000"/>
+                  </a:schemeClr>
+                </a:solidFill>
+                <a:latin typeface="한컴 고딕" panose="02000500000000000000" pitchFamily="2" charset="-127"/>
+                <a:ea typeface="한컴 고딕" panose="02000500000000000000" pitchFamily="2" charset="-127"/>
+              </a:rPr>
+              <a:t>ICN </a:t>
+            </a:r>
+            <a:r>
+              <a:rPr lang="ko-KR" altLang="en-US" sz="1600" b="1" dirty="0">
+                <a:solidFill>
+                  <a:schemeClr val="tx1">
+                    <a:lumMod val="50000"/>
+                    <a:lumOff val="50000"/>
+                  </a:schemeClr>
+                </a:solidFill>
+                <a:latin typeface="한컴 고딕" panose="02000500000000000000" pitchFamily="2" charset="-127"/>
+                <a:ea typeface="한컴 고딕" panose="02000500000000000000" pitchFamily="2" charset="-127"/>
+              </a:rPr>
+              <a:t>또는 </a:t>
+            </a:r>
+            <a:r>
+              <a:rPr lang="en-US" altLang="ko-KR" sz="1600" b="1" dirty="0">
+                <a:solidFill>
+                  <a:schemeClr val="tx1">
+                    <a:lumMod val="50000"/>
+                    <a:lumOff val="50000"/>
+                  </a:schemeClr>
+                </a:solidFill>
+                <a:latin typeface="한컴 고딕" panose="02000500000000000000" pitchFamily="2" charset="-127"/>
+                <a:ea typeface="한컴 고딕" panose="02000500000000000000" pitchFamily="2" charset="-127"/>
+              </a:rPr>
+              <a:t>MEC</a:t>
+            </a:r>
+            <a:r>
+              <a:rPr lang="ko-KR" altLang="en-US" sz="1600" b="1" dirty="0">
+                <a:solidFill>
+                  <a:schemeClr val="tx1">
+                    <a:lumMod val="50000"/>
+                    <a:lumOff val="50000"/>
+                  </a:schemeClr>
+                </a:solidFill>
+                <a:latin typeface="한컴 고딕" panose="02000500000000000000" pitchFamily="2" charset="-127"/>
+                <a:ea typeface="한컴 고딕" panose="02000500000000000000" pitchFamily="2" charset="-127"/>
+              </a:rPr>
+              <a:t>에 하나 이상 </a:t>
+            </a:r>
+            <a:r>
+              <a:rPr lang="ko-KR" altLang="en-US" sz="1600" b="1" dirty="0" err="1">
+                <a:solidFill>
+                  <a:schemeClr val="tx1">
+                    <a:lumMod val="50000"/>
+                    <a:lumOff val="50000"/>
+                  </a:schemeClr>
+                </a:solidFill>
+                <a:latin typeface="한컴 고딕" panose="02000500000000000000" pitchFamily="2" charset="-127"/>
+                <a:ea typeface="한컴 고딕" panose="02000500000000000000" pitchFamily="2" charset="-127"/>
+              </a:rPr>
+              <a:t>캐싱되어있어야</a:t>
+            </a:r>
+            <a:r>
+              <a:rPr lang="ko-KR" altLang="en-US" sz="1600" b="1" dirty="0">
+                <a:solidFill>
+                  <a:schemeClr val="tx1">
+                    <a:lumMod val="50000"/>
+                    <a:lumOff val="50000"/>
+                  </a:schemeClr>
+                </a:solidFill>
+                <a:latin typeface="한컴 고딕" panose="02000500000000000000" pitchFamily="2" charset="-127"/>
+                <a:ea typeface="한컴 고딕" panose="02000500000000000000" pitchFamily="2" charset="-127"/>
+              </a:rPr>
+              <a:t> 한다</a:t>
+            </a:r>
+            <a:r>
+              <a:rPr lang="en-US" altLang="ko-KR" sz="1600" b="1" dirty="0">
+                <a:solidFill>
+                  <a:schemeClr val="tx1">
+                    <a:lumMod val="50000"/>
+                    <a:lumOff val="50000"/>
+                  </a:schemeClr>
+                </a:solidFill>
+                <a:latin typeface="한컴 고딕" panose="02000500000000000000" pitchFamily="2" charset="-127"/>
+                <a:ea typeface="한컴 고딕" panose="02000500000000000000" pitchFamily="2" charset="-127"/>
+              </a:rPr>
+              <a:t>.</a:t>
+            </a:r>
+          </a:p>
+          <a:p>
+            <a:pPr marL="800100" lvl="1" indent="-342900">
+              <a:lnSpc>
+                <a:spcPct val="150000"/>
+              </a:lnSpc>
+              <a:buFont typeface="Arial" panose="020B0604020202020204" pitchFamily="34" charset="0"/>
+              <a:buChar char="•"/>
+            </a:pPr>
+            <a:r>
+              <a:rPr lang="ko-KR" altLang="en-US" sz="1600" b="1" dirty="0">
+                <a:solidFill>
+                  <a:schemeClr val="tx1">
+                    <a:lumMod val="50000"/>
+                    <a:lumOff val="50000"/>
+                  </a:schemeClr>
+                </a:solidFill>
+                <a:latin typeface="한컴 고딕" panose="02000500000000000000" pitchFamily="2" charset="-127"/>
+                <a:ea typeface="한컴 고딕" panose="02000500000000000000" pitchFamily="2" charset="-127"/>
+              </a:rPr>
+              <a:t>식 </a:t>
+            </a:r>
+            <a:r>
+              <a:rPr lang="en-US" altLang="ko-KR" sz="1600" b="1" dirty="0">
+                <a:solidFill>
+                  <a:schemeClr val="tx1">
+                    <a:lumMod val="50000"/>
+                    <a:lumOff val="50000"/>
+                  </a:schemeClr>
+                </a:solidFill>
+                <a:latin typeface="한컴 고딕" panose="02000500000000000000" pitchFamily="2" charset="-127"/>
+                <a:ea typeface="한컴 고딕" panose="02000500000000000000" pitchFamily="2" charset="-127"/>
+              </a:rPr>
+              <a:t>6 : MEC</a:t>
+            </a:r>
+            <a:r>
+              <a:rPr lang="ko-KR" altLang="en-US" sz="1600" b="1" dirty="0">
+                <a:solidFill>
+                  <a:schemeClr val="tx1">
+                    <a:lumMod val="50000"/>
+                    <a:lumOff val="50000"/>
+                  </a:schemeClr>
+                </a:solidFill>
+                <a:latin typeface="한컴 고딕" panose="02000500000000000000" pitchFamily="2" charset="-127"/>
+                <a:ea typeface="한컴 고딕" panose="02000500000000000000" pitchFamily="2" charset="-127"/>
+              </a:rPr>
+              <a:t>에 </a:t>
+            </a:r>
+            <a:r>
+              <a:rPr lang="ko-KR" altLang="en-US" sz="1600" b="1" dirty="0" err="1">
+                <a:solidFill>
+                  <a:schemeClr val="tx1">
+                    <a:lumMod val="50000"/>
+                    <a:lumOff val="50000"/>
+                  </a:schemeClr>
+                </a:solidFill>
+                <a:latin typeface="한컴 고딕" panose="02000500000000000000" pitchFamily="2" charset="-127"/>
+                <a:ea typeface="한컴 고딕" panose="02000500000000000000" pitchFamily="2" charset="-127"/>
+              </a:rPr>
+              <a:t>캐싱된</a:t>
+            </a:r>
+            <a:r>
+              <a:rPr lang="ko-KR" altLang="en-US" sz="1600" b="1" dirty="0">
+                <a:solidFill>
+                  <a:schemeClr val="tx1">
+                    <a:lumMod val="50000"/>
+                    <a:lumOff val="50000"/>
+                  </a:schemeClr>
+                </a:solidFill>
+                <a:latin typeface="한컴 고딕" panose="02000500000000000000" pitchFamily="2" charset="-127"/>
+                <a:ea typeface="한컴 고딕" panose="02000500000000000000" pitchFamily="2" charset="-127"/>
+              </a:rPr>
+              <a:t> 컨텐츠의 용량이 </a:t>
+            </a:r>
+            <a:r>
+              <a:rPr lang="en-US" altLang="ko-KR" sz="1600" b="1" dirty="0">
+                <a:solidFill>
+                  <a:schemeClr val="tx1">
+                    <a:lumMod val="50000"/>
+                    <a:lumOff val="50000"/>
+                  </a:schemeClr>
+                </a:solidFill>
+                <a:latin typeface="한컴 고딕" panose="02000500000000000000" pitchFamily="2" charset="-127"/>
+                <a:ea typeface="한컴 고딕" panose="02000500000000000000" pitchFamily="2" charset="-127"/>
+              </a:rPr>
+              <a:t>MEC</a:t>
+            </a:r>
+            <a:r>
+              <a:rPr lang="ko-KR" altLang="en-US" sz="1600" b="1" dirty="0">
+                <a:solidFill>
+                  <a:schemeClr val="tx1">
+                    <a:lumMod val="50000"/>
+                    <a:lumOff val="50000"/>
+                  </a:schemeClr>
+                </a:solidFill>
+                <a:latin typeface="한컴 고딕" panose="02000500000000000000" pitchFamily="2" charset="-127"/>
+                <a:ea typeface="한컴 고딕" panose="02000500000000000000" pitchFamily="2" charset="-127"/>
+              </a:rPr>
+              <a:t>의 전체 용량보다 </a:t>
+            </a:r>
+            <a:r>
+              <a:rPr lang="ko-KR" altLang="en-US" sz="1600" b="1" dirty="0" err="1">
+                <a:solidFill>
+                  <a:schemeClr val="tx1">
+                    <a:lumMod val="50000"/>
+                    <a:lumOff val="50000"/>
+                  </a:schemeClr>
+                </a:solidFill>
+                <a:latin typeface="한컴 고딕" panose="02000500000000000000" pitchFamily="2" charset="-127"/>
+                <a:ea typeface="한컴 고딕" panose="02000500000000000000" pitchFamily="2" charset="-127"/>
+              </a:rPr>
+              <a:t>작아야한다</a:t>
+            </a:r>
+            <a:r>
+              <a:rPr lang="en-US" altLang="ko-KR" sz="1600" b="1" dirty="0">
+                <a:solidFill>
+                  <a:schemeClr val="tx1">
+                    <a:lumMod val="50000"/>
+                    <a:lumOff val="50000"/>
+                  </a:schemeClr>
+                </a:solidFill>
+                <a:latin typeface="한컴 고딕" panose="02000500000000000000" pitchFamily="2" charset="-127"/>
+                <a:ea typeface="한컴 고딕" panose="02000500000000000000" pitchFamily="2" charset="-127"/>
+              </a:rPr>
+              <a:t>.</a:t>
+            </a:r>
+          </a:p>
+          <a:p>
+            <a:pPr marL="342900" indent="-342900">
+              <a:lnSpc>
+                <a:spcPct val="150000"/>
+              </a:lnSpc>
+              <a:buFont typeface="Arial" panose="020B0604020202020204" pitchFamily="34" charset="0"/>
+              <a:buChar char="•"/>
+            </a:pPr>
+            <a:r>
+              <a:rPr lang="ko-KR" altLang="en-US" sz="1600" b="1" dirty="0">
+                <a:solidFill>
+                  <a:schemeClr val="tx1">
+                    <a:lumMod val="50000"/>
+                    <a:lumOff val="50000"/>
+                  </a:schemeClr>
+                </a:solidFill>
+                <a:latin typeface="한컴 고딕" panose="02000500000000000000" pitchFamily="2" charset="-127"/>
+                <a:ea typeface="한컴 고딕" panose="02000500000000000000" pitchFamily="2" charset="-127"/>
+              </a:rPr>
+              <a:t>식 </a:t>
+            </a:r>
+            <a:r>
+              <a:rPr lang="en-US" altLang="ko-KR" sz="1600" b="1" dirty="0">
+                <a:solidFill>
+                  <a:schemeClr val="tx1">
+                    <a:lumMod val="50000"/>
+                    <a:lumOff val="50000"/>
+                  </a:schemeClr>
+                </a:solidFill>
+                <a:latin typeface="한컴 고딕" panose="02000500000000000000" pitchFamily="2" charset="-127"/>
+                <a:ea typeface="한컴 고딕" panose="02000500000000000000" pitchFamily="2" charset="-127"/>
+              </a:rPr>
+              <a:t>7</a:t>
+            </a:r>
+            <a:r>
+              <a:rPr lang="ko-KR" altLang="en-US" sz="1600" b="1" dirty="0">
+                <a:solidFill>
+                  <a:schemeClr val="tx1">
+                    <a:lumMod val="50000"/>
+                    <a:lumOff val="50000"/>
+                  </a:schemeClr>
+                </a:solidFill>
+                <a:latin typeface="한컴 고딕" panose="02000500000000000000" pitchFamily="2" charset="-127"/>
+                <a:ea typeface="한컴 고딕" panose="02000500000000000000" pitchFamily="2" charset="-127"/>
+              </a:rPr>
+              <a:t>은 </a:t>
+            </a:r>
+            <a:r>
+              <a:rPr lang="ko-KR" altLang="en-US" sz="1600" b="1" dirty="0" err="1">
+                <a:solidFill>
+                  <a:schemeClr val="tx1">
+                    <a:lumMod val="50000"/>
+                    <a:lumOff val="50000"/>
+                  </a:schemeClr>
+                </a:solidFill>
+                <a:latin typeface="한컴 고딕" panose="02000500000000000000" pitchFamily="2" charset="-127"/>
+                <a:ea typeface="한컴 고딕" panose="02000500000000000000" pitchFamily="2" charset="-127"/>
+              </a:rPr>
+              <a:t>엣지</a:t>
+            </a:r>
+            <a:r>
+              <a:rPr lang="ko-KR" altLang="en-US" sz="1600" b="1" dirty="0">
+                <a:solidFill>
+                  <a:schemeClr val="tx1">
+                    <a:lumMod val="50000"/>
+                    <a:lumOff val="50000"/>
+                  </a:schemeClr>
+                </a:solidFill>
+                <a:latin typeface="한컴 고딕" panose="02000500000000000000" pitchFamily="2" charset="-127"/>
+                <a:ea typeface="한컴 고딕" panose="02000500000000000000" pitchFamily="2" charset="-127"/>
+              </a:rPr>
+              <a:t> 네트워크에서 요청 가능성이 높은 컨텐츠를 </a:t>
+            </a:r>
+            <a:r>
+              <a:rPr lang="ko-KR" altLang="en-US" sz="1600" b="1" dirty="0" err="1">
+                <a:solidFill>
+                  <a:schemeClr val="tx1">
+                    <a:lumMod val="50000"/>
+                    <a:lumOff val="50000"/>
+                  </a:schemeClr>
+                </a:solidFill>
+                <a:latin typeface="한컴 고딕" panose="02000500000000000000" pitchFamily="2" charset="-127"/>
+                <a:ea typeface="한컴 고딕" panose="02000500000000000000" pitchFamily="2" charset="-127"/>
+              </a:rPr>
+              <a:t>캐싱하기</a:t>
+            </a:r>
+            <a:r>
+              <a:rPr lang="ko-KR" altLang="en-US" sz="1600" b="1" dirty="0">
+                <a:solidFill>
+                  <a:schemeClr val="tx1">
+                    <a:lumMod val="50000"/>
+                    <a:lumOff val="50000"/>
+                  </a:schemeClr>
+                </a:solidFill>
+                <a:latin typeface="한컴 고딕" panose="02000500000000000000" pitchFamily="2" charset="-127"/>
+                <a:ea typeface="한컴 고딕" panose="02000500000000000000" pitchFamily="2" charset="-127"/>
+              </a:rPr>
+              <a:t> 위해 사용되는 계산식이다</a:t>
+            </a:r>
+            <a:r>
+              <a:rPr lang="en-US" altLang="ko-KR" sz="1600" b="1" dirty="0">
+                <a:solidFill>
+                  <a:schemeClr val="tx1">
+                    <a:lumMod val="50000"/>
+                    <a:lumOff val="50000"/>
+                  </a:schemeClr>
+                </a:solidFill>
+                <a:latin typeface="한컴 고딕" panose="02000500000000000000" pitchFamily="2" charset="-127"/>
+                <a:ea typeface="한컴 고딕" panose="02000500000000000000" pitchFamily="2" charset="-127"/>
+              </a:rPr>
+              <a:t>.</a:t>
+            </a:r>
+          </a:p>
+          <a:p>
+            <a:pPr marL="342900" indent="-342900">
+              <a:lnSpc>
+                <a:spcPct val="150000"/>
+              </a:lnSpc>
+              <a:buFont typeface="Arial" panose="020B0604020202020204" pitchFamily="34" charset="0"/>
+              <a:buChar char="•"/>
+            </a:pPr>
+            <a:r>
+              <a:rPr lang="ko-KR" altLang="en-US" sz="1600" b="1" dirty="0">
+                <a:solidFill>
+                  <a:schemeClr val="tx1">
+                    <a:lumMod val="50000"/>
+                    <a:lumOff val="50000"/>
+                  </a:schemeClr>
+                </a:solidFill>
+                <a:latin typeface="한컴 고딕" panose="02000500000000000000" pitchFamily="2" charset="-127"/>
+                <a:ea typeface="한컴 고딕" panose="02000500000000000000" pitchFamily="2" charset="-127"/>
+              </a:rPr>
+              <a:t>식 </a:t>
+            </a:r>
+            <a:r>
+              <a:rPr lang="en-US" altLang="ko-KR" sz="1600" b="1" dirty="0">
+                <a:solidFill>
+                  <a:schemeClr val="tx1">
+                    <a:lumMod val="50000"/>
+                    <a:lumOff val="50000"/>
+                  </a:schemeClr>
+                </a:solidFill>
+                <a:latin typeface="한컴 고딕" panose="02000500000000000000" pitchFamily="2" charset="-127"/>
+                <a:ea typeface="한컴 고딕" panose="02000500000000000000" pitchFamily="2" charset="-127"/>
+              </a:rPr>
+              <a:t>8</a:t>
+            </a:r>
+            <a:r>
+              <a:rPr lang="ko-KR" altLang="en-US" sz="1600" b="1" dirty="0">
+                <a:solidFill>
+                  <a:schemeClr val="tx1">
+                    <a:lumMod val="50000"/>
+                    <a:lumOff val="50000"/>
+                  </a:schemeClr>
+                </a:solidFill>
+                <a:latin typeface="한컴 고딕" panose="02000500000000000000" pitchFamily="2" charset="-127"/>
+                <a:ea typeface="한컴 고딕" panose="02000500000000000000" pitchFamily="2" charset="-127"/>
+              </a:rPr>
+              <a:t>은 </a:t>
+            </a:r>
+            <a:r>
+              <a:rPr lang="ko-KR" altLang="en-US" sz="1600" b="1" dirty="0" err="1">
+                <a:solidFill>
+                  <a:schemeClr val="tx1">
+                    <a:lumMod val="50000"/>
+                    <a:lumOff val="50000"/>
+                  </a:schemeClr>
+                </a:solidFill>
+                <a:latin typeface="한컴 고딕" panose="02000500000000000000" pitchFamily="2" charset="-127"/>
+                <a:ea typeface="한컴 고딕" panose="02000500000000000000" pitchFamily="2" charset="-127"/>
+              </a:rPr>
+              <a:t>엣지</a:t>
+            </a:r>
+            <a:r>
+              <a:rPr lang="ko-KR" altLang="en-US" sz="1600" b="1" dirty="0">
+                <a:solidFill>
+                  <a:schemeClr val="tx1">
+                    <a:lumMod val="50000"/>
+                    <a:lumOff val="50000"/>
+                  </a:schemeClr>
+                </a:solidFill>
+                <a:latin typeface="한컴 고딕" panose="02000500000000000000" pitchFamily="2" charset="-127"/>
+                <a:ea typeface="한컴 고딕" panose="02000500000000000000" pitchFamily="2" charset="-127"/>
+              </a:rPr>
+              <a:t> 네트워크 내 컨텐츠 예상 요청 빈도가 </a:t>
+            </a:r>
+            <a:r>
+              <a:rPr lang="ko-KR" altLang="en-US" sz="1600" b="1" dirty="0" err="1">
+                <a:solidFill>
+                  <a:schemeClr val="tx1">
+                    <a:lumMod val="50000"/>
+                    <a:lumOff val="50000"/>
+                  </a:schemeClr>
+                </a:solidFill>
+                <a:latin typeface="한컴 고딕" panose="02000500000000000000" pitchFamily="2" charset="-127"/>
+                <a:ea typeface="한컴 고딕" panose="02000500000000000000" pitchFamily="2" charset="-127"/>
+              </a:rPr>
+              <a:t>임계값</a:t>
+            </a:r>
+            <a:r>
+              <a:rPr lang="ko-KR" altLang="en-US" sz="1600" b="1" dirty="0">
+                <a:solidFill>
+                  <a:schemeClr val="tx1">
+                    <a:lumMod val="50000"/>
+                    <a:lumOff val="50000"/>
+                  </a:schemeClr>
+                </a:solidFill>
+                <a:latin typeface="한컴 고딕" panose="02000500000000000000" pitchFamily="2" charset="-127"/>
+                <a:ea typeface="한컴 고딕" panose="02000500000000000000" pitchFamily="2" charset="-127"/>
+              </a:rPr>
+              <a:t> 보다 높거나 서로 다른 </a:t>
+            </a:r>
+            <a:r>
+              <a:rPr lang="en-US" altLang="ko-KR" sz="1600" b="1" dirty="0">
+                <a:solidFill>
+                  <a:schemeClr val="tx1">
+                    <a:lumMod val="50000"/>
+                    <a:lumOff val="50000"/>
+                  </a:schemeClr>
+                </a:solidFill>
+                <a:latin typeface="한컴 고딕" panose="02000500000000000000" pitchFamily="2" charset="-127"/>
+                <a:ea typeface="한컴 고딕" panose="02000500000000000000" pitchFamily="2" charset="-127"/>
+              </a:rPr>
+              <a:t>MEC</a:t>
+            </a:r>
+            <a:r>
+              <a:rPr lang="ko-KR" altLang="en-US" sz="1600" b="1" dirty="0">
+                <a:solidFill>
+                  <a:schemeClr val="tx1">
+                    <a:lumMod val="50000"/>
+                    <a:lumOff val="50000"/>
+                  </a:schemeClr>
+                </a:solidFill>
+                <a:latin typeface="한컴 고딕" panose="02000500000000000000" pitchFamily="2" charset="-127"/>
+                <a:ea typeface="한컴 고딕" panose="02000500000000000000" pitchFamily="2" charset="-127"/>
+              </a:rPr>
+              <a:t>에 </a:t>
+            </a:r>
+            <a:r>
+              <a:rPr lang="ko-KR" altLang="en-US" sz="1600" b="1" dirty="0" err="1">
+                <a:solidFill>
+                  <a:schemeClr val="tx1">
+                    <a:lumMod val="50000"/>
+                    <a:lumOff val="50000"/>
+                  </a:schemeClr>
+                </a:solidFill>
+                <a:latin typeface="한컴 고딕" panose="02000500000000000000" pitchFamily="2" charset="-127"/>
+                <a:ea typeface="한컴 고딕" panose="02000500000000000000" pitchFamily="2" charset="-127"/>
+              </a:rPr>
+              <a:t>캐싱된</a:t>
+            </a:r>
+            <a:r>
+              <a:rPr lang="ko-KR" altLang="en-US" sz="1600" b="1" dirty="0">
+                <a:solidFill>
+                  <a:schemeClr val="tx1">
+                    <a:lumMod val="50000"/>
+                    <a:lumOff val="50000"/>
+                  </a:schemeClr>
+                </a:solidFill>
+                <a:latin typeface="한컴 고딕" panose="02000500000000000000" pitchFamily="2" charset="-127"/>
+                <a:ea typeface="한컴 고딕" panose="02000500000000000000" pitchFamily="2" charset="-127"/>
+              </a:rPr>
+              <a:t> 동일한 컨텐츠 개수가 </a:t>
+            </a:r>
+            <a:r>
+              <a:rPr lang="ko-KR" altLang="en-US" sz="1600" b="1" dirty="0" err="1">
+                <a:solidFill>
+                  <a:schemeClr val="tx1">
+                    <a:lumMod val="50000"/>
+                    <a:lumOff val="50000"/>
+                  </a:schemeClr>
+                </a:solidFill>
+                <a:latin typeface="한컴 고딕" panose="02000500000000000000" pitchFamily="2" charset="-127"/>
+                <a:ea typeface="한컴 고딕" panose="02000500000000000000" pitchFamily="2" charset="-127"/>
+              </a:rPr>
+              <a:t>임계값</a:t>
+            </a:r>
+            <a:r>
+              <a:rPr lang="ko-KR" altLang="en-US" sz="1600" b="1" dirty="0">
+                <a:solidFill>
+                  <a:schemeClr val="tx1">
+                    <a:lumMod val="50000"/>
+                    <a:lumOff val="50000"/>
+                  </a:schemeClr>
+                </a:solidFill>
+                <a:latin typeface="한컴 고딕" panose="02000500000000000000" pitchFamily="2" charset="-127"/>
+                <a:ea typeface="한컴 고딕" panose="02000500000000000000" pitchFamily="2" charset="-127"/>
+              </a:rPr>
+              <a:t> 보다 큰 컨텐츠를 표현하는 식이다</a:t>
+            </a:r>
+            <a:r>
+              <a:rPr lang="en-US" altLang="ko-KR" sz="1600" b="1" dirty="0">
+                <a:solidFill>
+                  <a:schemeClr val="tx1">
+                    <a:lumMod val="50000"/>
+                    <a:lumOff val="50000"/>
+                  </a:schemeClr>
+                </a:solidFill>
+                <a:latin typeface="한컴 고딕" panose="02000500000000000000" pitchFamily="2" charset="-127"/>
+                <a:ea typeface="한컴 고딕" panose="02000500000000000000" pitchFamily="2" charset="-127"/>
+              </a:rPr>
+              <a:t>.</a:t>
+            </a:r>
+          </a:p>
+        </p:txBody>
+      </p:sp>
+      <p:sp>
+        <p:nvSpPr>
+          <p:cNvPr id="3" name="슬라이드 번호 개체 틀 2">
+            <a:extLst>
+              <a:ext uri="{FF2B5EF4-FFF2-40B4-BE49-F238E27FC236}">
+                <a16:creationId xmlns:a16="http://schemas.microsoft.com/office/drawing/2014/main" id="{4EC25071-CFFA-8C9C-CB7A-29C2F016666E}"/>
+              </a:ext>
+            </a:extLst>
+          </p:cNvPr>
+          <p:cNvSpPr>
+            <a:spLocks noGrp="1"/>
+          </p:cNvSpPr>
+          <p:nvPr>
+            <p:ph type="sldNum" sz="quarter" idx="12"/>
+          </p:nvPr>
+        </p:nvSpPr>
+        <p:spPr/>
+        <p:txBody>
+          <a:bodyPr/>
+          <a:lstStyle/>
+          <a:p>
+            <a:fld id="{4503EA79-8FE5-4AB7-9144-49D69278BFF0}" type="slidenum">
+              <a:rPr lang="ko-KR" altLang="en-US" smtClean="0"/>
+              <a:t>11</a:t>
+            </a:fld>
+            <a:endParaRPr lang="ko-KR" altLang="en-US" dirty="0"/>
+          </a:p>
+        </p:txBody>
+      </p:sp>
+      <p:grpSp>
+        <p:nvGrpSpPr>
+          <p:cNvPr id="16" name="그룹 15">
+            <a:extLst>
+              <a:ext uri="{FF2B5EF4-FFF2-40B4-BE49-F238E27FC236}">
+                <a16:creationId xmlns:a16="http://schemas.microsoft.com/office/drawing/2014/main" id="{492F3CF1-ADCD-1F89-3E1F-816E08852393}"/>
+              </a:ext>
+            </a:extLst>
+          </p:cNvPr>
+          <p:cNvGrpSpPr/>
+          <p:nvPr/>
+        </p:nvGrpSpPr>
+        <p:grpSpPr>
+          <a:xfrm>
+            <a:off x="6848475" y="1500706"/>
+            <a:ext cx="4386292" cy="4105497"/>
+            <a:chOff x="6848475" y="1500706"/>
+            <a:chExt cx="4386292" cy="4105497"/>
+          </a:xfrm>
+        </p:grpSpPr>
+        <p:grpSp>
+          <p:nvGrpSpPr>
+            <p:cNvPr id="14" name="그룹 13">
+              <a:extLst>
+                <a:ext uri="{FF2B5EF4-FFF2-40B4-BE49-F238E27FC236}">
+                  <a16:creationId xmlns:a16="http://schemas.microsoft.com/office/drawing/2014/main" id="{822F2E6A-90F8-9616-8C69-9DE8BC04098F}"/>
+                </a:ext>
+              </a:extLst>
+            </p:cNvPr>
+            <p:cNvGrpSpPr/>
+            <p:nvPr/>
+          </p:nvGrpSpPr>
+          <p:grpSpPr>
+            <a:xfrm>
+              <a:off x="6848475" y="1500706"/>
+              <a:ext cx="4343400" cy="3856588"/>
+              <a:chOff x="6848475" y="724225"/>
+              <a:chExt cx="4343400" cy="3856588"/>
+            </a:xfrm>
+          </p:grpSpPr>
+          <p:pic>
+            <p:nvPicPr>
+              <p:cNvPr id="8" name="그림 7">
+                <a:extLst>
+                  <a:ext uri="{FF2B5EF4-FFF2-40B4-BE49-F238E27FC236}">
+                    <a16:creationId xmlns:a16="http://schemas.microsoft.com/office/drawing/2014/main" id="{A6ADF996-397C-0782-F20A-E7F5201C668E}"/>
+                  </a:ext>
+                </a:extLst>
+              </p:cNvPr>
+              <p:cNvPicPr>
+                <a:picLocks noChangeAspect="1"/>
+              </p:cNvPicPr>
+              <p:nvPr/>
+            </p:nvPicPr>
+            <p:blipFill>
+              <a:blip r:embed="rId2"/>
+              <a:stretch>
+                <a:fillRect/>
+              </a:stretch>
+            </p:blipFill>
+            <p:spPr>
+              <a:xfrm>
+                <a:off x="7400925" y="724225"/>
+                <a:ext cx="3790950" cy="723900"/>
+              </a:xfrm>
+              <a:prstGeom prst="rect">
+                <a:avLst/>
+              </a:prstGeom>
+            </p:spPr>
+          </p:pic>
+          <p:pic>
+            <p:nvPicPr>
+              <p:cNvPr id="11" name="그림 10">
+                <a:extLst>
+                  <a:ext uri="{FF2B5EF4-FFF2-40B4-BE49-F238E27FC236}">
+                    <a16:creationId xmlns:a16="http://schemas.microsoft.com/office/drawing/2014/main" id="{9D5C1E28-AD00-67A3-A1B8-F81C396D57A0}"/>
+                  </a:ext>
+                </a:extLst>
+              </p:cNvPr>
+              <p:cNvPicPr>
+                <a:picLocks noChangeAspect="1"/>
+              </p:cNvPicPr>
+              <p:nvPr/>
+            </p:nvPicPr>
+            <p:blipFill>
+              <a:blip r:embed="rId3"/>
+              <a:stretch>
+                <a:fillRect/>
+              </a:stretch>
+            </p:blipFill>
+            <p:spPr>
+              <a:xfrm>
+                <a:off x="7019925" y="1561940"/>
+                <a:ext cx="4171950" cy="1952625"/>
+              </a:xfrm>
+              <a:prstGeom prst="rect">
+                <a:avLst/>
+              </a:prstGeom>
+            </p:spPr>
+          </p:pic>
+          <p:pic>
+            <p:nvPicPr>
+              <p:cNvPr id="13" name="그림 12">
+                <a:extLst>
+                  <a:ext uri="{FF2B5EF4-FFF2-40B4-BE49-F238E27FC236}">
+                    <a16:creationId xmlns:a16="http://schemas.microsoft.com/office/drawing/2014/main" id="{1811E0E2-458B-2EA0-551D-73F0CC73986C}"/>
+                  </a:ext>
+                </a:extLst>
+              </p:cNvPr>
+              <p:cNvPicPr>
+                <a:picLocks noChangeAspect="1"/>
+              </p:cNvPicPr>
+              <p:nvPr/>
+            </p:nvPicPr>
+            <p:blipFill>
+              <a:blip r:embed="rId4"/>
+              <a:stretch>
+                <a:fillRect/>
+              </a:stretch>
+            </p:blipFill>
+            <p:spPr>
+              <a:xfrm>
+                <a:off x="6848475" y="3514013"/>
+                <a:ext cx="4343400" cy="1066800"/>
+              </a:xfrm>
+              <a:prstGeom prst="rect">
+                <a:avLst/>
+              </a:prstGeom>
+            </p:spPr>
+          </p:pic>
+        </p:grpSp>
+        <p:sp>
+          <p:nvSpPr>
+            <p:cNvPr id="15" name="TextBox 14">
+              <a:extLst>
+                <a:ext uri="{FF2B5EF4-FFF2-40B4-BE49-F238E27FC236}">
+                  <a16:creationId xmlns:a16="http://schemas.microsoft.com/office/drawing/2014/main" id="{3C605427-45A4-4F35-EEA1-615B03199037}"/>
+                </a:ext>
+              </a:extLst>
+            </p:cNvPr>
+            <p:cNvSpPr txBox="1"/>
+            <p:nvPr/>
+          </p:nvSpPr>
+          <p:spPr>
+            <a:xfrm>
+              <a:off x="6977032" y="5359982"/>
+              <a:ext cx="4257735" cy="246221"/>
+            </a:xfrm>
+            <a:prstGeom prst="rect">
+              <a:avLst/>
+            </a:prstGeom>
+            <a:noFill/>
+          </p:spPr>
+          <p:txBody>
+            <a:bodyPr wrap="square" rtlCol="0" anchor="ctr">
+              <a:spAutoFit/>
+            </a:bodyPr>
+            <a:lstStyle/>
+            <a:p>
+              <a:pPr algn="ctr"/>
+              <a:r>
+                <a:rPr lang="ko-KR" altLang="en-US" sz="1000" b="1" dirty="0">
+                  <a:latin typeface="한컴 고딕" panose="02000500000000000000" pitchFamily="2" charset="-127"/>
+                  <a:ea typeface="한컴 고딕" panose="02000500000000000000" pitchFamily="2" charset="-127"/>
+                </a:rPr>
+                <a:t>그림 </a:t>
+              </a:r>
+              <a:r>
+                <a:rPr lang="en-US" altLang="ko-KR" sz="1000" b="1" dirty="0">
+                  <a:latin typeface="한컴 고딕" panose="02000500000000000000" pitchFamily="2" charset="-127"/>
+                  <a:ea typeface="한컴 고딕" panose="02000500000000000000" pitchFamily="2" charset="-127"/>
+                </a:rPr>
+                <a:t>3. </a:t>
+              </a:r>
+              <a:r>
+                <a:rPr lang="ko-KR" altLang="en-US" sz="1000" b="1" dirty="0" err="1">
+                  <a:latin typeface="한컴 고딕" panose="02000500000000000000" pitchFamily="2" charset="-127"/>
+                  <a:ea typeface="한컴 고딕" panose="02000500000000000000" pitchFamily="2" charset="-127"/>
+                </a:rPr>
+                <a:t>관련식</a:t>
+              </a:r>
+              <a:r>
+                <a:rPr lang="en-US" altLang="ko-KR" sz="1000" b="1" dirty="0">
+                  <a:latin typeface="한컴 고딕" panose="02000500000000000000" pitchFamily="2" charset="-127"/>
+                  <a:ea typeface="한컴 고딕" panose="02000500000000000000" pitchFamily="2" charset="-127"/>
+                </a:rPr>
+                <a:t>(1 of 2)</a:t>
+              </a:r>
+            </a:p>
+          </p:txBody>
+        </p:sp>
+      </p:grpSp>
+    </p:spTree>
+    <p:extLst>
+      <p:ext uri="{BB962C8B-B14F-4D97-AF65-F5344CB8AC3E}">
+        <p14:creationId xmlns:p14="http://schemas.microsoft.com/office/powerpoint/2010/main" val="1699491999"/>
+      </p:ext>
+    </p:extLst>
+  </p:cSld>
+  <p:clrMapOvr>
+    <a:masterClrMapping/>
+  </p:clrMapOvr>
+</p:sld>
+</file>
+
+<file path=ppt/slides/slide12.xml><?xml version="1.0" encoding="utf-8"?>
+<p:sld xmlns:a="http://schemas.openxmlformats.org/drawingml/2006/main" xmlns:r="http://schemas.openxmlformats.org/officeDocument/2006/relationships" xmlns:p="http://schemas.openxmlformats.org/presentationml/2006/main">
+  <p:cSld>
+    <p:spTree>
+      <p:nvGrpSpPr>
+        <p:cNvPr id="1" name=""/>
+        <p:cNvGrpSpPr/>
+        <p:nvPr/>
+      </p:nvGrpSpPr>
+      <p:grpSpPr>
+        <a:xfrm>
+          <a:off x="0" y="0"/>
+          <a:ext cx="0" cy="0"/>
+          <a:chOff x="0" y="0"/>
+          <a:chExt cx="0" cy="0"/>
+        </a:xfrm>
+      </p:grpSpPr>
+      <p:sp>
+        <p:nvSpPr>
+          <p:cNvPr id="2" name="TextBox 1">
+            <a:extLst>
+              <a:ext uri="{FF2B5EF4-FFF2-40B4-BE49-F238E27FC236}">
+                <a16:creationId xmlns:a16="http://schemas.microsoft.com/office/drawing/2014/main" id="{21A7DBE9-2DE9-F0B6-F5C5-7DB6C44D8D28}"/>
+              </a:ext>
+            </a:extLst>
+          </p:cNvPr>
+          <p:cNvSpPr txBox="1"/>
+          <p:nvPr/>
+        </p:nvSpPr>
+        <p:spPr>
+          <a:xfrm>
+            <a:off x="143435" y="130844"/>
+            <a:ext cx="9744635" cy="584775"/>
+          </a:xfrm>
+          <a:prstGeom prst="rect">
+            <a:avLst/>
+          </a:prstGeom>
+          <a:noFill/>
+        </p:spPr>
+        <p:txBody>
+          <a:bodyPr wrap="square" rtlCol="0">
+            <a:spAutoFit/>
+          </a:bodyPr>
+          <a:lstStyle/>
+          <a:p>
+            <a:r>
+              <a:rPr lang="ko-KR" altLang="en-US" sz="3200" dirty="0">
+                <a:solidFill>
+                  <a:schemeClr val="tx1">
+                    <a:lumMod val="65000"/>
+                    <a:lumOff val="35000"/>
+                  </a:schemeClr>
+                </a:solidFill>
+                <a:latin typeface="배달의민족 도현" panose="020B0600000101010101" pitchFamily="50" charset="-127"/>
+                <a:ea typeface="배달의민족 도현" panose="020B0600000101010101" pitchFamily="50" charset="-127"/>
+              </a:rPr>
+              <a:t>제안 기법</a:t>
+            </a:r>
+            <a:endParaRPr lang="en-US" altLang="ko-KR" sz="3200" dirty="0">
+              <a:solidFill>
+                <a:schemeClr val="tx1">
+                  <a:lumMod val="65000"/>
+                  <a:lumOff val="35000"/>
+                </a:schemeClr>
+              </a:solidFill>
+              <a:latin typeface="배달의민족 도현" panose="020B0600000101010101" pitchFamily="50" charset="-127"/>
+              <a:ea typeface="배달의민족 도현" panose="020B0600000101010101" pitchFamily="50" charset="-127"/>
+            </a:endParaRPr>
+          </a:p>
+        </p:txBody>
+      </p:sp>
+      <p:cxnSp>
+        <p:nvCxnSpPr>
+          <p:cNvPr id="6" name="직선 연결선 5">
+            <a:extLst>
+              <a:ext uri="{FF2B5EF4-FFF2-40B4-BE49-F238E27FC236}">
+                <a16:creationId xmlns:a16="http://schemas.microsoft.com/office/drawing/2014/main" id="{3CAFC98D-1DA6-5CE0-43FD-6D3D9C8D3B4F}"/>
+              </a:ext>
+            </a:extLst>
+          </p:cNvPr>
+          <p:cNvCxnSpPr>
+            <a:cxnSpLocks/>
+          </p:cNvCxnSpPr>
+          <p:nvPr/>
+        </p:nvCxnSpPr>
+        <p:spPr>
+          <a:xfrm>
+            <a:off x="206188" y="724225"/>
+            <a:ext cx="1756836" cy="0"/>
+          </a:xfrm>
+          <a:prstGeom prst="line">
+            <a:avLst/>
+          </a:prstGeom>
+          <a:ln w="57150">
+            <a:solidFill>
+              <a:schemeClr val="accent1">
+                <a:lumMod val="75000"/>
+              </a:schemeClr>
+            </a:solidFill>
+          </a:ln>
+        </p:spPr>
+        <p:style>
+          <a:lnRef idx="1">
+            <a:schemeClr val="accent1"/>
+          </a:lnRef>
+          <a:fillRef idx="0">
+            <a:schemeClr val="accent1"/>
+          </a:fillRef>
+          <a:effectRef idx="0">
+            <a:schemeClr val="accent1"/>
+          </a:effectRef>
+          <a:fontRef idx="minor">
+            <a:schemeClr val="tx1"/>
+          </a:fontRef>
+        </p:style>
+      </p:cxnSp>
+      <p:sp>
+        <p:nvSpPr>
+          <p:cNvPr id="10" name="TextBox 9">
+            <a:extLst>
+              <a:ext uri="{FF2B5EF4-FFF2-40B4-BE49-F238E27FC236}">
+                <a16:creationId xmlns:a16="http://schemas.microsoft.com/office/drawing/2014/main" id="{266829A7-D0F8-7CDF-D9BC-CA16B9A4C881}"/>
+              </a:ext>
+            </a:extLst>
+          </p:cNvPr>
+          <p:cNvSpPr txBox="1"/>
+          <p:nvPr/>
+        </p:nvSpPr>
+        <p:spPr>
+          <a:xfrm>
+            <a:off x="206187" y="715619"/>
+            <a:ext cx="5889813" cy="5596789"/>
+          </a:xfrm>
+          <a:prstGeom prst="rect">
+            <a:avLst/>
+          </a:prstGeom>
+          <a:noFill/>
+        </p:spPr>
+        <p:txBody>
+          <a:bodyPr wrap="square" rtlCol="0">
+            <a:spAutoFit/>
+          </a:bodyPr>
+          <a:lstStyle/>
+          <a:p>
+            <a:pPr>
+              <a:lnSpc>
+                <a:spcPct val="150000"/>
+              </a:lnSpc>
+            </a:pPr>
+            <a:r>
+              <a:rPr lang="ko-KR" altLang="en-US" sz="1600" b="1" dirty="0">
+                <a:solidFill>
+                  <a:schemeClr val="accent1"/>
+                </a:solidFill>
+                <a:latin typeface="한컴 고딕" panose="02000500000000000000" pitchFamily="2" charset="-127"/>
+                <a:ea typeface="한컴 고딕" panose="02000500000000000000" pitchFamily="2" charset="-127"/>
+              </a:rPr>
+              <a:t>관련 수식</a:t>
+            </a:r>
+            <a:endParaRPr lang="en-US" altLang="ko-KR" sz="1600" b="1" dirty="0">
+              <a:solidFill>
+                <a:schemeClr val="accent1"/>
+              </a:solidFill>
+              <a:latin typeface="한컴 고딕" panose="02000500000000000000" pitchFamily="2" charset="-127"/>
+              <a:ea typeface="한컴 고딕" panose="02000500000000000000" pitchFamily="2" charset="-127"/>
+            </a:endParaRPr>
+          </a:p>
+          <a:p>
+            <a:pPr marL="342900" indent="-342900">
+              <a:lnSpc>
+                <a:spcPct val="150000"/>
+              </a:lnSpc>
+              <a:buFont typeface="Arial" panose="020B0604020202020204" pitchFamily="34" charset="0"/>
+              <a:buChar char="•"/>
+            </a:pPr>
+            <a:r>
+              <a:rPr lang="ko-KR" altLang="en-US" sz="1600" b="1" dirty="0">
+                <a:solidFill>
+                  <a:schemeClr val="tx1">
+                    <a:lumMod val="50000"/>
+                    <a:lumOff val="50000"/>
+                  </a:schemeClr>
+                </a:solidFill>
+                <a:latin typeface="한컴 고딕" panose="02000500000000000000" pitchFamily="2" charset="-127"/>
+                <a:ea typeface="한컴 고딕" panose="02000500000000000000" pitchFamily="2" charset="-127"/>
+              </a:rPr>
+              <a:t>식 </a:t>
+            </a:r>
+            <a:r>
+              <a:rPr lang="en-US" altLang="ko-KR" sz="1600" b="1" dirty="0">
+                <a:solidFill>
+                  <a:schemeClr val="tx1">
+                    <a:lumMod val="50000"/>
+                    <a:lumOff val="50000"/>
+                  </a:schemeClr>
+                </a:solidFill>
+                <a:latin typeface="한컴 고딕" panose="02000500000000000000" pitchFamily="2" charset="-127"/>
+                <a:ea typeface="한컴 고딕" panose="02000500000000000000" pitchFamily="2" charset="-127"/>
+              </a:rPr>
+              <a:t>9</a:t>
+            </a:r>
+            <a:r>
+              <a:rPr lang="ko-KR" altLang="en-US" sz="1600" b="1" dirty="0">
+                <a:solidFill>
+                  <a:schemeClr val="tx1">
+                    <a:lumMod val="50000"/>
+                    <a:lumOff val="50000"/>
+                  </a:schemeClr>
+                </a:solidFill>
+                <a:latin typeface="한컴 고딕" panose="02000500000000000000" pitchFamily="2" charset="-127"/>
+                <a:ea typeface="한컴 고딕" panose="02000500000000000000" pitchFamily="2" charset="-127"/>
+              </a:rPr>
+              <a:t>는 모든 요청 노드에 대한 컨텐츠 </a:t>
+            </a:r>
+            <a:r>
+              <a:rPr lang="en-US" altLang="ko-KR" sz="1600" b="1" dirty="0">
+                <a:solidFill>
+                  <a:schemeClr val="tx1">
+                    <a:lumMod val="50000"/>
+                    <a:lumOff val="50000"/>
+                  </a:schemeClr>
+                </a:solidFill>
+                <a:latin typeface="한컴 고딕" panose="02000500000000000000" pitchFamily="2" charset="-127"/>
+                <a:ea typeface="한컴 고딕" panose="02000500000000000000" pitchFamily="2" charset="-127"/>
+              </a:rPr>
+              <a:t>C</a:t>
+            </a:r>
+            <a:r>
+              <a:rPr lang="ko-KR" altLang="en-US" sz="1600" b="1" dirty="0">
+                <a:solidFill>
+                  <a:schemeClr val="tx1">
+                    <a:lumMod val="50000"/>
+                    <a:lumOff val="50000"/>
+                  </a:schemeClr>
+                </a:solidFill>
+                <a:latin typeface="한컴 고딕" panose="02000500000000000000" pitchFamily="2" charset="-127"/>
+                <a:ea typeface="한컴 고딕" panose="02000500000000000000" pitchFamily="2" charset="-127"/>
+              </a:rPr>
+              <a:t>를 전달할 때의 소비 비용이다</a:t>
+            </a:r>
+            <a:r>
+              <a:rPr lang="en-US" altLang="ko-KR" sz="1600" b="1" dirty="0">
+                <a:solidFill>
+                  <a:schemeClr val="tx1">
+                    <a:lumMod val="50000"/>
+                    <a:lumOff val="50000"/>
+                  </a:schemeClr>
+                </a:solidFill>
+                <a:latin typeface="한컴 고딕" panose="02000500000000000000" pitchFamily="2" charset="-127"/>
+                <a:ea typeface="한컴 고딕" panose="02000500000000000000" pitchFamily="2" charset="-127"/>
+              </a:rPr>
+              <a:t>.</a:t>
+            </a:r>
+          </a:p>
+          <a:p>
+            <a:pPr marL="342900" indent="-342900">
+              <a:lnSpc>
+                <a:spcPct val="150000"/>
+              </a:lnSpc>
+              <a:buFont typeface="Arial" panose="020B0604020202020204" pitchFamily="34" charset="0"/>
+              <a:buChar char="•"/>
+            </a:pPr>
+            <a:r>
+              <a:rPr lang="ko-KR" altLang="en-US" sz="1600" b="1" dirty="0">
+                <a:solidFill>
+                  <a:schemeClr val="tx1">
+                    <a:lumMod val="50000"/>
+                    <a:lumOff val="50000"/>
+                  </a:schemeClr>
+                </a:solidFill>
+                <a:latin typeface="한컴 고딕" panose="02000500000000000000" pitchFamily="2" charset="-127"/>
+                <a:ea typeface="한컴 고딕" panose="02000500000000000000" pitchFamily="2" charset="-127"/>
+              </a:rPr>
+              <a:t>식 </a:t>
+            </a:r>
+            <a:r>
+              <a:rPr lang="en-US" altLang="ko-KR" sz="1600" b="1" dirty="0">
+                <a:solidFill>
+                  <a:schemeClr val="tx1">
+                    <a:lumMod val="50000"/>
+                    <a:lumOff val="50000"/>
+                  </a:schemeClr>
+                </a:solidFill>
+                <a:latin typeface="한컴 고딕" panose="02000500000000000000" pitchFamily="2" charset="-127"/>
+                <a:ea typeface="한컴 고딕" panose="02000500000000000000" pitchFamily="2" charset="-127"/>
+              </a:rPr>
+              <a:t>10</a:t>
+            </a:r>
+            <a:r>
+              <a:rPr lang="ko-KR" altLang="en-US" sz="1600" b="1" dirty="0">
+                <a:solidFill>
+                  <a:schemeClr val="tx1">
+                    <a:lumMod val="50000"/>
+                    <a:lumOff val="50000"/>
+                  </a:schemeClr>
+                </a:solidFill>
+                <a:latin typeface="한컴 고딕" panose="02000500000000000000" pitchFamily="2" charset="-127"/>
+                <a:ea typeface="한컴 고딕" panose="02000500000000000000" pitchFamily="2" charset="-127"/>
+              </a:rPr>
+              <a:t>은 컨텐츠 전달 시 소비 비용을 최소화 하기 위한 목적함수를 정의한 식이다</a:t>
+            </a:r>
+            <a:r>
+              <a:rPr lang="en-US" altLang="ko-KR" sz="1600" b="1" dirty="0">
+                <a:solidFill>
+                  <a:schemeClr val="tx1">
+                    <a:lumMod val="50000"/>
+                    <a:lumOff val="50000"/>
+                  </a:schemeClr>
+                </a:solidFill>
+                <a:latin typeface="한컴 고딕" panose="02000500000000000000" pitchFamily="2" charset="-127"/>
+                <a:ea typeface="한컴 고딕" panose="02000500000000000000" pitchFamily="2" charset="-127"/>
+              </a:rPr>
+              <a:t>.</a:t>
+            </a:r>
+          </a:p>
+          <a:p>
+            <a:pPr marL="342900" indent="-342900">
+              <a:lnSpc>
+                <a:spcPct val="150000"/>
+              </a:lnSpc>
+              <a:buFont typeface="Arial" panose="020B0604020202020204" pitchFamily="34" charset="0"/>
+              <a:buChar char="•"/>
+            </a:pPr>
+            <a:r>
+              <a:rPr lang="ko-KR" altLang="en-US" sz="1600" b="1" dirty="0">
+                <a:solidFill>
+                  <a:schemeClr val="tx1">
+                    <a:lumMod val="50000"/>
+                    <a:lumOff val="50000"/>
+                  </a:schemeClr>
+                </a:solidFill>
+                <a:latin typeface="한컴 고딕" panose="02000500000000000000" pitchFamily="2" charset="-127"/>
+                <a:ea typeface="한컴 고딕" panose="02000500000000000000" pitchFamily="2" charset="-127"/>
+              </a:rPr>
+              <a:t>식 </a:t>
+            </a:r>
+            <a:r>
+              <a:rPr lang="en-US" altLang="ko-KR" sz="1600" b="1" dirty="0">
+                <a:solidFill>
+                  <a:schemeClr val="tx1">
+                    <a:lumMod val="50000"/>
+                    <a:lumOff val="50000"/>
+                  </a:schemeClr>
+                </a:solidFill>
+                <a:latin typeface="한컴 고딕" panose="02000500000000000000" pitchFamily="2" charset="-127"/>
+                <a:ea typeface="한컴 고딕" panose="02000500000000000000" pitchFamily="2" charset="-127"/>
+              </a:rPr>
+              <a:t>11-13</a:t>
+            </a:r>
+            <a:r>
+              <a:rPr lang="ko-KR" altLang="en-US" sz="1600" b="1" dirty="0">
+                <a:solidFill>
+                  <a:schemeClr val="tx1">
+                    <a:lumMod val="50000"/>
+                    <a:lumOff val="50000"/>
+                  </a:schemeClr>
+                </a:solidFill>
+                <a:latin typeface="한컴 고딕" panose="02000500000000000000" pitchFamily="2" charset="-127"/>
+                <a:ea typeface="한컴 고딕" panose="02000500000000000000" pitchFamily="2" charset="-127"/>
+              </a:rPr>
+              <a:t>은 목적함수 정의를 위한 제약조건이다</a:t>
+            </a:r>
+            <a:r>
+              <a:rPr lang="en-US" altLang="ko-KR" sz="1600" b="1" dirty="0">
+                <a:solidFill>
+                  <a:schemeClr val="tx1">
+                    <a:lumMod val="50000"/>
+                    <a:lumOff val="50000"/>
+                  </a:schemeClr>
+                </a:solidFill>
+                <a:latin typeface="한컴 고딕" panose="02000500000000000000" pitchFamily="2" charset="-127"/>
+                <a:ea typeface="한컴 고딕" panose="02000500000000000000" pitchFamily="2" charset="-127"/>
+              </a:rPr>
+              <a:t>.</a:t>
+            </a:r>
+          </a:p>
+          <a:p>
+            <a:pPr marL="800100" lvl="1" indent="-342900">
+              <a:lnSpc>
+                <a:spcPct val="150000"/>
+              </a:lnSpc>
+              <a:buFont typeface="Arial" panose="020B0604020202020204" pitchFamily="34" charset="0"/>
+              <a:buChar char="•"/>
+            </a:pPr>
+            <a:r>
+              <a:rPr lang="ko-KR" altLang="en-US" sz="1600" b="1" dirty="0">
+                <a:solidFill>
+                  <a:schemeClr val="tx1">
+                    <a:lumMod val="50000"/>
+                    <a:lumOff val="50000"/>
+                  </a:schemeClr>
+                </a:solidFill>
+                <a:latin typeface="한컴 고딕" panose="02000500000000000000" pitchFamily="2" charset="-127"/>
+                <a:ea typeface="한컴 고딕" panose="02000500000000000000" pitchFamily="2" charset="-127"/>
+              </a:rPr>
+              <a:t>식 </a:t>
+            </a:r>
+            <a:r>
+              <a:rPr lang="en-US" altLang="ko-KR" sz="1600" b="1" dirty="0">
+                <a:solidFill>
+                  <a:schemeClr val="tx1">
+                    <a:lumMod val="50000"/>
+                    <a:lumOff val="50000"/>
+                  </a:schemeClr>
+                </a:solidFill>
+                <a:latin typeface="한컴 고딕" panose="02000500000000000000" pitchFamily="2" charset="-127"/>
+                <a:ea typeface="한컴 고딕" panose="02000500000000000000" pitchFamily="2" charset="-127"/>
+              </a:rPr>
+              <a:t>11 : </a:t>
+            </a:r>
+            <a:r>
+              <a:rPr lang="ko-KR" altLang="en-US" sz="1600" b="1" dirty="0">
+                <a:solidFill>
+                  <a:schemeClr val="tx1">
+                    <a:lumMod val="50000"/>
+                    <a:lumOff val="50000"/>
+                  </a:schemeClr>
+                </a:solidFill>
+                <a:latin typeface="한컴 고딕" panose="02000500000000000000" pitchFamily="2" charset="-127"/>
+                <a:ea typeface="한컴 고딕" panose="02000500000000000000" pitchFamily="2" charset="-127"/>
+              </a:rPr>
+              <a:t>컨텐츠가 </a:t>
+            </a:r>
+            <a:r>
+              <a:rPr lang="en-US" altLang="ko-KR" sz="1600" b="1" dirty="0">
+                <a:solidFill>
+                  <a:schemeClr val="tx1">
+                    <a:lumMod val="50000"/>
+                    <a:lumOff val="50000"/>
+                  </a:schemeClr>
+                </a:solidFill>
+                <a:latin typeface="한컴 고딕" panose="02000500000000000000" pitchFamily="2" charset="-127"/>
+                <a:ea typeface="한컴 고딕" panose="02000500000000000000" pitchFamily="2" charset="-127"/>
+              </a:rPr>
+              <a:t>MEC, </a:t>
+            </a:r>
+            <a:r>
+              <a:rPr lang="ko-KR" altLang="en-US" sz="1600" b="1" dirty="0" err="1">
+                <a:solidFill>
+                  <a:schemeClr val="tx1">
+                    <a:lumMod val="50000"/>
+                    <a:lumOff val="50000"/>
+                  </a:schemeClr>
+                </a:solidFill>
+                <a:latin typeface="한컴 고딕" panose="02000500000000000000" pitchFamily="2" charset="-127"/>
+                <a:ea typeface="한컴 고딕" panose="02000500000000000000" pitchFamily="2" charset="-127"/>
+              </a:rPr>
+              <a:t>엣지</a:t>
+            </a:r>
+            <a:r>
+              <a:rPr lang="ko-KR" altLang="en-US" sz="1600" b="1" dirty="0">
+                <a:solidFill>
+                  <a:schemeClr val="tx1">
+                    <a:lumMod val="50000"/>
+                    <a:lumOff val="50000"/>
+                  </a:schemeClr>
+                </a:solidFill>
+                <a:latin typeface="한컴 고딕" panose="02000500000000000000" pitchFamily="2" charset="-127"/>
+                <a:ea typeface="한컴 고딕" panose="02000500000000000000" pitchFamily="2" charset="-127"/>
+              </a:rPr>
+              <a:t> 네트워크에 연결된 </a:t>
+            </a:r>
+            <a:r>
+              <a:rPr lang="en-US" altLang="ko-KR" sz="1600" b="1" dirty="0">
+                <a:solidFill>
+                  <a:schemeClr val="tx1">
+                    <a:lumMod val="50000"/>
+                    <a:lumOff val="50000"/>
+                  </a:schemeClr>
+                </a:solidFill>
+                <a:latin typeface="한컴 고딕" panose="02000500000000000000" pitchFamily="2" charset="-127"/>
+                <a:ea typeface="한컴 고딕" panose="02000500000000000000" pitchFamily="2" charset="-127"/>
+              </a:rPr>
+              <a:t>ICN </a:t>
+            </a:r>
+            <a:r>
+              <a:rPr lang="ko-KR" altLang="en-US" sz="1600" b="1" dirty="0">
+                <a:solidFill>
+                  <a:schemeClr val="tx1">
+                    <a:lumMod val="50000"/>
+                    <a:lumOff val="50000"/>
+                  </a:schemeClr>
+                </a:solidFill>
+                <a:latin typeface="한컴 고딕" panose="02000500000000000000" pitchFamily="2" charset="-127"/>
+                <a:ea typeface="한컴 고딕" panose="02000500000000000000" pitchFamily="2" charset="-127"/>
+              </a:rPr>
+              <a:t>노드 또는 그 외 </a:t>
+            </a:r>
+            <a:r>
+              <a:rPr lang="en-US" altLang="ko-KR" sz="1600" b="1" dirty="0">
+                <a:solidFill>
+                  <a:schemeClr val="tx1">
+                    <a:lumMod val="50000"/>
+                    <a:lumOff val="50000"/>
+                  </a:schemeClr>
+                </a:solidFill>
+                <a:latin typeface="한컴 고딕" panose="02000500000000000000" pitchFamily="2" charset="-127"/>
+                <a:ea typeface="한컴 고딕" panose="02000500000000000000" pitchFamily="2" charset="-127"/>
+              </a:rPr>
+              <a:t>ICN </a:t>
+            </a:r>
+            <a:r>
+              <a:rPr lang="ko-KR" altLang="en-US" sz="1600" b="1" dirty="0">
+                <a:solidFill>
+                  <a:schemeClr val="tx1">
+                    <a:lumMod val="50000"/>
+                    <a:lumOff val="50000"/>
+                  </a:schemeClr>
+                </a:solidFill>
+                <a:latin typeface="한컴 고딕" panose="02000500000000000000" pitchFamily="2" charset="-127"/>
+                <a:ea typeface="한컴 고딕" panose="02000500000000000000" pitchFamily="2" charset="-127"/>
+              </a:rPr>
+              <a:t>노드에 적어도 하나 이상 </a:t>
+            </a:r>
+            <a:r>
+              <a:rPr lang="ko-KR" altLang="en-US" sz="1600" b="1" dirty="0" err="1">
+                <a:solidFill>
+                  <a:schemeClr val="tx1">
+                    <a:lumMod val="50000"/>
+                    <a:lumOff val="50000"/>
+                  </a:schemeClr>
+                </a:solidFill>
+                <a:latin typeface="한컴 고딕" panose="02000500000000000000" pitchFamily="2" charset="-127"/>
+                <a:ea typeface="한컴 고딕" panose="02000500000000000000" pitchFamily="2" charset="-127"/>
+              </a:rPr>
+              <a:t>캐싱</a:t>
+            </a:r>
+            <a:r>
+              <a:rPr lang="ko-KR" altLang="en-US" sz="1600" b="1" dirty="0">
+                <a:solidFill>
+                  <a:schemeClr val="tx1">
+                    <a:lumMod val="50000"/>
+                    <a:lumOff val="50000"/>
+                  </a:schemeClr>
+                </a:solidFill>
+                <a:latin typeface="한컴 고딕" panose="02000500000000000000" pitchFamily="2" charset="-127"/>
+                <a:ea typeface="한컴 고딕" panose="02000500000000000000" pitchFamily="2" charset="-127"/>
+              </a:rPr>
+              <a:t> 되어야 함을 의미한다</a:t>
+            </a:r>
+            <a:r>
+              <a:rPr lang="en-US" altLang="ko-KR" sz="1600" b="1" dirty="0">
+                <a:solidFill>
+                  <a:schemeClr val="tx1">
+                    <a:lumMod val="50000"/>
+                    <a:lumOff val="50000"/>
+                  </a:schemeClr>
+                </a:solidFill>
+                <a:latin typeface="한컴 고딕" panose="02000500000000000000" pitchFamily="2" charset="-127"/>
+                <a:ea typeface="한컴 고딕" panose="02000500000000000000" pitchFamily="2" charset="-127"/>
+              </a:rPr>
+              <a:t>.</a:t>
+            </a:r>
+          </a:p>
+          <a:p>
+            <a:pPr marL="800100" lvl="1" indent="-342900">
+              <a:lnSpc>
+                <a:spcPct val="150000"/>
+              </a:lnSpc>
+              <a:buFont typeface="Arial" panose="020B0604020202020204" pitchFamily="34" charset="0"/>
+              <a:buChar char="•"/>
+            </a:pPr>
+            <a:r>
+              <a:rPr lang="ko-KR" altLang="en-US" sz="1600" b="1" dirty="0">
+                <a:solidFill>
+                  <a:schemeClr val="tx1">
+                    <a:lumMod val="50000"/>
+                    <a:lumOff val="50000"/>
+                  </a:schemeClr>
+                </a:solidFill>
+                <a:latin typeface="한컴 고딕" panose="02000500000000000000" pitchFamily="2" charset="-127"/>
+                <a:ea typeface="한컴 고딕" panose="02000500000000000000" pitchFamily="2" charset="-127"/>
+              </a:rPr>
+              <a:t>식 </a:t>
+            </a:r>
+            <a:r>
+              <a:rPr lang="en-US" altLang="ko-KR" sz="1600" b="1" dirty="0">
+                <a:solidFill>
+                  <a:schemeClr val="tx1">
+                    <a:lumMod val="50000"/>
+                    <a:lumOff val="50000"/>
+                  </a:schemeClr>
+                </a:solidFill>
+                <a:latin typeface="한컴 고딕" panose="02000500000000000000" pitchFamily="2" charset="-127"/>
+                <a:ea typeface="한컴 고딕" panose="02000500000000000000" pitchFamily="2" charset="-127"/>
+              </a:rPr>
+              <a:t>12 : </a:t>
+            </a:r>
+            <a:r>
+              <a:rPr lang="ko-KR" altLang="en-US" sz="1600" b="1" dirty="0" err="1">
+                <a:solidFill>
+                  <a:schemeClr val="tx1">
+                    <a:lumMod val="50000"/>
+                    <a:lumOff val="50000"/>
+                  </a:schemeClr>
+                </a:solidFill>
+                <a:latin typeface="한컴 고딕" panose="02000500000000000000" pitchFamily="2" charset="-127"/>
+                <a:ea typeface="한컴 고딕" panose="02000500000000000000" pitchFamily="2" charset="-127"/>
+              </a:rPr>
+              <a:t>엣지</a:t>
+            </a:r>
+            <a:r>
+              <a:rPr lang="ko-KR" altLang="en-US" sz="1600" b="1" dirty="0">
+                <a:solidFill>
+                  <a:schemeClr val="tx1">
+                    <a:lumMod val="50000"/>
+                    <a:lumOff val="50000"/>
+                  </a:schemeClr>
+                </a:solidFill>
+                <a:latin typeface="한컴 고딕" panose="02000500000000000000" pitchFamily="2" charset="-127"/>
+                <a:ea typeface="한컴 고딕" panose="02000500000000000000" pitchFamily="2" charset="-127"/>
+              </a:rPr>
+              <a:t> 네트워크에 연결된 </a:t>
+            </a:r>
+            <a:r>
+              <a:rPr lang="en-US" altLang="ko-KR" sz="1600" b="1" dirty="0">
+                <a:solidFill>
+                  <a:schemeClr val="tx1">
+                    <a:lumMod val="50000"/>
+                    <a:lumOff val="50000"/>
+                  </a:schemeClr>
+                </a:solidFill>
+                <a:latin typeface="한컴 고딕" panose="02000500000000000000" pitchFamily="2" charset="-127"/>
+                <a:ea typeface="한컴 고딕" panose="02000500000000000000" pitchFamily="2" charset="-127"/>
+              </a:rPr>
+              <a:t>ICN </a:t>
+            </a:r>
+            <a:r>
+              <a:rPr lang="ko-KR" altLang="en-US" sz="1600" b="1" dirty="0">
+                <a:solidFill>
+                  <a:schemeClr val="tx1">
+                    <a:lumMod val="50000"/>
+                    <a:lumOff val="50000"/>
+                  </a:schemeClr>
+                </a:solidFill>
+                <a:latin typeface="한컴 고딕" panose="02000500000000000000" pitchFamily="2" charset="-127"/>
+                <a:ea typeface="한컴 고딕" panose="02000500000000000000" pitchFamily="2" charset="-127"/>
+              </a:rPr>
+              <a:t>노드에 컨텐츠가 </a:t>
+            </a:r>
+            <a:r>
+              <a:rPr lang="ko-KR" altLang="en-US" sz="1600" b="1" dirty="0" err="1">
+                <a:solidFill>
+                  <a:schemeClr val="tx1">
+                    <a:lumMod val="50000"/>
+                    <a:lumOff val="50000"/>
+                  </a:schemeClr>
+                </a:solidFill>
+                <a:latin typeface="한컴 고딕" panose="02000500000000000000" pitchFamily="2" charset="-127"/>
+                <a:ea typeface="한컴 고딕" panose="02000500000000000000" pitchFamily="2" charset="-127"/>
+              </a:rPr>
+              <a:t>캐싱된</a:t>
+            </a:r>
+            <a:r>
+              <a:rPr lang="ko-KR" altLang="en-US" sz="1600" b="1" dirty="0">
+                <a:solidFill>
+                  <a:schemeClr val="tx1">
+                    <a:lumMod val="50000"/>
+                    <a:lumOff val="50000"/>
+                  </a:schemeClr>
+                </a:solidFill>
+                <a:latin typeface="한컴 고딕" panose="02000500000000000000" pitchFamily="2" charset="-127"/>
+                <a:ea typeface="한컴 고딕" panose="02000500000000000000" pitchFamily="2" charset="-127"/>
+              </a:rPr>
+              <a:t> 경우 </a:t>
+            </a:r>
+            <a:r>
+              <a:rPr lang="ko-KR" altLang="en-US" sz="1600" b="1" dirty="0" err="1">
+                <a:solidFill>
+                  <a:schemeClr val="tx1">
+                    <a:lumMod val="50000"/>
+                    <a:lumOff val="50000"/>
+                  </a:schemeClr>
+                </a:solidFill>
+                <a:latin typeface="한컴 고딕" panose="02000500000000000000" pitchFamily="2" charset="-127"/>
+                <a:ea typeface="한컴 고딕" panose="02000500000000000000" pitchFamily="2" charset="-127"/>
+              </a:rPr>
+              <a:t>엣지</a:t>
+            </a:r>
+            <a:r>
+              <a:rPr lang="ko-KR" altLang="en-US" sz="1600" b="1" dirty="0">
+                <a:solidFill>
+                  <a:schemeClr val="tx1">
+                    <a:lumMod val="50000"/>
+                    <a:lumOff val="50000"/>
+                  </a:schemeClr>
+                </a:solidFill>
+                <a:latin typeface="한컴 고딕" panose="02000500000000000000" pitchFamily="2" charset="-127"/>
+                <a:ea typeface="한컴 고딕" panose="02000500000000000000" pitchFamily="2" charset="-127"/>
+              </a:rPr>
+              <a:t> 네트워크에 속한 </a:t>
+            </a:r>
+            <a:r>
+              <a:rPr lang="en-US" altLang="ko-KR" sz="1600" b="1" dirty="0">
+                <a:solidFill>
+                  <a:schemeClr val="tx1">
+                    <a:lumMod val="50000"/>
+                    <a:lumOff val="50000"/>
+                  </a:schemeClr>
+                </a:solidFill>
+                <a:latin typeface="한컴 고딕" panose="02000500000000000000" pitchFamily="2" charset="-127"/>
+                <a:ea typeface="한컴 고딕" panose="02000500000000000000" pitchFamily="2" charset="-127"/>
+              </a:rPr>
+              <a:t>MEC</a:t>
+            </a:r>
+            <a:r>
+              <a:rPr lang="ko-KR" altLang="en-US" sz="1600" b="1" dirty="0">
+                <a:solidFill>
+                  <a:schemeClr val="tx1">
+                    <a:lumMod val="50000"/>
+                    <a:lumOff val="50000"/>
+                  </a:schemeClr>
+                </a:solidFill>
+                <a:latin typeface="한컴 고딕" panose="02000500000000000000" pitchFamily="2" charset="-127"/>
+                <a:ea typeface="한컴 고딕" panose="02000500000000000000" pitchFamily="2" charset="-127"/>
+              </a:rPr>
+              <a:t>는 해당 컨텐츠를 </a:t>
+            </a:r>
+            <a:r>
+              <a:rPr lang="ko-KR" altLang="en-US" sz="1600" b="1" dirty="0" err="1">
+                <a:solidFill>
+                  <a:schemeClr val="tx1">
+                    <a:lumMod val="50000"/>
+                    <a:lumOff val="50000"/>
+                  </a:schemeClr>
+                </a:solidFill>
+                <a:latin typeface="한컴 고딕" panose="02000500000000000000" pitchFamily="2" charset="-127"/>
+                <a:ea typeface="한컴 고딕" panose="02000500000000000000" pitchFamily="2" charset="-127"/>
+              </a:rPr>
+              <a:t>캐싱할</a:t>
+            </a:r>
+            <a:r>
+              <a:rPr lang="ko-KR" altLang="en-US" sz="1600" b="1" dirty="0">
+                <a:solidFill>
+                  <a:schemeClr val="tx1">
+                    <a:lumMod val="50000"/>
+                    <a:lumOff val="50000"/>
+                  </a:schemeClr>
+                </a:solidFill>
+                <a:latin typeface="한컴 고딕" panose="02000500000000000000" pitchFamily="2" charset="-127"/>
+                <a:ea typeface="한컴 고딕" panose="02000500000000000000" pitchFamily="2" charset="-127"/>
+              </a:rPr>
+              <a:t> 수 없음을 의미한다</a:t>
+            </a:r>
+            <a:r>
+              <a:rPr lang="en-US" altLang="ko-KR" sz="1600" b="1" dirty="0">
+                <a:solidFill>
+                  <a:schemeClr val="tx1">
+                    <a:lumMod val="50000"/>
+                    <a:lumOff val="50000"/>
+                  </a:schemeClr>
+                </a:solidFill>
+                <a:latin typeface="한컴 고딕" panose="02000500000000000000" pitchFamily="2" charset="-127"/>
+                <a:ea typeface="한컴 고딕" panose="02000500000000000000" pitchFamily="2" charset="-127"/>
+              </a:rPr>
+              <a:t>.</a:t>
+            </a:r>
+          </a:p>
+          <a:p>
+            <a:pPr marL="800100" lvl="1" indent="-342900">
+              <a:lnSpc>
+                <a:spcPct val="150000"/>
+              </a:lnSpc>
+              <a:buFont typeface="Arial" panose="020B0604020202020204" pitchFamily="34" charset="0"/>
+              <a:buChar char="•"/>
+            </a:pPr>
+            <a:r>
+              <a:rPr lang="ko-KR" altLang="en-US" sz="1600" b="1" dirty="0">
+                <a:solidFill>
+                  <a:schemeClr val="tx1">
+                    <a:lumMod val="50000"/>
+                    <a:lumOff val="50000"/>
+                  </a:schemeClr>
+                </a:solidFill>
+                <a:latin typeface="한컴 고딕" panose="02000500000000000000" pitchFamily="2" charset="-127"/>
+                <a:ea typeface="한컴 고딕" panose="02000500000000000000" pitchFamily="2" charset="-127"/>
+              </a:rPr>
+              <a:t>식 </a:t>
+            </a:r>
+            <a:r>
+              <a:rPr lang="en-US" altLang="ko-KR" sz="1600" b="1" dirty="0">
+                <a:solidFill>
+                  <a:schemeClr val="tx1">
+                    <a:lumMod val="50000"/>
+                    <a:lumOff val="50000"/>
+                  </a:schemeClr>
+                </a:solidFill>
+                <a:latin typeface="한컴 고딕" panose="02000500000000000000" pitchFamily="2" charset="-127"/>
+                <a:ea typeface="한컴 고딕" panose="02000500000000000000" pitchFamily="2" charset="-127"/>
+              </a:rPr>
+              <a:t>13</a:t>
+            </a:r>
+            <a:r>
+              <a:rPr lang="ko-KR" altLang="en-US" sz="1600" b="1" dirty="0">
+                <a:solidFill>
+                  <a:schemeClr val="tx1">
+                    <a:lumMod val="50000"/>
+                    <a:lumOff val="50000"/>
+                  </a:schemeClr>
+                </a:solidFill>
+                <a:latin typeface="한컴 고딕" panose="02000500000000000000" pitchFamily="2" charset="-127"/>
+                <a:ea typeface="한컴 고딕" panose="02000500000000000000" pitchFamily="2" charset="-127"/>
+              </a:rPr>
+              <a:t> </a:t>
+            </a:r>
+            <a:r>
+              <a:rPr lang="en-US" altLang="ko-KR" sz="1600" b="1" dirty="0">
+                <a:solidFill>
+                  <a:schemeClr val="tx1">
+                    <a:lumMod val="50000"/>
+                    <a:lumOff val="50000"/>
+                  </a:schemeClr>
+                </a:solidFill>
+                <a:latin typeface="한컴 고딕" panose="02000500000000000000" pitchFamily="2" charset="-127"/>
+                <a:ea typeface="한컴 고딕" panose="02000500000000000000" pitchFamily="2" charset="-127"/>
+              </a:rPr>
+              <a:t>:</a:t>
+            </a:r>
+            <a:r>
+              <a:rPr lang="ko-KR" altLang="en-US" sz="1600" b="1" dirty="0">
+                <a:solidFill>
+                  <a:schemeClr val="tx1">
+                    <a:lumMod val="50000"/>
+                    <a:lumOff val="50000"/>
+                  </a:schemeClr>
+                </a:solidFill>
+                <a:latin typeface="한컴 고딕" panose="02000500000000000000" pitchFamily="2" charset="-127"/>
+                <a:ea typeface="한컴 고딕" panose="02000500000000000000" pitchFamily="2" charset="-127"/>
+              </a:rPr>
+              <a:t> </a:t>
+            </a:r>
+            <a:r>
+              <a:rPr lang="en-US" altLang="ko-KR" sz="1600" b="1" dirty="0">
+                <a:solidFill>
+                  <a:schemeClr val="tx1">
+                    <a:lumMod val="50000"/>
+                    <a:lumOff val="50000"/>
+                  </a:schemeClr>
+                </a:solidFill>
+                <a:latin typeface="한컴 고딕" panose="02000500000000000000" pitchFamily="2" charset="-127"/>
+                <a:ea typeface="한컴 고딕" panose="02000500000000000000" pitchFamily="2" charset="-127"/>
+              </a:rPr>
+              <a:t>MEC,</a:t>
+            </a:r>
+            <a:r>
+              <a:rPr lang="ko-KR" altLang="en-US" sz="1600" b="1" dirty="0">
+                <a:solidFill>
+                  <a:schemeClr val="tx1">
+                    <a:lumMod val="50000"/>
+                    <a:lumOff val="50000"/>
+                  </a:schemeClr>
+                </a:solidFill>
+                <a:latin typeface="한컴 고딕" panose="02000500000000000000" pitchFamily="2" charset="-127"/>
+                <a:ea typeface="한컴 고딕" panose="02000500000000000000" pitchFamily="2" charset="-127"/>
+              </a:rPr>
+              <a:t> </a:t>
+            </a:r>
+            <a:r>
+              <a:rPr lang="ko-KR" altLang="en-US" sz="1600" b="1" dirty="0" err="1">
+                <a:solidFill>
+                  <a:schemeClr val="tx1">
+                    <a:lumMod val="50000"/>
+                    <a:lumOff val="50000"/>
+                  </a:schemeClr>
+                </a:solidFill>
+                <a:latin typeface="한컴 고딕" panose="02000500000000000000" pitchFamily="2" charset="-127"/>
+                <a:ea typeface="한컴 고딕" panose="02000500000000000000" pitchFamily="2" charset="-127"/>
+              </a:rPr>
+              <a:t>엣지</a:t>
+            </a:r>
+            <a:r>
+              <a:rPr lang="ko-KR" altLang="en-US" sz="1600" b="1" dirty="0">
+                <a:solidFill>
+                  <a:schemeClr val="tx1">
+                    <a:lumMod val="50000"/>
+                    <a:lumOff val="50000"/>
+                  </a:schemeClr>
+                </a:solidFill>
+                <a:latin typeface="한컴 고딕" panose="02000500000000000000" pitchFamily="2" charset="-127"/>
+                <a:ea typeface="한컴 고딕" panose="02000500000000000000" pitchFamily="2" charset="-127"/>
+              </a:rPr>
+              <a:t> 네트워크와 연결된 </a:t>
+            </a:r>
+            <a:r>
+              <a:rPr lang="en-US" altLang="ko-KR" sz="1600" b="1" dirty="0">
+                <a:solidFill>
+                  <a:schemeClr val="tx1">
+                    <a:lumMod val="50000"/>
+                    <a:lumOff val="50000"/>
+                  </a:schemeClr>
+                </a:solidFill>
+                <a:latin typeface="한컴 고딕" panose="02000500000000000000" pitchFamily="2" charset="-127"/>
+                <a:ea typeface="한컴 고딕" panose="02000500000000000000" pitchFamily="2" charset="-127"/>
+              </a:rPr>
+              <a:t>ICN </a:t>
+            </a:r>
+            <a:r>
+              <a:rPr lang="ko-KR" altLang="en-US" sz="1600" b="1" dirty="0">
+                <a:solidFill>
+                  <a:schemeClr val="tx1">
+                    <a:lumMod val="50000"/>
+                    <a:lumOff val="50000"/>
+                  </a:schemeClr>
+                </a:solidFill>
+                <a:latin typeface="한컴 고딕" panose="02000500000000000000" pitchFamily="2" charset="-127"/>
+                <a:ea typeface="한컴 고딕" panose="02000500000000000000" pitchFamily="2" charset="-127"/>
+              </a:rPr>
+              <a:t>노드에 </a:t>
+            </a:r>
+            <a:r>
+              <a:rPr lang="ko-KR" altLang="en-US" sz="1600" b="1" dirty="0" err="1">
+                <a:solidFill>
+                  <a:schemeClr val="tx1">
+                    <a:lumMod val="50000"/>
+                    <a:lumOff val="50000"/>
+                  </a:schemeClr>
+                </a:solidFill>
+                <a:latin typeface="한컴 고딕" panose="02000500000000000000" pitchFamily="2" charset="-127"/>
+                <a:ea typeface="한컴 고딕" panose="02000500000000000000" pitchFamily="2" charset="-127"/>
+              </a:rPr>
+              <a:t>캐싱된</a:t>
+            </a:r>
+            <a:r>
+              <a:rPr lang="ko-KR" altLang="en-US" sz="1600" b="1" dirty="0">
+                <a:solidFill>
+                  <a:schemeClr val="tx1">
+                    <a:lumMod val="50000"/>
+                    <a:lumOff val="50000"/>
+                  </a:schemeClr>
+                </a:solidFill>
+                <a:latin typeface="한컴 고딕" panose="02000500000000000000" pitchFamily="2" charset="-127"/>
+                <a:ea typeface="한컴 고딕" panose="02000500000000000000" pitchFamily="2" charset="-127"/>
+              </a:rPr>
+              <a:t> 컨텐츠 크기의 합이 각각 </a:t>
+            </a:r>
+            <a:r>
+              <a:rPr lang="en-US" altLang="ko-KR" sz="1600" b="1" dirty="0">
+                <a:solidFill>
+                  <a:schemeClr val="tx1">
+                    <a:lumMod val="50000"/>
+                    <a:lumOff val="50000"/>
+                  </a:schemeClr>
+                </a:solidFill>
+                <a:latin typeface="한컴 고딕" panose="02000500000000000000" pitchFamily="2" charset="-127"/>
+                <a:ea typeface="한컴 고딕" panose="02000500000000000000" pitchFamily="2" charset="-127"/>
+              </a:rPr>
+              <a:t>MEC, ICN </a:t>
+            </a:r>
+            <a:r>
+              <a:rPr lang="ko-KR" altLang="en-US" sz="1600" b="1" dirty="0">
+                <a:solidFill>
+                  <a:schemeClr val="tx1">
+                    <a:lumMod val="50000"/>
+                    <a:lumOff val="50000"/>
+                  </a:schemeClr>
+                </a:solidFill>
+                <a:latin typeface="한컴 고딕" panose="02000500000000000000" pitchFamily="2" charset="-127"/>
+                <a:ea typeface="한컴 고딕" panose="02000500000000000000" pitchFamily="2" charset="-127"/>
+              </a:rPr>
+              <a:t>노드의 저장 용량보다 </a:t>
+            </a:r>
+            <a:r>
+              <a:rPr lang="ko-KR" altLang="en-US" sz="1600" b="1" dirty="0" err="1">
+                <a:solidFill>
+                  <a:schemeClr val="tx1">
+                    <a:lumMod val="50000"/>
+                    <a:lumOff val="50000"/>
+                  </a:schemeClr>
+                </a:solidFill>
+                <a:latin typeface="한컴 고딕" panose="02000500000000000000" pitchFamily="2" charset="-127"/>
+                <a:ea typeface="한컴 고딕" panose="02000500000000000000" pitchFamily="2" charset="-127"/>
+              </a:rPr>
+              <a:t>작아야함을</a:t>
+            </a:r>
+            <a:r>
+              <a:rPr lang="ko-KR" altLang="en-US" sz="1600" b="1" dirty="0">
+                <a:solidFill>
+                  <a:schemeClr val="tx1">
+                    <a:lumMod val="50000"/>
+                    <a:lumOff val="50000"/>
+                  </a:schemeClr>
+                </a:solidFill>
+                <a:latin typeface="한컴 고딕" panose="02000500000000000000" pitchFamily="2" charset="-127"/>
+                <a:ea typeface="한컴 고딕" panose="02000500000000000000" pitchFamily="2" charset="-127"/>
+              </a:rPr>
+              <a:t> 의미한다</a:t>
+            </a:r>
+            <a:r>
+              <a:rPr lang="en-US" altLang="ko-KR" sz="1600" b="1" dirty="0">
+                <a:solidFill>
+                  <a:schemeClr val="tx1">
+                    <a:lumMod val="50000"/>
+                    <a:lumOff val="50000"/>
+                  </a:schemeClr>
+                </a:solidFill>
+                <a:latin typeface="한컴 고딕" panose="02000500000000000000" pitchFamily="2" charset="-127"/>
+                <a:ea typeface="한컴 고딕" panose="02000500000000000000" pitchFamily="2" charset="-127"/>
+              </a:rPr>
+              <a:t>.</a:t>
+            </a:r>
+          </a:p>
+        </p:txBody>
+      </p:sp>
+      <p:sp>
+        <p:nvSpPr>
+          <p:cNvPr id="3" name="슬라이드 번호 개체 틀 2">
+            <a:extLst>
+              <a:ext uri="{FF2B5EF4-FFF2-40B4-BE49-F238E27FC236}">
+                <a16:creationId xmlns:a16="http://schemas.microsoft.com/office/drawing/2014/main" id="{4EC25071-CFFA-8C9C-CB7A-29C2F016666E}"/>
+              </a:ext>
+            </a:extLst>
+          </p:cNvPr>
+          <p:cNvSpPr>
+            <a:spLocks noGrp="1"/>
+          </p:cNvSpPr>
+          <p:nvPr>
+            <p:ph type="sldNum" sz="quarter" idx="12"/>
+          </p:nvPr>
+        </p:nvSpPr>
+        <p:spPr/>
+        <p:txBody>
+          <a:bodyPr/>
+          <a:lstStyle/>
+          <a:p>
+            <a:fld id="{4503EA79-8FE5-4AB7-9144-49D69278BFF0}" type="slidenum">
+              <a:rPr lang="ko-KR" altLang="en-US" smtClean="0"/>
+              <a:t>12</a:t>
+            </a:fld>
+            <a:endParaRPr lang="ko-KR" altLang="en-US"/>
+          </a:p>
+        </p:txBody>
+      </p:sp>
+      <p:grpSp>
+        <p:nvGrpSpPr>
+          <p:cNvPr id="9" name="그룹 8">
+            <a:extLst>
+              <a:ext uri="{FF2B5EF4-FFF2-40B4-BE49-F238E27FC236}">
+                <a16:creationId xmlns:a16="http://schemas.microsoft.com/office/drawing/2014/main" id="{F648CF2E-8FB0-019E-AC5A-747E8D565FCA}"/>
+              </a:ext>
+            </a:extLst>
+          </p:cNvPr>
+          <p:cNvGrpSpPr/>
+          <p:nvPr/>
+        </p:nvGrpSpPr>
+        <p:grpSpPr>
+          <a:xfrm>
+            <a:off x="6972300" y="2233612"/>
+            <a:ext cx="4648200" cy="2636996"/>
+            <a:chOff x="6972300" y="2233612"/>
+            <a:chExt cx="4648200" cy="2636996"/>
+          </a:xfrm>
+        </p:grpSpPr>
+        <p:pic>
+          <p:nvPicPr>
+            <p:cNvPr id="5" name="그림 4">
+              <a:extLst>
+                <a:ext uri="{FF2B5EF4-FFF2-40B4-BE49-F238E27FC236}">
+                  <a16:creationId xmlns:a16="http://schemas.microsoft.com/office/drawing/2014/main" id="{CB16BAB7-AFAD-D7C4-0B62-33B22B8A928F}"/>
+                </a:ext>
+              </a:extLst>
+            </p:cNvPr>
+            <p:cNvPicPr>
+              <a:picLocks noChangeAspect="1"/>
+            </p:cNvPicPr>
+            <p:nvPr/>
+          </p:nvPicPr>
+          <p:blipFill>
+            <a:blip r:embed="rId2"/>
+            <a:stretch>
+              <a:fillRect/>
+            </a:stretch>
+          </p:blipFill>
+          <p:spPr>
+            <a:xfrm>
+              <a:off x="6972300" y="2233612"/>
+              <a:ext cx="4648200" cy="2390775"/>
+            </a:xfrm>
+            <a:prstGeom prst="rect">
+              <a:avLst/>
+            </a:prstGeom>
+          </p:spPr>
+        </p:pic>
+        <p:sp>
+          <p:nvSpPr>
+            <p:cNvPr id="7" name="TextBox 6">
+              <a:extLst>
+                <a:ext uri="{FF2B5EF4-FFF2-40B4-BE49-F238E27FC236}">
+                  <a16:creationId xmlns:a16="http://schemas.microsoft.com/office/drawing/2014/main" id="{5798C73D-5EC3-9EE0-8DBF-17B72893EC27}"/>
+                </a:ext>
+              </a:extLst>
+            </p:cNvPr>
+            <p:cNvSpPr txBox="1"/>
+            <p:nvPr/>
+          </p:nvSpPr>
+          <p:spPr>
+            <a:xfrm>
+              <a:off x="7167532" y="4624387"/>
+              <a:ext cx="4257735" cy="246221"/>
+            </a:xfrm>
+            <a:prstGeom prst="rect">
+              <a:avLst/>
+            </a:prstGeom>
+            <a:noFill/>
+          </p:spPr>
+          <p:txBody>
+            <a:bodyPr wrap="square" rtlCol="0" anchor="ctr">
+              <a:spAutoFit/>
+            </a:bodyPr>
+            <a:lstStyle/>
+            <a:p>
+              <a:pPr algn="ctr"/>
+              <a:r>
+                <a:rPr lang="ko-KR" altLang="en-US" sz="1000" b="1" dirty="0">
+                  <a:latin typeface="한컴 고딕" panose="02000500000000000000" pitchFamily="2" charset="-127"/>
+                  <a:ea typeface="한컴 고딕" panose="02000500000000000000" pitchFamily="2" charset="-127"/>
+                </a:rPr>
+                <a:t>그림 </a:t>
+              </a:r>
+              <a:r>
+                <a:rPr lang="en-US" altLang="ko-KR" sz="1000" b="1" dirty="0">
+                  <a:latin typeface="한컴 고딕" panose="02000500000000000000" pitchFamily="2" charset="-127"/>
+                  <a:ea typeface="한컴 고딕" panose="02000500000000000000" pitchFamily="2" charset="-127"/>
+                </a:rPr>
+                <a:t>4. </a:t>
+              </a:r>
+              <a:r>
+                <a:rPr lang="ko-KR" altLang="en-US" sz="1000" b="1" dirty="0" err="1">
+                  <a:latin typeface="한컴 고딕" panose="02000500000000000000" pitchFamily="2" charset="-127"/>
+                  <a:ea typeface="한컴 고딕" panose="02000500000000000000" pitchFamily="2" charset="-127"/>
+                </a:rPr>
+                <a:t>관련식</a:t>
+              </a:r>
+              <a:r>
+                <a:rPr lang="en-US" altLang="ko-KR" sz="1000" b="1" dirty="0">
+                  <a:latin typeface="한컴 고딕" panose="02000500000000000000" pitchFamily="2" charset="-127"/>
+                  <a:ea typeface="한컴 고딕" panose="02000500000000000000" pitchFamily="2" charset="-127"/>
+                </a:rPr>
+                <a:t>(2 of 2)</a:t>
+              </a:r>
+            </a:p>
+          </p:txBody>
+        </p:sp>
+      </p:grpSp>
+    </p:spTree>
+    <p:extLst>
+      <p:ext uri="{BB962C8B-B14F-4D97-AF65-F5344CB8AC3E}">
+        <p14:creationId xmlns:p14="http://schemas.microsoft.com/office/powerpoint/2010/main" val="4220011559"/>
+      </p:ext>
+    </p:extLst>
+  </p:cSld>
+  <p:clrMapOvr>
+    <a:masterClrMapping/>
+  </p:clrMapOvr>
+</p:sld>
+</file>
+
+<file path=ppt/slides/slide13.xml><?xml version="1.0" encoding="utf-8"?>
+<p:sld xmlns:a="http://schemas.openxmlformats.org/drawingml/2006/main" xmlns:r="http://schemas.openxmlformats.org/officeDocument/2006/relationships" xmlns:p="http://schemas.openxmlformats.org/presentationml/2006/main">
+  <p:cSld>
+    <p:spTree>
+      <p:nvGrpSpPr>
+        <p:cNvPr id="1" name=""/>
+        <p:cNvGrpSpPr/>
+        <p:nvPr/>
+      </p:nvGrpSpPr>
+      <p:grpSpPr>
+        <a:xfrm>
+          <a:off x="0" y="0"/>
+          <a:ext cx="0" cy="0"/>
+          <a:chOff x="0" y="0"/>
+          <a:chExt cx="0" cy="0"/>
+        </a:xfrm>
+      </p:grpSpPr>
+      <p:sp>
+        <p:nvSpPr>
+          <p:cNvPr id="2" name="TextBox 1">
+            <a:extLst>
+              <a:ext uri="{FF2B5EF4-FFF2-40B4-BE49-F238E27FC236}">
+                <a16:creationId xmlns:a16="http://schemas.microsoft.com/office/drawing/2014/main" id="{21A7DBE9-2DE9-F0B6-F5C5-7DB6C44D8D28}"/>
+              </a:ext>
+            </a:extLst>
+          </p:cNvPr>
+          <p:cNvSpPr txBox="1"/>
+          <p:nvPr/>
+        </p:nvSpPr>
+        <p:spPr>
+          <a:xfrm>
+            <a:off x="570947" y="2598003"/>
+            <a:ext cx="11190418" cy="830997"/>
+          </a:xfrm>
+          <a:prstGeom prst="rect">
+            <a:avLst/>
+          </a:prstGeom>
+          <a:noFill/>
+        </p:spPr>
+        <p:txBody>
+          <a:bodyPr wrap="square" rtlCol="0">
+            <a:spAutoFit/>
+          </a:bodyPr>
+          <a:lstStyle/>
+          <a:p>
+            <a:r>
+              <a:rPr lang="ko-KR" altLang="en-US" sz="4800" dirty="0">
+                <a:solidFill>
+                  <a:schemeClr val="tx1">
+                    <a:lumMod val="65000"/>
+                    <a:lumOff val="35000"/>
+                  </a:schemeClr>
+                </a:solidFill>
+                <a:latin typeface="배달의민족 도현" panose="020B0600000101010101" pitchFamily="50" charset="-127"/>
+                <a:ea typeface="배달의민족 도현" panose="020B0600000101010101" pitchFamily="50" charset="-127"/>
+              </a:rPr>
+              <a:t>결론</a:t>
+            </a:r>
+            <a:endParaRPr lang="en-US" altLang="ko-KR" sz="4800" dirty="0">
+              <a:solidFill>
+                <a:schemeClr val="tx1">
+                  <a:lumMod val="65000"/>
+                  <a:lumOff val="35000"/>
+                </a:schemeClr>
+              </a:solidFill>
+              <a:latin typeface="배달의민족 도현" panose="020B0600000101010101" pitchFamily="50" charset="-127"/>
+              <a:ea typeface="배달의민족 도현" panose="020B0600000101010101" pitchFamily="50" charset="-127"/>
+            </a:endParaRPr>
+          </a:p>
+        </p:txBody>
+      </p:sp>
+      <p:sp>
+        <p:nvSpPr>
+          <p:cNvPr id="3" name="슬라이드 번호 개체 틀 2">
+            <a:extLst>
+              <a:ext uri="{FF2B5EF4-FFF2-40B4-BE49-F238E27FC236}">
+                <a16:creationId xmlns:a16="http://schemas.microsoft.com/office/drawing/2014/main" id="{CE2C3055-3767-2EC3-17AD-3FDE29F361B0}"/>
+              </a:ext>
+            </a:extLst>
+          </p:cNvPr>
+          <p:cNvSpPr>
+            <a:spLocks noGrp="1"/>
+          </p:cNvSpPr>
+          <p:nvPr>
+            <p:ph type="sldNum" sz="quarter" idx="12"/>
+          </p:nvPr>
+        </p:nvSpPr>
+        <p:spPr/>
+        <p:txBody>
+          <a:bodyPr/>
+          <a:lstStyle/>
+          <a:p>
+            <a:fld id="{4503EA79-8FE5-4AB7-9144-49D69278BFF0}" type="slidenum">
+              <a:rPr lang="ko-KR" altLang="en-US" smtClean="0"/>
+              <a:t>13</a:t>
+            </a:fld>
+            <a:endParaRPr lang="ko-KR" altLang="en-US"/>
+          </a:p>
+        </p:txBody>
+      </p:sp>
+      <p:cxnSp>
+        <p:nvCxnSpPr>
+          <p:cNvPr id="4" name="직선 연결선 3">
+            <a:extLst>
+              <a:ext uri="{FF2B5EF4-FFF2-40B4-BE49-F238E27FC236}">
+                <a16:creationId xmlns:a16="http://schemas.microsoft.com/office/drawing/2014/main" id="{00650591-D617-465F-DFD1-82178FC4CBF0}"/>
+              </a:ext>
+            </a:extLst>
+          </p:cNvPr>
+          <p:cNvCxnSpPr>
+            <a:cxnSpLocks/>
+          </p:cNvCxnSpPr>
+          <p:nvPr/>
+        </p:nvCxnSpPr>
+        <p:spPr>
+          <a:xfrm>
+            <a:off x="570947" y="3429000"/>
+            <a:ext cx="1300985" cy="0"/>
+          </a:xfrm>
+          <a:prstGeom prst="line">
+            <a:avLst/>
+          </a:prstGeom>
+          <a:ln w="57150">
+            <a:solidFill>
+              <a:schemeClr val="accent1">
+                <a:lumMod val="75000"/>
+              </a:schemeClr>
+            </a:solidFill>
+          </a:ln>
+        </p:spPr>
+        <p:style>
+          <a:lnRef idx="1">
+            <a:schemeClr val="accent1"/>
+          </a:lnRef>
+          <a:fillRef idx="0">
+            <a:schemeClr val="accent1"/>
+          </a:fillRef>
+          <a:effectRef idx="0">
+            <a:schemeClr val="accent1"/>
+          </a:effectRef>
+          <a:fontRef idx="minor">
+            <a:schemeClr val="tx1"/>
+          </a:fontRef>
+        </p:style>
+      </p:cxnSp>
+      <p:sp>
+        <p:nvSpPr>
+          <p:cNvPr id="7" name="직사각형 6">
+            <a:extLst>
+              <a:ext uri="{FF2B5EF4-FFF2-40B4-BE49-F238E27FC236}">
+                <a16:creationId xmlns:a16="http://schemas.microsoft.com/office/drawing/2014/main" id="{A2519E08-BC8B-64F6-779D-97498F7134AE}"/>
+              </a:ext>
+            </a:extLst>
+          </p:cNvPr>
+          <p:cNvSpPr/>
+          <p:nvPr/>
+        </p:nvSpPr>
+        <p:spPr>
+          <a:xfrm>
+            <a:off x="0" y="0"/>
+            <a:ext cx="12192000" cy="6858000"/>
+          </a:xfrm>
+          <a:prstGeom prst="rect">
+            <a:avLst/>
+          </a:prstGeom>
+          <a:noFill/>
+          <a:ln w="190500">
+            <a:solidFill>
+              <a:schemeClr val="accent1">
+                <a:lumMod val="75000"/>
+              </a:schemeClr>
+            </a:solidFill>
+          </a:ln>
+        </p:spPr>
+        <p:style>
+          <a:lnRef idx="2">
+            <a:schemeClr val="accent1">
+              <a:shade val="50000"/>
+            </a:schemeClr>
+          </a:lnRef>
+          <a:fillRef idx="1">
+            <a:schemeClr val="accent1"/>
+          </a:fillRef>
+          <a:effectRef idx="0">
+            <a:schemeClr val="accent1"/>
+          </a:effectRef>
+          <a:fontRef idx="minor">
+            <a:schemeClr val="lt1"/>
+          </a:fontRef>
+        </p:style>
+        <p:txBody>
+          <a:bodyPr rtlCol="0" anchor="ctr"/>
+          <a:lstStyle/>
+          <a:p>
+            <a:pPr algn="ctr"/>
+            <a:endParaRPr lang="ko-KR" altLang="en-US" dirty="0"/>
+          </a:p>
+        </p:txBody>
+      </p:sp>
+    </p:spTree>
+    <p:extLst>
+      <p:ext uri="{BB962C8B-B14F-4D97-AF65-F5344CB8AC3E}">
+        <p14:creationId xmlns:p14="http://schemas.microsoft.com/office/powerpoint/2010/main" val="1995189214"/>
+      </p:ext>
+    </p:extLst>
+  </p:cSld>
+  <p:clrMapOvr>
+    <a:masterClrMapping/>
+  </p:clrMapOvr>
+</p:sld>
+</file>
+
+<file path=ppt/slides/slide14.xml><?xml version="1.0" encoding="utf-8"?>
+<p:sld xmlns:a="http://schemas.openxmlformats.org/drawingml/2006/main" xmlns:r="http://schemas.openxmlformats.org/officeDocument/2006/relationships" xmlns:p="http://schemas.openxmlformats.org/presentationml/2006/main">
+  <p:cSld>
+    <p:spTree>
+      <p:nvGrpSpPr>
+        <p:cNvPr id="1" name=""/>
+        <p:cNvGrpSpPr/>
+        <p:nvPr/>
+      </p:nvGrpSpPr>
+      <p:grpSpPr>
+        <a:xfrm>
+          <a:off x="0" y="0"/>
+          <a:ext cx="0" cy="0"/>
+          <a:chOff x="0" y="0"/>
+          <a:chExt cx="0" cy="0"/>
+        </a:xfrm>
+      </p:grpSpPr>
+      <p:sp>
+        <p:nvSpPr>
+          <p:cNvPr id="2" name="TextBox 1">
+            <a:extLst>
+              <a:ext uri="{FF2B5EF4-FFF2-40B4-BE49-F238E27FC236}">
+                <a16:creationId xmlns:a16="http://schemas.microsoft.com/office/drawing/2014/main" id="{21A7DBE9-2DE9-F0B6-F5C5-7DB6C44D8D28}"/>
+              </a:ext>
+            </a:extLst>
+          </p:cNvPr>
+          <p:cNvSpPr txBox="1"/>
+          <p:nvPr/>
+        </p:nvSpPr>
+        <p:spPr>
+          <a:xfrm>
+            <a:off x="143435" y="130844"/>
+            <a:ext cx="9744635" cy="584775"/>
+          </a:xfrm>
+          <a:prstGeom prst="rect">
+            <a:avLst/>
+          </a:prstGeom>
+          <a:noFill/>
+        </p:spPr>
+        <p:txBody>
+          <a:bodyPr wrap="square" rtlCol="0">
+            <a:spAutoFit/>
+          </a:bodyPr>
+          <a:lstStyle/>
+          <a:p>
+            <a:r>
+              <a:rPr lang="ko-KR" altLang="en-US" sz="3200">
+                <a:solidFill>
+                  <a:schemeClr val="tx1">
+                    <a:lumMod val="65000"/>
+                    <a:lumOff val="35000"/>
+                  </a:schemeClr>
+                </a:solidFill>
+                <a:latin typeface="배달의민족 도현" panose="020B0600000101010101" pitchFamily="50" charset="-127"/>
+                <a:ea typeface="배달의민족 도현" panose="020B0600000101010101" pitchFamily="50" charset="-127"/>
+              </a:rPr>
+              <a:t>결론</a:t>
+            </a:r>
+            <a:endParaRPr lang="en-US" altLang="ko-KR" sz="3200" dirty="0">
+              <a:solidFill>
+                <a:schemeClr val="tx1">
+                  <a:lumMod val="65000"/>
+                  <a:lumOff val="35000"/>
+                </a:schemeClr>
+              </a:solidFill>
+              <a:latin typeface="배달의민족 도현" panose="020B0600000101010101" pitchFamily="50" charset="-127"/>
+              <a:ea typeface="배달의민족 도현" panose="020B0600000101010101" pitchFamily="50" charset="-127"/>
+            </a:endParaRPr>
+          </a:p>
+        </p:txBody>
+      </p:sp>
+      <p:cxnSp>
+        <p:nvCxnSpPr>
+          <p:cNvPr id="6" name="직선 연결선 5">
+            <a:extLst>
+              <a:ext uri="{FF2B5EF4-FFF2-40B4-BE49-F238E27FC236}">
+                <a16:creationId xmlns:a16="http://schemas.microsoft.com/office/drawing/2014/main" id="{3CAFC98D-1DA6-5CE0-43FD-6D3D9C8D3B4F}"/>
+              </a:ext>
+            </a:extLst>
+          </p:cNvPr>
+          <p:cNvCxnSpPr>
+            <a:cxnSpLocks/>
+          </p:cNvCxnSpPr>
+          <p:nvPr/>
+        </p:nvCxnSpPr>
+        <p:spPr>
+          <a:xfrm>
+            <a:off x="206188" y="724225"/>
+            <a:ext cx="825658" cy="0"/>
+          </a:xfrm>
+          <a:prstGeom prst="line">
+            <a:avLst/>
+          </a:prstGeom>
+          <a:ln w="57150">
+            <a:solidFill>
+              <a:schemeClr val="accent1">
+                <a:lumMod val="75000"/>
+              </a:schemeClr>
+            </a:solidFill>
+          </a:ln>
+        </p:spPr>
+        <p:style>
+          <a:lnRef idx="1">
+            <a:schemeClr val="accent1"/>
+          </a:lnRef>
+          <a:fillRef idx="0">
+            <a:schemeClr val="accent1"/>
+          </a:fillRef>
+          <a:effectRef idx="0">
+            <a:schemeClr val="accent1"/>
+          </a:effectRef>
+          <a:fontRef idx="minor">
+            <a:schemeClr val="tx1"/>
+          </a:fontRef>
+        </p:style>
+      </p:cxnSp>
+      <p:sp>
+        <p:nvSpPr>
+          <p:cNvPr id="10" name="TextBox 9">
+            <a:extLst>
+              <a:ext uri="{FF2B5EF4-FFF2-40B4-BE49-F238E27FC236}">
+                <a16:creationId xmlns:a16="http://schemas.microsoft.com/office/drawing/2014/main" id="{266829A7-D0F8-7CDF-D9BC-CA16B9A4C881}"/>
+              </a:ext>
+            </a:extLst>
+          </p:cNvPr>
+          <p:cNvSpPr txBox="1"/>
+          <p:nvPr/>
+        </p:nvSpPr>
+        <p:spPr>
+          <a:xfrm>
+            <a:off x="206187" y="715619"/>
+            <a:ext cx="11833413" cy="4119461"/>
+          </a:xfrm>
+          <a:prstGeom prst="rect">
+            <a:avLst/>
+          </a:prstGeom>
+          <a:noFill/>
+        </p:spPr>
+        <p:txBody>
+          <a:bodyPr wrap="square" rtlCol="0">
+            <a:spAutoFit/>
+          </a:bodyPr>
+          <a:lstStyle/>
+          <a:p>
+            <a:pPr>
+              <a:lnSpc>
+                <a:spcPct val="150000"/>
+              </a:lnSpc>
+            </a:pPr>
+            <a:r>
+              <a:rPr lang="ko-KR" altLang="en-US" sz="1600" b="1" dirty="0">
+                <a:solidFill>
+                  <a:schemeClr val="accent1"/>
+                </a:solidFill>
+                <a:latin typeface="한컴 고딕" panose="02000500000000000000" pitchFamily="2" charset="-127"/>
+                <a:ea typeface="한컴 고딕" panose="02000500000000000000" pitchFamily="2" charset="-127"/>
+              </a:rPr>
+              <a:t>결론</a:t>
+            </a:r>
+            <a:endParaRPr lang="en-US" altLang="ko-KR" sz="1600" b="1" dirty="0">
+              <a:solidFill>
+                <a:schemeClr val="accent1"/>
+              </a:solidFill>
+              <a:latin typeface="한컴 고딕" panose="02000500000000000000" pitchFamily="2" charset="-127"/>
+              <a:ea typeface="한컴 고딕" panose="02000500000000000000" pitchFamily="2" charset="-127"/>
+            </a:endParaRPr>
+          </a:p>
+          <a:p>
+            <a:pPr marL="342900" indent="-342900">
+              <a:lnSpc>
+                <a:spcPct val="150000"/>
+              </a:lnSpc>
+              <a:buFont typeface="Arial" panose="020B0604020202020204" pitchFamily="34" charset="0"/>
+              <a:buChar char="•"/>
+            </a:pPr>
+            <a:r>
+              <a:rPr lang="en-US" altLang="ko-KR" sz="1600" b="1" dirty="0">
+                <a:solidFill>
+                  <a:schemeClr val="tx1">
+                    <a:lumMod val="50000"/>
+                    <a:lumOff val="50000"/>
+                  </a:schemeClr>
+                </a:solidFill>
+                <a:latin typeface="한컴 고딕" panose="02000500000000000000" pitchFamily="2" charset="-127"/>
+                <a:ea typeface="한컴 고딕" panose="02000500000000000000" pitchFamily="2" charset="-127"/>
+              </a:rPr>
+              <a:t>5G MEC </a:t>
+            </a:r>
+            <a:r>
+              <a:rPr lang="ko-KR" altLang="en-US" sz="1600" b="1" dirty="0">
+                <a:solidFill>
+                  <a:schemeClr val="tx1">
+                    <a:lumMod val="50000"/>
+                    <a:lumOff val="50000"/>
+                  </a:schemeClr>
+                </a:solidFill>
+                <a:latin typeface="한컴 고딕" panose="02000500000000000000" pitchFamily="2" charset="-127"/>
+                <a:ea typeface="한컴 고딕" panose="02000500000000000000" pitchFamily="2" charset="-127"/>
+              </a:rPr>
+              <a:t>정보 중심 네트워크 환경에서 </a:t>
+            </a:r>
+            <a:r>
+              <a:rPr lang="ko-KR" altLang="en-US" sz="1600" b="1" dirty="0">
+                <a:solidFill>
+                  <a:srgbClr val="FF0000"/>
+                </a:solidFill>
+                <a:latin typeface="한컴 고딕" panose="02000500000000000000" pitchFamily="2" charset="-127"/>
+                <a:ea typeface="한컴 고딕" panose="02000500000000000000" pitchFamily="2" charset="-127"/>
+              </a:rPr>
+              <a:t>컨텐츠 예상 요청 빈도 기반 소비 비용 최소화 </a:t>
+            </a:r>
+            <a:r>
+              <a:rPr lang="ko-KR" altLang="en-US" sz="1600" b="1" dirty="0" err="1">
+                <a:solidFill>
+                  <a:srgbClr val="FF0000"/>
+                </a:solidFill>
+                <a:latin typeface="한컴 고딕" panose="02000500000000000000" pitchFamily="2" charset="-127"/>
+                <a:ea typeface="한컴 고딕" panose="02000500000000000000" pitchFamily="2" charset="-127"/>
+              </a:rPr>
+              <a:t>캐싱</a:t>
+            </a:r>
+            <a:r>
+              <a:rPr lang="ko-KR" altLang="en-US" sz="1600" b="1" dirty="0">
+                <a:solidFill>
+                  <a:srgbClr val="FF0000"/>
+                </a:solidFill>
+                <a:latin typeface="한컴 고딕" panose="02000500000000000000" pitchFamily="2" charset="-127"/>
+                <a:ea typeface="한컴 고딕" panose="02000500000000000000" pitchFamily="2" charset="-127"/>
+              </a:rPr>
+              <a:t> 방안</a:t>
+            </a:r>
+            <a:r>
+              <a:rPr lang="ko-KR" altLang="en-US" sz="1600" b="1" dirty="0">
+                <a:solidFill>
+                  <a:schemeClr val="tx1">
+                    <a:lumMod val="50000"/>
+                    <a:lumOff val="50000"/>
+                  </a:schemeClr>
+                </a:solidFill>
+                <a:latin typeface="한컴 고딕" panose="02000500000000000000" pitchFamily="2" charset="-127"/>
+                <a:ea typeface="한컴 고딕" panose="02000500000000000000" pitchFamily="2" charset="-127"/>
+              </a:rPr>
+              <a:t>을 제안했다</a:t>
+            </a:r>
+            <a:r>
+              <a:rPr lang="en-US" altLang="ko-KR" sz="1600" b="1" dirty="0">
+                <a:solidFill>
+                  <a:schemeClr val="tx1">
+                    <a:lumMod val="50000"/>
+                    <a:lumOff val="50000"/>
+                  </a:schemeClr>
+                </a:solidFill>
+                <a:latin typeface="한컴 고딕" panose="02000500000000000000" pitchFamily="2" charset="-127"/>
+                <a:ea typeface="한컴 고딕" panose="02000500000000000000" pitchFamily="2" charset="-127"/>
+              </a:rPr>
+              <a:t>.</a:t>
+            </a:r>
+          </a:p>
+          <a:p>
+            <a:pPr marL="342900" indent="-342900">
+              <a:lnSpc>
+                <a:spcPct val="150000"/>
+              </a:lnSpc>
+              <a:buFont typeface="Arial" panose="020B0604020202020204" pitchFamily="34" charset="0"/>
+              <a:buChar char="•"/>
+            </a:pPr>
+            <a:r>
+              <a:rPr lang="ko-KR" altLang="en-US" sz="1600" b="1" dirty="0">
+                <a:solidFill>
+                  <a:schemeClr val="tx1">
+                    <a:lumMod val="50000"/>
+                    <a:lumOff val="50000"/>
+                  </a:schemeClr>
+                </a:solidFill>
+                <a:latin typeface="한컴 고딕" panose="02000500000000000000" pitchFamily="2" charset="-127"/>
+                <a:ea typeface="한컴 고딕" panose="02000500000000000000" pitchFamily="2" charset="-127"/>
+              </a:rPr>
+              <a:t>추후 메타 휴리스틱 알고리즘을 통해 제안 기법의 성능을 상세히 검증할 계획이다</a:t>
+            </a:r>
+            <a:r>
+              <a:rPr lang="en-US" altLang="ko-KR" sz="1600" b="1" dirty="0">
+                <a:solidFill>
+                  <a:schemeClr val="tx1">
+                    <a:lumMod val="50000"/>
+                    <a:lumOff val="50000"/>
+                  </a:schemeClr>
+                </a:solidFill>
+                <a:latin typeface="한컴 고딕" panose="02000500000000000000" pitchFamily="2" charset="-127"/>
+                <a:ea typeface="한컴 고딕" panose="02000500000000000000" pitchFamily="2" charset="-127"/>
+              </a:rPr>
+              <a:t>.</a:t>
+            </a:r>
+          </a:p>
+          <a:p>
+            <a:pPr marL="342900" indent="-342900">
+              <a:lnSpc>
+                <a:spcPct val="150000"/>
+              </a:lnSpc>
+              <a:buFont typeface="Arial" panose="020B0604020202020204" pitchFamily="34" charset="0"/>
+              <a:buChar char="•"/>
+            </a:pPr>
+            <a:endParaRPr lang="en-US" altLang="ko-KR" sz="1600" b="1" dirty="0">
+              <a:solidFill>
+                <a:schemeClr val="tx1">
+                  <a:lumMod val="50000"/>
+                  <a:lumOff val="50000"/>
+                </a:schemeClr>
+              </a:solidFill>
+              <a:latin typeface="한컴 고딕" panose="02000500000000000000" pitchFamily="2" charset="-127"/>
+              <a:ea typeface="한컴 고딕" panose="02000500000000000000" pitchFamily="2" charset="-127"/>
+            </a:endParaRPr>
+          </a:p>
+          <a:p>
+            <a:pPr>
+              <a:lnSpc>
+                <a:spcPct val="150000"/>
+              </a:lnSpc>
+            </a:pPr>
+            <a:r>
+              <a:rPr lang="ko-KR" altLang="en-US" sz="1600" b="1" dirty="0">
+                <a:solidFill>
+                  <a:schemeClr val="accent1"/>
+                </a:solidFill>
+                <a:latin typeface="한컴 고딕" panose="02000500000000000000" pitchFamily="2" charset="-127"/>
+                <a:ea typeface="한컴 고딕" panose="02000500000000000000" pitchFamily="2" charset="-127"/>
+              </a:rPr>
+              <a:t>논문을 정리하며 생각한 방향성 또는 아이디어 정리</a:t>
+            </a:r>
+            <a:endParaRPr lang="en-US" altLang="ko-KR" sz="1600" b="1" dirty="0">
+              <a:solidFill>
+                <a:schemeClr val="accent1"/>
+              </a:solidFill>
+              <a:latin typeface="한컴 고딕" panose="02000500000000000000" pitchFamily="2" charset="-127"/>
+              <a:ea typeface="한컴 고딕" panose="02000500000000000000" pitchFamily="2" charset="-127"/>
+            </a:endParaRPr>
+          </a:p>
+          <a:p>
+            <a:pPr marL="285750" indent="-285750">
+              <a:lnSpc>
+                <a:spcPct val="150000"/>
+              </a:lnSpc>
+              <a:buFont typeface="Arial" panose="020B0604020202020204" pitchFamily="34" charset="0"/>
+              <a:buChar char="•"/>
+            </a:pPr>
+            <a:r>
+              <a:rPr lang="ko-KR" altLang="en-US" sz="1600" b="1" dirty="0">
+                <a:solidFill>
+                  <a:schemeClr val="tx1">
+                    <a:lumMod val="50000"/>
+                    <a:lumOff val="50000"/>
+                  </a:schemeClr>
+                </a:solidFill>
+                <a:latin typeface="한컴 고딕" panose="02000500000000000000" pitchFamily="2" charset="-127"/>
+                <a:ea typeface="한컴 고딕" panose="02000500000000000000" pitchFamily="2" charset="-127"/>
+              </a:rPr>
+              <a:t>본 논문에서는 </a:t>
+            </a:r>
+            <a:r>
+              <a:rPr lang="en-US" altLang="ko-KR" sz="1600" b="1" dirty="0">
+                <a:solidFill>
+                  <a:schemeClr val="tx1">
+                    <a:lumMod val="50000"/>
+                    <a:lumOff val="50000"/>
+                  </a:schemeClr>
+                </a:solidFill>
+                <a:latin typeface="한컴 고딕" panose="02000500000000000000" pitchFamily="2" charset="-127"/>
+                <a:ea typeface="한컴 고딕" panose="02000500000000000000" pitchFamily="2" charset="-127"/>
+              </a:rPr>
+              <a:t>5G MEC </a:t>
+            </a:r>
+            <a:r>
+              <a:rPr lang="ko-KR" altLang="en-US" sz="1600" b="1" dirty="0">
+                <a:solidFill>
+                  <a:schemeClr val="tx1">
+                    <a:lumMod val="50000"/>
+                    <a:lumOff val="50000"/>
+                  </a:schemeClr>
+                </a:solidFill>
+                <a:latin typeface="한컴 고딕" panose="02000500000000000000" pitchFamily="2" charset="-127"/>
+                <a:ea typeface="한컴 고딕" panose="02000500000000000000" pitchFamily="2" charset="-127"/>
+              </a:rPr>
+              <a:t>네트워크 환경을 중심으로 효율적인 </a:t>
+            </a:r>
+            <a:r>
+              <a:rPr lang="ko-KR" altLang="en-US" sz="1600" b="1" dirty="0" err="1">
+                <a:solidFill>
+                  <a:schemeClr val="tx1">
+                    <a:lumMod val="50000"/>
+                    <a:lumOff val="50000"/>
+                  </a:schemeClr>
+                </a:solidFill>
+                <a:latin typeface="한컴 고딕" panose="02000500000000000000" pitchFamily="2" charset="-127"/>
+                <a:ea typeface="한컴 고딕" panose="02000500000000000000" pitchFamily="2" charset="-127"/>
+              </a:rPr>
+              <a:t>캐싱</a:t>
+            </a:r>
+            <a:r>
+              <a:rPr lang="ko-KR" altLang="en-US" sz="1600" b="1" dirty="0">
+                <a:solidFill>
+                  <a:schemeClr val="tx1">
+                    <a:lumMod val="50000"/>
+                    <a:lumOff val="50000"/>
+                  </a:schemeClr>
+                </a:solidFill>
+                <a:latin typeface="한컴 고딕" panose="02000500000000000000" pitchFamily="2" charset="-127"/>
+                <a:ea typeface="한컴 고딕" panose="02000500000000000000" pitchFamily="2" charset="-127"/>
+              </a:rPr>
+              <a:t> 방안에 대해 제안하고 있다</a:t>
+            </a:r>
+            <a:r>
+              <a:rPr lang="en-US" altLang="ko-KR" sz="1600" b="1" dirty="0">
+                <a:solidFill>
+                  <a:schemeClr val="tx1">
+                    <a:lumMod val="50000"/>
+                    <a:lumOff val="50000"/>
+                  </a:schemeClr>
+                </a:solidFill>
+                <a:latin typeface="한컴 고딕" panose="02000500000000000000" pitchFamily="2" charset="-127"/>
+                <a:ea typeface="한컴 고딕" panose="02000500000000000000" pitchFamily="2" charset="-127"/>
+              </a:rPr>
+              <a:t>. </a:t>
+            </a:r>
+            <a:r>
+              <a:rPr lang="ko-KR" altLang="en-US" sz="1600" b="1" dirty="0">
+                <a:solidFill>
+                  <a:schemeClr val="tx1">
+                    <a:lumMod val="50000"/>
+                    <a:lumOff val="50000"/>
+                  </a:schemeClr>
+                </a:solidFill>
+                <a:latin typeface="한컴 고딕" panose="02000500000000000000" pitchFamily="2" charset="-127"/>
+                <a:ea typeface="한컴 고딕" panose="02000500000000000000" pitchFamily="2" charset="-127"/>
+              </a:rPr>
+              <a:t>해당 논문에서 제안하는 방법과 같이 </a:t>
+            </a:r>
+            <a:r>
+              <a:rPr lang="ko-KR" altLang="en-US" sz="1600" b="1" dirty="0" err="1">
+                <a:solidFill>
+                  <a:schemeClr val="tx1">
+                    <a:lumMod val="50000"/>
+                    <a:lumOff val="50000"/>
+                  </a:schemeClr>
+                </a:solidFill>
+                <a:latin typeface="한컴 고딕" panose="02000500000000000000" pitchFamily="2" charset="-127"/>
+                <a:ea typeface="한컴 고딕" panose="02000500000000000000" pitchFamily="2" charset="-127"/>
+              </a:rPr>
+              <a:t>캐싱이나</a:t>
+            </a:r>
+            <a:r>
+              <a:rPr lang="ko-KR" altLang="en-US" sz="1600" b="1" dirty="0">
+                <a:solidFill>
+                  <a:schemeClr val="tx1">
+                    <a:lumMod val="50000"/>
+                    <a:lumOff val="50000"/>
+                  </a:schemeClr>
+                </a:solidFill>
+                <a:latin typeface="한컴 고딕" panose="02000500000000000000" pitchFamily="2" charset="-127"/>
+                <a:ea typeface="한컴 고딕" panose="02000500000000000000" pitchFamily="2" charset="-127"/>
+              </a:rPr>
+              <a:t> 포워딩에 대한 기법을 제안하기 전에 특정 네트워크 환경을 파악하고 특정 네트워크 환경의 특성을 활용하여 효율적인 </a:t>
+            </a:r>
+            <a:r>
+              <a:rPr lang="ko-KR" altLang="en-US" sz="1600" b="1" dirty="0" err="1">
+                <a:solidFill>
+                  <a:schemeClr val="tx1">
+                    <a:lumMod val="50000"/>
+                    <a:lumOff val="50000"/>
+                  </a:schemeClr>
+                </a:solidFill>
+                <a:latin typeface="한컴 고딕" panose="02000500000000000000" pitchFamily="2" charset="-127"/>
+                <a:ea typeface="한컴 고딕" panose="02000500000000000000" pitchFamily="2" charset="-127"/>
+              </a:rPr>
+              <a:t>캐싱</a:t>
+            </a:r>
+            <a:r>
+              <a:rPr lang="ko-KR" altLang="en-US" sz="1600" b="1" dirty="0">
+                <a:solidFill>
+                  <a:schemeClr val="tx1">
+                    <a:lumMod val="50000"/>
+                    <a:lumOff val="50000"/>
+                  </a:schemeClr>
+                </a:solidFill>
+                <a:latin typeface="한컴 고딕" panose="02000500000000000000" pitchFamily="2" charset="-127"/>
+                <a:ea typeface="한컴 고딕" panose="02000500000000000000" pitchFamily="2" charset="-127"/>
+              </a:rPr>
+              <a:t> 또는 포워딩 기법을 제안하는 것이 논리적인 논문이 나올 수 있다고 생각했다</a:t>
+            </a:r>
+            <a:r>
+              <a:rPr lang="en-US" altLang="ko-KR" sz="1600" b="1" dirty="0">
+                <a:solidFill>
+                  <a:schemeClr val="tx1">
+                    <a:lumMod val="50000"/>
+                    <a:lumOff val="50000"/>
+                  </a:schemeClr>
+                </a:solidFill>
+                <a:latin typeface="한컴 고딕" panose="02000500000000000000" pitchFamily="2" charset="-127"/>
+                <a:ea typeface="한컴 고딕" panose="02000500000000000000" pitchFamily="2" charset="-127"/>
+              </a:rPr>
+              <a:t>.</a:t>
+            </a:r>
+          </a:p>
+          <a:p>
+            <a:pPr marL="285750" indent="-285750">
+              <a:lnSpc>
+                <a:spcPct val="150000"/>
+              </a:lnSpc>
+              <a:buFont typeface="Arial" panose="020B0604020202020204" pitchFamily="34" charset="0"/>
+              <a:buChar char="•"/>
+            </a:pPr>
+            <a:r>
+              <a:rPr lang="ko-KR" altLang="en-US" sz="1600" b="1" dirty="0">
+                <a:solidFill>
+                  <a:schemeClr val="tx1">
+                    <a:lumMod val="50000"/>
+                    <a:lumOff val="50000"/>
+                  </a:schemeClr>
+                </a:solidFill>
+                <a:latin typeface="한컴 고딕" panose="02000500000000000000" pitchFamily="2" charset="-127"/>
+                <a:ea typeface="한컴 고딕" panose="02000500000000000000" pitchFamily="2" charset="-127"/>
+              </a:rPr>
+              <a:t>본 논문에서 제안하는 </a:t>
+            </a:r>
+            <a:r>
+              <a:rPr lang="ko-KR" altLang="en-US" sz="1600" b="1" dirty="0" err="1">
+                <a:solidFill>
+                  <a:schemeClr val="tx1">
+                    <a:lumMod val="50000"/>
+                    <a:lumOff val="50000"/>
+                  </a:schemeClr>
+                </a:solidFill>
+                <a:latin typeface="한컴 고딕" panose="02000500000000000000" pitchFamily="2" charset="-127"/>
+                <a:ea typeface="한컴 고딕" panose="02000500000000000000" pitchFamily="2" charset="-127"/>
+              </a:rPr>
+              <a:t>캐싱</a:t>
+            </a:r>
+            <a:r>
+              <a:rPr lang="ko-KR" altLang="en-US" sz="1600" b="1" dirty="0">
+                <a:solidFill>
+                  <a:schemeClr val="tx1">
+                    <a:lumMod val="50000"/>
+                    <a:lumOff val="50000"/>
+                  </a:schemeClr>
+                </a:solidFill>
+                <a:latin typeface="한컴 고딕" panose="02000500000000000000" pitchFamily="2" charset="-127"/>
+                <a:ea typeface="한컴 고딕" panose="02000500000000000000" pitchFamily="2" charset="-127"/>
+              </a:rPr>
+              <a:t> 기법인 </a:t>
+            </a:r>
+            <a:r>
+              <a:rPr lang="en-US" altLang="ko-KR" sz="1600" b="1" dirty="0">
+                <a:solidFill>
+                  <a:schemeClr val="tx1">
+                    <a:lumMod val="50000"/>
+                    <a:lumOff val="50000"/>
+                  </a:schemeClr>
+                </a:solidFill>
+                <a:latin typeface="한컴 고딕" panose="02000500000000000000" pitchFamily="2" charset="-127"/>
+                <a:ea typeface="한컴 고딕" panose="02000500000000000000" pitchFamily="2" charset="-127"/>
+              </a:rPr>
+              <a:t>‘</a:t>
+            </a:r>
+            <a:r>
+              <a:rPr lang="ko-KR" altLang="en-US" sz="1600" b="1" dirty="0">
+                <a:solidFill>
+                  <a:schemeClr val="tx1">
+                    <a:lumMod val="50000"/>
+                    <a:lumOff val="50000"/>
+                  </a:schemeClr>
+                </a:solidFill>
+                <a:latin typeface="한컴 고딕" panose="02000500000000000000" pitchFamily="2" charset="-127"/>
+                <a:ea typeface="한컴 고딕" panose="02000500000000000000" pitchFamily="2" charset="-127"/>
+              </a:rPr>
+              <a:t>컨텐츠 예상 요청 빈도</a:t>
+            </a:r>
+            <a:r>
+              <a:rPr lang="en-US" altLang="ko-KR" sz="1600" b="1" dirty="0">
+                <a:solidFill>
+                  <a:schemeClr val="tx1">
+                    <a:lumMod val="50000"/>
+                    <a:lumOff val="50000"/>
+                  </a:schemeClr>
+                </a:solidFill>
+                <a:latin typeface="한컴 고딕" panose="02000500000000000000" pitchFamily="2" charset="-127"/>
+                <a:ea typeface="한컴 고딕" panose="02000500000000000000" pitchFamily="2" charset="-127"/>
+              </a:rPr>
+              <a:t>’</a:t>
+            </a:r>
+            <a:r>
+              <a:rPr lang="ko-KR" altLang="en-US" sz="1600" b="1" dirty="0">
+                <a:solidFill>
+                  <a:schemeClr val="tx1">
+                    <a:lumMod val="50000"/>
+                    <a:lumOff val="50000"/>
+                  </a:schemeClr>
+                </a:solidFill>
+                <a:latin typeface="한컴 고딕" panose="02000500000000000000" pitchFamily="2" charset="-127"/>
+                <a:ea typeface="한컴 고딕" panose="02000500000000000000" pitchFamily="2" charset="-127"/>
+              </a:rPr>
+              <a:t>를 계산하여 소비 비용을 최소화 하는 기법에서 </a:t>
+            </a:r>
+            <a:r>
+              <a:rPr lang="en-US" altLang="ko-KR" sz="1600" b="1" dirty="0">
+                <a:solidFill>
+                  <a:schemeClr val="tx1">
+                    <a:lumMod val="50000"/>
+                    <a:lumOff val="50000"/>
+                  </a:schemeClr>
+                </a:solidFill>
+                <a:latin typeface="한컴 고딕" panose="02000500000000000000" pitchFamily="2" charset="-127"/>
+                <a:ea typeface="한컴 고딕" panose="02000500000000000000" pitchFamily="2" charset="-127"/>
+              </a:rPr>
+              <a:t>DTN</a:t>
+            </a:r>
+            <a:r>
+              <a:rPr lang="ko-KR" altLang="en-US" sz="1600" b="1" dirty="0">
+                <a:solidFill>
+                  <a:schemeClr val="tx1">
+                    <a:lumMod val="50000"/>
+                    <a:lumOff val="50000"/>
+                  </a:schemeClr>
+                </a:solidFill>
+                <a:latin typeface="한컴 고딕" panose="02000500000000000000" pitchFamily="2" charset="-127"/>
+                <a:ea typeface="한컴 고딕" panose="02000500000000000000" pitchFamily="2" charset="-127"/>
+              </a:rPr>
+              <a:t>의 </a:t>
+            </a:r>
+            <a:r>
+              <a:rPr lang="en-US" altLang="ko-KR" sz="1600" b="1" dirty="0" err="1">
+                <a:solidFill>
+                  <a:schemeClr val="tx1">
+                    <a:lumMod val="50000"/>
+                    <a:lumOff val="50000"/>
+                  </a:schemeClr>
+                </a:solidFill>
+                <a:latin typeface="한컴 고딕" panose="02000500000000000000" pitchFamily="2" charset="-127"/>
+                <a:ea typeface="한컴 고딕" panose="02000500000000000000" pitchFamily="2" charset="-127"/>
+              </a:rPr>
+              <a:t>PRoPHET</a:t>
+            </a:r>
+            <a:r>
+              <a:rPr lang="en-US" altLang="ko-KR" sz="1600" b="1" dirty="0">
+                <a:solidFill>
+                  <a:schemeClr val="tx1">
+                    <a:lumMod val="50000"/>
+                    <a:lumOff val="50000"/>
+                  </a:schemeClr>
+                </a:solidFill>
+                <a:latin typeface="한컴 고딕" panose="02000500000000000000" pitchFamily="2" charset="-127"/>
+                <a:ea typeface="한컴 고딕" panose="02000500000000000000" pitchFamily="2" charset="-127"/>
+              </a:rPr>
+              <a:t> </a:t>
+            </a:r>
+            <a:r>
+              <a:rPr lang="ko-KR" altLang="en-US" sz="1600" b="1" dirty="0">
+                <a:solidFill>
+                  <a:schemeClr val="tx1">
+                    <a:lumMod val="50000"/>
+                    <a:lumOff val="50000"/>
+                  </a:schemeClr>
+                </a:solidFill>
+                <a:latin typeface="한컴 고딕" panose="02000500000000000000" pitchFamily="2" charset="-127"/>
+                <a:ea typeface="한컴 고딕" panose="02000500000000000000" pitchFamily="2" charset="-127"/>
+              </a:rPr>
+              <a:t>기법이 떠올랐다</a:t>
+            </a:r>
+            <a:r>
+              <a:rPr lang="en-US" altLang="ko-KR" sz="1600" b="1" dirty="0">
+                <a:solidFill>
+                  <a:schemeClr val="tx1">
+                    <a:lumMod val="50000"/>
+                    <a:lumOff val="50000"/>
+                  </a:schemeClr>
+                </a:solidFill>
+                <a:latin typeface="한컴 고딕" panose="02000500000000000000" pitchFamily="2" charset="-127"/>
+                <a:ea typeface="한컴 고딕" panose="02000500000000000000" pitchFamily="2" charset="-127"/>
+              </a:rPr>
+              <a:t>. </a:t>
+            </a:r>
+            <a:r>
+              <a:rPr lang="ko-KR" altLang="en-US" sz="1600" b="1" dirty="0">
+                <a:solidFill>
+                  <a:schemeClr val="tx1">
+                    <a:lumMod val="50000"/>
+                    <a:lumOff val="50000"/>
+                  </a:schemeClr>
+                </a:solidFill>
+                <a:latin typeface="한컴 고딕" panose="02000500000000000000" pitchFamily="2" charset="-127"/>
+                <a:ea typeface="한컴 고딕" panose="02000500000000000000" pitchFamily="2" charset="-127"/>
+              </a:rPr>
+              <a:t>이전 </a:t>
+            </a:r>
+            <a:r>
+              <a:rPr lang="en-US" altLang="ko-KR" sz="1600" b="1" dirty="0">
+                <a:solidFill>
+                  <a:schemeClr val="tx1">
+                    <a:lumMod val="50000"/>
+                    <a:lumOff val="50000"/>
+                  </a:schemeClr>
+                </a:solidFill>
+                <a:latin typeface="한컴 고딕" panose="02000500000000000000" pitchFamily="2" charset="-127"/>
+                <a:ea typeface="한컴 고딕" panose="02000500000000000000" pitchFamily="2" charset="-127"/>
+              </a:rPr>
+              <a:t>DTN</a:t>
+            </a:r>
+            <a:r>
+              <a:rPr lang="ko-KR" altLang="en-US" sz="1600" b="1" dirty="0">
+                <a:solidFill>
+                  <a:schemeClr val="tx1">
+                    <a:lumMod val="50000"/>
+                    <a:lumOff val="50000"/>
+                  </a:schemeClr>
+                </a:solidFill>
+                <a:latin typeface="한컴 고딕" panose="02000500000000000000" pitchFamily="2" charset="-127"/>
+                <a:ea typeface="한컴 고딕" panose="02000500000000000000" pitchFamily="2" charset="-127"/>
+              </a:rPr>
+              <a:t>에서 제안하는 다양한 기법들의 특성을 생각해보고 </a:t>
+            </a:r>
+            <a:r>
+              <a:rPr lang="en-US" altLang="ko-KR" sz="1600" b="1" dirty="0">
+                <a:solidFill>
+                  <a:schemeClr val="tx1">
+                    <a:lumMod val="50000"/>
+                    <a:lumOff val="50000"/>
+                  </a:schemeClr>
+                </a:solidFill>
+                <a:latin typeface="한컴 고딕" panose="02000500000000000000" pitchFamily="2" charset="-127"/>
+                <a:ea typeface="한컴 고딕" panose="02000500000000000000" pitchFamily="2" charset="-127"/>
+              </a:rPr>
+              <a:t>NDN </a:t>
+            </a:r>
+            <a:r>
+              <a:rPr lang="ko-KR" altLang="en-US" sz="1600" b="1" dirty="0">
+                <a:solidFill>
+                  <a:schemeClr val="tx1">
+                    <a:lumMod val="50000"/>
+                    <a:lumOff val="50000"/>
+                  </a:schemeClr>
+                </a:solidFill>
+                <a:latin typeface="한컴 고딕" panose="02000500000000000000" pitchFamily="2" charset="-127"/>
+                <a:ea typeface="한컴 고딕" panose="02000500000000000000" pitchFamily="2" charset="-127"/>
+              </a:rPr>
+              <a:t>관련 논문에서 제안할 수 있을 것 같다고 생각되었다</a:t>
+            </a:r>
+            <a:r>
+              <a:rPr lang="en-US" altLang="ko-KR" sz="1600" b="1" dirty="0">
+                <a:solidFill>
+                  <a:schemeClr val="tx1">
+                    <a:lumMod val="50000"/>
+                    <a:lumOff val="50000"/>
+                  </a:schemeClr>
+                </a:solidFill>
+                <a:latin typeface="한컴 고딕" panose="02000500000000000000" pitchFamily="2" charset="-127"/>
+                <a:ea typeface="한컴 고딕" panose="02000500000000000000" pitchFamily="2" charset="-127"/>
+              </a:rPr>
+              <a:t>.</a:t>
+            </a:r>
+          </a:p>
+          <a:p>
+            <a:pPr marL="285750" indent="-285750">
+              <a:lnSpc>
+                <a:spcPct val="150000"/>
+              </a:lnSpc>
+              <a:buFont typeface="Arial" panose="020B0604020202020204" pitchFamily="34" charset="0"/>
+              <a:buChar char="•"/>
+            </a:pPr>
+            <a:endParaRPr lang="en-US" altLang="ko-KR" sz="1600" b="1" dirty="0">
+              <a:solidFill>
+                <a:schemeClr val="tx1">
+                  <a:lumMod val="50000"/>
+                  <a:lumOff val="50000"/>
+                </a:schemeClr>
+              </a:solidFill>
+              <a:latin typeface="한컴 고딕" panose="02000500000000000000" pitchFamily="2" charset="-127"/>
+              <a:ea typeface="한컴 고딕" panose="02000500000000000000" pitchFamily="2" charset="-127"/>
+            </a:endParaRPr>
+          </a:p>
+        </p:txBody>
+      </p:sp>
+      <p:sp>
+        <p:nvSpPr>
+          <p:cNvPr id="3" name="슬라이드 번호 개체 틀 2">
+            <a:extLst>
+              <a:ext uri="{FF2B5EF4-FFF2-40B4-BE49-F238E27FC236}">
+                <a16:creationId xmlns:a16="http://schemas.microsoft.com/office/drawing/2014/main" id="{4EC25071-CFFA-8C9C-CB7A-29C2F016666E}"/>
+              </a:ext>
+            </a:extLst>
+          </p:cNvPr>
+          <p:cNvSpPr>
+            <a:spLocks noGrp="1"/>
+          </p:cNvSpPr>
+          <p:nvPr>
+            <p:ph type="sldNum" sz="quarter" idx="12"/>
+          </p:nvPr>
+        </p:nvSpPr>
+        <p:spPr/>
+        <p:txBody>
+          <a:bodyPr/>
+          <a:lstStyle/>
+          <a:p>
+            <a:fld id="{4503EA79-8FE5-4AB7-9144-49D69278BFF0}" type="slidenum">
+              <a:rPr lang="ko-KR" altLang="en-US" smtClean="0"/>
+              <a:t>14</a:t>
+            </a:fld>
+            <a:endParaRPr lang="ko-KR" altLang="en-US"/>
+          </a:p>
+        </p:txBody>
+      </p:sp>
+    </p:spTree>
+    <p:extLst>
+      <p:ext uri="{BB962C8B-B14F-4D97-AF65-F5344CB8AC3E}">
+        <p14:creationId xmlns:p14="http://schemas.microsoft.com/office/powerpoint/2010/main" val="1541247365"/>
+      </p:ext>
+    </p:extLst>
+  </p:cSld>
+  <p:clrMapOvr>
+    <a:masterClrMapping/>
+  </p:clrMapOvr>
+</p:sld>
+</file>
+
 <file path=ppt/slides/slide2.xml><?xml version="1.0" encoding="utf-8"?>
 <p:sld xmlns:a="http://schemas.openxmlformats.org/drawingml/2006/main" xmlns:r="http://schemas.openxmlformats.org/officeDocument/2006/relationships" xmlns:p="http://schemas.openxmlformats.org/presentationml/2006/main">
   <p:cSld>
@@ -4557,7 +8562,7 @@
                 <a:latin typeface="배달의민족 도현" panose="020B0600000101010101" pitchFamily="50" charset="-127"/>
                 <a:ea typeface="배달의민족 도현" panose="020B0600000101010101" pitchFamily="50" charset="-127"/>
               </a:rPr>
-              <a:t> 본론</a:t>
+              <a:t> 제안 기법</a:t>
             </a:r>
             <a:endParaRPr lang="en-US" altLang="ko-KR" sz="2800" dirty="0">
               <a:solidFill>
@@ -5215,33 +9220,7 @@
                 <a:latin typeface="한컴 고딕" panose="02000500000000000000" pitchFamily="2" charset="-127"/>
                 <a:ea typeface="한컴 고딕" panose="02000500000000000000" pitchFamily="2" charset="-127"/>
               </a:rPr>
-              <a:t>서비스를 효과적으로 제공하기 위해 </a:t>
-            </a:r>
-            <a:r>
-              <a:rPr lang="ko-KR" altLang="en-US" sz="2000" b="1" dirty="0" err="1">
-                <a:solidFill>
-                  <a:schemeClr val="tx1">
-                    <a:lumMod val="50000"/>
-                    <a:lumOff val="50000"/>
-                  </a:schemeClr>
-                </a:solidFill>
-                <a:latin typeface="한컴 고딕" panose="02000500000000000000" pitchFamily="2" charset="-127"/>
-                <a:ea typeface="한컴 고딕" panose="02000500000000000000" pitchFamily="2" charset="-127"/>
-              </a:rPr>
-              <a:t>활동되는</a:t>
-            </a:r>
-            <a:r>
-              <a:rPr lang="ko-KR" altLang="en-US" sz="2000" b="1" dirty="0">
-                <a:solidFill>
-                  <a:schemeClr val="tx1">
-                    <a:lumMod val="50000"/>
-                    <a:lumOff val="50000"/>
-                  </a:schemeClr>
-                </a:solidFill>
-                <a:latin typeface="한컴 고딕" panose="02000500000000000000" pitchFamily="2" charset="-127"/>
-                <a:ea typeface="한컴 고딕" panose="02000500000000000000" pitchFamily="2" charset="-127"/>
-              </a:rPr>
-              <a:t> 기술</a:t>
+              <a:t>서비스를 효과적으로 제공하기 위해 활용되는 기술</a:t>
             </a:r>
             <a:endParaRPr lang="en-US" altLang="ko-KR" sz="2000" b="1" dirty="0">
               <a:solidFill>
@@ -5450,7 +9429,17 @@
                 <a:latin typeface="한컴 고딕" panose="02000500000000000000" pitchFamily="2" charset="-127"/>
                 <a:ea typeface="한컴 고딕" panose="02000500000000000000" pitchFamily="2" charset="-127"/>
               </a:rPr>
-              <a:t>이동통신보다 전송 속도 향상</a:t>
+              <a:t>이동통신보다 </a:t>
+            </a:r>
+            <a:r>
+              <a:rPr lang="ko-KR" altLang="en-US" sz="2000" b="1" dirty="0">
+                <a:solidFill>
+                  <a:srgbClr val="FF0000"/>
+                </a:solidFill>
+                <a:latin typeface="한컴 고딕" panose="02000500000000000000" pitchFamily="2" charset="-127"/>
+                <a:ea typeface="한컴 고딕" panose="02000500000000000000" pitchFamily="2" charset="-127"/>
+              </a:rPr>
+              <a:t>전송 속도 향상</a:t>
             </a:r>
             <a:r>
               <a:rPr lang="en-US" altLang="ko-KR" sz="2000" b="1" dirty="0">
@@ -5476,7 +9465,331 @@
                 <a:latin typeface="한컴 고딕" panose="02000500000000000000" pitchFamily="2" charset="-127"/>
                 <a:ea typeface="한컴 고딕" panose="02000500000000000000" pitchFamily="2" charset="-127"/>
               </a:rPr>
-              <a:t>및 이동성 지원</a:t>
+              <a:t>및 </a:t>
+            </a:r>
+            <a:r>
+              <a:rPr lang="ko-KR" altLang="en-US" sz="2000" b="1" dirty="0">
+                <a:solidFill>
+                  <a:srgbClr val="FF0000"/>
+                </a:solidFill>
+                <a:latin typeface="한컴 고딕" panose="02000500000000000000" pitchFamily="2" charset="-127"/>
+                <a:ea typeface="한컴 고딕" panose="02000500000000000000" pitchFamily="2" charset="-127"/>
+              </a:rPr>
+              <a:t>이동성 지원</a:t>
+            </a:r>
+            <a:endParaRPr lang="en-US" altLang="ko-KR" sz="2000" b="1" dirty="0">
+              <a:solidFill>
+                <a:srgbClr val="FF0000"/>
+              </a:solidFill>
+              <a:latin typeface="한컴 고딕" panose="02000500000000000000" pitchFamily="2" charset="-127"/>
+              <a:ea typeface="한컴 고딕" panose="02000500000000000000" pitchFamily="2" charset="-127"/>
+            </a:endParaRPr>
+          </a:p>
+          <a:p>
+            <a:pPr marL="1257300" lvl="2" indent="-342900">
+              <a:lnSpc>
+                <a:spcPct val="150000"/>
+              </a:lnSpc>
+              <a:buFont typeface="Arial" panose="020B0604020202020204" pitchFamily="34" charset="0"/>
+              <a:buChar char="•"/>
+            </a:pPr>
+            <a:r>
+              <a:rPr lang="en-US" altLang="ko-KR" sz="2000" b="1" dirty="0">
+                <a:solidFill>
+                  <a:schemeClr val="tx1">
+                    <a:lumMod val="50000"/>
+                    <a:lumOff val="50000"/>
+                  </a:schemeClr>
+                </a:solidFill>
+                <a:latin typeface="한컴 고딕" panose="02000500000000000000" pitchFamily="2" charset="-127"/>
+                <a:ea typeface="한컴 고딕" panose="02000500000000000000" pitchFamily="2" charset="-127"/>
+              </a:rPr>
+              <a:t>Gbps</a:t>
+            </a:r>
+            <a:r>
+              <a:rPr lang="ko-KR" altLang="en-US" sz="2000" b="1" dirty="0">
+                <a:solidFill>
+                  <a:schemeClr val="tx1">
+                    <a:lumMod val="50000"/>
+                    <a:lumOff val="50000"/>
+                  </a:schemeClr>
+                </a:solidFill>
+                <a:latin typeface="한컴 고딕" panose="02000500000000000000" pitchFamily="2" charset="-127"/>
+                <a:ea typeface="한컴 고딕" panose="02000500000000000000" pitchFamily="2" charset="-127"/>
+              </a:rPr>
+              <a:t>급 전송이 가능하고 </a:t>
+            </a:r>
+            <a:r>
+              <a:rPr lang="ko-KR" altLang="en-US" sz="2000" b="1" dirty="0">
+                <a:solidFill>
+                  <a:srgbClr val="FF0000"/>
+                </a:solidFill>
+                <a:latin typeface="한컴 고딕" panose="02000500000000000000" pitchFamily="2" charset="-127"/>
+                <a:ea typeface="한컴 고딕" panose="02000500000000000000" pitchFamily="2" charset="-127"/>
+              </a:rPr>
+              <a:t>고화질 비디오 스트리밍</a:t>
+            </a:r>
+            <a:r>
+              <a:rPr lang="ko-KR" altLang="en-US" sz="2000" b="1" dirty="0">
+                <a:solidFill>
+                  <a:schemeClr val="tx1">
+                    <a:lumMod val="50000"/>
+                    <a:lumOff val="50000"/>
+                  </a:schemeClr>
+                </a:solidFill>
+                <a:latin typeface="한컴 고딕" panose="02000500000000000000" pitchFamily="2" charset="-127"/>
+                <a:ea typeface="한컴 고딕" panose="02000500000000000000" pitchFamily="2" charset="-127"/>
+              </a:rPr>
+              <a:t>에 효과가 좋다</a:t>
+            </a:r>
+            <a:r>
+              <a:rPr lang="en-US" altLang="ko-KR" sz="2000" b="1" dirty="0">
+                <a:solidFill>
+                  <a:schemeClr val="tx1">
+                    <a:lumMod val="50000"/>
+                    <a:lumOff val="50000"/>
+                  </a:schemeClr>
+                </a:solidFill>
+                <a:latin typeface="한컴 고딕" panose="02000500000000000000" pitchFamily="2" charset="-127"/>
+                <a:ea typeface="한컴 고딕" panose="02000500000000000000" pitchFamily="2" charset="-127"/>
+              </a:rPr>
+              <a:t>. (</a:t>
+            </a:r>
+            <a:r>
+              <a:rPr lang="ko-KR" altLang="en-US" sz="2000" b="1" dirty="0">
+                <a:solidFill>
+                  <a:schemeClr val="tx1">
+                    <a:lumMod val="50000"/>
+                    <a:lumOff val="50000"/>
+                  </a:schemeClr>
+                </a:solidFill>
+                <a:latin typeface="한컴 고딕" panose="02000500000000000000" pitchFamily="2" charset="-127"/>
+                <a:ea typeface="한컴 고딕" panose="02000500000000000000" pitchFamily="2" charset="-127"/>
+              </a:rPr>
+              <a:t>인간중심</a:t>
+            </a:r>
+            <a:r>
+              <a:rPr lang="en-US" altLang="ko-KR" sz="2000" b="1" dirty="0">
+                <a:solidFill>
+                  <a:schemeClr val="tx1">
+                    <a:lumMod val="50000"/>
+                    <a:lumOff val="50000"/>
+                  </a:schemeClr>
+                </a:solidFill>
+                <a:latin typeface="한컴 고딕" panose="02000500000000000000" pitchFamily="2" charset="-127"/>
+                <a:ea typeface="한컴 고딕" panose="02000500000000000000" pitchFamily="2" charset="-127"/>
+              </a:rPr>
+              <a:t>)</a:t>
+            </a:r>
+          </a:p>
+          <a:p>
+            <a:pPr marL="800100" lvl="1" indent="-342900">
+              <a:lnSpc>
+                <a:spcPct val="150000"/>
+              </a:lnSpc>
+              <a:buFont typeface="Arial" panose="020B0604020202020204" pitchFamily="34" charset="0"/>
+              <a:buChar char="•"/>
+            </a:pPr>
+            <a:r>
+              <a:rPr lang="en-US" altLang="ko-KR" sz="2000" b="1" dirty="0" err="1">
+                <a:solidFill>
+                  <a:schemeClr val="tx1">
+                    <a:lumMod val="50000"/>
+                    <a:lumOff val="50000"/>
+                  </a:schemeClr>
+                </a:solidFill>
+                <a:latin typeface="한컴 고딕" panose="02000500000000000000" pitchFamily="2" charset="-127"/>
+                <a:ea typeface="한컴 고딕" panose="02000500000000000000" pitchFamily="2" charset="-127"/>
+              </a:rPr>
+              <a:t>mMTC</a:t>
+            </a:r>
+            <a:r>
+              <a:rPr lang="en-US" altLang="ko-KR" sz="2000" b="1" dirty="0">
+                <a:solidFill>
+                  <a:schemeClr val="tx1">
+                    <a:lumMod val="50000"/>
+                    <a:lumOff val="50000"/>
+                  </a:schemeClr>
+                </a:solidFill>
+                <a:latin typeface="한컴 고딕" panose="02000500000000000000" pitchFamily="2" charset="-127"/>
+                <a:ea typeface="한컴 고딕" panose="02000500000000000000" pitchFamily="2" charset="-127"/>
+              </a:rPr>
+              <a:t>(Massive Machine Type Communications)</a:t>
+            </a:r>
+          </a:p>
+          <a:p>
+            <a:pPr marL="1257300" lvl="2" indent="-342900">
+              <a:lnSpc>
+                <a:spcPct val="150000"/>
+              </a:lnSpc>
+              <a:buFont typeface="Arial" panose="020B0604020202020204" pitchFamily="34" charset="0"/>
+              <a:buChar char="•"/>
+            </a:pPr>
+            <a:r>
+              <a:rPr lang="en-US" altLang="ko-KR" sz="2000" b="1" dirty="0">
+                <a:solidFill>
+                  <a:schemeClr val="tx1">
+                    <a:lumMod val="50000"/>
+                    <a:lumOff val="50000"/>
+                  </a:schemeClr>
+                </a:solidFill>
+                <a:latin typeface="한컴 고딕" panose="02000500000000000000" pitchFamily="2" charset="-127"/>
+                <a:ea typeface="한컴 고딕" panose="02000500000000000000" pitchFamily="2" charset="-127"/>
+              </a:rPr>
+              <a:t>IoT </a:t>
+            </a:r>
+            <a:r>
+              <a:rPr lang="ko-KR" altLang="en-US" sz="2000" b="1" dirty="0">
+                <a:solidFill>
+                  <a:schemeClr val="tx1">
+                    <a:lumMod val="50000"/>
+                    <a:lumOff val="50000"/>
+                  </a:schemeClr>
+                </a:solidFill>
+                <a:latin typeface="한컴 고딕" panose="02000500000000000000" pitchFamily="2" charset="-127"/>
+                <a:ea typeface="한컴 고딕" panose="02000500000000000000" pitchFamily="2" charset="-127"/>
+              </a:rPr>
+              <a:t>기기와 같은 기기 형태 단말과의 통신을 위한 시나리오 </a:t>
+            </a:r>
+            <a:r>
+              <a:rPr lang="en-US" altLang="ko-KR" sz="2000" b="1" dirty="0">
+                <a:solidFill>
+                  <a:schemeClr val="tx1">
+                    <a:lumMod val="50000"/>
+                    <a:lumOff val="50000"/>
+                  </a:schemeClr>
+                </a:solidFill>
+                <a:latin typeface="한컴 고딕" panose="02000500000000000000" pitchFamily="2" charset="-127"/>
+                <a:ea typeface="한컴 고딕" panose="02000500000000000000" pitchFamily="2" charset="-127"/>
+              </a:rPr>
+              <a:t>(</a:t>
+            </a:r>
+            <a:r>
+              <a:rPr lang="ko-KR" altLang="en-US" sz="2000" b="1" dirty="0">
+                <a:solidFill>
+                  <a:schemeClr val="tx1">
+                    <a:lumMod val="50000"/>
+                    <a:lumOff val="50000"/>
+                  </a:schemeClr>
+                </a:solidFill>
+                <a:latin typeface="한컴 고딕" panose="02000500000000000000" pitchFamily="2" charset="-127"/>
+                <a:ea typeface="한컴 고딕" panose="02000500000000000000" pitchFamily="2" charset="-127"/>
+              </a:rPr>
+              <a:t>기계중심</a:t>
+            </a:r>
+            <a:r>
+              <a:rPr lang="en-US" altLang="ko-KR" sz="2000" b="1" dirty="0">
+                <a:solidFill>
+                  <a:schemeClr val="tx1">
+                    <a:lumMod val="50000"/>
+                    <a:lumOff val="50000"/>
+                  </a:schemeClr>
+                </a:solidFill>
+                <a:latin typeface="한컴 고딕" panose="02000500000000000000" pitchFamily="2" charset="-127"/>
+                <a:ea typeface="한컴 고딕" panose="02000500000000000000" pitchFamily="2" charset="-127"/>
+              </a:rPr>
+              <a:t>)</a:t>
+            </a:r>
+          </a:p>
+          <a:p>
+            <a:pPr marL="1257300" lvl="2" indent="-342900">
+              <a:lnSpc>
+                <a:spcPct val="150000"/>
+              </a:lnSpc>
+              <a:buFont typeface="Arial" panose="020B0604020202020204" pitchFamily="34" charset="0"/>
+              <a:buChar char="•"/>
+            </a:pPr>
+            <a:r>
+              <a:rPr lang="ko-KR" altLang="en-US" sz="2000" b="1" dirty="0">
+                <a:solidFill>
+                  <a:schemeClr val="tx1">
+                    <a:lumMod val="50000"/>
+                    <a:lumOff val="50000"/>
+                  </a:schemeClr>
+                </a:solidFill>
+                <a:latin typeface="한컴 고딕" panose="02000500000000000000" pitchFamily="2" charset="-127"/>
+                <a:ea typeface="한컴 고딕" panose="02000500000000000000" pitchFamily="2" charset="-127"/>
+              </a:rPr>
+              <a:t>전송속도</a:t>
+            </a:r>
+            <a:r>
+              <a:rPr lang="en-US" altLang="ko-KR" sz="2000" b="1" dirty="0">
+                <a:solidFill>
+                  <a:schemeClr val="tx1">
+                    <a:lumMod val="50000"/>
+                    <a:lumOff val="50000"/>
+                  </a:schemeClr>
+                </a:solidFill>
+                <a:latin typeface="한컴 고딕" panose="02000500000000000000" pitchFamily="2" charset="-127"/>
+                <a:ea typeface="한컴 고딕" panose="02000500000000000000" pitchFamily="2" charset="-127"/>
+              </a:rPr>
+              <a:t>, </a:t>
+            </a:r>
+            <a:r>
+              <a:rPr lang="ko-KR" altLang="en-US" sz="2000" b="1" dirty="0">
+                <a:solidFill>
+                  <a:schemeClr val="tx1">
+                    <a:lumMod val="50000"/>
+                    <a:lumOff val="50000"/>
+                  </a:schemeClr>
+                </a:solidFill>
+                <a:latin typeface="한컴 고딕" panose="02000500000000000000" pitchFamily="2" charset="-127"/>
+                <a:ea typeface="한컴 고딕" panose="02000500000000000000" pitchFamily="2" charset="-127"/>
+              </a:rPr>
+              <a:t>지연시간보다는 </a:t>
+            </a:r>
+            <a:r>
+              <a:rPr lang="ko-KR" altLang="en-US" sz="2000" b="1" dirty="0">
+                <a:solidFill>
+                  <a:srgbClr val="FF0000"/>
+                </a:solidFill>
+                <a:latin typeface="한컴 고딕" panose="02000500000000000000" pitchFamily="2" charset="-127"/>
+                <a:ea typeface="한컴 고딕" panose="02000500000000000000" pitchFamily="2" charset="-127"/>
+              </a:rPr>
+              <a:t>연결밀도</a:t>
+            </a:r>
+            <a:r>
+              <a:rPr lang="en-US" altLang="ko-KR" sz="2000" b="1" dirty="0">
+                <a:solidFill>
+                  <a:srgbClr val="FF0000"/>
+                </a:solidFill>
+                <a:latin typeface="한컴 고딕" panose="02000500000000000000" pitchFamily="2" charset="-127"/>
+                <a:ea typeface="한컴 고딕" panose="02000500000000000000" pitchFamily="2" charset="-127"/>
+              </a:rPr>
+              <a:t>(</a:t>
+            </a:r>
+            <a:r>
+              <a:rPr lang="ko-KR" altLang="en-US" sz="2000" b="1" dirty="0">
+                <a:solidFill>
+                  <a:srgbClr val="FF0000"/>
+                </a:solidFill>
+                <a:latin typeface="한컴 고딕" panose="02000500000000000000" pitchFamily="2" charset="-127"/>
+                <a:ea typeface="한컴 고딕" panose="02000500000000000000" pitchFamily="2" charset="-127"/>
+              </a:rPr>
+              <a:t>초연결성</a:t>
+            </a:r>
+            <a:r>
+              <a:rPr lang="en-US" altLang="ko-KR" sz="2000" b="1" dirty="0">
+                <a:solidFill>
+                  <a:srgbClr val="FF0000"/>
+                </a:solidFill>
+                <a:latin typeface="한컴 고딕" panose="02000500000000000000" pitchFamily="2" charset="-127"/>
+                <a:ea typeface="한컴 고딕" panose="02000500000000000000" pitchFamily="2" charset="-127"/>
+              </a:rPr>
+              <a:t>)</a:t>
+            </a:r>
+            <a:r>
+              <a:rPr lang="ko-KR" altLang="en-US" sz="2000" b="1" dirty="0">
+                <a:solidFill>
+                  <a:schemeClr val="tx1">
+                    <a:lumMod val="50000"/>
+                    <a:lumOff val="50000"/>
+                  </a:schemeClr>
+                </a:solidFill>
+                <a:latin typeface="한컴 고딕" panose="02000500000000000000" pitchFamily="2" charset="-127"/>
+                <a:ea typeface="한컴 고딕" panose="02000500000000000000" pitchFamily="2" charset="-127"/>
+              </a:rPr>
+              <a:t>을 높이는 것이 중요</a:t>
             </a:r>
             <a:endParaRPr lang="en-US" altLang="ko-KR" sz="2000" b="1" dirty="0">
               <a:solidFill>
@@ -5490,6 +9803,28 @@
             </a:endParaRPr>
           </a:p>
           <a:p>
+            <a:pPr marL="800100" lvl="1" indent="-342900">
+              <a:lnSpc>
+                <a:spcPct val="150000"/>
+              </a:lnSpc>
+              <a:buFont typeface="Arial" panose="020B0604020202020204" pitchFamily="34" charset="0"/>
+              <a:buChar char="•"/>
+            </a:pPr>
+            <a:r>
+              <a:rPr lang="en-US" altLang="ko-KR" sz="2000" b="1" dirty="0">
+                <a:solidFill>
+                  <a:schemeClr val="tx1">
+                    <a:lumMod val="50000"/>
+                    <a:lumOff val="50000"/>
+                  </a:schemeClr>
+                </a:solidFill>
+                <a:latin typeface="한컴 고딕" panose="02000500000000000000" pitchFamily="2" charset="-127"/>
+                <a:ea typeface="한컴 고딕" panose="02000500000000000000" pitchFamily="2" charset="-127"/>
+              </a:rPr>
+              <a:t>URLLC(Ultra-Reliable and Low Latency Communications)</a:t>
+            </a:r>
+          </a:p>
+          <a:p>
             <a:pPr marL="1257300" lvl="2" indent="-342900">
               <a:lnSpc>
                 <a:spcPct val="150000"/>
@@ -5498,43 +9833,34 @@
               <a:buChar char="•"/>
             </a:pPr>
             <a:r>
+              <a:rPr lang="ko-KR" altLang="en-US" sz="2000" b="1" dirty="0">
+                <a:solidFill>
+                  <a:srgbClr val="FF0000"/>
+                </a:solidFill>
+                <a:latin typeface="한컴 고딕" panose="02000500000000000000" pitchFamily="2" charset="-127"/>
+                <a:ea typeface="한컴 고딕" panose="02000500000000000000" pitchFamily="2" charset="-127"/>
+              </a:rPr>
+              <a:t>매우 낮은 지연시간</a:t>
+            </a:r>
+            <a:r>
               <a:rPr lang="en-US" altLang="ko-KR" sz="2000" b="1" dirty="0">
                 <a:solidFill>
-                  <a:schemeClr val="tx1">
-                    <a:lumMod val="50000"/>
-                    <a:lumOff val="50000"/>
-                  </a:schemeClr>
-                </a:solidFill>
-                <a:latin typeface="한컴 고딕" panose="02000500000000000000" pitchFamily="2" charset="-127"/>
-                <a:ea typeface="한컴 고딕" panose="02000500000000000000" pitchFamily="2" charset="-127"/>
-              </a:rPr>
-              <a:t>Gbps</a:t>
+                  <a:srgbClr val="FF0000"/>
+                </a:solidFill>
+                <a:latin typeface="한컴 고딕" panose="02000500000000000000" pitchFamily="2" charset="-127"/>
+                <a:ea typeface="한컴 고딕" panose="02000500000000000000" pitchFamily="2" charset="-127"/>
+              </a:rPr>
+              <a:t>, </a:t>
             </a:r>
             <a:r>
               <a:rPr lang="ko-KR" altLang="en-US" sz="2000" b="1" dirty="0">
                 <a:solidFill>
-                  <a:schemeClr val="tx1">
-                    <a:lumMod val="50000"/>
-                    <a:lumOff val="50000"/>
-                  </a:schemeClr>
-                </a:solidFill>
-                <a:latin typeface="한컴 고딕" panose="02000500000000000000" pitchFamily="2" charset="-127"/>
-                <a:ea typeface="한컴 고딕" panose="02000500000000000000" pitchFamily="2" charset="-127"/>
-              </a:rPr>
-              <a:t>급 전송이 가능하고 고화질 비디오 스트리밍에 효과가 좋다</a:t>
-            </a:r>
-            <a:r>
-              <a:rPr lang="en-US" altLang="ko-KR" sz="2000" b="1" dirty="0">
-                <a:solidFill>
-                  <a:schemeClr val="tx1">
-                    <a:lumMod val="50000"/>
-                    <a:lumOff val="50000"/>
-                  </a:schemeClr>
-                </a:solidFill>
-                <a:latin typeface="한컴 고딕" panose="02000500000000000000" pitchFamily="2" charset="-127"/>
-                <a:ea typeface="한컴 고딕" panose="02000500000000000000" pitchFamily="2" charset="-127"/>
-              </a:rPr>
-              <a:t>. (</a:t>
+                  <a:srgbClr val="FF0000"/>
+                </a:solidFill>
+                <a:latin typeface="한컴 고딕" panose="02000500000000000000" pitchFamily="2" charset="-127"/>
+                <a:ea typeface="한컴 고딕" panose="02000500000000000000" pitchFamily="2" charset="-127"/>
+              </a:rPr>
+              <a:t>높은 신뢰성</a:t>
             </a:r>
             <a:r>
               <a:rPr lang="ko-KR" altLang="en-US" sz="2000" b="1" dirty="0">
@@ -5547,309 +9873,7 @@
                 <a:latin typeface="한컴 고딕" panose="02000500000000000000" pitchFamily="2" charset="-127"/>
                 <a:ea typeface="한컴 고딕" panose="02000500000000000000" pitchFamily="2" charset="-127"/>
               </a:rPr>
-              <a:t>인간중심</a:t>
-            </a:r>
-            <a:r>
-              <a:rPr lang="en-US" altLang="ko-KR" sz="2000" b="1" dirty="0">
-                <a:solidFill>
-                  <a:schemeClr val="tx1">
-                    <a:lumMod val="50000"/>
-                    <a:lumOff val="50000"/>
-                  </a:schemeClr>
-                </a:solidFill>
-                <a:latin typeface="한컴 고딕" panose="02000500000000000000" pitchFamily="2" charset="-127"/>
-                <a:ea typeface="한컴 고딕" panose="02000500000000000000" pitchFamily="2" charset="-127"/>
-              </a:rPr>
-              <a:t>)</a:t>
-            </a:r>
-          </a:p>
-          <a:p>
-            <a:pPr marL="800100" lvl="1" indent="-342900">
-              <a:lnSpc>
-                <a:spcPct val="150000"/>
-              </a:lnSpc>
-              <a:buFont typeface="Arial" panose="020B0604020202020204" pitchFamily="34" charset="0"/>
-              <a:buChar char="•"/>
-            </a:pPr>
-            <a:r>
-              <a:rPr lang="en-US" altLang="ko-KR" sz="2000" b="1" dirty="0" err="1">
-                <a:solidFill>
-                  <a:schemeClr val="tx1">
-                    <a:lumMod val="50000"/>
-                    <a:lumOff val="50000"/>
-                  </a:schemeClr>
-                </a:solidFill>
-                <a:latin typeface="한컴 고딕" panose="02000500000000000000" pitchFamily="2" charset="-127"/>
-                <a:ea typeface="한컴 고딕" panose="02000500000000000000" pitchFamily="2" charset="-127"/>
-              </a:rPr>
-              <a:t>mMTC</a:t>
-            </a:r>
-            <a:r>
-              <a:rPr lang="en-US" altLang="ko-KR" sz="2000" b="1" dirty="0">
-                <a:solidFill>
-                  <a:schemeClr val="tx1">
-                    <a:lumMod val="50000"/>
-                    <a:lumOff val="50000"/>
-                  </a:schemeClr>
-                </a:solidFill>
-                <a:latin typeface="한컴 고딕" panose="02000500000000000000" pitchFamily="2" charset="-127"/>
-                <a:ea typeface="한컴 고딕" panose="02000500000000000000" pitchFamily="2" charset="-127"/>
-              </a:rPr>
-              <a:t>(Massive Machine Type Communications)</a:t>
-            </a:r>
-          </a:p>
-          <a:p>
-            <a:pPr marL="1257300" lvl="2" indent="-342900">
-              <a:lnSpc>
-                <a:spcPct val="150000"/>
-              </a:lnSpc>
-              <a:buFont typeface="Arial" panose="020B0604020202020204" pitchFamily="34" charset="0"/>
-              <a:buChar char="•"/>
-            </a:pPr>
-            <a:r>
-              <a:rPr lang="en-US" altLang="ko-KR" sz="2000" b="1" dirty="0">
-                <a:solidFill>
-                  <a:schemeClr val="tx1">
-                    <a:lumMod val="50000"/>
-                    <a:lumOff val="50000"/>
-                  </a:schemeClr>
-                </a:solidFill>
-                <a:latin typeface="한컴 고딕" panose="02000500000000000000" pitchFamily="2" charset="-127"/>
-                <a:ea typeface="한컴 고딕" panose="02000500000000000000" pitchFamily="2" charset="-127"/>
-              </a:rPr>
-              <a:t>IoT </a:t>
-            </a:r>
-            <a:r>
-              <a:rPr lang="ko-KR" altLang="en-US" sz="2000" b="1" dirty="0">
-                <a:solidFill>
-                  <a:schemeClr val="tx1">
-                    <a:lumMod val="50000"/>
-                    <a:lumOff val="50000"/>
-                  </a:schemeClr>
-                </a:solidFill>
-                <a:latin typeface="한컴 고딕" panose="02000500000000000000" pitchFamily="2" charset="-127"/>
-                <a:ea typeface="한컴 고딕" panose="02000500000000000000" pitchFamily="2" charset="-127"/>
-              </a:rPr>
-              <a:t>기기와 같은 기기 형태 단말과의 통신을 위한 시나리오 </a:t>
-            </a:r>
-            <a:r>
-              <a:rPr lang="en-US" altLang="ko-KR" sz="2000" b="1" dirty="0">
-                <a:solidFill>
-                  <a:schemeClr val="tx1">
-                    <a:lumMod val="50000"/>
-                    <a:lumOff val="50000"/>
-                  </a:schemeClr>
-                </a:solidFill>
-                <a:latin typeface="한컴 고딕" panose="02000500000000000000" pitchFamily="2" charset="-127"/>
-                <a:ea typeface="한컴 고딕" panose="02000500000000000000" pitchFamily="2" charset="-127"/>
-              </a:rPr>
-              <a:t>(</a:t>
-            </a:r>
-            <a:r>
-              <a:rPr lang="ko-KR" altLang="en-US" sz="2000" b="1" dirty="0">
-                <a:solidFill>
-                  <a:schemeClr val="tx1">
-                    <a:lumMod val="50000"/>
-                    <a:lumOff val="50000"/>
-                  </a:schemeClr>
-                </a:solidFill>
-                <a:latin typeface="한컴 고딕" panose="02000500000000000000" pitchFamily="2" charset="-127"/>
-                <a:ea typeface="한컴 고딕" panose="02000500000000000000" pitchFamily="2" charset="-127"/>
-              </a:rPr>
-              <a:t>기계중심</a:t>
-            </a:r>
-            <a:r>
-              <a:rPr lang="en-US" altLang="ko-KR" sz="2000" b="1" dirty="0">
-                <a:solidFill>
-                  <a:schemeClr val="tx1">
-                    <a:lumMod val="50000"/>
-                    <a:lumOff val="50000"/>
-                  </a:schemeClr>
-                </a:solidFill>
-                <a:latin typeface="한컴 고딕" panose="02000500000000000000" pitchFamily="2" charset="-127"/>
-                <a:ea typeface="한컴 고딕" panose="02000500000000000000" pitchFamily="2" charset="-127"/>
-              </a:rPr>
-              <a:t>)</a:t>
-            </a:r>
-          </a:p>
-          <a:p>
-            <a:pPr marL="1257300" lvl="2" indent="-342900">
-              <a:lnSpc>
-                <a:spcPct val="150000"/>
-              </a:lnSpc>
-              <a:buFont typeface="Arial" panose="020B0604020202020204" pitchFamily="34" charset="0"/>
-              <a:buChar char="•"/>
-            </a:pPr>
-            <a:r>
-              <a:rPr lang="ko-KR" altLang="en-US" sz="2000" b="1" dirty="0">
-                <a:solidFill>
-                  <a:schemeClr val="tx1">
-                    <a:lumMod val="50000"/>
-                    <a:lumOff val="50000"/>
-                  </a:schemeClr>
-                </a:solidFill>
-                <a:latin typeface="한컴 고딕" panose="02000500000000000000" pitchFamily="2" charset="-127"/>
-                <a:ea typeface="한컴 고딕" panose="02000500000000000000" pitchFamily="2" charset="-127"/>
-              </a:rPr>
-              <a:t>전송속도</a:t>
-            </a:r>
-            <a:r>
-              <a:rPr lang="en-US" altLang="ko-KR" sz="2000" b="1" dirty="0">
-                <a:solidFill>
-                  <a:schemeClr val="tx1">
-                    <a:lumMod val="50000"/>
-                    <a:lumOff val="50000"/>
-                  </a:schemeClr>
-                </a:solidFill>
-                <a:latin typeface="한컴 고딕" panose="02000500000000000000" pitchFamily="2" charset="-127"/>
-                <a:ea typeface="한컴 고딕" panose="02000500000000000000" pitchFamily="2" charset="-127"/>
-              </a:rPr>
-              <a:t>, </a:t>
-            </a:r>
-            <a:r>
-              <a:rPr lang="ko-KR" altLang="en-US" sz="2000" b="1" dirty="0">
-                <a:solidFill>
-                  <a:schemeClr val="tx1">
-                    <a:lumMod val="50000"/>
-                    <a:lumOff val="50000"/>
-                  </a:schemeClr>
-                </a:solidFill>
-                <a:latin typeface="한컴 고딕" panose="02000500000000000000" pitchFamily="2" charset="-127"/>
-                <a:ea typeface="한컴 고딕" panose="02000500000000000000" pitchFamily="2" charset="-127"/>
-              </a:rPr>
-              <a:t>지연시간보다는 연결밀도</a:t>
-            </a:r>
-            <a:r>
-              <a:rPr lang="en-US" altLang="ko-KR" sz="2000" b="1" dirty="0">
-                <a:solidFill>
-                  <a:schemeClr val="tx1">
-                    <a:lumMod val="50000"/>
-                    <a:lumOff val="50000"/>
-                  </a:schemeClr>
-                </a:solidFill>
-                <a:latin typeface="한컴 고딕" panose="02000500000000000000" pitchFamily="2" charset="-127"/>
-                <a:ea typeface="한컴 고딕" panose="02000500000000000000" pitchFamily="2" charset="-127"/>
-              </a:rPr>
-              <a:t>(</a:t>
-            </a:r>
-            <a:r>
-              <a:rPr lang="ko-KR" altLang="en-US" sz="2000" b="1" dirty="0">
-                <a:solidFill>
-                  <a:schemeClr val="tx1">
-                    <a:lumMod val="50000"/>
-                    <a:lumOff val="50000"/>
-                  </a:schemeClr>
-                </a:solidFill>
-                <a:latin typeface="한컴 고딕" panose="02000500000000000000" pitchFamily="2" charset="-127"/>
-                <a:ea typeface="한컴 고딕" panose="02000500000000000000" pitchFamily="2" charset="-127"/>
-              </a:rPr>
-              <a:t>초연결성</a:t>
-            </a:r>
-            <a:r>
-              <a:rPr lang="en-US" altLang="ko-KR" sz="2000" b="1" dirty="0">
-                <a:solidFill>
-                  <a:schemeClr val="tx1">
-                    <a:lumMod val="50000"/>
-                    <a:lumOff val="50000"/>
-                  </a:schemeClr>
-                </a:solidFill>
-                <a:latin typeface="한컴 고딕" panose="02000500000000000000" pitchFamily="2" charset="-127"/>
-                <a:ea typeface="한컴 고딕" panose="02000500000000000000" pitchFamily="2" charset="-127"/>
-              </a:rPr>
-              <a:t>)</a:t>
-            </a:r>
-            <a:r>
-              <a:rPr lang="ko-KR" altLang="en-US" sz="2000" b="1" dirty="0">
-                <a:solidFill>
-                  <a:schemeClr val="tx1">
-                    <a:lumMod val="50000"/>
-                    <a:lumOff val="50000"/>
-                  </a:schemeClr>
-                </a:solidFill>
-                <a:latin typeface="한컴 고딕" panose="02000500000000000000" pitchFamily="2" charset="-127"/>
-                <a:ea typeface="한컴 고딕" panose="02000500000000000000" pitchFamily="2" charset="-127"/>
-              </a:rPr>
-              <a:t>을 높이는 것이 중요</a:t>
-            </a:r>
-            <a:endParaRPr lang="en-US" altLang="ko-KR" sz="2000" b="1" dirty="0">
-              <a:solidFill>
-                <a:schemeClr val="tx1">
-                  <a:lumMod val="50000"/>
-                  <a:lumOff val="50000"/>
-                </a:schemeClr>
-              </a:solidFill>
-              <a:latin typeface="한컴 고딕" panose="02000500000000000000" pitchFamily="2" charset="-127"/>
-              <a:ea typeface="한컴 고딕" panose="02000500000000000000" pitchFamily="2" charset="-127"/>
-            </a:endParaRPr>
-          </a:p>
-          <a:p>
-            <a:pPr marL="800100" lvl="1" indent="-342900">
-              <a:lnSpc>
-                <a:spcPct val="150000"/>
-              </a:lnSpc>
-              <a:buFont typeface="Arial" panose="020B0604020202020204" pitchFamily="34" charset="0"/>
-              <a:buChar char="•"/>
-            </a:pPr>
-            <a:r>
-              <a:rPr lang="en-US" altLang="ko-KR" sz="2000" b="1" dirty="0">
-                <a:solidFill>
-                  <a:schemeClr val="tx1">
-                    <a:lumMod val="50000"/>
-                    <a:lumOff val="50000"/>
-                  </a:schemeClr>
-                </a:solidFill>
-                <a:latin typeface="한컴 고딕" panose="02000500000000000000" pitchFamily="2" charset="-127"/>
-                <a:ea typeface="한컴 고딕" panose="02000500000000000000" pitchFamily="2" charset="-127"/>
-              </a:rPr>
-              <a:t>URLLC(Ultra-Reliable and Low Latency Communications)</a:t>
-            </a:r>
-          </a:p>
-          <a:p>
-            <a:pPr marL="1257300" lvl="2" indent="-342900">
-              <a:lnSpc>
-                <a:spcPct val="150000"/>
-              </a:lnSpc>
-              <a:buFont typeface="Arial" panose="020B0604020202020204" pitchFamily="34" charset="0"/>
-              <a:buChar char="•"/>
-            </a:pPr>
-            <a:r>
-              <a:rPr lang="ko-KR" altLang="en-US" sz="2000" b="1" dirty="0">
-                <a:solidFill>
-                  <a:schemeClr val="tx1">
-                    <a:lumMod val="50000"/>
-                    <a:lumOff val="50000"/>
-                  </a:schemeClr>
-                </a:solidFill>
-                <a:latin typeface="한컴 고딕" panose="02000500000000000000" pitchFamily="2" charset="-127"/>
-                <a:ea typeface="한컴 고딕" panose="02000500000000000000" pitchFamily="2" charset="-127"/>
-              </a:rPr>
-              <a:t>매우 낮은 지연시간</a:t>
-            </a:r>
-            <a:r>
-              <a:rPr lang="en-US" altLang="ko-KR" sz="2000" b="1" dirty="0">
-                <a:solidFill>
-                  <a:schemeClr val="tx1">
-                    <a:lumMod val="50000"/>
-                    <a:lumOff val="50000"/>
-                  </a:schemeClr>
-                </a:solidFill>
-                <a:latin typeface="한컴 고딕" panose="02000500000000000000" pitchFamily="2" charset="-127"/>
-                <a:ea typeface="한컴 고딕" panose="02000500000000000000" pitchFamily="2" charset="-127"/>
-              </a:rPr>
-              <a:t>, </a:t>
-            </a:r>
-            <a:r>
-              <a:rPr lang="ko-KR" altLang="en-US" sz="2000" b="1" dirty="0">
-                <a:solidFill>
-                  <a:schemeClr val="tx1">
-                    <a:lumMod val="50000"/>
-                    <a:lumOff val="50000"/>
-                  </a:schemeClr>
-                </a:solidFill>
-                <a:latin typeface="한컴 고딕" panose="02000500000000000000" pitchFamily="2" charset="-127"/>
-                <a:ea typeface="한컴 고딕" panose="02000500000000000000" pitchFamily="2" charset="-127"/>
-              </a:rPr>
-              <a:t>높은 신뢰성을 가짐 </a:t>
+              <a:t>을 가짐 </a:t>
             </a:r>
             <a:r>
               <a:rPr lang="en-US" altLang="ko-KR" sz="2000" b="1" dirty="0">
@@ -6391,15 +10415,25 @@
             <a:r>
               <a:rPr lang="ko-KR" altLang="en-US" sz="2000" b="1" dirty="0">
                 <a:solidFill>
-                  <a:schemeClr val="tx1">
-                    <a:lumMod val="50000"/>
-                    <a:lumOff val="50000"/>
-                  </a:schemeClr>
-                </a:solidFill>
-                <a:latin typeface="한컴 고딕" panose="02000500000000000000" pitchFamily="2" charset="-127"/>
-                <a:ea typeface="한컴 고딕" panose="02000500000000000000" pitchFamily="2" charset="-127"/>
-              </a:rPr>
-              <a:t>컨텐츠 이름을 기반으로 라우팅을 수행하는 네트워크 기술</a:t>
+                  <a:srgbClr val="FF0000"/>
+                </a:solidFill>
+                <a:latin typeface="한컴 고딕" panose="02000500000000000000" pitchFamily="2" charset="-127"/>
+                <a:ea typeface="한컴 고딕" panose="02000500000000000000" pitchFamily="2" charset="-127"/>
+              </a:rPr>
+              <a:t>컨텐츠 이름</a:t>
+            </a:r>
+            <a:r>
+              <a:rPr lang="ko-KR" altLang="en-US" sz="2000" b="1" dirty="0">
+                <a:solidFill>
+                  <a:schemeClr val="tx1">
+                    <a:lumMod val="50000"/>
+                    <a:lumOff val="50000"/>
+                  </a:schemeClr>
+                </a:solidFill>
+                <a:latin typeface="한컴 고딕" panose="02000500000000000000" pitchFamily="2" charset="-127"/>
+                <a:ea typeface="한컴 고딕" panose="02000500000000000000" pitchFamily="2" charset="-127"/>
+              </a:rPr>
+              <a:t>을 기반으로 라우팅을 수행하는 네트워크 기술</a:t>
             </a:r>
             <a:endParaRPr lang="en-US" altLang="ko-KR" sz="2000" b="1" dirty="0">
               <a:solidFill>
@@ -6449,15 +10483,25 @@
             <a:r>
               <a:rPr lang="ko-KR" altLang="en-US" sz="2000" b="1" dirty="0">
                 <a:solidFill>
-                  <a:schemeClr val="tx1">
-                    <a:lumMod val="50000"/>
-                    <a:lumOff val="50000"/>
-                  </a:schemeClr>
-                </a:solidFill>
-                <a:latin typeface="한컴 고딕" panose="02000500000000000000" pitchFamily="2" charset="-127"/>
-                <a:ea typeface="한컴 고딕" panose="02000500000000000000" pitchFamily="2" charset="-127"/>
-              </a:rPr>
-              <a:t>네트워크의 부하를 효과적으로 줄일 수 있음</a:t>
+                  <a:srgbClr val="FF0000"/>
+                </a:solidFill>
+                <a:latin typeface="한컴 고딕" panose="02000500000000000000" pitchFamily="2" charset="-127"/>
+                <a:ea typeface="한컴 고딕" panose="02000500000000000000" pitchFamily="2" charset="-127"/>
+              </a:rPr>
+              <a:t>네트워크의 부하</a:t>
+            </a:r>
+            <a:r>
+              <a:rPr lang="ko-KR" altLang="en-US" sz="2000" b="1" dirty="0">
+                <a:solidFill>
+                  <a:schemeClr val="tx1">
+                    <a:lumMod val="50000"/>
+                    <a:lumOff val="50000"/>
+                  </a:schemeClr>
+                </a:solidFill>
+                <a:latin typeface="한컴 고딕" panose="02000500000000000000" pitchFamily="2" charset="-127"/>
+                <a:ea typeface="한컴 고딕" panose="02000500000000000000" pitchFamily="2" charset="-127"/>
+              </a:rPr>
+              <a:t>를 효과적으로 줄일 수 있음</a:t>
             </a:r>
             <a:endParaRPr lang="en-US" altLang="ko-KR" sz="2000" b="1" dirty="0">
               <a:solidFill>
@@ -6501,112 +10545,133 @@
           </a:p>
         </p:txBody>
       </p:sp>
-      <p:pic>
-        <p:nvPicPr>
-          <p:cNvPr id="1026" name="Picture 2" descr="PDF] Information-centric network function virtualization over 5g mobile  wireless networks | Semantic Scholar">
+      <p:grpSp>
+        <p:nvGrpSpPr>
+          <p:cNvPr id="4" name="그룹 3">
             <a:extLst>
               <a:ext uri="{FF2B5EF4-FFF2-40B4-BE49-F238E27FC236}">
-                <a16:creationId xmlns:a16="http://schemas.microsoft.com/office/drawing/2014/main" id="{A85C5116-EEE3-DE91-91F4-6F816630FBDB}"/>
+                <a16:creationId xmlns:a16="http://schemas.microsoft.com/office/drawing/2014/main" id="{3C70AAF0-E727-F6BB-9E9A-C5A976F3D78F}"/>
               </a:ext>
             </a:extLst>
           </p:cNvPr>
-          <p:cNvPicPr>
-            <a:picLocks noChangeAspect="1" noChangeArrowheads="1"/>
-          </p:cNvPicPr>
+          <p:cNvGrpSpPr/>
           <p:nvPr/>
-        </p:nvPicPr>
-        <p:blipFill rotWithShape="1">
-          <a:blip r:embed="rId2">
+        </p:nvGrpSpPr>
+        <p:grpSpPr>
+          <a:xfrm>
+            <a:off x="3596211" y="2183459"/>
+            <a:ext cx="4999577" cy="4266437"/>
+            <a:chOff x="3596211" y="2183459"/>
+            <a:chExt cx="4999577" cy="4266437"/>
+          </a:xfrm>
+        </p:grpSpPr>
+        <p:pic>
+          <p:nvPicPr>
+            <p:cNvPr id="1026" name="Picture 2" descr="PDF] Information-centric network function virtualization over 5g mobile  wireless networks | Semantic Scholar">
+              <a:extLst>
+                <a:ext uri="{FF2B5EF4-FFF2-40B4-BE49-F238E27FC236}">
+                  <a16:creationId xmlns:a16="http://schemas.microsoft.com/office/drawing/2014/main" id="{A85C5116-EEE3-DE91-91F4-6F816630FBDB}"/>
+                </a:ext>
+              </a:extLst>
+            </p:cNvPr>
+            <p:cNvPicPr>
+              <a:picLocks noChangeAspect="1" noChangeArrowheads="1"/>
+            </p:cNvPicPr>
+            <p:nvPr/>
+          </p:nvPicPr>
+          <p:blipFill rotWithShape="1">
+            <a:blip r:embed="rId2">
+              <a:extLst>
+                <a:ext uri="{28A0092B-C50C-407E-A947-70E740481C1C}">
+                  <a14:useLocalDpi xmlns:a14="http://schemas.microsoft.com/office/drawing/2010/main" val="0"/>
+                </a:ext>
+              </a:extLst>
+            </a:blip>
+            <a:srcRect r="501" b="6177"/>
+            <a:stretch/>
+          </p:blipFill>
+          <p:spPr bwMode="auto">
+            <a:xfrm>
+              <a:off x="3596211" y="2183459"/>
+              <a:ext cx="4999577" cy="3958922"/>
+            </a:xfrm>
+            <a:prstGeom prst="rect">
+              <a:avLst/>
+            </a:prstGeom>
+            <a:noFill/>
             <a:extLst>
-              <a:ext uri="{28A0092B-C50C-407E-A947-70E740481C1C}">
-                <a14:useLocalDpi xmlns:a14="http://schemas.microsoft.com/office/drawing/2010/main" val="0"/>
+              <a:ext uri="{909E8E84-426E-40DD-AFC4-6F175D3DCCD1}">
+                <a14:hiddenFill xmlns:a14="http://schemas.microsoft.com/office/drawing/2010/main">
+                  <a:solidFill>
+                    <a:srgbClr val="FFFFFF"/>
+                  </a:solidFill>
+                </a14:hiddenFill>
               </a:ext>
             </a:extLst>
-          </a:blip>
-          <a:srcRect r="501" b="6177"/>
-          <a:stretch/>
-        </p:blipFill>
-        <p:spPr bwMode="auto">
-          <a:xfrm>
-            <a:off x="3596211" y="2183459"/>
-            <a:ext cx="4999577" cy="3958922"/>
-          </a:xfrm>
-          <a:prstGeom prst="rect">
-            <a:avLst/>
-          </a:prstGeom>
-          <a:noFill/>
-          <a:extLst>
-            <a:ext uri="{909E8E84-426E-40DD-AFC4-6F175D3DCCD1}">
-              <a14:hiddenFill xmlns:a14="http://schemas.microsoft.com/office/drawing/2010/main">
-                <a:solidFill>
-                  <a:srgbClr val="FFFFFF"/>
-                </a:solidFill>
-              </a14:hiddenFill>
-            </a:ext>
-          </a:extLst>
-        </p:spPr>
-      </p:pic>
-      <p:sp>
-        <p:nvSpPr>
-          <p:cNvPr id="7" name="TextBox 6">
-            <a:extLst>
-              <a:ext uri="{FF2B5EF4-FFF2-40B4-BE49-F238E27FC236}">
-                <a16:creationId xmlns:a16="http://schemas.microsoft.com/office/drawing/2014/main" id="{466F99A7-FC82-59A3-6381-2A72267546ED}"/>
-              </a:ext>
-            </a:extLst>
-          </p:cNvPr>
-          <p:cNvSpPr txBox="1"/>
-          <p:nvPr/>
-        </p:nvSpPr>
-        <p:spPr>
-          <a:xfrm>
-            <a:off x="4874331" y="6142381"/>
-            <a:ext cx="2443336" cy="307515"/>
-          </a:xfrm>
-          <a:prstGeom prst="rect">
-            <a:avLst/>
-          </a:prstGeom>
-          <a:noFill/>
-        </p:spPr>
-        <p:txBody>
-          <a:bodyPr wrap="square" rtlCol="0" anchor="ctr">
-            <a:spAutoFit/>
-          </a:bodyPr>
-          <a:lstStyle/>
-          <a:p>
-            <a:pPr algn="ctr">
-              <a:lnSpc>
-                <a:spcPct val="150000"/>
-              </a:lnSpc>
-            </a:pPr>
-            <a:r>
-              <a:rPr lang="ko-KR" altLang="en-US" sz="1000" b="1" dirty="0">
-                <a:latin typeface="한컴 고딕" panose="02000500000000000000" pitchFamily="2" charset="-127"/>
-                <a:ea typeface="한컴 고딕" panose="02000500000000000000" pitchFamily="2" charset="-127"/>
-              </a:rPr>
-              <a:t>그림 </a:t>
-            </a:r>
-            <a:r>
-              <a:rPr lang="en-US" altLang="ko-KR" sz="1000" b="1" dirty="0">
-                <a:latin typeface="한컴 고딕" panose="02000500000000000000" pitchFamily="2" charset="-127"/>
-                <a:ea typeface="한컴 고딕" panose="02000500000000000000" pitchFamily="2" charset="-127"/>
-              </a:rPr>
-              <a:t>1. ICN</a:t>
-            </a:r>
-            <a:r>
-              <a:rPr lang="ko-KR" altLang="en-US" sz="1000" b="1" dirty="0">
-                <a:latin typeface="한컴 고딕" panose="02000500000000000000" pitchFamily="2" charset="-127"/>
-                <a:ea typeface="한컴 고딕" panose="02000500000000000000" pitchFamily="2" charset="-127"/>
-              </a:rPr>
-              <a:t> 개념도</a:t>
-            </a:r>
-            <a:endParaRPr lang="en-US" altLang="ko-KR" sz="1000" b="1" dirty="0">
-              <a:latin typeface="한컴 고딕" panose="02000500000000000000" pitchFamily="2" charset="-127"/>
-              <a:ea typeface="한컴 고딕" panose="02000500000000000000" pitchFamily="2" charset="-127"/>
-            </a:endParaRPr>
-          </a:p>
-        </p:txBody>
-      </p:sp>
+          </p:spPr>
+        </p:pic>
+        <p:sp>
+          <p:nvSpPr>
+            <p:cNvPr id="7" name="TextBox 6">
+              <a:extLst>
+                <a:ext uri="{FF2B5EF4-FFF2-40B4-BE49-F238E27FC236}">
+                  <a16:creationId xmlns:a16="http://schemas.microsoft.com/office/drawing/2014/main" id="{466F99A7-FC82-59A3-6381-2A72267546ED}"/>
+                </a:ext>
+              </a:extLst>
+            </p:cNvPr>
+            <p:cNvSpPr txBox="1"/>
+            <p:nvPr/>
+          </p:nvSpPr>
+          <p:spPr>
+            <a:xfrm>
+              <a:off x="4874331" y="6142381"/>
+              <a:ext cx="2443336" cy="307515"/>
+            </a:xfrm>
+            <a:prstGeom prst="rect">
+              <a:avLst/>
+            </a:prstGeom>
+            <a:noFill/>
+          </p:spPr>
+          <p:txBody>
+            <a:bodyPr wrap="square" rtlCol="0" anchor="ctr">
+              <a:spAutoFit/>
+            </a:bodyPr>
+            <a:lstStyle/>
+            <a:p>
+              <a:pPr algn="ctr">
+                <a:lnSpc>
+                  <a:spcPct val="150000"/>
+                </a:lnSpc>
+              </a:pPr>
+              <a:r>
+                <a:rPr lang="ko-KR" altLang="en-US" sz="1000" b="1" dirty="0">
+                  <a:latin typeface="한컴 고딕" panose="02000500000000000000" pitchFamily="2" charset="-127"/>
+                  <a:ea typeface="한컴 고딕" panose="02000500000000000000" pitchFamily="2" charset="-127"/>
+                </a:rPr>
+                <a:t>그림 </a:t>
+              </a:r>
+              <a:r>
+                <a:rPr lang="en-US" altLang="ko-KR" sz="1000" b="1" dirty="0">
+                  <a:latin typeface="한컴 고딕" panose="02000500000000000000" pitchFamily="2" charset="-127"/>
+                  <a:ea typeface="한컴 고딕" panose="02000500000000000000" pitchFamily="2" charset="-127"/>
+                </a:rPr>
+                <a:t>1. ICN</a:t>
+              </a:r>
+              <a:r>
+                <a:rPr lang="ko-KR" altLang="en-US" sz="1000" b="1" dirty="0">
+                  <a:latin typeface="한컴 고딕" panose="02000500000000000000" pitchFamily="2" charset="-127"/>
+                  <a:ea typeface="한컴 고딕" panose="02000500000000000000" pitchFamily="2" charset="-127"/>
+                </a:rPr>
+                <a:t> 개념도</a:t>
+              </a:r>
+              <a:endParaRPr lang="en-US" altLang="ko-KR" sz="1000" b="1" dirty="0">
+                <a:latin typeface="한컴 고딕" panose="02000500000000000000" pitchFamily="2" charset="-127"/>
+                <a:ea typeface="한컴 고딕" panose="02000500000000000000" pitchFamily="2" charset="-127"/>
+              </a:endParaRPr>
+            </a:p>
+          </p:txBody>
+        </p:sp>
+      </p:grpSp>
     </p:spTree>
     <p:extLst>
       <p:ext uri="{BB962C8B-B14F-4D97-AF65-F5344CB8AC3E}">
@@ -6823,6 +10888,1907 @@
     <p:extLst>
       <p:ext uri="{BB962C8B-B14F-4D97-AF65-F5344CB8AC3E}">
         <p14:creationId xmlns:p14="http://schemas.microsoft.com/office/powerpoint/2010/main" val="776988445"/>
+      </p:ext>
+    </p:extLst>
+  </p:cSld>
+  <p:clrMapOvr>
+    <a:masterClrMapping/>
+  </p:clrMapOvr>
+</p:sld>
+</file>
+
+<file path=ppt/slides/slide8.xml><?xml version="1.0" encoding="utf-8"?>
+<p:sld xmlns:a="http://schemas.openxmlformats.org/drawingml/2006/main" xmlns:r="http://schemas.openxmlformats.org/officeDocument/2006/relationships" xmlns:p="http://schemas.openxmlformats.org/presentationml/2006/main">
+  <p:cSld>
+    <p:spTree>
+      <p:nvGrpSpPr>
+        <p:cNvPr id="1" name=""/>
+        <p:cNvGrpSpPr/>
+        <p:nvPr/>
+      </p:nvGrpSpPr>
+      <p:grpSpPr>
+        <a:xfrm>
+          <a:off x="0" y="0"/>
+          <a:ext cx="0" cy="0"/>
+          <a:chOff x="0" y="0"/>
+          <a:chExt cx="0" cy="0"/>
+        </a:xfrm>
+      </p:grpSpPr>
+      <p:sp>
+        <p:nvSpPr>
+          <p:cNvPr id="2" name="TextBox 1">
+            <a:extLst>
+              <a:ext uri="{FF2B5EF4-FFF2-40B4-BE49-F238E27FC236}">
+                <a16:creationId xmlns:a16="http://schemas.microsoft.com/office/drawing/2014/main" id="{21A7DBE9-2DE9-F0B6-F5C5-7DB6C44D8D28}"/>
+              </a:ext>
+            </a:extLst>
+          </p:cNvPr>
+          <p:cNvSpPr txBox="1"/>
+          <p:nvPr/>
+        </p:nvSpPr>
+        <p:spPr>
+          <a:xfrm>
+            <a:off x="143435" y="130844"/>
+            <a:ext cx="9744635" cy="584775"/>
+          </a:xfrm>
+          <a:prstGeom prst="rect">
+            <a:avLst/>
+          </a:prstGeom>
+          <a:noFill/>
+        </p:spPr>
+        <p:txBody>
+          <a:bodyPr wrap="square" rtlCol="0">
+            <a:spAutoFit/>
+          </a:bodyPr>
+          <a:lstStyle/>
+          <a:p>
+            <a:r>
+              <a:rPr lang="ko-KR" altLang="en-US" sz="3200" dirty="0">
+                <a:solidFill>
+                  <a:schemeClr val="tx1">
+                    <a:lumMod val="65000"/>
+                    <a:lumOff val="35000"/>
+                  </a:schemeClr>
+                </a:solidFill>
+                <a:latin typeface="배달의민족 도현" panose="020B0600000101010101" pitchFamily="50" charset="-127"/>
+                <a:ea typeface="배달의민족 도현" panose="020B0600000101010101" pitchFamily="50" charset="-127"/>
+              </a:rPr>
+              <a:t>기존 연구</a:t>
+            </a:r>
+            <a:endParaRPr lang="en-US" altLang="ko-KR" sz="3200" dirty="0">
+              <a:solidFill>
+                <a:schemeClr val="tx1">
+                  <a:lumMod val="65000"/>
+                  <a:lumOff val="35000"/>
+                </a:schemeClr>
+              </a:solidFill>
+              <a:latin typeface="배달의민족 도현" panose="020B0600000101010101" pitchFamily="50" charset="-127"/>
+              <a:ea typeface="배달의민족 도현" panose="020B0600000101010101" pitchFamily="50" charset="-127"/>
+            </a:endParaRPr>
+          </a:p>
+        </p:txBody>
+      </p:sp>
+      <p:cxnSp>
+        <p:nvCxnSpPr>
+          <p:cNvPr id="6" name="직선 연결선 5">
+            <a:extLst>
+              <a:ext uri="{FF2B5EF4-FFF2-40B4-BE49-F238E27FC236}">
+                <a16:creationId xmlns:a16="http://schemas.microsoft.com/office/drawing/2014/main" id="{3CAFC98D-1DA6-5CE0-43FD-6D3D9C8D3B4F}"/>
+              </a:ext>
+            </a:extLst>
+          </p:cNvPr>
+          <p:cNvCxnSpPr>
+            <a:cxnSpLocks/>
+          </p:cNvCxnSpPr>
+          <p:nvPr/>
+        </p:nvCxnSpPr>
+        <p:spPr>
+          <a:xfrm>
+            <a:off x="206188" y="724225"/>
+            <a:ext cx="1756836" cy="0"/>
+          </a:xfrm>
+          <a:prstGeom prst="line">
+            <a:avLst/>
+          </a:prstGeom>
+          <a:ln w="57150">
+            <a:solidFill>
+              <a:schemeClr val="accent1">
+                <a:lumMod val="75000"/>
+              </a:schemeClr>
+            </a:solidFill>
+          </a:ln>
+        </p:spPr>
+        <p:style>
+          <a:lnRef idx="1">
+            <a:schemeClr val="accent1"/>
+          </a:lnRef>
+          <a:fillRef idx="0">
+            <a:schemeClr val="accent1"/>
+          </a:fillRef>
+          <a:effectRef idx="0">
+            <a:schemeClr val="accent1"/>
+          </a:effectRef>
+          <a:fontRef idx="minor">
+            <a:schemeClr val="tx1"/>
+          </a:fontRef>
+        </p:style>
+      </p:cxnSp>
+      <p:sp>
+        <p:nvSpPr>
+          <p:cNvPr id="10" name="TextBox 9">
+            <a:extLst>
+              <a:ext uri="{FF2B5EF4-FFF2-40B4-BE49-F238E27FC236}">
+                <a16:creationId xmlns:a16="http://schemas.microsoft.com/office/drawing/2014/main" id="{266829A7-D0F8-7CDF-D9BC-CA16B9A4C881}"/>
+              </a:ext>
+            </a:extLst>
+          </p:cNvPr>
+          <p:cNvSpPr txBox="1"/>
+          <p:nvPr/>
+        </p:nvSpPr>
+        <p:spPr>
+          <a:xfrm>
+            <a:off x="206187" y="715619"/>
+            <a:ext cx="11842378" cy="5878212"/>
+          </a:xfrm>
+          <a:prstGeom prst="rect">
+            <a:avLst/>
+          </a:prstGeom>
+          <a:noFill/>
+        </p:spPr>
+        <p:txBody>
+          <a:bodyPr wrap="square" rtlCol="0">
+            <a:spAutoFit/>
+          </a:bodyPr>
+          <a:lstStyle/>
+          <a:p>
+            <a:pPr>
+              <a:lnSpc>
+                <a:spcPct val="150000"/>
+              </a:lnSpc>
+            </a:pPr>
+            <a:r>
+              <a:rPr lang="ko-KR" altLang="en-US" sz="1400" b="1" dirty="0">
+                <a:solidFill>
+                  <a:schemeClr val="accent1"/>
+                </a:solidFill>
+                <a:latin typeface="한컴 고딕" panose="02000500000000000000" pitchFamily="2" charset="-127"/>
+                <a:ea typeface="한컴 고딕" panose="02000500000000000000" pitchFamily="2" charset="-127"/>
+              </a:rPr>
+              <a:t>최근 </a:t>
+            </a:r>
+            <a:r>
+              <a:rPr lang="en-US" altLang="ko-KR" sz="1400" b="1" dirty="0">
+                <a:solidFill>
+                  <a:schemeClr val="accent1"/>
+                </a:solidFill>
+                <a:latin typeface="한컴 고딕" panose="02000500000000000000" pitchFamily="2" charset="-127"/>
+                <a:ea typeface="한컴 고딕" panose="02000500000000000000" pitchFamily="2" charset="-127"/>
+              </a:rPr>
+              <a:t>5G MEC </a:t>
+            </a:r>
+            <a:r>
+              <a:rPr lang="ko-KR" altLang="en-US" sz="1400" b="1" dirty="0">
+                <a:solidFill>
+                  <a:schemeClr val="accent1"/>
+                </a:solidFill>
+                <a:latin typeface="한컴 고딕" panose="02000500000000000000" pitchFamily="2" charset="-127"/>
+                <a:ea typeface="한컴 고딕" panose="02000500000000000000" pitchFamily="2" charset="-127"/>
+              </a:rPr>
+              <a:t>환경 내에서 </a:t>
+            </a:r>
+            <a:r>
+              <a:rPr lang="en-US" altLang="ko-KR" sz="1400" b="1" dirty="0">
+                <a:solidFill>
+                  <a:schemeClr val="accent1"/>
+                </a:solidFill>
+                <a:latin typeface="한컴 고딕" panose="02000500000000000000" pitchFamily="2" charset="-127"/>
+                <a:ea typeface="한컴 고딕" panose="02000500000000000000" pitchFamily="2" charset="-127"/>
+              </a:rPr>
+              <a:t>ICN </a:t>
+            </a:r>
+            <a:r>
+              <a:rPr lang="ko-KR" altLang="en-US" sz="1400" b="1" dirty="0">
+                <a:solidFill>
+                  <a:schemeClr val="accent1"/>
+                </a:solidFill>
+                <a:latin typeface="한컴 고딕" panose="02000500000000000000" pitchFamily="2" charset="-127"/>
+                <a:ea typeface="한컴 고딕" panose="02000500000000000000" pitchFamily="2" charset="-127"/>
+              </a:rPr>
+              <a:t>노드와 </a:t>
+            </a:r>
+            <a:r>
+              <a:rPr lang="en-US" altLang="ko-KR" sz="1400" b="1" dirty="0">
+                <a:solidFill>
+                  <a:schemeClr val="accent1"/>
+                </a:solidFill>
+                <a:latin typeface="한컴 고딕" panose="02000500000000000000" pitchFamily="2" charset="-127"/>
+                <a:ea typeface="한컴 고딕" panose="02000500000000000000" pitchFamily="2" charset="-127"/>
+              </a:rPr>
+              <a:t>MEC</a:t>
+            </a:r>
+            <a:r>
+              <a:rPr lang="ko-KR" altLang="en-US" sz="1400" b="1" dirty="0">
+                <a:solidFill>
+                  <a:schemeClr val="accent1"/>
+                </a:solidFill>
+                <a:latin typeface="한컴 고딕" panose="02000500000000000000" pitchFamily="2" charset="-127"/>
+                <a:ea typeface="한컴 고딕" panose="02000500000000000000" pitchFamily="2" charset="-127"/>
+              </a:rPr>
+              <a:t>에 컨텐츠 </a:t>
+            </a:r>
+            <a:r>
+              <a:rPr lang="ko-KR" altLang="en-US" sz="1400" b="1" dirty="0" err="1">
+                <a:solidFill>
+                  <a:schemeClr val="accent1"/>
+                </a:solidFill>
+                <a:latin typeface="한컴 고딕" panose="02000500000000000000" pitchFamily="2" charset="-127"/>
+                <a:ea typeface="한컴 고딕" panose="02000500000000000000" pitchFamily="2" charset="-127"/>
+              </a:rPr>
+              <a:t>캐싱</a:t>
+            </a:r>
+            <a:r>
+              <a:rPr lang="ko-KR" altLang="en-US" sz="1400" b="1" dirty="0">
+                <a:solidFill>
+                  <a:schemeClr val="accent1"/>
+                </a:solidFill>
+                <a:latin typeface="한컴 고딕" panose="02000500000000000000" pitchFamily="2" charset="-127"/>
+                <a:ea typeface="한컴 고딕" panose="02000500000000000000" pitchFamily="2" charset="-127"/>
+              </a:rPr>
+              <a:t> 연구가 활발히 진행 중</a:t>
+            </a:r>
+            <a:endParaRPr lang="en-US" altLang="ko-KR" sz="1400" b="1" dirty="0">
+              <a:solidFill>
+                <a:schemeClr val="accent1"/>
+              </a:solidFill>
+              <a:latin typeface="한컴 고딕" panose="02000500000000000000" pitchFamily="2" charset="-127"/>
+              <a:ea typeface="한컴 고딕" panose="02000500000000000000" pitchFamily="2" charset="-127"/>
+            </a:endParaRPr>
+          </a:p>
+          <a:p>
+            <a:pPr marL="342900" indent="-342900">
+              <a:lnSpc>
+                <a:spcPct val="150000"/>
+              </a:lnSpc>
+              <a:buFont typeface="Arial" panose="020B0604020202020204" pitchFamily="34" charset="0"/>
+              <a:buChar char="•"/>
+            </a:pPr>
+            <a:r>
+              <a:rPr lang="en-US" altLang="ko-KR" sz="1400" b="0" i="0" u="none" strike="noStrike" dirty="0">
+                <a:effectLst/>
+                <a:latin typeface="한컴 고딕" panose="02000500000000000000" pitchFamily="2" charset="-127"/>
+                <a:ea typeface="한컴 고딕" panose="02000500000000000000" pitchFamily="2" charset="-127"/>
+                <a:hlinkClick r:id="rId2"/>
+              </a:rPr>
+              <a:t>Minimizing Energy for Caching Resource Allocation in Information-Centric Networking with Mobile Edge Computing</a:t>
+            </a:r>
+            <a:endParaRPr lang="en-US" altLang="ko-KR" sz="1400" dirty="0">
+              <a:latin typeface="한컴 고딕" panose="02000500000000000000" pitchFamily="2" charset="-127"/>
+              <a:ea typeface="한컴 고딕" panose="02000500000000000000" pitchFamily="2" charset="-127"/>
+            </a:endParaRPr>
+          </a:p>
+          <a:p>
+            <a:pPr marL="800100" lvl="1" indent="-342900">
+              <a:lnSpc>
+                <a:spcPct val="150000"/>
+              </a:lnSpc>
+              <a:buFont typeface="Arial" panose="020B0604020202020204" pitchFamily="34" charset="0"/>
+              <a:buChar char="•"/>
+            </a:pPr>
+            <a:r>
+              <a:rPr lang="ko-KR" altLang="en-US" sz="1400" b="1" dirty="0">
+                <a:solidFill>
+                  <a:schemeClr val="tx1">
+                    <a:lumMod val="50000"/>
+                    <a:lumOff val="50000"/>
+                  </a:schemeClr>
+                </a:solidFill>
+                <a:latin typeface="한컴 고딕" panose="02000500000000000000" pitchFamily="2" charset="-127"/>
+                <a:ea typeface="한컴 고딕" panose="02000500000000000000" pitchFamily="2" charset="-127"/>
+              </a:rPr>
+              <a:t>위 연구에서는 </a:t>
+            </a:r>
+            <a:r>
+              <a:rPr lang="en-US" altLang="ko-KR" sz="1400" b="1" dirty="0">
+                <a:solidFill>
+                  <a:schemeClr val="tx1">
+                    <a:lumMod val="50000"/>
+                    <a:lumOff val="50000"/>
+                  </a:schemeClr>
+                </a:solidFill>
+                <a:latin typeface="한컴 고딕" panose="02000500000000000000" pitchFamily="2" charset="-127"/>
+                <a:ea typeface="한컴 고딕" panose="02000500000000000000" pitchFamily="2" charset="-127"/>
+              </a:rPr>
+              <a:t>5G MEC </a:t>
+            </a:r>
+            <a:r>
+              <a:rPr lang="ko-KR" altLang="en-US" sz="1400" b="1" dirty="0">
+                <a:solidFill>
+                  <a:schemeClr val="tx1">
+                    <a:lumMod val="50000"/>
+                    <a:lumOff val="50000"/>
+                  </a:schemeClr>
+                </a:solidFill>
+                <a:latin typeface="한컴 고딕" panose="02000500000000000000" pitchFamily="2" charset="-127"/>
+                <a:ea typeface="한컴 고딕" panose="02000500000000000000" pitchFamily="2" charset="-127"/>
+              </a:rPr>
+              <a:t>환경에서 </a:t>
+            </a:r>
+            <a:r>
+              <a:rPr lang="en-US" altLang="ko-KR" sz="1400" b="1" dirty="0">
+                <a:solidFill>
+                  <a:schemeClr val="tx1">
+                    <a:lumMod val="50000"/>
+                    <a:lumOff val="50000"/>
+                  </a:schemeClr>
+                </a:solidFill>
+                <a:latin typeface="한컴 고딕" panose="02000500000000000000" pitchFamily="2" charset="-127"/>
+                <a:ea typeface="한컴 고딕" panose="02000500000000000000" pitchFamily="2" charset="-127"/>
+              </a:rPr>
+              <a:t>ICN</a:t>
+            </a:r>
+            <a:r>
+              <a:rPr lang="ko-KR" altLang="en-US" sz="1400" b="1" dirty="0">
+                <a:solidFill>
+                  <a:schemeClr val="tx1">
+                    <a:lumMod val="50000"/>
+                    <a:lumOff val="50000"/>
+                  </a:schemeClr>
+                </a:solidFill>
+                <a:latin typeface="한컴 고딕" panose="02000500000000000000" pitchFamily="2" charset="-127"/>
+                <a:ea typeface="한컴 고딕" panose="02000500000000000000" pitchFamily="2" charset="-127"/>
+              </a:rPr>
+              <a:t> 사용 시</a:t>
+            </a:r>
+            <a:r>
+              <a:rPr lang="en-US" altLang="ko-KR" sz="1400" b="1" dirty="0">
+                <a:solidFill>
+                  <a:schemeClr val="tx1">
+                    <a:lumMod val="50000"/>
+                    <a:lumOff val="50000"/>
+                  </a:schemeClr>
+                </a:solidFill>
+                <a:latin typeface="한컴 고딕" panose="02000500000000000000" pitchFamily="2" charset="-127"/>
+                <a:ea typeface="한컴 고딕" panose="02000500000000000000" pitchFamily="2" charset="-127"/>
+              </a:rPr>
+              <a:t>, </a:t>
+            </a:r>
+            <a:r>
+              <a:rPr lang="ko-KR" altLang="en-US" sz="1400" b="1" dirty="0">
+                <a:solidFill>
+                  <a:srgbClr val="FF0000"/>
+                </a:solidFill>
+                <a:latin typeface="한컴 고딕" panose="02000500000000000000" pitchFamily="2" charset="-127"/>
+                <a:ea typeface="한컴 고딕" panose="02000500000000000000" pitchFamily="2" charset="-127"/>
+              </a:rPr>
+              <a:t>최소 에너지</a:t>
+            </a:r>
+            <a:r>
+              <a:rPr lang="ko-KR" altLang="en-US" sz="1400" b="1" dirty="0">
+                <a:solidFill>
+                  <a:schemeClr val="tx1">
+                    <a:lumMod val="50000"/>
+                    <a:lumOff val="50000"/>
+                  </a:schemeClr>
+                </a:solidFill>
+                <a:latin typeface="한컴 고딕" panose="02000500000000000000" pitchFamily="2" charset="-127"/>
+                <a:ea typeface="한컴 고딕" panose="02000500000000000000" pitchFamily="2" charset="-127"/>
+              </a:rPr>
+              <a:t>로 </a:t>
+            </a:r>
+            <a:r>
+              <a:rPr lang="ko-KR" altLang="en-US" sz="1400" b="1" dirty="0">
+                <a:solidFill>
+                  <a:srgbClr val="FF0000"/>
+                </a:solidFill>
+                <a:latin typeface="한컴 고딕" panose="02000500000000000000" pitchFamily="2" charset="-127"/>
+                <a:ea typeface="한컴 고딕" panose="02000500000000000000" pitchFamily="2" charset="-127"/>
+              </a:rPr>
+              <a:t>컨텐츠 </a:t>
+            </a:r>
+            <a:r>
+              <a:rPr lang="ko-KR" altLang="en-US" sz="1400" b="1" dirty="0" err="1">
+                <a:solidFill>
+                  <a:srgbClr val="FF0000"/>
+                </a:solidFill>
+                <a:latin typeface="한컴 고딕" panose="02000500000000000000" pitchFamily="2" charset="-127"/>
+                <a:ea typeface="한컴 고딕" panose="02000500000000000000" pitchFamily="2" charset="-127"/>
+              </a:rPr>
+              <a:t>캐싱</a:t>
+            </a:r>
+            <a:r>
+              <a:rPr lang="ko-KR" altLang="en-US" sz="1400" b="1" dirty="0">
+                <a:solidFill>
+                  <a:srgbClr val="FF0000"/>
+                </a:solidFill>
+                <a:latin typeface="한컴 고딕" panose="02000500000000000000" pitchFamily="2" charset="-127"/>
+                <a:ea typeface="한컴 고딕" panose="02000500000000000000" pitchFamily="2" charset="-127"/>
+              </a:rPr>
+              <a:t> 자원을 할당</a:t>
+            </a:r>
+            <a:r>
+              <a:rPr lang="ko-KR" altLang="en-US" sz="1400" b="1" dirty="0">
+                <a:solidFill>
+                  <a:schemeClr val="tx1">
+                    <a:lumMod val="50000"/>
+                    <a:lumOff val="50000"/>
+                  </a:schemeClr>
+                </a:solidFill>
+                <a:latin typeface="한컴 고딕" panose="02000500000000000000" pitchFamily="2" charset="-127"/>
+                <a:ea typeface="한컴 고딕" panose="02000500000000000000" pitchFamily="2" charset="-127"/>
+              </a:rPr>
+              <a:t>하는 </a:t>
+            </a:r>
+            <a:r>
+              <a:rPr lang="en-US" altLang="ko-KR" sz="1400" b="1" dirty="0">
+                <a:solidFill>
+                  <a:schemeClr val="tx1">
+                    <a:lumMod val="50000"/>
+                    <a:lumOff val="50000"/>
+                  </a:schemeClr>
+                </a:solidFill>
+                <a:latin typeface="한컴 고딕" panose="02000500000000000000" pitchFamily="2" charset="-127"/>
+                <a:ea typeface="한컴 고딕" panose="02000500000000000000" pitchFamily="2" charset="-127"/>
+              </a:rPr>
+              <a:t>‘</a:t>
+            </a:r>
+            <a:r>
+              <a:rPr lang="ko-KR" altLang="en-US" sz="1400" b="1" dirty="0" err="1">
+                <a:solidFill>
+                  <a:srgbClr val="FF0000"/>
+                </a:solidFill>
+                <a:latin typeface="한컴 고딕" panose="02000500000000000000" pitchFamily="2" charset="-127"/>
+                <a:ea typeface="한컴 고딕" panose="02000500000000000000" pitchFamily="2" charset="-127"/>
+              </a:rPr>
+              <a:t>캐싱</a:t>
+            </a:r>
+            <a:r>
+              <a:rPr lang="ko-KR" altLang="en-US" sz="1400" b="1" dirty="0">
+                <a:solidFill>
+                  <a:srgbClr val="FF0000"/>
+                </a:solidFill>
+                <a:latin typeface="한컴 고딕" panose="02000500000000000000" pitchFamily="2" charset="-127"/>
+                <a:ea typeface="한컴 고딕" panose="02000500000000000000" pitchFamily="2" charset="-127"/>
+              </a:rPr>
+              <a:t> 자원 할당 문제</a:t>
+            </a:r>
+            <a:r>
+              <a:rPr lang="en-US" altLang="ko-KR" sz="1400" b="1" dirty="0">
+                <a:solidFill>
+                  <a:schemeClr val="tx1">
+                    <a:lumMod val="50000"/>
+                    <a:lumOff val="50000"/>
+                  </a:schemeClr>
+                </a:solidFill>
+                <a:latin typeface="한컴 고딕" panose="02000500000000000000" pitchFamily="2" charset="-127"/>
+                <a:ea typeface="한컴 고딕" panose="02000500000000000000" pitchFamily="2" charset="-127"/>
+              </a:rPr>
+              <a:t>’ </a:t>
+            </a:r>
+            <a:r>
+              <a:rPr lang="ko-KR" altLang="en-US" sz="1400" b="1" dirty="0">
+                <a:solidFill>
+                  <a:schemeClr val="tx1">
+                    <a:lumMod val="50000"/>
+                    <a:lumOff val="50000"/>
+                  </a:schemeClr>
+                </a:solidFill>
+                <a:latin typeface="한컴 고딕" panose="02000500000000000000" pitchFamily="2" charset="-127"/>
+                <a:ea typeface="한컴 고딕" panose="02000500000000000000" pitchFamily="2" charset="-127"/>
+              </a:rPr>
+              <a:t>정의</a:t>
+            </a:r>
+            <a:endParaRPr lang="en-US" altLang="ko-KR" sz="1400" b="1" dirty="0">
+              <a:solidFill>
+                <a:schemeClr val="tx1">
+                  <a:lumMod val="50000"/>
+                  <a:lumOff val="50000"/>
+                </a:schemeClr>
+              </a:solidFill>
+              <a:latin typeface="한컴 고딕" panose="02000500000000000000" pitchFamily="2" charset="-127"/>
+              <a:ea typeface="한컴 고딕" panose="02000500000000000000" pitchFamily="2" charset="-127"/>
+            </a:endParaRPr>
+          </a:p>
+          <a:p>
+            <a:pPr marL="800100" lvl="1" indent="-342900">
+              <a:lnSpc>
+                <a:spcPct val="150000"/>
+              </a:lnSpc>
+              <a:buFont typeface="Arial" panose="020B0604020202020204" pitchFamily="34" charset="0"/>
+              <a:buChar char="•"/>
+            </a:pPr>
+            <a:r>
+              <a:rPr lang="ko-KR" altLang="en-US" sz="1400" b="1" dirty="0">
+                <a:solidFill>
+                  <a:srgbClr val="FF0000"/>
+                </a:solidFill>
+                <a:latin typeface="한컴 고딕" panose="02000500000000000000" pitchFamily="2" charset="-127"/>
+                <a:ea typeface="한컴 고딕" panose="02000500000000000000" pitchFamily="2" charset="-127"/>
+              </a:rPr>
+              <a:t>에너지 소비 및 서비스 시간 최소화</a:t>
+            </a:r>
+            <a:r>
+              <a:rPr lang="ko-KR" altLang="en-US" sz="1400" b="1" dirty="0">
+                <a:solidFill>
+                  <a:schemeClr val="tx1">
+                    <a:lumMod val="50000"/>
+                    <a:lumOff val="50000"/>
+                  </a:schemeClr>
+                </a:solidFill>
+                <a:latin typeface="한컴 고딕" panose="02000500000000000000" pitchFamily="2" charset="-127"/>
+                <a:ea typeface="한컴 고딕" panose="02000500000000000000" pitchFamily="2" charset="-127"/>
+              </a:rPr>
+              <a:t>를 위한 컨텐츠 </a:t>
+            </a:r>
+            <a:r>
+              <a:rPr lang="ko-KR" altLang="en-US" sz="1400" b="1" dirty="0" err="1">
+                <a:solidFill>
+                  <a:schemeClr val="tx1">
+                    <a:lumMod val="50000"/>
+                    <a:lumOff val="50000"/>
+                  </a:schemeClr>
+                </a:solidFill>
+                <a:latin typeface="한컴 고딕" panose="02000500000000000000" pitchFamily="2" charset="-127"/>
+                <a:ea typeface="한컴 고딕" panose="02000500000000000000" pitchFamily="2" charset="-127"/>
+              </a:rPr>
+              <a:t>캐싱</a:t>
+            </a:r>
+            <a:r>
+              <a:rPr lang="ko-KR" altLang="en-US" sz="1400" b="1" dirty="0">
+                <a:solidFill>
+                  <a:schemeClr val="tx1">
+                    <a:lumMod val="50000"/>
+                    <a:lumOff val="50000"/>
+                  </a:schemeClr>
+                </a:solidFill>
+                <a:latin typeface="한컴 고딕" panose="02000500000000000000" pitchFamily="2" charset="-127"/>
+                <a:ea typeface="한컴 고딕" panose="02000500000000000000" pitchFamily="2" charset="-127"/>
+              </a:rPr>
+              <a:t> 기법 제안</a:t>
+            </a:r>
+            <a:endParaRPr lang="en-US" altLang="ko-KR" sz="1400" b="1" dirty="0">
+              <a:solidFill>
+                <a:schemeClr val="tx1">
+                  <a:lumMod val="50000"/>
+                  <a:lumOff val="50000"/>
+                </a:schemeClr>
+              </a:solidFill>
+              <a:latin typeface="한컴 고딕" panose="02000500000000000000" pitchFamily="2" charset="-127"/>
+              <a:ea typeface="한컴 고딕" panose="02000500000000000000" pitchFamily="2" charset="-127"/>
+            </a:endParaRPr>
+          </a:p>
+          <a:p>
+            <a:pPr marL="1257300" lvl="2" indent="-342900">
+              <a:lnSpc>
+                <a:spcPct val="150000"/>
+              </a:lnSpc>
+              <a:buFont typeface="Arial" panose="020B0604020202020204" pitchFamily="34" charset="0"/>
+              <a:buChar char="•"/>
+            </a:pPr>
+            <a:r>
+              <a:rPr lang="en-US" altLang="ko-KR" sz="1400" b="1" dirty="0">
+                <a:solidFill>
+                  <a:schemeClr val="tx1">
+                    <a:lumMod val="50000"/>
+                    <a:lumOff val="50000"/>
+                  </a:schemeClr>
+                </a:solidFill>
+                <a:latin typeface="한컴 고딕" panose="02000500000000000000" pitchFamily="2" charset="-127"/>
+                <a:ea typeface="한컴 고딕" panose="02000500000000000000" pitchFamily="2" charset="-127"/>
+              </a:rPr>
+              <a:t>BSCC(Base Station Caching Capacity) </a:t>
+            </a:r>
+            <a:r>
+              <a:rPr lang="ko-KR" altLang="en-US" sz="1400" b="1" dirty="0">
+                <a:solidFill>
+                  <a:schemeClr val="tx1">
+                    <a:lumMod val="50000"/>
+                    <a:lumOff val="50000"/>
+                  </a:schemeClr>
+                </a:solidFill>
+                <a:latin typeface="한컴 고딕" panose="02000500000000000000" pitchFamily="2" charset="-127"/>
+                <a:ea typeface="한컴 고딕" panose="02000500000000000000" pitchFamily="2" charset="-127"/>
+              </a:rPr>
+              <a:t>문제와 </a:t>
+            </a:r>
+            <a:r>
+              <a:rPr lang="en-US" altLang="ko-KR" sz="1400" b="1" dirty="0">
+                <a:solidFill>
+                  <a:schemeClr val="tx1">
+                    <a:lumMod val="50000"/>
+                    <a:lumOff val="50000"/>
+                  </a:schemeClr>
+                </a:solidFill>
+                <a:latin typeface="한컴 고딕" panose="02000500000000000000" pitchFamily="2" charset="-127"/>
+                <a:ea typeface="한컴 고딕" panose="02000500000000000000" pitchFamily="2" charset="-127"/>
+              </a:rPr>
+              <a:t>Request Matching </a:t>
+            </a:r>
+            <a:r>
+              <a:rPr lang="ko-KR" altLang="en-US" sz="1400" b="1" dirty="0">
+                <a:solidFill>
+                  <a:schemeClr val="tx1">
+                    <a:lumMod val="50000"/>
+                    <a:lumOff val="50000"/>
+                  </a:schemeClr>
+                </a:solidFill>
+                <a:latin typeface="한컴 고딕" panose="02000500000000000000" pitchFamily="2" charset="-127"/>
+                <a:ea typeface="한컴 고딕" panose="02000500000000000000" pitchFamily="2" charset="-127"/>
+              </a:rPr>
+              <a:t>문제로 분류하여 최정화 방안 제시</a:t>
+            </a:r>
+            <a:endParaRPr lang="en-US" altLang="ko-KR" sz="1400" b="1" dirty="0">
+              <a:solidFill>
+                <a:schemeClr val="tx1">
+                  <a:lumMod val="50000"/>
+                  <a:lumOff val="50000"/>
+                </a:schemeClr>
+              </a:solidFill>
+              <a:latin typeface="한컴 고딕" panose="02000500000000000000" pitchFamily="2" charset="-127"/>
+              <a:ea typeface="한컴 고딕" panose="02000500000000000000" pitchFamily="2" charset="-127"/>
+            </a:endParaRPr>
+          </a:p>
+          <a:p>
+            <a:pPr marL="342900" indent="-342900">
+              <a:lnSpc>
+                <a:spcPct val="150000"/>
+              </a:lnSpc>
+              <a:buFont typeface="Arial" panose="020B0604020202020204" pitchFamily="34" charset="0"/>
+              <a:buChar char="•"/>
+            </a:pPr>
+            <a:r>
+              <a:rPr lang="en-US" altLang="ko-KR" sz="1400" b="0" i="0" u="none" strike="noStrike" dirty="0">
+                <a:effectLst/>
+                <a:latin typeface="한컴 고딕" panose="02000500000000000000" pitchFamily="2" charset="-127"/>
+                <a:ea typeface="한컴 고딕" panose="02000500000000000000" pitchFamily="2" charset="-127"/>
+                <a:hlinkClick r:id="rId3"/>
+              </a:rPr>
+              <a:t>Dynamic Hierarchical Caching Resource Allocation for 5G-ICN Slice</a:t>
+            </a:r>
+            <a:endParaRPr lang="en-US" altLang="ko-KR" sz="1400" b="0" i="0" u="none" strike="noStrike" dirty="0">
+              <a:effectLst/>
+              <a:latin typeface="한컴 고딕" panose="02000500000000000000" pitchFamily="2" charset="-127"/>
+              <a:ea typeface="한컴 고딕" panose="02000500000000000000" pitchFamily="2" charset="-127"/>
+            </a:endParaRPr>
+          </a:p>
+          <a:p>
+            <a:pPr marL="800100" lvl="1" indent="-342900">
+              <a:lnSpc>
+                <a:spcPct val="150000"/>
+              </a:lnSpc>
+              <a:buFont typeface="Arial" panose="020B0604020202020204" pitchFamily="34" charset="0"/>
+              <a:buChar char="•"/>
+            </a:pPr>
+            <a:r>
+              <a:rPr lang="ko-KR" altLang="en-US" sz="1400" b="1" dirty="0">
+                <a:solidFill>
+                  <a:schemeClr val="tx1">
+                    <a:lumMod val="50000"/>
+                    <a:lumOff val="50000"/>
+                  </a:schemeClr>
+                </a:solidFill>
+                <a:latin typeface="한컴 고딕" panose="02000500000000000000" pitchFamily="2" charset="-127"/>
+                <a:ea typeface="한컴 고딕" panose="02000500000000000000" pitchFamily="2" charset="-127"/>
+              </a:rPr>
+              <a:t>동적 배치된 </a:t>
+            </a:r>
+            <a:r>
+              <a:rPr lang="en-US" altLang="ko-KR" sz="1400" b="1" dirty="0">
+                <a:solidFill>
+                  <a:schemeClr val="tx1">
+                    <a:lumMod val="50000"/>
+                    <a:lumOff val="50000"/>
+                  </a:schemeClr>
+                </a:solidFill>
+                <a:latin typeface="한컴 고딕" panose="02000500000000000000" pitchFamily="2" charset="-127"/>
+                <a:ea typeface="한컴 고딕" panose="02000500000000000000" pitchFamily="2" charset="-127"/>
+              </a:rPr>
+              <a:t>MEC </a:t>
+            </a:r>
+            <a:r>
+              <a:rPr lang="ko-KR" altLang="en-US" sz="1400" b="1" dirty="0">
+                <a:solidFill>
+                  <a:schemeClr val="tx1">
+                    <a:lumMod val="50000"/>
+                    <a:lumOff val="50000"/>
+                  </a:schemeClr>
+                </a:solidFill>
+                <a:latin typeface="한컴 고딕" panose="02000500000000000000" pitchFamily="2" charset="-127"/>
+                <a:ea typeface="한컴 고딕" panose="02000500000000000000" pitchFamily="2" charset="-127"/>
+              </a:rPr>
+              <a:t>및 </a:t>
+            </a:r>
+            <a:r>
+              <a:rPr lang="en-US" altLang="ko-KR" sz="1400" b="1" dirty="0">
+                <a:solidFill>
+                  <a:schemeClr val="tx1">
+                    <a:lumMod val="50000"/>
+                    <a:lumOff val="50000"/>
+                  </a:schemeClr>
+                </a:solidFill>
+                <a:latin typeface="한컴 고딕" panose="02000500000000000000" pitchFamily="2" charset="-127"/>
+                <a:ea typeface="한컴 고딕" panose="02000500000000000000" pitchFamily="2" charset="-127"/>
+              </a:rPr>
+              <a:t>ICN </a:t>
+            </a:r>
+            <a:r>
+              <a:rPr lang="ko-KR" altLang="en-US" sz="1400" b="1" dirty="0">
+                <a:solidFill>
+                  <a:schemeClr val="tx1">
+                    <a:lumMod val="50000"/>
+                    <a:lumOff val="50000"/>
+                  </a:schemeClr>
+                </a:solidFill>
+                <a:latin typeface="한컴 고딕" panose="02000500000000000000" pitchFamily="2" charset="-127"/>
+                <a:ea typeface="한컴 고딕" panose="02000500000000000000" pitchFamily="2" charset="-127"/>
+              </a:rPr>
+              <a:t>노드를 보유한 </a:t>
+            </a:r>
+            <a:r>
+              <a:rPr lang="en-US" altLang="ko-KR" sz="1400" b="1" dirty="0">
+                <a:solidFill>
+                  <a:schemeClr val="tx1">
+                    <a:lumMod val="50000"/>
+                    <a:lumOff val="50000"/>
+                  </a:schemeClr>
+                </a:solidFill>
+                <a:latin typeface="한컴 고딕" panose="02000500000000000000" pitchFamily="2" charset="-127"/>
+                <a:ea typeface="한컴 고딕" panose="02000500000000000000" pitchFamily="2" charset="-127"/>
+              </a:rPr>
+              <a:t>5G MEC </a:t>
+            </a:r>
+            <a:r>
+              <a:rPr lang="ko-KR" altLang="en-US" sz="1400" b="1" dirty="0">
+                <a:solidFill>
+                  <a:schemeClr val="tx1">
+                    <a:lumMod val="50000"/>
+                    <a:lumOff val="50000"/>
+                  </a:schemeClr>
+                </a:solidFill>
+                <a:latin typeface="한컴 고딕" panose="02000500000000000000" pitchFamily="2" charset="-127"/>
+                <a:ea typeface="한컴 고딕" panose="02000500000000000000" pitchFamily="2" charset="-127"/>
+              </a:rPr>
+              <a:t>환경 </a:t>
+            </a:r>
+            <a:r>
+              <a:rPr lang="ko-KR" altLang="en-US" sz="1400" b="1" dirty="0" err="1">
+                <a:solidFill>
+                  <a:schemeClr val="tx1">
+                    <a:lumMod val="50000"/>
+                    <a:lumOff val="50000"/>
+                  </a:schemeClr>
+                </a:solidFill>
+                <a:latin typeface="한컴 고딕" panose="02000500000000000000" pitchFamily="2" charset="-127"/>
+                <a:ea typeface="한컴 고딕" panose="02000500000000000000" pitchFamily="2" charset="-127"/>
+              </a:rPr>
+              <a:t>캐싱</a:t>
+            </a:r>
+            <a:r>
+              <a:rPr lang="ko-KR" altLang="en-US" sz="1400" b="1" dirty="0">
+                <a:solidFill>
+                  <a:schemeClr val="tx1">
+                    <a:lumMod val="50000"/>
+                    <a:lumOff val="50000"/>
+                  </a:schemeClr>
+                </a:solidFill>
+                <a:latin typeface="한컴 고딕" panose="02000500000000000000" pitchFamily="2" charset="-127"/>
+                <a:ea typeface="한컴 고딕" panose="02000500000000000000" pitchFamily="2" charset="-127"/>
+              </a:rPr>
+              <a:t> 비용 및 </a:t>
+            </a:r>
+            <a:r>
+              <a:rPr lang="en-US" altLang="ko-KR" sz="1400" b="1" dirty="0">
+                <a:solidFill>
+                  <a:schemeClr val="tx1">
+                    <a:lumMod val="50000"/>
+                    <a:lumOff val="50000"/>
+                  </a:schemeClr>
+                </a:solidFill>
+                <a:latin typeface="한컴 고딕" panose="02000500000000000000" pitchFamily="2" charset="-127"/>
+                <a:ea typeface="한컴 고딕" panose="02000500000000000000" pitchFamily="2" charset="-127"/>
+              </a:rPr>
+              <a:t>‘</a:t>
+            </a:r>
+            <a:r>
+              <a:rPr lang="ko-KR" altLang="en-US" sz="1400" b="1" dirty="0">
+                <a:solidFill>
+                  <a:srgbClr val="FF0000"/>
+                </a:solidFill>
+                <a:latin typeface="한컴 고딕" panose="02000500000000000000" pitchFamily="2" charset="-127"/>
+                <a:ea typeface="한컴 고딕" panose="02000500000000000000" pitchFamily="2" charset="-127"/>
+              </a:rPr>
+              <a:t>에너지 소비 최적화 문제</a:t>
+            </a:r>
+            <a:r>
+              <a:rPr lang="en-US" altLang="ko-KR" sz="1400" b="1" dirty="0">
+                <a:solidFill>
+                  <a:schemeClr val="tx1">
+                    <a:lumMod val="50000"/>
+                    <a:lumOff val="50000"/>
+                  </a:schemeClr>
+                </a:solidFill>
+                <a:latin typeface="한컴 고딕" panose="02000500000000000000" pitchFamily="2" charset="-127"/>
+                <a:ea typeface="한컴 고딕" panose="02000500000000000000" pitchFamily="2" charset="-127"/>
+              </a:rPr>
+              <a:t>’</a:t>
+            </a:r>
+            <a:r>
+              <a:rPr lang="ko-KR" altLang="en-US" sz="1400" b="1" dirty="0">
+                <a:solidFill>
+                  <a:schemeClr val="tx1">
+                    <a:lumMod val="50000"/>
+                    <a:lumOff val="50000"/>
+                  </a:schemeClr>
+                </a:solidFill>
+                <a:latin typeface="한컴 고딕" panose="02000500000000000000" pitchFamily="2" charset="-127"/>
+                <a:ea typeface="한컴 고딕" panose="02000500000000000000" pitchFamily="2" charset="-127"/>
+              </a:rPr>
+              <a:t> 정의</a:t>
+            </a:r>
+            <a:endParaRPr lang="en-US" altLang="ko-KR" sz="1400" b="1" dirty="0">
+              <a:solidFill>
+                <a:schemeClr val="tx1">
+                  <a:lumMod val="50000"/>
+                  <a:lumOff val="50000"/>
+                </a:schemeClr>
+              </a:solidFill>
+              <a:latin typeface="한컴 고딕" panose="02000500000000000000" pitchFamily="2" charset="-127"/>
+              <a:ea typeface="한컴 고딕" panose="02000500000000000000" pitchFamily="2" charset="-127"/>
+            </a:endParaRPr>
+          </a:p>
+          <a:p>
+            <a:pPr marL="800100" lvl="1" indent="-342900">
+              <a:lnSpc>
+                <a:spcPct val="150000"/>
+              </a:lnSpc>
+              <a:buFont typeface="Arial" panose="020B0604020202020204" pitchFamily="34" charset="0"/>
+              <a:buChar char="•"/>
+            </a:pPr>
+            <a:r>
+              <a:rPr lang="ko-KR" altLang="en-US" sz="1400" b="1" dirty="0">
+                <a:solidFill>
+                  <a:schemeClr val="tx1">
+                    <a:lumMod val="50000"/>
+                    <a:lumOff val="50000"/>
+                  </a:schemeClr>
+                </a:solidFill>
+                <a:latin typeface="한컴 고딕" panose="02000500000000000000" pitchFamily="2" charset="-127"/>
+                <a:ea typeface="한컴 고딕" panose="02000500000000000000" pitchFamily="2" charset="-127"/>
+              </a:rPr>
+              <a:t>최적 컨텐츠 </a:t>
+            </a:r>
+            <a:r>
+              <a:rPr lang="ko-KR" altLang="en-US" sz="1400" b="1" dirty="0" err="1">
+                <a:solidFill>
+                  <a:schemeClr val="tx1">
+                    <a:lumMod val="50000"/>
+                    <a:lumOff val="50000"/>
+                  </a:schemeClr>
+                </a:solidFill>
+                <a:latin typeface="한컴 고딕" panose="02000500000000000000" pitchFamily="2" charset="-127"/>
+                <a:ea typeface="한컴 고딕" panose="02000500000000000000" pitchFamily="2" charset="-127"/>
+              </a:rPr>
+              <a:t>캐싱</a:t>
+            </a:r>
+            <a:r>
+              <a:rPr lang="ko-KR" altLang="en-US" sz="1400" b="1" dirty="0">
+                <a:solidFill>
+                  <a:schemeClr val="tx1">
+                    <a:lumMod val="50000"/>
+                    <a:lumOff val="50000"/>
+                  </a:schemeClr>
+                </a:solidFill>
+                <a:latin typeface="한컴 고딕" panose="02000500000000000000" pitchFamily="2" charset="-127"/>
+                <a:ea typeface="한컴 고딕" panose="02000500000000000000" pitchFamily="2" charset="-127"/>
+              </a:rPr>
+              <a:t> 위치 및 </a:t>
+            </a:r>
+            <a:r>
+              <a:rPr lang="en-US" altLang="ko-KR" sz="1400" b="1" dirty="0">
+                <a:solidFill>
+                  <a:schemeClr val="tx1">
+                    <a:lumMod val="50000"/>
+                    <a:lumOff val="50000"/>
+                  </a:schemeClr>
+                </a:solidFill>
+                <a:latin typeface="한컴 고딕" panose="02000500000000000000" pitchFamily="2" charset="-127"/>
+                <a:ea typeface="한컴 고딕" panose="02000500000000000000" pitchFamily="2" charset="-127"/>
+              </a:rPr>
+              <a:t>MEC </a:t>
+            </a:r>
+            <a:r>
+              <a:rPr lang="ko-KR" altLang="en-US" sz="1400" b="1" dirty="0">
+                <a:solidFill>
+                  <a:schemeClr val="tx1">
+                    <a:lumMod val="50000"/>
+                    <a:lumOff val="50000"/>
+                  </a:schemeClr>
+                </a:solidFill>
+                <a:latin typeface="한컴 고딕" panose="02000500000000000000" pitchFamily="2" charset="-127"/>
+                <a:ea typeface="한컴 고딕" panose="02000500000000000000" pitchFamily="2" charset="-127"/>
+              </a:rPr>
+              <a:t>개수 결정 </a:t>
+            </a:r>
+            <a:r>
+              <a:rPr lang="ko-KR" altLang="en-US" sz="1400" b="1" dirty="0" err="1">
+                <a:solidFill>
+                  <a:schemeClr val="tx1">
+                    <a:lumMod val="50000"/>
+                    <a:lumOff val="50000"/>
+                  </a:schemeClr>
+                </a:solidFill>
+                <a:latin typeface="한컴 고딕" panose="02000500000000000000" pitchFamily="2" charset="-127"/>
+                <a:ea typeface="한컴 고딕" panose="02000500000000000000" pitchFamily="2" charset="-127"/>
+              </a:rPr>
+              <a:t>캐싱</a:t>
+            </a:r>
+            <a:r>
+              <a:rPr lang="ko-KR" altLang="en-US" sz="1400" b="1" dirty="0">
+                <a:solidFill>
+                  <a:schemeClr val="tx1">
+                    <a:lumMod val="50000"/>
+                    <a:lumOff val="50000"/>
+                  </a:schemeClr>
+                </a:solidFill>
+                <a:latin typeface="한컴 고딕" panose="02000500000000000000" pitchFamily="2" charset="-127"/>
+                <a:ea typeface="한컴 고딕" panose="02000500000000000000" pitchFamily="2" charset="-127"/>
+              </a:rPr>
+              <a:t> 자원 할당 기법 제안</a:t>
+            </a:r>
+            <a:endParaRPr lang="en-US" altLang="ko-KR" sz="1400" b="1" dirty="0">
+              <a:solidFill>
+                <a:schemeClr val="tx1">
+                  <a:lumMod val="50000"/>
+                  <a:lumOff val="50000"/>
+                </a:schemeClr>
+              </a:solidFill>
+              <a:latin typeface="한컴 고딕" panose="02000500000000000000" pitchFamily="2" charset="-127"/>
+              <a:ea typeface="한컴 고딕" panose="02000500000000000000" pitchFamily="2" charset="-127"/>
+            </a:endParaRPr>
+          </a:p>
+          <a:p>
+            <a:pPr marL="800100" lvl="1" indent="-342900">
+              <a:lnSpc>
+                <a:spcPct val="150000"/>
+              </a:lnSpc>
+              <a:buFont typeface="Arial" panose="020B0604020202020204" pitchFamily="34" charset="0"/>
+              <a:buChar char="•"/>
+            </a:pPr>
+            <a:r>
+              <a:rPr lang="ko-KR" altLang="en-US" sz="1400" b="1" dirty="0">
+                <a:solidFill>
+                  <a:schemeClr val="tx1">
+                    <a:lumMod val="50000"/>
+                    <a:lumOff val="50000"/>
+                  </a:schemeClr>
+                </a:solidFill>
+                <a:latin typeface="한컴 고딕" panose="02000500000000000000" pitchFamily="2" charset="-127"/>
+                <a:ea typeface="한컴 고딕" panose="02000500000000000000" pitchFamily="2" charset="-127"/>
+              </a:rPr>
+              <a:t>최적화 문제 도출을 위한 컨텐츠 배포 비용 및 대기 시간 활용 </a:t>
+            </a:r>
+            <a:r>
+              <a:rPr lang="en-US" altLang="ko-KR" sz="1400" b="1" dirty="0">
+                <a:solidFill>
+                  <a:schemeClr val="tx1">
+                    <a:lumMod val="50000"/>
+                    <a:lumOff val="50000"/>
+                  </a:schemeClr>
+                </a:solidFill>
+                <a:latin typeface="한컴 고딕" panose="02000500000000000000" pitchFamily="2" charset="-127"/>
+                <a:ea typeface="한컴 고딕" panose="02000500000000000000" pitchFamily="2" charset="-127"/>
+              </a:rPr>
+              <a:t>ILP(Integer Linear Programming) </a:t>
+            </a:r>
+            <a:r>
+              <a:rPr lang="ko-KR" altLang="en-US" sz="1400" b="1" dirty="0">
+                <a:solidFill>
+                  <a:schemeClr val="tx1">
+                    <a:lumMod val="50000"/>
+                    <a:lumOff val="50000"/>
+                  </a:schemeClr>
+                </a:solidFill>
+                <a:latin typeface="한컴 고딕" panose="02000500000000000000" pitchFamily="2" charset="-127"/>
+                <a:ea typeface="한컴 고딕" panose="02000500000000000000" pitchFamily="2" charset="-127"/>
+              </a:rPr>
+              <a:t>접근 방식 사용</a:t>
+            </a:r>
+            <a:endParaRPr lang="en-US" altLang="ko-KR" sz="1400" b="1" dirty="0">
+              <a:solidFill>
+                <a:schemeClr val="tx1">
+                  <a:lumMod val="50000"/>
+                  <a:lumOff val="50000"/>
+                </a:schemeClr>
+              </a:solidFill>
+              <a:latin typeface="한컴 고딕" panose="02000500000000000000" pitchFamily="2" charset="-127"/>
+              <a:ea typeface="한컴 고딕" panose="02000500000000000000" pitchFamily="2" charset="-127"/>
+            </a:endParaRPr>
+          </a:p>
+          <a:p>
+            <a:pPr marL="800100" lvl="1" indent="-342900">
+              <a:lnSpc>
+                <a:spcPct val="150000"/>
+              </a:lnSpc>
+              <a:buFont typeface="Arial" panose="020B0604020202020204" pitchFamily="34" charset="0"/>
+              <a:buChar char="•"/>
+            </a:pPr>
+            <a:r>
+              <a:rPr lang="ko-KR" altLang="en-US" sz="1400" b="1" dirty="0">
+                <a:solidFill>
+                  <a:schemeClr val="tx1">
+                    <a:lumMod val="50000"/>
+                    <a:lumOff val="50000"/>
+                  </a:schemeClr>
+                </a:solidFill>
+                <a:latin typeface="한컴 고딕" panose="02000500000000000000" pitchFamily="2" charset="-127"/>
+                <a:ea typeface="한컴 고딕" panose="02000500000000000000" pitchFamily="2" charset="-127"/>
+              </a:rPr>
+              <a:t>최적 정지 이론 기반 동적 계층 </a:t>
+            </a:r>
+            <a:r>
+              <a:rPr lang="ko-KR" altLang="en-US" sz="1400" b="1" dirty="0" err="1">
+                <a:solidFill>
+                  <a:schemeClr val="tx1">
+                    <a:lumMod val="50000"/>
+                    <a:lumOff val="50000"/>
+                  </a:schemeClr>
+                </a:solidFill>
+                <a:latin typeface="한컴 고딕" panose="02000500000000000000" pitchFamily="2" charset="-127"/>
+                <a:ea typeface="한컴 고딕" panose="02000500000000000000" pitchFamily="2" charset="-127"/>
+              </a:rPr>
+              <a:t>캐싱</a:t>
+            </a:r>
+            <a:r>
+              <a:rPr lang="ko-KR" altLang="en-US" sz="1400" b="1" dirty="0">
+                <a:solidFill>
+                  <a:schemeClr val="tx1">
+                    <a:lumMod val="50000"/>
+                    <a:lumOff val="50000"/>
+                  </a:schemeClr>
+                </a:solidFill>
+                <a:latin typeface="한컴 고딕" panose="02000500000000000000" pitchFamily="2" charset="-127"/>
+                <a:ea typeface="한컴 고딕" panose="02000500000000000000" pitchFamily="2" charset="-127"/>
+              </a:rPr>
+              <a:t> 자원 할당 기법 제안</a:t>
+            </a:r>
+            <a:endParaRPr lang="en-US" altLang="ko-KR" sz="1400" b="1" dirty="0">
+              <a:solidFill>
+                <a:schemeClr val="tx1">
+                  <a:lumMod val="50000"/>
+                  <a:lumOff val="50000"/>
+                </a:schemeClr>
+              </a:solidFill>
+              <a:latin typeface="한컴 고딕" panose="02000500000000000000" pitchFamily="2" charset="-127"/>
+              <a:ea typeface="한컴 고딕" panose="02000500000000000000" pitchFamily="2" charset="-127"/>
+            </a:endParaRPr>
+          </a:p>
+          <a:p>
+            <a:pPr marL="800100" lvl="1" indent="-342900">
+              <a:lnSpc>
+                <a:spcPct val="150000"/>
+              </a:lnSpc>
+              <a:buFont typeface="Arial" panose="020B0604020202020204" pitchFamily="34" charset="0"/>
+              <a:buChar char="•"/>
+            </a:pPr>
+            <a:r>
+              <a:rPr lang="en-US" altLang="ko-KR" sz="1400" b="1" dirty="0">
+                <a:solidFill>
+                  <a:schemeClr val="tx1">
+                    <a:lumMod val="50000"/>
+                    <a:lumOff val="50000"/>
+                  </a:schemeClr>
+                </a:solidFill>
+                <a:latin typeface="한컴 고딕" panose="02000500000000000000" pitchFamily="2" charset="-127"/>
+                <a:ea typeface="한컴 고딕" panose="02000500000000000000" pitchFamily="2" charset="-127"/>
+              </a:rPr>
+              <a:t>IEGA(Improved Elite Genetic Algorithm) </a:t>
+            </a:r>
+            <a:r>
+              <a:rPr lang="ko-KR" altLang="en-US" sz="1400" b="1" dirty="0">
+                <a:solidFill>
+                  <a:schemeClr val="tx1">
+                    <a:lumMod val="50000"/>
+                    <a:lumOff val="50000"/>
+                  </a:schemeClr>
+                </a:solidFill>
+                <a:latin typeface="한컴 고딕" panose="02000500000000000000" pitchFamily="2" charset="-127"/>
+                <a:ea typeface="한컴 고딕" panose="02000500000000000000" pitchFamily="2" charset="-127"/>
+              </a:rPr>
+              <a:t>사용 최적화 방안 제시</a:t>
+            </a:r>
+            <a:endParaRPr lang="en-US" altLang="ko-KR" sz="1400" b="1" dirty="0">
+              <a:solidFill>
+                <a:schemeClr val="tx1">
+                  <a:lumMod val="50000"/>
+                  <a:lumOff val="50000"/>
+                </a:schemeClr>
+              </a:solidFill>
+              <a:latin typeface="한컴 고딕" panose="02000500000000000000" pitchFamily="2" charset="-127"/>
+              <a:ea typeface="한컴 고딕" panose="02000500000000000000" pitchFamily="2" charset="-127"/>
+            </a:endParaRPr>
+          </a:p>
+          <a:p>
+            <a:pPr>
+              <a:lnSpc>
+                <a:spcPct val="150000"/>
+              </a:lnSpc>
+            </a:pPr>
+            <a:r>
+              <a:rPr lang="ko-KR" altLang="en-US" sz="1400" b="1" dirty="0">
+                <a:solidFill>
+                  <a:schemeClr val="accent1"/>
+                </a:solidFill>
+                <a:latin typeface="한컴 고딕" panose="02000500000000000000" pitchFamily="2" charset="-127"/>
+                <a:ea typeface="한컴 고딕" panose="02000500000000000000" pitchFamily="2" charset="-127"/>
+              </a:rPr>
+              <a:t>연구 목표</a:t>
+            </a:r>
+            <a:endParaRPr lang="en-US" altLang="ko-KR" sz="1400" b="1" dirty="0">
+              <a:solidFill>
+                <a:schemeClr val="accent1"/>
+              </a:solidFill>
+              <a:latin typeface="한컴 고딕" panose="02000500000000000000" pitchFamily="2" charset="-127"/>
+              <a:ea typeface="한컴 고딕" panose="02000500000000000000" pitchFamily="2" charset="-127"/>
+            </a:endParaRPr>
+          </a:p>
+          <a:p>
+            <a:pPr marL="742950" lvl="1" indent="-285750">
+              <a:lnSpc>
+                <a:spcPct val="150000"/>
+              </a:lnSpc>
+              <a:buFont typeface="Arial" panose="020B0604020202020204" pitchFamily="34" charset="0"/>
+              <a:buChar char="•"/>
+            </a:pPr>
+            <a:r>
+              <a:rPr lang="ko-KR" altLang="en-US" sz="1400" b="1" dirty="0">
+                <a:solidFill>
+                  <a:schemeClr val="tx1">
+                    <a:lumMod val="50000"/>
+                    <a:lumOff val="50000"/>
+                  </a:schemeClr>
+                </a:solidFill>
+                <a:latin typeface="한컴 고딕" panose="02000500000000000000" pitchFamily="2" charset="-127"/>
+                <a:ea typeface="한컴 고딕" panose="02000500000000000000" pitchFamily="2" charset="-127"/>
+              </a:rPr>
+              <a:t>효과적인 </a:t>
+            </a:r>
+            <a:r>
+              <a:rPr lang="ko-KR" altLang="en-US" sz="1400" b="1" dirty="0" err="1">
+                <a:solidFill>
+                  <a:schemeClr val="tx1">
+                    <a:lumMod val="50000"/>
+                    <a:lumOff val="50000"/>
+                  </a:schemeClr>
+                </a:solidFill>
+                <a:latin typeface="한컴 고딕" panose="02000500000000000000" pitchFamily="2" charset="-127"/>
+                <a:ea typeface="한컴 고딕" panose="02000500000000000000" pitchFamily="2" charset="-127"/>
+              </a:rPr>
+              <a:t>캐싱</a:t>
+            </a:r>
+            <a:r>
+              <a:rPr lang="ko-KR" altLang="en-US" sz="1400" b="1" dirty="0">
+                <a:solidFill>
+                  <a:schemeClr val="tx1">
+                    <a:lumMod val="50000"/>
+                    <a:lumOff val="50000"/>
+                  </a:schemeClr>
+                </a:solidFill>
+                <a:latin typeface="한컴 고딕" panose="02000500000000000000" pitchFamily="2" charset="-127"/>
+                <a:ea typeface="한컴 고딕" panose="02000500000000000000" pitchFamily="2" charset="-127"/>
+              </a:rPr>
+              <a:t> 기법 제안</a:t>
+            </a:r>
+            <a:endParaRPr lang="en-US" altLang="ko-KR" sz="1400" b="1" dirty="0">
+              <a:solidFill>
+                <a:schemeClr val="tx1">
+                  <a:lumMod val="50000"/>
+                  <a:lumOff val="50000"/>
+                </a:schemeClr>
+              </a:solidFill>
+              <a:latin typeface="한컴 고딕" panose="02000500000000000000" pitchFamily="2" charset="-127"/>
+              <a:ea typeface="한컴 고딕" panose="02000500000000000000" pitchFamily="2" charset="-127"/>
+            </a:endParaRPr>
+          </a:p>
+          <a:p>
+            <a:pPr marL="1200150" lvl="2" indent="-285750">
+              <a:lnSpc>
+                <a:spcPct val="150000"/>
+              </a:lnSpc>
+              <a:buFont typeface="Arial" panose="020B0604020202020204" pitchFamily="34" charset="0"/>
+              <a:buChar char="•"/>
+            </a:pPr>
+            <a:r>
+              <a:rPr lang="en-US" altLang="ko-KR" sz="1400" b="1" dirty="0">
+                <a:solidFill>
+                  <a:schemeClr val="tx1">
+                    <a:lumMod val="50000"/>
+                    <a:lumOff val="50000"/>
+                  </a:schemeClr>
+                </a:solidFill>
+                <a:latin typeface="한컴 고딕" panose="02000500000000000000" pitchFamily="2" charset="-127"/>
+                <a:ea typeface="한컴 고딕" panose="02000500000000000000" pitchFamily="2" charset="-127"/>
+              </a:rPr>
+              <a:t>5G MEC </a:t>
+            </a:r>
+            <a:r>
+              <a:rPr lang="ko-KR" altLang="en-US" sz="1400" b="1" dirty="0">
+                <a:solidFill>
+                  <a:schemeClr val="tx1">
+                    <a:lumMod val="50000"/>
+                    <a:lumOff val="50000"/>
+                  </a:schemeClr>
+                </a:solidFill>
+                <a:latin typeface="한컴 고딕" panose="02000500000000000000" pitchFamily="2" charset="-127"/>
+                <a:ea typeface="한컴 고딕" panose="02000500000000000000" pitchFamily="2" charset="-127"/>
+              </a:rPr>
+              <a:t>환경에서 </a:t>
+            </a:r>
+            <a:r>
+              <a:rPr lang="en-US" altLang="ko-KR" sz="1400" b="1" dirty="0">
+                <a:solidFill>
+                  <a:schemeClr val="tx1">
+                    <a:lumMod val="50000"/>
+                    <a:lumOff val="50000"/>
+                  </a:schemeClr>
+                </a:solidFill>
+                <a:latin typeface="한컴 고딕" panose="02000500000000000000" pitchFamily="2" charset="-127"/>
+                <a:ea typeface="한컴 고딕" panose="02000500000000000000" pitchFamily="2" charset="-127"/>
+              </a:rPr>
+              <a:t>ICN </a:t>
+            </a:r>
+            <a:r>
+              <a:rPr lang="ko-KR" altLang="en-US" sz="1400" b="1" dirty="0">
+                <a:solidFill>
+                  <a:schemeClr val="tx1">
+                    <a:lumMod val="50000"/>
+                    <a:lumOff val="50000"/>
+                  </a:schemeClr>
+                </a:solidFill>
+                <a:latin typeface="한컴 고딕" panose="02000500000000000000" pitchFamily="2" charset="-127"/>
+                <a:ea typeface="한컴 고딕" panose="02000500000000000000" pitchFamily="2" charset="-127"/>
+              </a:rPr>
+              <a:t>서비스 제공 시</a:t>
+            </a:r>
+            <a:r>
+              <a:rPr lang="en-US" altLang="ko-KR" sz="1400" b="1" dirty="0">
+                <a:solidFill>
+                  <a:schemeClr val="tx1">
+                    <a:lumMod val="50000"/>
+                    <a:lumOff val="50000"/>
+                  </a:schemeClr>
+                </a:solidFill>
+                <a:latin typeface="한컴 고딕" panose="02000500000000000000" pitchFamily="2" charset="-127"/>
+                <a:ea typeface="한컴 고딕" panose="02000500000000000000" pitchFamily="2" charset="-127"/>
+              </a:rPr>
+              <a:t>, </a:t>
+            </a:r>
+            <a:r>
+              <a:rPr lang="ko-KR" altLang="en-US" sz="1400" b="1" dirty="0">
+                <a:solidFill>
+                  <a:schemeClr val="tx1">
+                    <a:lumMod val="50000"/>
+                    <a:lumOff val="50000"/>
+                  </a:schemeClr>
+                </a:solidFill>
+                <a:latin typeface="한컴 고딕" panose="02000500000000000000" pitchFamily="2" charset="-127"/>
+                <a:ea typeface="한컴 고딕" panose="02000500000000000000" pitchFamily="2" charset="-127"/>
+              </a:rPr>
+              <a:t>사용되는 </a:t>
+            </a:r>
+            <a:r>
+              <a:rPr lang="ko-KR" altLang="en-US" sz="1400" b="1" dirty="0">
+                <a:solidFill>
+                  <a:srgbClr val="FF0000"/>
+                </a:solidFill>
+                <a:latin typeface="한컴 고딕" panose="02000500000000000000" pitchFamily="2" charset="-127"/>
+                <a:ea typeface="한컴 고딕" panose="02000500000000000000" pitchFamily="2" charset="-127"/>
+              </a:rPr>
+              <a:t>네트워크의 자원</a:t>
+            </a:r>
+            <a:r>
+              <a:rPr lang="ko-KR" altLang="en-US" sz="1400" b="1" dirty="0">
+                <a:solidFill>
+                  <a:schemeClr val="tx1">
+                    <a:lumMod val="50000"/>
+                    <a:lumOff val="50000"/>
+                  </a:schemeClr>
+                </a:solidFill>
+                <a:latin typeface="한컴 고딕" panose="02000500000000000000" pitchFamily="2" charset="-127"/>
+                <a:ea typeface="한컴 고딕" panose="02000500000000000000" pitchFamily="2" charset="-127"/>
+              </a:rPr>
+              <a:t>은 </a:t>
+            </a:r>
+            <a:r>
+              <a:rPr lang="ko-KR" altLang="en-US" sz="1400" b="1" dirty="0">
+                <a:solidFill>
+                  <a:srgbClr val="FF0000"/>
+                </a:solidFill>
+                <a:latin typeface="한컴 고딕" panose="02000500000000000000" pitchFamily="2" charset="-127"/>
+                <a:ea typeface="한컴 고딕" panose="02000500000000000000" pitchFamily="2" charset="-127"/>
+              </a:rPr>
+              <a:t>제한적</a:t>
+            </a:r>
+            <a:r>
+              <a:rPr lang="ko-KR" altLang="en-US" sz="1400" b="1" dirty="0">
+                <a:solidFill>
+                  <a:schemeClr val="tx1">
+                    <a:lumMod val="50000"/>
+                    <a:lumOff val="50000"/>
+                  </a:schemeClr>
+                </a:solidFill>
+                <a:latin typeface="한컴 고딕" panose="02000500000000000000" pitchFamily="2" charset="-127"/>
+                <a:ea typeface="한컴 고딕" panose="02000500000000000000" pitchFamily="2" charset="-127"/>
+              </a:rPr>
+              <a:t>이기 때문</a:t>
+            </a:r>
+            <a:endParaRPr lang="en-US" altLang="ko-KR" sz="1400" b="1" dirty="0">
+              <a:solidFill>
+                <a:schemeClr val="tx1">
+                  <a:lumMod val="50000"/>
+                  <a:lumOff val="50000"/>
+                </a:schemeClr>
+              </a:solidFill>
+              <a:latin typeface="한컴 고딕" panose="02000500000000000000" pitchFamily="2" charset="-127"/>
+              <a:ea typeface="한컴 고딕" panose="02000500000000000000" pitchFamily="2" charset="-127"/>
+            </a:endParaRPr>
+          </a:p>
+          <a:p>
+            <a:pPr marL="1200150" lvl="2" indent="-285750">
+              <a:lnSpc>
+                <a:spcPct val="150000"/>
+              </a:lnSpc>
+              <a:buFont typeface="Arial" panose="020B0604020202020204" pitchFamily="34" charset="0"/>
+              <a:buChar char="•"/>
+            </a:pPr>
+            <a:r>
+              <a:rPr lang="en-US" altLang="ko-KR" sz="1400" b="1" dirty="0">
+                <a:solidFill>
+                  <a:schemeClr val="tx1">
+                    <a:lumMod val="50000"/>
+                    <a:lumOff val="50000"/>
+                  </a:schemeClr>
+                </a:solidFill>
+                <a:latin typeface="한컴 고딕" panose="02000500000000000000" pitchFamily="2" charset="-127"/>
+                <a:ea typeface="한컴 고딕" panose="02000500000000000000" pitchFamily="2" charset="-127"/>
+              </a:rPr>
+              <a:t>5G MEC </a:t>
+            </a:r>
+            <a:r>
+              <a:rPr lang="ko-KR" altLang="en-US" sz="1400" b="1" dirty="0">
+                <a:solidFill>
+                  <a:schemeClr val="tx1">
+                    <a:lumMod val="50000"/>
+                    <a:lumOff val="50000"/>
+                  </a:schemeClr>
+                </a:solidFill>
+                <a:latin typeface="한컴 고딕" panose="02000500000000000000" pitchFamily="2" charset="-127"/>
+                <a:ea typeface="한컴 고딕" panose="02000500000000000000" pitchFamily="2" charset="-127"/>
+              </a:rPr>
+              <a:t>환경에서 </a:t>
+            </a:r>
+            <a:r>
+              <a:rPr lang="en-US" altLang="ko-KR" sz="1400" b="1" dirty="0">
+                <a:solidFill>
+                  <a:schemeClr val="tx1">
+                    <a:lumMod val="50000"/>
+                    <a:lumOff val="50000"/>
+                  </a:schemeClr>
+                </a:solidFill>
+                <a:latin typeface="한컴 고딕" panose="02000500000000000000" pitchFamily="2" charset="-127"/>
+                <a:ea typeface="한컴 고딕" panose="02000500000000000000" pitchFamily="2" charset="-127"/>
+              </a:rPr>
+              <a:t>ICN </a:t>
+            </a:r>
+            <a:r>
+              <a:rPr lang="ko-KR" altLang="en-US" sz="1400" b="1" dirty="0" err="1">
+                <a:solidFill>
+                  <a:schemeClr val="tx1">
+                    <a:lumMod val="50000"/>
+                    <a:lumOff val="50000"/>
+                  </a:schemeClr>
+                </a:solidFill>
+                <a:latin typeface="한컴 고딕" panose="02000500000000000000" pitchFamily="2" charset="-127"/>
+                <a:ea typeface="한컴 고딕" panose="02000500000000000000" pitchFamily="2" charset="-127"/>
+              </a:rPr>
+              <a:t>캐싱은</a:t>
+            </a:r>
+            <a:r>
+              <a:rPr lang="ko-KR" altLang="en-US" sz="1400" b="1" dirty="0">
+                <a:solidFill>
+                  <a:schemeClr val="tx1">
+                    <a:lumMod val="50000"/>
+                    <a:lumOff val="50000"/>
+                  </a:schemeClr>
+                </a:solidFill>
+                <a:latin typeface="한컴 고딕" panose="02000500000000000000" pitchFamily="2" charset="-127"/>
+                <a:ea typeface="한컴 고딕" panose="02000500000000000000" pitchFamily="2" charset="-127"/>
+              </a:rPr>
+              <a:t> 동적 </a:t>
+            </a:r>
+            <a:r>
+              <a:rPr lang="en-US" altLang="ko-KR" sz="1400" b="1" dirty="0">
+                <a:solidFill>
+                  <a:schemeClr val="tx1">
+                    <a:lumMod val="50000"/>
+                    <a:lumOff val="50000"/>
+                  </a:schemeClr>
+                </a:solidFill>
+                <a:latin typeface="한컴 고딕" panose="02000500000000000000" pitchFamily="2" charset="-127"/>
+                <a:ea typeface="한컴 고딕" panose="02000500000000000000" pitchFamily="2" charset="-127"/>
+              </a:rPr>
+              <a:t>ILP </a:t>
+            </a:r>
+            <a:r>
+              <a:rPr lang="ko-KR" altLang="en-US" sz="1400" b="1" dirty="0">
+                <a:solidFill>
+                  <a:schemeClr val="tx1">
+                    <a:lumMod val="50000"/>
+                    <a:lumOff val="50000"/>
+                  </a:schemeClr>
+                </a:solidFill>
+                <a:latin typeface="한컴 고딕" panose="02000500000000000000" pitchFamily="2" charset="-127"/>
+                <a:ea typeface="한컴 고딕" panose="02000500000000000000" pitchFamily="2" charset="-127"/>
+              </a:rPr>
+              <a:t>문제인 </a:t>
+            </a:r>
+            <a:r>
+              <a:rPr lang="en-US" altLang="ko-KR" sz="1400" b="1" dirty="0">
+                <a:solidFill>
+                  <a:schemeClr val="tx1">
+                    <a:lumMod val="50000"/>
+                    <a:lumOff val="50000"/>
+                  </a:schemeClr>
+                </a:solidFill>
+                <a:latin typeface="한컴 고딕" panose="02000500000000000000" pitchFamily="2" charset="-127"/>
+                <a:ea typeface="한컴 고딕" panose="02000500000000000000" pitchFamily="2" charset="-127"/>
+              </a:rPr>
+              <a:t>NP-Hard </a:t>
+            </a:r>
+            <a:r>
+              <a:rPr lang="ko-KR" altLang="en-US" sz="1400" b="1" dirty="0">
+                <a:solidFill>
+                  <a:schemeClr val="tx1">
+                    <a:lumMod val="50000"/>
+                    <a:lumOff val="50000"/>
+                  </a:schemeClr>
+                </a:solidFill>
+                <a:latin typeface="한컴 고딕" panose="02000500000000000000" pitchFamily="2" charset="-127"/>
+                <a:ea typeface="한컴 고딕" panose="02000500000000000000" pitchFamily="2" charset="-127"/>
+              </a:rPr>
+              <a:t>이기 때문</a:t>
+            </a:r>
+            <a:endParaRPr lang="en-US" altLang="ko-KR" sz="1400" b="1" dirty="0">
+              <a:solidFill>
+                <a:schemeClr val="tx1">
+                  <a:lumMod val="50000"/>
+                  <a:lumOff val="50000"/>
+                </a:schemeClr>
+              </a:solidFill>
+              <a:latin typeface="한컴 고딕" panose="02000500000000000000" pitchFamily="2" charset="-127"/>
+              <a:ea typeface="한컴 고딕" panose="02000500000000000000" pitchFamily="2" charset="-127"/>
+            </a:endParaRPr>
+          </a:p>
+          <a:p>
+            <a:pPr marL="742950" lvl="1" indent="-285750">
+              <a:lnSpc>
+                <a:spcPct val="150000"/>
+              </a:lnSpc>
+              <a:buFont typeface="Arial" panose="020B0604020202020204" pitchFamily="34" charset="0"/>
+              <a:buChar char="•"/>
+            </a:pPr>
+            <a:r>
+              <a:rPr lang="ko-KR" altLang="en-US" sz="1400" b="1" dirty="0">
+                <a:solidFill>
+                  <a:schemeClr val="tx1">
+                    <a:lumMod val="50000"/>
+                    <a:lumOff val="50000"/>
+                  </a:schemeClr>
+                </a:solidFill>
+                <a:latin typeface="한컴 고딕" panose="02000500000000000000" pitchFamily="2" charset="-127"/>
+                <a:ea typeface="한컴 고딕" panose="02000500000000000000" pitchFamily="2" charset="-127"/>
+              </a:rPr>
+              <a:t>제안 기법 아이디어</a:t>
+            </a:r>
+            <a:endParaRPr lang="en-US" altLang="ko-KR" sz="1400" b="1" dirty="0">
+              <a:solidFill>
+                <a:schemeClr val="tx1">
+                  <a:lumMod val="50000"/>
+                  <a:lumOff val="50000"/>
+                </a:schemeClr>
+              </a:solidFill>
+              <a:latin typeface="한컴 고딕" panose="02000500000000000000" pitchFamily="2" charset="-127"/>
+              <a:ea typeface="한컴 고딕" panose="02000500000000000000" pitchFamily="2" charset="-127"/>
+            </a:endParaRPr>
+          </a:p>
+          <a:p>
+            <a:pPr marL="1200150" lvl="2" indent="-285750">
+              <a:lnSpc>
+                <a:spcPct val="150000"/>
+              </a:lnSpc>
+              <a:buFont typeface="Arial" panose="020B0604020202020204" pitchFamily="34" charset="0"/>
+              <a:buChar char="•"/>
+            </a:pPr>
+            <a:r>
+              <a:rPr lang="en-US" altLang="ko-KR" sz="1400" b="1" dirty="0">
+                <a:solidFill>
+                  <a:schemeClr val="tx1">
+                    <a:lumMod val="50000"/>
+                    <a:lumOff val="50000"/>
+                  </a:schemeClr>
+                </a:solidFill>
+                <a:latin typeface="한컴 고딕" panose="02000500000000000000" pitchFamily="2" charset="-127"/>
+                <a:ea typeface="한컴 고딕" panose="02000500000000000000" pitchFamily="2" charset="-127"/>
+              </a:rPr>
+              <a:t>SDN(Software Defined Network) </a:t>
+            </a:r>
+            <a:r>
+              <a:rPr lang="ko-KR" altLang="en-US" sz="1400" b="1" dirty="0">
+                <a:solidFill>
+                  <a:schemeClr val="tx1">
+                    <a:lumMod val="50000"/>
+                    <a:lumOff val="50000"/>
+                  </a:schemeClr>
+                </a:solidFill>
+                <a:latin typeface="한컴 고딕" panose="02000500000000000000" pitchFamily="2" charset="-127"/>
+                <a:ea typeface="한컴 고딕" panose="02000500000000000000" pitchFamily="2" charset="-127"/>
+              </a:rPr>
+              <a:t>또는 </a:t>
+            </a:r>
+            <a:r>
+              <a:rPr lang="en-US" altLang="ko-KR" sz="1400" b="1" dirty="0">
+                <a:solidFill>
+                  <a:schemeClr val="tx1">
+                    <a:lumMod val="50000"/>
+                    <a:lumOff val="50000"/>
+                  </a:schemeClr>
+                </a:solidFill>
+                <a:latin typeface="한컴 고딕" panose="02000500000000000000" pitchFamily="2" charset="-127"/>
+                <a:ea typeface="한컴 고딕" panose="02000500000000000000" pitchFamily="2" charset="-127"/>
+              </a:rPr>
+              <a:t>MEC</a:t>
+            </a:r>
+            <a:r>
+              <a:rPr lang="ko-KR" altLang="en-US" sz="1400" b="1" dirty="0">
+                <a:solidFill>
+                  <a:schemeClr val="tx1">
+                    <a:lumMod val="50000"/>
+                    <a:lumOff val="50000"/>
+                  </a:schemeClr>
+                </a:solidFill>
+                <a:latin typeface="한컴 고딕" panose="02000500000000000000" pitchFamily="2" charset="-127"/>
+                <a:ea typeface="한컴 고딕" panose="02000500000000000000" pitchFamily="2" charset="-127"/>
+              </a:rPr>
+              <a:t>에서 계산된 </a:t>
+            </a:r>
+            <a:r>
+              <a:rPr lang="ko-KR" altLang="en-US" sz="1400" b="1" dirty="0">
+                <a:solidFill>
+                  <a:srgbClr val="FF0000"/>
+                </a:solidFill>
+                <a:latin typeface="한컴 고딕" panose="02000500000000000000" pitchFamily="2" charset="-127"/>
+                <a:ea typeface="한컴 고딕" panose="02000500000000000000" pitchFamily="2" charset="-127"/>
+              </a:rPr>
+              <a:t>컨텐츠 예상 요청 빈도</a:t>
+            </a:r>
+            <a:r>
+              <a:rPr lang="ko-KR" altLang="en-US" sz="1400" b="1" dirty="0">
+                <a:solidFill>
+                  <a:schemeClr val="tx1">
+                    <a:lumMod val="50000"/>
+                    <a:lumOff val="50000"/>
+                  </a:schemeClr>
+                </a:solidFill>
+                <a:latin typeface="한컴 고딕" panose="02000500000000000000" pitchFamily="2" charset="-127"/>
+                <a:ea typeface="한컴 고딕" panose="02000500000000000000" pitchFamily="2" charset="-127"/>
+              </a:rPr>
+              <a:t>를 기반으로 컨텐츠 전달 시 </a:t>
+            </a:r>
+            <a:r>
+              <a:rPr lang="ko-KR" altLang="en-US" sz="1400" b="1" dirty="0">
+                <a:solidFill>
+                  <a:srgbClr val="FF0000"/>
+                </a:solidFill>
+                <a:latin typeface="한컴 고딕" panose="02000500000000000000" pitchFamily="2" charset="-127"/>
+                <a:ea typeface="한컴 고딕" panose="02000500000000000000" pitchFamily="2" charset="-127"/>
+              </a:rPr>
+              <a:t>소비 비용 최소화</a:t>
+            </a:r>
+            <a:r>
+              <a:rPr lang="ko-KR" altLang="en-US" sz="1400" b="1" dirty="0">
+                <a:solidFill>
+                  <a:schemeClr val="tx1">
+                    <a:lumMod val="50000"/>
+                    <a:lumOff val="50000"/>
+                  </a:schemeClr>
+                </a:solidFill>
+                <a:latin typeface="한컴 고딕" panose="02000500000000000000" pitchFamily="2" charset="-127"/>
+                <a:ea typeface="한컴 고딕" panose="02000500000000000000" pitchFamily="2" charset="-127"/>
+              </a:rPr>
+              <a:t> 목적의 </a:t>
+            </a:r>
+            <a:r>
+              <a:rPr lang="ko-KR" altLang="en-US" sz="1400" b="1" dirty="0" err="1">
+                <a:solidFill>
+                  <a:schemeClr val="tx1">
+                    <a:lumMod val="50000"/>
+                    <a:lumOff val="50000"/>
+                  </a:schemeClr>
+                </a:solidFill>
+                <a:latin typeface="한컴 고딕" panose="02000500000000000000" pitchFamily="2" charset="-127"/>
+                <a:ea typeface="한컴 고딕" panose="02000500000000000000" pitchFamily="2" charset="-127"/>
+              </a:rPr>
+              <a:t>캐싱</a:t>
+            </a:r>
+            <a:r>
+              <a:rPr lang="ko-KR" altLang="en-US" sz="1400" b="1" dirty="0">
+                <a:solidFill>
+                  <a:schemeClr val="tx1">
+                    <a:lumMod val="50000"/>
+                    <a:lumOff val="50000"/>
+                  </a:schemeClr>
+                </a:solidFill>
+                <a:latin typeface="한컴 고딕" panose="02000500000000000000" pitchFamily="2" charset="-127"/>
+                <a:ea typeface="한컴 고딕" panose="02000500000000000000" pitchFamily="2" charset="-127"/>
+              </a:rPr>
+              <a:t> 최적화</a:t>
+            </a:r>
+            <a:endParaRPr lang="en-US" altLang="ko-KR" sz="1400" b="1" dirty="0">
+              <a:solidFill>
+                <a:schemeClr val="tx1">
+                  <a:lumMod val="50000"/>
+                  <a:lumOff val="50000"/>
+                </a:schemeClr>
+              </a:solidFill>
+              <a:latin typeface="한컴 고딕" panose="02000500000000000000" pitchFamily="2" charset="-127"/>
+              <a:ea typeface="한컴 고딕" panose="02000500000000000000" pitchFamily="2" charset="-127"/>
+            </a:endParaRPr>
+          </a:p>
+        </p:txBody>
+      </p:sp>
+      <p:sp>
+        <p:nvSpPr>
+          <p:cNvPr id="3" name="슬라이드 번호 개체 틀 2">
+            <a:extLst>
+              <a:ext uri="{FF2B5EF4-FFF2-40B4-BE49-F238E27FC236}">
+                <a16:creationId xmlns:a16="http://schemas.microsoft.com/office/drawing/2014/main" id="{4EC25071-CFFA-8C9C-CB7A-29C2F016666E}"/>
+              </a:ext>
+            </a:extLst>
+          </p:cNvPr>
+          <p:cNvSpPr>
+            <a:spLocks noGrp="1"/>
+          </p:cNvSpPr>
+          <p:nvPr>
+            <p:ph type="sldNum" sz="quarter" idx="12"/>
+          </p:nvPr>
+        </p:nvSpPr>
+        <p:spPr/>
+        <p:txBody>
+          <a:bodyPr/>
+          <a:lstStyle/>
+          <a:p>
+            <a:fld id="{4503EA79-8FE5-4AB7-9144-49D69278BFF0}" type="slidenum">
+              <a:rPr lang="ko-KR" altLang="en-US" smtClean="0"/>
+              <a:t>8</a:t>
+            </a:fld>
+            <a:endParaRPr lang="ko-KR" altLang="en-US"/>
+          </a:p>
+        </p:txBody>
+      </p:sp>
+    </p:spTree>
+    <p:extLst>
+      <p:ext uri="{BB962C8B-B14F-4D97-AF65-F5344CB8AC3E}">
+        <p14:creationId xmlns:p14="http://schemas.microsoft.com/office/powerpoint/2010/main" val="4086065440"/>
+      </p:ext>
+    </p:extLst>
+  </p:cSld>
+  <p:clrMapOvr>
+    <a:masterClrMapping/>
+  </p:clrMapOvr>
+</p:sld>
+</file>
+
+<file path=ppt/slides/slide9.xml><?xml version="1.0" encoding="utf-8"?>
+<p:sld xmlns:a="http://schemas.openxmlformats.org/drawingml/2006/main" xmlns:r="http://schemas.openxmlformats.org/officeDocument/2006/relationships" xmlns:p="http://schemas.openxmlformats.org/presentationml/2006/main">
+  <p:cSld>
+    <p:spTree>
+      <p:nvGrpSpPr>
+        <p:cNvPr id="1" name=""/>
+        <p:cNvGrpSpPr/>
+        <p:nvPr/>
+      </p:nvGrpSpPr>
+      <p:grpSpPr>
+        <a:xfrm>
+          <a:off x="0" y="0"/>
+          <a:ext cx="0" cy="0"/>
+          <a:chOff x="0" y="0"/>
+          <a:chExt cx="0" cy="0"/>
+        </a:xfrm>
+      </p:grpSpPr>
+      <p:sp>
+        <p:nvSpPr>
+          <p:cNvPr id="2" name="TextBox 1">
+            <a:extLst>
+              <a:ext uri="{FF2B5EF4-FFF2-40B4-BE49-F238E27FC236}">
+                <a16:creationId xmlns:a16="http://schemas.microsoft.com/office/drawing/2014/main" id="{21A7DBE9-2DE9-F0B6-F5C5-7DB6C44D8D28}"/>
+              </a:ext>
+            </a:extLst>
+          </p:cNvPr>
+          <p:cNvSpPr txBox="1"/>
+          <p:nvPr/>
+        </p:nvSpPr>
+        <p:spPr>
+          <a:xfrm>
+            <a:off x="570947" y="2598003"/>
+            <a:ext cx="11190418" cy="830997"/>
+          </a:xfrm>
+          <a:prstGeom prst="rect">
+            <a:avLst/>
+          </a:prstGeom>
+          <a:noFill/>
+        </p:spPr>
+        <p:txBody>
+          <a:bodyPr wrap="square" rtlCol="0">
+            <a:spAutoFit/>
+          </a:bodyPr>
+          <a:lstStyle/>
+          <a:p>
+            <a:r>
+              <a:rPr lang="ko-KR" altLang="en-US" sz="4800" dirty="0">
+                <a:solidFill>
+                  <a:schemeClr val="tx1">
+                    <a:lumMod val="65000"/>
+                    <a:lumOff val="35000"/>
+                  </a:schemeClr>
+                </a:solidFill>
+                <a:latin typeface="배달의민족 도현" panose="020B0600000101010101" pitchFamily="50" charset="-127"/>
+                <a:ea typeface="배달의민족 도현" panose="020B0600000101010101" pitchFamily="50" charset="-127"/>
+              </a:rPr>
+              <a:t>제안 기법</a:t>
+            </a:r>
+            <a:endParaRPr lang="en-US" altLang="ko-KR" sz="4800" dirty="0">
+              <a:solidFill>
+                <a:schemeClr val="tx1">
+                  <a:lumMod val="65000"/>
+                  <a:lumOff val="35000"/>
+                </a:schemeClr>
+              </a:solidFill>
+              <a:latin typeface="배달의민족 도현" panose="020B0600000101010101" pitchFamily="50" charset="-127"/>
+              <a:ea typeface="배달의민족 도현" panose="020B0600000101010101" pitchFamily="50" charset="-127"/>
+            </a:endParaRPr>
+          </a:p>
+        </p:txBody>
+      </p:sp>
+      <p:sp>
+        <p:nvSpPr>
+          <p:cNvPr id="3" name="슬라이드 번호 개체 틀 2">
+            <a:extLst>
+              <a:ext uri="{FF2B5EF4-FFF2-40B4-BE49-F238E27FC236}">
+                <a16:creationId xmlns:a16="http://schemas.microsoft.com/office/drawing/2014/main" id="{CE2C3055-3767-2EC3-17AD-3FDE29F361B0}"/>
+              </a:ext>
+            </a:extLst>
+          </p:cNvPr>
+          <p:cNvSpPr>
+            <a:spLocks noGrp="1"/>
+          </p:cNvSpPr>
+          <p:nvPr>
+            <p:ph type="sldNum" sz="quarter" idx="12"/>
+          </p:nvPr>
+        </p:nvSpPr>
+        <p:spPr/>
+        <p:txBody>
+          <a:bodyPr/>
+          <a:lstStyle/>
+          <a:p>
+            <a:fld id="{4503EA79-8FE5-4AB7-9144-49D69278BFF0}" type="slidenum">
+              <a:rPr lang="ko-KR" altLang="en-US" smtClean="0"/>
+              <a:t>9</a:t>
+            </a:fld>
+            <a:endParaRPr lang="ko-KR" altLang="en-US"/>
+          </a:p>
+        </p:txBody>
+      </p:sp>
+      <p:cxnSp>
+        <p:nvCxnSpPr>
+          <p:cNvPr id="4" name="직선 연결선 3">
+            <a:extLst>
+              <a:ext uri="{FF2B5EF4-FFF2-40B4-BE49-F238E27FC236}">
+                <a16:creationId xmlns:a16="http://schemas.microsoft.com/office/drawing/2014/main" id="{00650591-D617-465F-DFD1-82178FC4CBF0}"/>
+              </a:ext>
+            </a:extLst>
+          </p:cNvPr>
+          <p:cNvCxnSpPr>
+            <a:cxnSpLocks/>
+          </p:cNvCxnSpPr>
+          <p:nvPr/>
+        </p:nvCxnSpPr>
+        <p:spPr>
+          <a:xfrm>
+            <a:off x="570947" y="3429000"/>
+            <a:ext cx="2658814" cy="0"/>
+          </a:xfrm>
+          <a:prstGeom prst="line">
+            <a:avLst/>
+          </a:prstGeom>
+          <a:ln w="57150">
+            <a:solidFill>
+              <a:schemeClr val="accent1">
+                <a:lumMod val="75000"/>
+              </a:schemeClr>
+            </a:solidFill>
+          </a:ln>
+        </p:spPr>
+        <p:style>
+          <a:lnRef idx="1">
+            <a:schemeClr val="accent1"/>
+          </a:lnRef>
+          <a:fillRef idx="0">
+            <a:schemeClr val="accent1"/>
+          </a:fillRef>
+          <a:effectRef idx="0">
+            <a:schemeClr val="accent1"/>
+          </a:effectRef>
+          <a:fontRef idx="minor">
+            <a:schemeClr val="tx1"/>
+          </a:fontRef>
+        </p:style>
+      </p:cxnSp>
+      <p:sp>
+        <p:nvSpPr>
+          <p:cNvPr id="7" name="직사각형 6">
+            <a:extLst>
+              <a:ext uri="{FF2B5EF4-FFF2-40B4-BE49-F238E27FC236}">
+                <a16:creationId xmlns:a16="http://schemas.microsoft.com/office/drawing/2014/main" id="{A2519E08-BC8B-64F6-779D-97498F7134AE}"/>
+              </a:ext>
+            </a:extLst>
+          </p:cNvPr>
+          <p:cNvSpPr/>
+          <p:nvPr/>
+        </p:nvSpPr>
+        <p:spPr>
+          <a:xfrm>
+            <a:off x="0" y="0"/>
+            <a:ext cx="12192000" cy="6858000"/>
+          </a:xfrm>
+          <a:prstGeom prst="rect">
+            <a:avLst/>
+          </a:prstGeom>
+          <a:noFill/>
+          <a:ln w="190500">
+            <a:solidFill>
+              <a:schemeClr val="accent1">
+                <a:lumMod val="75000"/>
+              </a:schemeClr>
+            </a:solidFill>
+          </a:ln>
+        </p:spPr>
+        <p:style>
+          <a:lnRef idx="2">
+            <a:schemeClr val="accent1">
+              <a:shade val="50000"/>
+            </a:schemeClr>
+          </a:lnRef>
+          <a:fillRef idx="1">
+            <a:schemeClr val="accent1"/>
+          </a:fillRef>
+          <a:effectRef idx="0">
+            <a:schemeClr val="accent1"/>
+          </a:effectRef>
+          <a:fontRef idx="minor">
+            <a:schemeClr val="lt1"/>
+          </a:fontRef>
+        </p:style>
+        <p:txBody>
+          <a:bodyPr rtlCol="0" anchor="ctr"/>
+          <a:lstStyle/>
+          <a:p>
+            <a:pPr algn="ctr"/>
+            <a:endParaRPr lang="ko-KR" altLang="en-US" dirty="0"/>
+          </a:p>
+        </p:txBody>
+      </p:sp>
+    </p:spTree>
+    <p:extLst>
+      <p:ext uri="{BB962C8B-B14F-4D97-AF65-F5344CB8AC3E}">
+        <p14:creationId xmlns:p14="http://schemas.microsoft.com/office/powerpoint/2010/main" val="3923827434"/>
       </p:ext>
     </p:extLst>
   </p:cSld>
@@ -7423,6 +13389,12 @@
 </file>
 
 <file path=customXml/item1.xml><?xml version="1.0" encoding="utf-8"?>
+<p:properties xmlns:p="http://schemas.microsoft.com/office/2006/metadata/properties" xmlns:xsi="http://www.w3.org/2001/XMLSchema-instance" xmlns:pc="http://schemas.microsoft.com/office/infopath/2007/PartnerControls">
+  <documentManagement/>
+</p:properties>
+</file>
+
+<file path=customXml/item2.xml><?xml version="1.0" encoding="utf-8"?>
 <ct:contentTypeSchema xmlns:ct="http://schemas.microsoft.com/office/2006/metadata/contentType" xmlns:ma="http://schemas.microsoft.com/office/2006/metadata/properties/metaAttributes" ct:_="" ma:_="" ma:contentTypeName="문서" ma:contentTypeID="0x010100E4927A4037DBD641A85992FBC73A8B40" ma:contentTypeVersion="2" ma:contentTypeDescription="새 문서를 만듭니다." ma:contentTypeScope="" ma:versionID="785516272148627df98f01afb93c3ec0">
   <xsd:schema xmlns:xsd="http://www.w3.org/2001/XMLSchema" xmlns:xs="http://www.w3.org/2001/XMLSchema" xmlns:p="http://schemas.microsoft.com/office/2006/metadata/properties" xmlns:ns3="8163f15b-5006-406c-85c3-8b9bf000eef1" targetNamespace="http://schemas.microsoft.com/office/2006/metadata/properties" ma:root="true" ma:fieldsID="3387be2b6cc6ac182b5d48e801aa7a71" ns3:_="">
     <xsd:import namespace="8163f15b-5006-406c-85c3-8b9bf000eef1"/>
@@ -7554,12 +13526,6 @@
 </ct:contentTypeSchema>
 </file>
 
-<file path=customXml/item2.xml><?xml version="1.0" encoding="utf-8"?>
-<p:properties xmlns:p="http://schemas.microsoft.com/office/2006/metadata/properties" xmlns:xsi="http://www.w3.org/2001/XMLSchema-instance" xmlns:pc="http://schemas.microsoft.com/office/infopath/2007/PartnerControls">
-  <documentManagement/>
-</p:properties>
-</file>
-
 <file path=customXml/item3.xml><?xml version="1.0" encoding="utf-8"?>
 <?mso-contentType ?>
 <FormTemplates xmlns="http://schemas.microsoft.com/sharepoint/v3/contenttype/forms">
@@ -7570,6 +13536,22 @@
 </file>
 
 <file path=customXml/itemProps1.xml><?xml version="1.0" encoding="utf-8"?>
+<ds:datastoreItem xmlns:ds="http://schemas.openxmlformats.org/officeDocument/2006/customXml" ds:itemID="{77F7A99E-4399-4A80-972F-A96848332908}">
+  <ds:schemaRefs>
+    <ds:schemaRef ds:uri="http://purl.org/dc/terms/"/>
+    <ds:schemaRef ds:uri="http://www.w3.org/XML/1998/namespace"/>
+    <ds:schemaRef ds:uri="http://purl.org/dc/elements/1.1/"/>
+    <ds:schemaRef ds:uri="http://purl.org/dc/dcmitype/"/>
+    <ds:schemaRef ds:uri="http://schemas.microsoft.com/office/infopath/2007/PartnerControls"/>
+    <ds:schemaRef ds:uri="http://schemas.microsoft.com/office/2006/metadata/properties"/>
+    <ds:schemaRef ds:uri="http://schemas.microsoft.com/office/2006/documentManagement/types"/>
+    <ds:schemaRef ds:uri="http://schemas.openxmlformats.org/package/2006/metadata/core-properties"/>
+    <ds:schemaRef ds:uri="8163f15b-5006-406c-85c3-8b9bf000eef1"/>
+  </ds:schemaRefs>
+</ds:datastoreItem>
+</file>
+
+<file path=customXml/itemProps2.xml><?xml version="1.0" encoding="utf-8"?>
 <ds:datastoreItem xmlns:ds="http://schemas.openxmlformats.org/officeDocument/2006/customXml" ds:itemID="{B23CD78E-FDBA-45D3-A74E-F9DB3B758C5E}">
   <ds:schemaRefs>
     <ds:schemaRef ds:uri="http://schemas.microsoft.com/office/2006/metadata/contentType"/>
@@ -7587,22 +13569,6 @@
 </ds:datastoreItem>
 </file>
 
-<file path=customXml/itemProps2.xml><?xml version="1.0" encoding="utf-8"?>
-<ds:datastoreItem xmlns:ds="http://schemas.openxmlformats.org/officeDocument/2006/customXml" ds:itemID="{77F7A99E-4399-4A80-972F-A96848332908}">
-  <ds:schemaRefs>
-    <ds:schemaRef ds:uri="http://purl.org/dc/terms/"/>
-    <ds:schemaRef ds:uri="http://www.w3.org/XML/1998/namespace"/>
-    <ds:schemaRef ds:uri="http://purl.org/dc/elements/1.1/"/>
-    <ds:schemaRef ds:uri="http://purl.org/dc/dcmitype/"/>
-    <ds:schemaRef ds:uri="http://schemas.microsoft.com/office/infopath/2007/PartnerControls"/>
-    <ds:schemaRef ds:uri="http://schemas.microsoft.com/office/2006/metadata/properties"/>
-    <ds:schemaRef ds:uri="http://schemas.microsoft.com/office/2006/documentManagement/types"/>
-    <ds:schemaRef ds:uri="http://schemas.openxmlformats.org/package/2006/metadata/core-properties"/>
-    <ds:schemaRef ds:uri="8163f15b-5006-406c-85c3-8b9bf000eef1"/>
-  </ds:schemaRefs>
-</ds:datastoreItem>
-</file>
-
 <file path=customXml/itemProps3.xml><?xml version="1.0" encoding="utf-8"?>
 <ds:datastoreItem xmlns:ds="http://schemas.openxmlformats.org/officeDocument/2006/customXml" ds:itemID="{4F4AD1C9-2958-46E3-9F6B-F7BA68A8F8FC}">
   <ds:schemaRefs>
